--- a/meetings/2020_02_14_endterm/endterm_final_Korbi.pptx
+++ b/meetings/2020_02_14_endterm/endterm_final_Korbi.pptx
@@ -4021,8 +4021,8 @@
           </a:p>
         </p:txBody>
       </p:sp>
-      <mc:AlternateContent xmlns:mc="http://schemas.openxmlformats.org/markup-compatibility/2006">
-        <mc:Choice xmlns:a14="http://schemas.microsoft.com/office/drawing/2010/main" Requires="a14">
+      <mc:AlternateContent xmlns:mc="http://schemas.openxmlformats.org/markup-compatibility/2006" xmlns:a14="http://schemas.microsoft.com/office/drawing/2010/main">
+        <mc:Choice Requires="a14">
           <p:sp>
             <p:nvSpPr>
               <p:cNvPr id="3" name="Textfeld 2"/>
@@ -4699,7 +4699,7 @@
             </p:txBody>
           </p:sp>
         </mc:Choice>
-        <mc:Fallback>
+        <mc:Fallback xmlns="">
           <p:sp>
             <p:nvSpPr>
               <p:cNvPr id="3" name="Textfeld 2"/>
@@ -4738,8 +4738,8 @@
           </p:sp>
         </mc:Fallback>
       </mc:AlternateContent>
-      <mc:AlternateContent xmlns:mc="http://schemas.openxmlformats.org/markup-compatibility/2006">
-        <mc:Choice xmlns:a14="http://schemas.microsoft.com/office/drawing/2010/main" Requires="a14">
+      <mc:AlternateContent xmlns:mc="http://schemas.openxmlformats.org/markup-compatibility/2006" xmlns:a14="http://schemas.microsoft.com/office/drawing/2010/main">
+        <mc:Choice Requires="a14">
           <p:sp>
             <p:nvSpPr>
               <p:cNvPr id="8" name="Textfeld 7"/>
@@ -4910,7 +4910,7 @@
             </p:txBody>
           </p:sp>
         </mc:Choice>
-        <mc:Fallback>
+        <mc:Fallback xmlns="">
           <p:sp>
             <p:nvSpPr>
               <p:cNvPr id="8" name="Textfeld 7"/>
@@ -5306,8 +5306,8 @@
           </a:p>
         </p:txBody>
       </p:sp>
-      <mc:AlternateContent xmlns:mc="http://schemas.openxmlformats.org/markup-compatibility/2006">
-        <mc:Choice xmlns:a14="http://schemas.microsoft.com/office/drawing/2010/main" Requires="a14">
+      <mc:AlternateContent xmlns:mc="http://schemas.openxmlformats.org/markup-compatibility/2006" xmlns:a14="http://schemas.microsoft.com/office/drawing/2010/main">
+        <mc:Choice Requires="a14">
           <p:sp>
             <p:nvSpPr>
               <p:cNvPr id="7" name="Textfeld 6">
@@ -5336,6 +5336,7 @@
               </a:bodyPr>
               <a:lstStyle/>
               <a:p>
+                <a:pPr/>
                 <a14:m>
                   <m:oMathPara xmlns:m="http://schemas.openxmlformats.org/officeDocument/2006/math">
                     <m:oMathParaPr>
@@ -5375,7 +5376,7 @@
             </p:txBody>
           </p:sp>
         </mc:Choice>
-        <mc:Fallback>
+        <mc:Fallback xmlns="">
           <p:sp>
             <p:nvSpPr>
               <p:cNvPr id="7" name="Textfeld 6">
@@ -5470,8 +5471,8 @@
           </a:p>
         </p:txBody>
       </p:sp>
-      <mc:AlternateContent xmlns:mc="http://schemas.openxmlformats.org/markup-compatibility/2006">
-        <mc:Choice xmlns:a14="http://schemas.microsoft.com/office/drawing/2010/main" Requires="a14">
+      <mc:AlternateContent xmlns:mc="http://schemas.openxmlformats.org/markup-compatibility/2006" xmlns:a14="http://schemas.microsoft.com/office/drawing/2010/main">
+        <mc:Choice Requires="a14">
           <p:sp>
             <p:nvSpPr>
               <p:cNvPr id="13" name="Textfeld 12">
@@ -5500,6 +5501,7 @@
               </a:bodyPr>
               <a:lstStyle/>
               <a:p>
+                <a:pPr/>
                 <a14:m>
                   <m:oMathPara xmlns:m="http://schemas.openxmlformats.org/officeDocument/2006/math">
                     <m:oMathParaPr>
@@ -5539,7 +5541,7 @@
             </p:txBody>
           </p:sp>
         </mc:Choice>
-        <mc:Fallback>
+        <mc:Fallback xmlns="">
           <p:sp>
             <p:nvSpPr>
               <p:cNvPr id="13" name="Textfeld 12">
@@ -5584,8 +5586,8 @@
           </p:sp>
         </mc:Fallback>
       </mc:AlternateContent>
-      <mc:AlternateContent xmlns:mc="http://schemas.openxmlformats.org/markup-compatibility/2006">
-        <mc:Choice xmlns:a14="http://schemas.microsoft.com/office/drawing/2010/main" Requires="a14">
+      <mc:AlternateContent xmlns:mc="http://schemas.openxmlformats.org/markup-compatibility/2006" xmlns:a14="http://schemas.microsoft.com/office/drawing/2010/main">
+        <mc:Choice Requires="a14">
           <p:sp>
             <p:nvSpPr>
               <p:cNvPr id="14" name="Textfeld 13">
@@ -5717,7 +5719,7 @@
             </p:txBody>
           </p:sp>
         </mc:Choice>
-        <mc:Fallback>
+        <mc:Fallback xmlns="">
           <p:sp>
             <p:nvSpPr>
               <p:cNvPr id="14" name="Textfeld 13">
@@ -15578,8 +15580,8 @@
           </p:sp>
         </mc:Fallback>
       </mc:AlternateContent>
-      <mc:AlternateContent xmlns:mc="http://schemas.openxmlformats.org/markup-compatibility/2006">
-        <mc:Choice xmlns:a14="http://schemas.microsoft.com/office/drawing/2010/main" Requires="a14">
+      <mc:AlternateContent xmlns:mc="http://schemas.openxmlformats.org/markup-compatibility/2006" xmlns:a14="http://schemas.microsoft.com/office/drawing/2010/main">
+        <mc:Choice Requires="a14">
           <p:sp>
             <p:nvSpPr>
               <p:cNvPr id="4" name="Textfeld 3">
@@ -15653,7 +15655,7 @@
             </p:txBody>
           </p:sp>
         </mc:Choice>
-        <mc:Fallback>
+        <mc:Fallback xmlns="">
           <p:sp>
             <p:nvSpPr>
               <p:cNvPr id="4" name="Textfeld 3">
@@ -15698,8 +15700,8 @@
           </p:sp>
         </mc:Fallback>
       </mc:AlternateContent>
-      <mc:AlternateContent xmlns:mc="http://schemas.openxmlformats.org/markup-compatibility/2006">
-        <mc:Choice xmlns:a14="http://schemas.microsoft.com/office/drawing/2010/main" Requires="a14">
+      <mc:AlternateContent xmlns:mc="http://schemas.openxmlformats.org/markup-compatibility/2006" xmlns:a14="http://schemas.microsoft.com/office/drawing/2010/main">
+        <mc:Choice Requires="a14">
           <p:sp>
             <p:nvSpPr>
               <p:cNvPr id="32" name="Textfeld 31">
@@ -15773,7 +15775,7 @@
             </p:txBody>
           </p:sp>
         </mc:Choice>
-        <mc:Fallback>
+        <mc:Fallback xmlns="">
           <p:sp>
             <p:nvSpPr>
               <p:cNvPr id="32" name="Textfeld 31">
@@ -15818,8 +15820,8 @@
           </p:sp>
         </mc:Fallback>
       </mc:AlternateContent>
-      <mc:AlternateContent xmlns:mc="http://schemas.openxmlformats.org/markup-compatibility/2006">
-        <mc:Choice xmlns:a14="http://schemas.microsoft.com/office/drawing/2010/main" Requires="a14">
+      <mc:AlternateContent xmlns:mc="http://schemas.openxmlformats.org/markup-compatibility/2006" xmlns:a14="http://schemas.microsoft.com/office/drawing/2010/main">
+        <mc:Choice Requires="a14">
           <p:sp>
             <p:nvSpPr>
               <p:cNvPr id="33" name="Textfeld 32">
@@ -15885,7 +15887,7 @@
             </p:txBody>
           </p:sp>
         </mc:Choice>
-        <mc:Fallback>
+        <mc:Fallback xmlns="">
           <p:sp>
             <p:nvSpPr>
               <p:cNvPr id="33" name="Textfeld 32">
@@ -16349,7 +16351,7 @@
                                 </p:cTn>
                               </p:par>
                               <p:par>
-                                <p:cTn id="38" presetID="22" presetClass="entr" presetSubtype="8" fill="hold" nodeType="withEffect">
+                                <p:cTn id="38" presetID="22" presetClass="entr" presetSubtype="8" fill="hold" grpId="0" nodeType="withEffect">
                                   <p:stCondLst>
                                     <p:cond delay="0"/>
                                   </p:stCondLst>
@@ -16357,216 +16359,6 @@
                                     <p:set>
                                       <p:cBhvr>
                                         <p:cTn id="39" dur="1" fill="hold">
-                                          <p:stCondLst>
-                                            <p:cond delay="0"/>
-                                          </p:stCondLst>
-                                        </p:cTn>
-                                        <p:tgtEl>
-                                          <p:spTgt spid="96"/>
-                                        </p:tgtEl>
-                                        <p:attrNameLst>
-                                          <p:attrName>style.visibility</p:attrName>
-                                        </p:attrNameLst>
-                                      </p:cBhvr>
-                                      <p:to>
-                                        <p:strVal val="visible"/>
-                                      </p:to>
-                                    </p:set>
-                                    <p:animEffect transition="in" filter="wipe(left)">
-                                      <p:cBhvr>
-                                        <p:cTn id="40" dur="500"/>
-                                        <p:tgtEl>
-                                          <p:spTgt spid="96"/>
-                                        </p:tgtEl>
-                                      </p:cBhvr>
-                                    </p:animEffect>
-                                  </p:childTnLst>
-                                </p:cTn>
-                              </p:par>
-                              <p:par>
-                                <p:cTn id="41" presetID="22" presetClass="entr" presetSubtype="8" fill="hold" nodeType="withEffect">
-                                  <p:stCondLst>
-                                    <p:cond delay="0"/>
-                                  </p:stCondLst>
-                                  <p:childTnLst>
-                                    <p:set>
-                                      <p:cBhvr>
-                                        <p:cTn id="42" dur="1" fill="hold">
-                                          <p:stCondLst>
-                                            <p:cond delay="0"/>
-                                          </p:stCondLst>
-                                        </p:cTn>
-                                        <p:tgtEl>
-                                          <p:spTgt spid="97"/>
-                                        </p:tgtEl>
-                                        <p:attrNameLst>
-                                          <p:attrName>style.visibility</p:attrName>
-                                        </p:attrNameLst>
-                                      </p:cBhvr>
-                                      <p:to>
-                                        <p:strVal val="visible"/>
-                                      </p:to>
-                                    </p:set>
-                                    <p:animEffect transition="in" filter="wipe(left)">
-                                      <p:cBhvr>
-                                        <p:cTn id="43" dur="500"/>
-                                        <p:tgtEl>
-                                          <p:spTgt spid="97"/>
-                                        </p:tgtEl>
-                                      </p:cBhvr>
-                                    </p:animEffect>
-                                  </p:childTnLst>
-                                </p:cTn>
-                              </p:par>
-                              <p:par>
-                                <p:cTn id="44" presetID="22" presetClass="entr" presetSubtype="8" fill="hold" nodeType="withEffect">
-                                  <p:stCondLst>
-                                    <p:cond delay="0"/>
-                                  </p:stCondLst>
-                                  <p:childTnLst>
-                                    <p:set>
-                                      <p:cBhvr>
-                                        <p:cTn id="45" dur="1" fill="hold">
-                                          <p:stCondLst>
-                                            <p:cond delay="0"/>
-                                          </p:stCondLst>
-                                        </p:cTn>
-                                        <p:tgtEl>
-                                          <p:spTgt spid="98"/>
-                                        </p:tgtEl>
-                                        <p:attrNameLst>
-                                          <p:attrName>style.visibility</p:attrName>
-                                        </p:attrNameLst>
-                                      </p:cBhvr>
-                                      <p:to>
-                                        <p:strVal val="visible"/>
-                                      </p:to>
-                                    </p:set>
-                                    <p:animEffect transition="in" filter="wipe(left)">
-                                      <p:cBhvr>
-                                        <p:cTn id="46" dur="500"/>
-                                        <p:tgtEl>
-                                          <p:spTgt spid="98"/>
-                                        </p:tgtEl>
-                                      </p:cBhvr>
-                                    </p:animEffect>
-                                  </p:childTnLst>
-                                </p:cTn>
-                              </p:par>
-                              <p:par>
-                                <p:cTn id="47" presetID="22" presetClass="entr" presetSubtype="8" fill="hold" nodeType="withEffect">
-                                  <p:stCondLst>
-                                    <p:cond delay="0"/>
-                                  </p:stCondLst>
-                                  <p:childTnLst>
-                                    <p:set>
-                                      <p:cBhvr>
-                                        <p:cTn id="48" dur="1" fill="hold">
-                                          <p:stCondLst>
-                                            <p:cond delay="0"/>
-                                          </p:stCondLst>
-                                        </p:cTn>
-                                        <p:tgtEl>
-                                          <p:spTgt spid="99"/>
-                                        </p:tgtEl>
-                                        <p:attrNameLst>
-                                          <p:attrName>style.visibility</p:attrName>
-                                        </p:attrNameLst>
-                                      </p:cBhvr>
-                                      <p:to>
-                                        <p:strVal val="visible"/>
-                                      </p:to>
-                                    </p:set>
-                                    <p:animEffect transition="in" filter="wipe(left)">
-                                      <p:cBhvr>
-                                        <p:cTn id="49" dur="500"/>
-                                        <p:tgtEl>
-                                          <p:spTgt spid="99"/>
-                                        </p:tgtEl>
-                                      </p:cBhvr>
-                                    </p:animEffect>
-                                  </p:childTnLst>
-                                </p:cTn>
-                              </p:par>
-                              <p:par>
-                                <p:cTn id="50" presetID="22" presetClass="entr" presetSubtype="8" fill="hold" nodeType="withEffect">
-                                  <p:stCondLst>
-                                    <p:cond delay="0"/>
-                                  </p:stCondLst>
-                                  <p:childTnLst>
-                                    <p:set>
-                                      <p:cBhvr>
-                                        <p:cTn id="51" dur="1" fill="hold">
-                                          <p:stCondLst>
-                                            <p:cond delay="0"/>
-                                          </p:stCondLst>
-                                        </p:cTn>
-                                        <p:tgtEl>
-                                          <p:spTgt spid="100"/>
-                                        </p:tgtEl>
-                                        <p:attrNameLst>
-                                          <p:attrName>style.visibility</p:attrName>
-                                        </p:attrNameLst>
-                                      </p:cBhvr>
-                                      <p:to>
-                                        <p:strVal val="visible"/>
-                                      </p:to>
-                                    </p:set>
-                                    <p:animEffect transition="in" filter="wipe(left)">
-                                      <p:cBhvr>
-                                        <p:cTn id="52" dur="500"/>
-                                        <p:tgtEl>
-                                          <p:spTgt spid="100"/>
-                                        </p:tgtEl>
-                                      </p:cBhvr>
-                                    </p:animEffect>
-                                  </p:childTnLst>
-                                </p:cTn>
-                              </p:par>
-                              <p:par>
-                                <p:cTn id="53" presetID="22" presetClass="entr" presetSubtype="8" fill="hold" nodeType="withEffect">
-                                  <p:stCondLst>
-                                    <p:cond delay="0"/>
-                                  </p:stCondLst>
-                                  <p:childTnLst>
-                                    <p:set>
-                                      <p:cBhvr>
-                                        <p:cTn id="54" dur="1" fill="hold">
-                                          <p:stCondLst>
-                                            <p:cond delay="0"/>
-                                          </p:stCondLst>
-                                        </p:cTn>
-                                        <p:tgtEl>
-                                          <p:spTgt spid="101"/>
-                                        </p:tgtEl>
-                                        <p:attrNameLst>
-                                          <p:attrName>style.visibility</p:attrName>
-                                        </p:attrNameLst>
-                                      </p:cBhvr>
-                                      <p:to>
-                                        <p:strVal val="visible"/>
-                                      </p:to>
-                                    </p:set>
-                                    <p:animEffect transition="in" filter="wipe(left)">
-                                      <p:cBhvr>
-                                        <p:cTn id="55" dur="500"/>
-                                        <p:tgtEl>
-                                          <p:spTgt spid="101"/>
-                                        </p:tgtEl>
-                                      </p:cBhvr>
-                                    </p:animEffect>
-                                  </p:childTnLst>
-                                </p:cTn>
-                              </p:par>
-                              <p:par>
-                                <p:cTn id="56" presetID="22" presetClass="entr" presetSubtype="8" fill="hold" grpId="0" nodeType="withEffect">
-                                  <p:stCondLst>
-                                    <p:cond delay="0"/>
-                                  </p:stCondLst>
-                                  <p:childTnLst>
-                                    <p:set>
-                                      <p:cBhvr>
-                                        <p:cTn id="57" dur="1" fill="hold">
                                           <p:stCondLst>
                                             <p:cond delay="0"/>
                                           </p:stCondLst>
@@ -16584,7 +16376,7 @@
                                     </p:set>
                                     <p:animEffect transition="in" filter="wipe(left)">
                                       <p:cBhvr>
-                                        <p:cTn id="58" dur="500"/>
+                                        <p:cTn id="40" dur="500"/>
                                         <p:tgtEl>
                                           <p:spTgt spid="9"/>
                                         </p:tgtEl>
@@ -16594,14 +16386,14 @@
                                 </p:cTn>
                               </p:par>
                               <p:par>
-                                <p:cTn id="59" presetID="6" presetClass="emph" presetSubtype="0" accel="50000" decel="50000" autoRev="1" fill="hold" grpId="1" nodeType="withEffect">
+                                <p:cTn id="41" presetID="6" presetClass="emph" presetSubtype="0" accel="50000" decel="50000" autoRev="1" fill="hold" grpId="1" nodeType="withEffect">
                                   <p:stCondLst>
                                     <p:cond delay="0"/>
                                   </p:stCondLst>
                                   <p:childTnLst>
                                     <p:animScale>
                                       <p:cBhvr>
-                                        <p:cTn id="60" dur="500" fill="hold"/>
+                                        <p:cTn id="42" dur="500" fill="hold"/>
                                         <p:tgtEl>
                                           <p:spTgt spid="10"/>
                                         </p:tgtEl>
@@ -16612,14 +16404,14 @@
                                 </p:cTn>
                               </p:par>
                               <p:par>
-                                <p:cTn id="61" presetID="6" presetClass="emph" presetSubtype="0" accel="50000" decel="50000" autoRev="1" fill="hold" grpId="1" nodeType="withEffect">
+                                <p:cTn id="43" presetID="6" presetClass="emph" presetSubtype="0" accel="50000" decel="50000" autoRev="1" fill="hold" grpId="1" nodeType="withEffect">
                                   <p:stCondLst>
                                     <p:cond delay="0"/>
                                   </p:stCondLst>
                                   <p:childTnLst>
                                     <p:animScale>
                                       <p:cBhvr>
-                                        <p:cTn id="62" dur="500" fill="hold"/>
+                                        <p:cTn id="44" dur="500" fill="hold"/>
                                         <p:tgtEl>
                                           <p:spTgt spid="13"/>
                                         </p:tgtEl>
@@ -16630,14 +16422,14 @@
                                 </p:cTn>
                               </p:par>
                               <p:par>
-                                <p:cTn id="63" presetID="6" presetClass="emph" presetSubtype="0" accel="50000" decel="50000" autoRev="1" fill="hold" nodeType="withEffect">
+                                <p:cTn id="45" presetID="6" presetClass="emph" presetSubtype="0" accel="50000" decel="50000" autoRev="1" fill="hold" nodeType="withEffect">
                                   <p:stCondLst>
                                     <p:cond delay="0"/>
                                   </p:stCondLst>
                                   <p:childTnLst>
                                     <p:animScale>
                                       <p:cBhvr>
-                                        <p:cTn id="64" dur="500" fill="hold"/>
+                                        <p:cTn id="46" dur="500" fill="hold"/>
                                         <p:tgtEl>
                                           <p:spTgt spid="14"/>
                                         </p:tgtEl>
@@ -16648,14 +16440,14 @@
                                 </p:cTn>
                               </p:par>
                               <p:par>
-                                <p:cTn id="65" presetID="6" presetClass="emph" presetSubtype="0" accel="50000" decel="50000" autoRev="1" fill="hold" nodeType="withEffect">
+                                <p:cTn id="47" presetID="6" presetClass="emph" presetSubtype="0" accel="50000" decel="50000" autoRev="1" fill="hold" nodeType="withEffect">
                                   <p:stCondLst>
                                     <p:cond delay="0"/>
                                   </p:stCondLst>
                                   <p:childTnLst>
                                     <p:animScale>
                                       <p:cBhvr>
-                                        <p:cTn id="66" dur="500" fill="hold"/>
+                                        <p:cTn id="48" dur="500" fill="hold"/>
                                         <p:tgtEl>
                                           <p:spTgt spid="18"/>
                                         </p:tgtEl>
@@ -16666,14 +16458,14 @@
                                 </p:cTn>
                               </p:par>
                               <p:par>
-                                <p:cTn id="67" presetID="6" presetClass="emph" presetSubtype="0" accel="50000" decel="50000" autoRev="1" fill="hold" grpId="1" nodeType="withEffect">
+                                <p:cTn id="49" presetID="6" presetClass="emph" presetSubtype="0" accel="50000" decel="50000" autoRev="1" fill="hold" grpId="1" nodeType="withEffect">
                                   <p:stCondLst>
                                     <p:cond delay="0"/>
                                   </p:stCondLst>
                                   <p:childTnLst>
                                     <p:animScale>
                                       <p:cBhvr>
-                                        <p:cTn id="68" dur="500" fill="hold"/>
+                                        <p:cTn id="50" dur="500" fill="hold"/>
                                         <p:tgtEl>
                                           <p:spTgt spid="22"/>
                                         </p:tgtEl>
@@ -16684,14 +16476,14 @@
                                 </p:cTn>
                               </p:par>
                               <p:par>
-                                <p:cTn id="69" presetID="6" presetClass="emph" presetSubtype="0" accel="50000" decel="50000" autoRev="1" fill="hold" nodeType="withEffect">
+                                <p:cTn id="51" presetID="6" presetClass="emph" presetSubtype="0" accel="50000" decel="50000" autoRev="1" fill="hold" nodeType="withEffect">
                                   <p:stCondLst>
                                     <p:cond delay="0"/>
                                   </p:stCondLst>
                                   <p:childTnLst>
                                     <p:animScale>
                                       <p:cBhvr>
-                                        <p:cTn id="70" dur="500" fill="hold"/>
+                                        <p:cTn id="52" dur="500" fill="hold"/>
                                         <p:tgtEl>
                                           <p:spTgt spid="90"/>
                                         </p:tgtEl>
@@ -16702,14 +16494,14 @@
                                 </p:cTn>
                               </p:par>
                               <p:par>
-                                <p:cTn id="71" presetID="6" presetClass="emph" presetSubtype="0" accel="50000" decel="50000" autoRev="1" fill="hold" nodeType="withEffect">
+                                <p:cTn id="53" presetID="6" presetClass="emph" presetSubtype="0" accel="50000" decel="50000" autoRev="1" fill="hold" nodeType="withEffect">
                                   <p:stCondLst>
                                     <p:cond delay="0"/>
                                   </p:stCondLst>
                                   <p:childTnLst>
                                     <p:animScale>
                                       <p:cBhvr>
-                                        <p:cTn id="72" dur="500" fill="hold"/>
+                                        <p:cTn id="54" dur="500" fill="hold"/>
                                         <p:tgtEl>
                                           <p:spTgt spid="91"/>
                                         </p:tgtEl>
@@ -16720,14 +16512,14 @@
                                 </p:cTn>
                               </p:par>
                               <p:par>
-                                <p:cTn id="73" presetID="6" presetClass="emph" presetSubtype="0" accel="50000" decel="50000" autoRev="1" fill="hold" nodeType="withEffect">
+                                <p:cTn id="55" presetID="6" presetClass="emph" presetSubtype="0" accel="50000" decel="50000" autoRev="1" fill="hold" nodeType="withEffect">
                                   <p:stCondLst>
                                     <p:cond delay="0"/>
                                   </p:stCondLst>
                                   <p:childTnLst>
                                     <p:animScale>
                                       <p:cBhvr>
-                                        <p:cTn id="74" dur="500" fill="hold"/>
+                                        <p:cTn id="56" dur="500" fill="hold"/>
                                         <p:tgtEl>
                                           <p:spTgt spid="92"/>
                                         </p:tgtEl>
@@ -16738,14 +16530,14 @@
                                 </p:cTn>
                               </p:par>
                               <p:par>
-                                <p:cTn id="75" presetID="6" presetClass="emph" presetSubtype="0" accel="50000" decel="50000" autoRev="1" fill="hold" nodeType="withEffect">
+                                <p:cTn id="57" presetID="6" presetClass="emph" presetSubtype="0" accel="50000" decel="50000" autoRev="1" fill="hold" nodeType="withEffect">
                                   <p:stCondLst>
                                     <p:cond delay="0"/>
                                   </p:stCondLst>
                                   <p:childTnLst>
                                     <p:animScale>
                                       <p:cBhvr>
-                                        <p:cTn id="76" dur="500" fill="hold"/>
+                                        <p:cTn id="58" dur="500" fill="hold"/>
                                         <p:tgtEl>
                                           <p:spTgt spid="93"/>
                                         </p:tgtEl>
@@ -16756,14 +16548,14 @@
                                 </p:cTn>
                               </p:par>
                               <p:par>
-                                <p:cTn id="77" presetID="6" presetClass="emph" presetSubtype="0" accel="50000" decel="50000" autoRev="1" fill="hold" nodeType="withEffect">
+                                <p:cTn id="59" presetID="6" presetClass="emph" presetSubtype="0" accel="50000" decel="50000" autoRev="1" fill="hold" nodeType="withEffect">
                                   <p:stCondLst>
                                     <p:cond delay="0"/>
                                   </p:stCondLst>
                                   <p:childTnLst>
                                     <p:animScale>
                                       <p:cBhvr>
-                                        <p:cTn id="78" dur="500" fill="hold"/>
+                                        <p:cTn id="60" dur="500" fill="hold"/>
                                         <p:tgtEl>
                                           <p:spTgt spid="94"/>
                                         </p:tgtEl>
@@ -16774,14 +16566,14 @@
                                 </p:cTn>
                               </p:par>
                               <p:par>
-                                <p:cTn id="79" presetID="6" presetClass="emph" presetSubtype="0" accel="50000" decel="50000" autoRev="1" fill="hold" nodeType="withEffect">
+                                <p:cTn id="61" presetID="6" presetClass="emph" presetSubtype="0" accel="50000" decel="50000" autoRev="1" fill="hold" nodeType="withEffect">
                                   <p:stCondLst>
                                     <p:cond delay="0"/>
                                   </p:stCondLst>
                                   <p:childTnLst>
                                     <p:animScale>
                                       <p:cBhvr>
-                                        <p:cTn id="80" dur="500" fill="hold"/>
+                                        <p:cTn id="62" dur="500" fill="hold"/>
                                         <p:tgtEl>
                                           <p:spTgt spid="95"/>
                                         </p:tgtEl>
@@ -16792,122 +16584,14 @@
                                 </p:cTn>
                               </p:par>
                               <p:par>
-                                <p:cTn id="81" presetID="6" presetClass="emph" presetSubtype="0" accel="50000" decel="50000" autoRev="1" fill="hold" nodeType="withEffect">
+                                <p:cTn id="63" presetID="6" presetClass="emph" presetSubtype="0" accel="50000" decel="50000" autoRev="1" fill="hold" grpId="1" nodeType="withEffect">
                                   <p:stCondLst>
                                     <p:cond delay="0"/>
                                   </p:stCondLst>
                                   <p:childTnLst>
                                     <p:animScale>
                                       <p:cBhvr>
-                                        <p:cTn id="82" dur="500" fill="hold"/>
-                                        <p:tgtEl>
-                                          <p:spTgt spid="96"/>
-                                        </p:tgtEl>
-                                      </p:cBhvr>
-                                      <p:by x="110000" y="110000"/>
-                                    </p:animScale>
-                                  </p:childTnLst>
-                                </p:cTn>
-                              </p:par>
-                              <p:par>
-                                <p:cTn id="83" presetID="6" presetClass="emph" presetSubtype="0" accel="50000" decel="50000" autoRev="1" fill="hold" nodeType="withEffect">
-                                  <p:stCondLst>
-                                    <p:cond delay="0"/>
-                                  </p:stCondLst>
-                                  <p:childTnLst>
-                                    <p:animScale>
-                                      <p:cBhvr>
-                                        <p:cTn id="84" dur="500" fill="hold"/>
-                                        <p:tgtEl>
-                                          <p:spTgt spid="97"/>
-                                        </p:tgtEl>
-                                      </p:cBhvr>
-                                      <p:by x="110000" y="110000"/>
-                                    </p:animScale>
-                                  </p:childTnLst>
-                                </p:cTn>
-                              </p:par>
-                              <p:par>
-                                <p:cTn id="85" presetID="6" presetClass="emph" presetSubtype="0" accel="50000" decel="50000" autoRev="1" fill="hold" nodeType="withEffect">
-                                  <p:stCondLst>
-                                    <p:cond delay="0"/>
-                                  </p:stCondLst>
-                                  <p:childTnLst>
-                                    <p:animScale>
-                                      <p:cBhvr>
-                                        <p:cTn id="86" dur="500" fill="hold"/>
-                                        <p:tgtEl>
-                                          <p:spTgt spid="98"/>
-                                        </p:tgtEl>
-                                      </p:cBhvr>
-                                      <p:by x="110000" y="110000"/>
-                                    </p:animScale>
-                                  </p:childTnLst>
-                                </p:cTn>
-                              </p:par>
-                              <p:par>
-                                <p:cTn id="87" presetID="6" presetClass="emph" presetSubtype="0" accel="50000" decel="50000" autoRev="1" fill="hold" nodeType="withEffect">
-                                  <p:stCondLst>
-                                    <p:cond delay="0"/>
-                                  </p:stCondLst>
-                                  <p:childTnLst>
-                                    <p:animScale>
-                                      <p:cBhvr>
-                                        <p:cTn id="88" dur="500" fill="hold"/>
-                                        <p:tgtEl>
-                                          <p:spTgt spid="99"/>
-                                        </p:tgtEl>
-                                      </p:cBhvr>
-                                      <p:by x="110000" y="110000"/>
-                                    </p:animScale>
-                                  </p:childTnLst>
-                                </p:cTn>
-                              </p:par>
-                              <p:par>
-                                <p:cTn id="89" presetID="6" presetClass="emph" presetSubtype="0" accel="50000" decel="50000" autoRev="1" fill="hold" nodeType="withEffect">
-                                  <p:stCondLst>
-                                    <p:cond delay="0"/>
-                                  </p:stCondLst>
-                                  <p:childTnLst>
-                                    <p:animScale>
-                                      <p:cBhvr>
-                                        <p:cTn id="90" dur="500" fill="hold"/>
-                                        <p:tgtEl>
-                                          <p:spTgt spid="100"/>
-                                        </p:tgtEl>
-                                      </p:cBhvr>
-                                      <p:by x="110000" y="110000"/>
-                                    </p:animScale>
-                                  </p:childTnLst>
-                                </p:cTn>
-                              </p:par>
-                              <p:par>
-                                <p:cTn id="91" presetID="6" presetClass="emph" presetSubtype="0" accel="50000" decel="50000" autoRev="1" fill="hold" nodeType="withEffect">
-                                  <p:stCondLst>
-                                    <p:cond delay="0"/>
-                                  </p:stCondLst>
-                                  <p:childTnLst>
-                                    <p:animScale>
-                                      <p:cBhvr>
-                                        <p:cTn id="92" dur="500" fill="hold"/>
-                                        <p:tgtEl>
-                                          <p:spTgt spid="101"/>
-                                        </p:tgtEl>
-                                      </p:cBhvr>
-                                      <p:by x="110000" y="110000"/>
-                                    </p:animScale>
-                                  </p:childTnLst>
-                                </p:cTn>
-                              </p:par>
-                              <p:par>
-                                <p:cTn id="93" presetID="6" presetClass="emph" presetSubtype="0" accel="50000" decel="50000" autoRev="1" fill="hold" grpId="1" nodeType="withEffect">
-                                  <p:stCondLst>
-                                    <p:cond delay="0"/>
-                                  </p:stCondLst>
-                                  <p:childTnLst>
-                                    <p:animScale>
-                                      <p:cBhvr>
-                                        <p:cTn id="94" dur="500" fill="hold"/>
+                                        <p:cTn id="64" dur="500" fill="hold"/>
                                         <p:tgtEl>
                                           <p:spTgt spid="9"/>
                                         </p:tgtEl>
@@ -16924,19 +16608,406 @@
                     </p:cTn>
                   </p:par>
                   <p:par>
-                    <p:cTn id="95" fill="hold">
+                    <p:cTn id="65" fill="hold">
                       <p:stCondLst>
                         <p:cond delay="indefinite"/>
                       </p:stCondLst>
                       <p:childTnLst>
                         <p:par>
-                          <p:cTn id="96" fill="hold">
+                          <p:cTn id="66" fill="hold">
                             <p:stCondLst>
                               <p:cond delay="0"/>
                             </p:stCondLst>
                             <p:childTnLst>
                               <p:par>
-                                <p:cTn id="97" presetID="1" presetClass="entr" presetSubtype="0" fill="hold" grpId="0" nodeType="clickEffect">
+                                <p:cTn id="67" presetID="1" presetClass="entr" presetSubtype="0" fill="hold" grpId="0" nodeType="clickEffect">
+                                  <p:stCondLst>
+                                    <p:cond delay="0"/>
+                                  </p:stCondLst>
+                                  <p:childTnLst>
+                                    <p:set>
+                                      <p:cBhvr>
+                                        <p:cTn id="68" dur="1" fill="hold">
+                                          <p:stCondLst>
+                                            <p:cond delay="0"/>
+                                          </p:stCondLst>
+                                        </p:cTn>
+                                        <p:tgtEl>
+                                          <p:spTgt spid="3"/>
+                                        </p:tgtEl>
+                                        <p:attrNameLst>
+                                          <p:attrName>style.visibility</p:attrName>
+                                        </p:attrNameLst>
+                                      </p:cBhvr>
+                                      <p:to>
+                                        <p:strVal val="visible"/>
+                                      </p:to>
+                                    </p:set>
+                                  </p:childTnLst>
+                                </p:cTn>
+                              </p:par>
+                            </p:childTnLst>
+                          </p:cTn>
+                        </p:par>
+                      </p:childTnLst>
+                    </p:cTn>
+                  </p:par>
+                  <p:par>
+                    <p:cTn id="69" fill="hold">
+                      <p:stCondLst>
+                        <p:cond delay="indefinite"/>
+                      </p:stCondLst>
+                      <p:childTnLst>
+                        <p:par>
+                          <p:cTn id="70" fill="hold">
+                            <p:stCondLst>
+                              <p:cond delay="0"/>
+                            </p:stCondLst>
+                            <p:childTnLst>
+                              <p:par>
+                                <p:cTn id="71" presetID="1" presetClass="entr" presetSubtype="0" fill="hold" grpId="0" nodeType="clickEffect">
+                                  <p:stCondLst>
+                                    <p:cond delay="0"/>
+                                  </p:stCondLst>
+                                  <p:childTnLst>
+                                    <p:set>
+                                      <p:cBhvr>
+                                        <p:cTn id="72" dur="1" fill="hold">
+                                          <p:stCondLst>
+                                            <p:cond delay="0"/>
+                                          </p:stCondLst>
+                                        </p:cTn>
+                                        <p:tgtEl>
+                                          <p:spTgt spid="20"/>
+                                        </p:tgtEl>
+                                        <p:attrNameLst>
+                                          <p:attrName>style.visibility</p:attrName>
+                                        </p:attrNameLst>
+                                      </p:cBhvr>
+                                      <p:to>
+                                        <p:strVal val="visible"/>
+                                      </p:to>
+                                    </p:set>
+                                  </p:childTnLst>
+                                </p:cTn>
+                              </p:par>
+                            </p:childTnLst>
+                          </p:cTn>
+                        </p:par>
+                      </p:childTnLst>
+                    </p:cTn>
+                  </p:par>
+                  <p:par>
+                    <p:cTn id="73" fill="hold">
+                      <p:stCondLst>
+                        <p:cond delay="indefinite"/>
+                      </p:stCondLst>
+                      <p:childTnLst>
+                        <p:par>
+                          <p:cTn id="74" fill="hold">
+                            <p:stCondLst>
+                              <p:cond delay="0"/>
+                            </p:stCondLst>
+                            <p:childTnLst>
+                              <p:par>
+                                <p:cTn id="75" presetID="1" presetClass="exit" presetSubtype="0" fill="hold" nodeType="clickEffect">
+                                  <p:stCondLst>
+                                    <p:cond delay="0"/>
+                                  </p:stCondLst>
+                                  <p:childTnLst>
+                                    <p:set>
+                                      <p:cBhvr>
+                                        <p:cTn id="76" dur="1" fill="hold">
+                                          <p:stCondLst>
+                                            <p:cond delay="0"/>
+                                          </p:stCondLst>
+                                        </p:cTn>
+                                        <p:tgtEl>
+                                          <p:spTgt spid="93"/>
+                                        </p:tgtEl>
+                                        <p:attrNameLst>
+                                          <p:attrName>style.visibility</p:attrName>
+                                        </p:attrNameLst>
+                                      </p:cBhvr>
+                                      <p:to>
+                                        <p:strVal val="hidden"/>
+                                      </p:to>
+                                    </p:set>
+                                  </p:childTnLst>
+                                </p:cTn>
+                              </p:par>
+                              <p:par>
+                                <p:cTn id="77" presetID="1" presetClass="exit" presetSubtype="0" fill="hold" nodeType="withEffect">
+                                  <p:stCondLst>
+                                    <p:cond delay="0"/>
+                                  </p:stCondLst>
+                                  <p:childTnLst>
+                                    <p:set>
+                                      <p:cBhvr>
+                                        <p:cTn id="78" dur="1" fill="hold">
+                                          <p:stCondLst>
+                                            <p:cond delay="0"/>
+                                          </p:stCondLst>
+                                        </p:cTn>
+                                        <p:tgtEl>
+                                          <p:spTgt spid="92"/>
+                                        </p:tgtEl>
+                                        <p:attrNameLst>
+                                          <p:attrName>style.visibility</p:attrName>
+                                        </p:attrNameLst>
+                                      </p:cBhvr>
+                                      <p:to>
+                                        <p:strVal val="hidden"/>
+                                      </p:to>
+                                    </p:set>
+                                  </p:childTnLst>
+                                </p:cTn>
+                              </p:par>
+                              <p:par>
+                                <p:cTn id="79" presetID="1" presetClass="exit" presetSubtype="0" fill="hold" nodeType="withEffect">
+                                  <p:stCondLst>
+                                    <p:cond delay="0"/>
+                                  </p:stCondLst>
+                                  <p:childTnLst>
+                                    <p:set>
+                                      <p:cBhvr>
+                                        <p:cTn id="80" dur="1" fill="hold">
+                                          <p:stCondLst>
+                                            <p:cond delay="0"/>
+                                          </p:stCondLst>
+                                        </p:cTn>
+                                        <p:tgtEl>
+                                          <p:spTgt spid="95"/>
+                                        </p:tgtEl>
+                                        <p:attrNameLst>
+                                          <p:attrName>style.visibility</p:attrName>
+                                        </p:attrNameLst>
+                                      </p:cBhvr>
+                                      <p:to>
+                                        <p:strVal val="hidden"/>
+                                      </p:to>
+                                    </p:set>
+                                  </p:childTnLst>
+                                </p:cTn>
+                              </p:par>
+                              <p:par>
+                                <p:cTn id="81" presetID="1" presetClass="exit" presetSubtype="0" fill="hold" nodeType="withEffect">
+                                  <p:stCondLst>
+                                    <p:cond delay="0"/>
+                                  </p:stCondLst>
+                                  <p:childTnLst>
+                                    <p:set>
+                                      <p:cBhvr>
+                                        <p:cTn id="82" dur="1" fill="hold">
+                                          <p:stCondLst>
+                                            <p:cond delay="0"/>
+                                          </p:stCondLst>
+                                        </p:cTn>
+                                        <p:tgtEl>
+                                          <p:spTgt spid="91"/>
+                                        </p:tgtEl>
+                                        <p:attrNameLst>
+                                          <p:attrName>style.visibility</p:attrName>
+                                        </p:attrNameLst>
+                                      </p:cBhvr>
+                                      <p:to>
+                                        <p:strVal val="hidden"/>
+                                      </p:to>
+                                    </p:set>
+                                  </p:childTnLst>
+                                </p:cTn>
+                              </p:par>
+                              <p:par>
+                                <p:cTn id="83" presetID="1" presetClass="exit" presetSubtype="0" fill="hold" nodeType="withEffect">
+                                  <p:stCondLst>
+                                    <p:cond delay="0"/>
+                                  </p:stCondLst>
+                                  <p:childTnLst>
+                                    <p:set>
+                                      <p:cBhvr>
+                                        <p:cTn id="84" dur="1" fill="hold">
+                                          <p:stCondLst>
+                                            <p:cond delay="0"/>
+                                          </p:stCondLst>
+                                        </p:cTn>
+                                        <p:tgtEl>
+                                          <p:spTgt spid="90"/>
+                                        </p:tgtEl>
+                                        <p:attrNameLst>
+                                          <p:attrName>style.visibility</p:attrName>
+                                        </p:attrNameLst>
+                                      </p:cBhvr>
+                                      <p:to>
+                                        <p:strVal val="hidden"/>
+                                      </p:to>
+                                    </p:set>
+                                  </p:childTnLst>
+                                </p:cTn>
+                              </p:par>
+                              <p:par>
+                                <p:cTn id="85" presetID="1" presetClass="exit" presetSubtype="0" fill="hold" nodeType="withEffect">
+                                  <p:stCondLst>
+                                    <p:cond delay="0"/>
+                                  </p:stCondLst>
+                                  <p:childTnLst>
+                                    <p:set>
+                                      <p:cBhvr>
+                                        <p:cTn id="86" dur="1" fill="hold">
+                                          <p:stCondLst>
+                                            <p:cond delay="0"/>
+                                          </p:stCondLst>
+                                        </p:cTn>
+                                        <p:tgtEl>
+                                          <p:spTgt spid="94"/>
+                                        </p:tgtEl>
+                                        <p:attrNameLst>
+                                          <p:attrName>style.visibility</p:attrName>
+                                        </p:attrNameLst>
+                                      </p:cBhvr>
+                                      <p:to>
+                                        <p:strVal val="hidden"/>
+                                      </p:to>
+                                    </p:set>
+                                  </p:childTnLst>
+                                </p:cTn>
+                              </p:par>
+                              <p:par>
+                                <p:cTn id="87" presetID="1" presetClass="entr" presetSubtype="0" fill="hold" nodeType="withEffect">
+                                  <p:stCondLst>
+                                    <p:cond delay="0"/>
+                                  </p:stCondLst>
+                                  <p:childTnLst>
+                                    <p:set>
+                                      <p:cBhvr>
+                                        <p:cTn id="88" dur="1" fill="hold">
+                                          <p:stCondLst>
+                                            <p:cond delay="0"/>
+                                          </p:stCondLst>
+                                        </p:cTn>
+                                        <p:tgtEl>
+                                          <p:spTgt spid="96"/>
+                                        </p:tgtEl>
+                                        <p:attrNameLst>
+                                          <p:attrName>style.visibility</p:attrName>
+                                        </p:attrNameLst>
+                                      </p:cBhvr>
+                                      <p:to>
+                                        <p:strVal val="visible"/>
+                                      </p:to>
+                                    </p:set>
+                                  </p:childTnLst>
+                                </p:cTn>
+                              </p:par>
+                              <p:par>
+                                <p:cTn id="89" presetID="1" presetClass="entr" presetSubtype="0" fill="hold" nodeType="withEffect">
+                                  <p:stCondLst>
+                                    <p:cond delay="0"/>
+                                  </p:stCondLst>
+                                  <p:childTnLst>
+                                    <p:set>
+                                      <p:cBhvr>
+                                        <p:cTn id="90" dur="1" fill="hold">
+                                          <p:stCondLst>
+                                            <p:cond delay="0"/>
+                                          </p:stCondLst>
+                                        </p:cTn>
+                                        <p:tgtEl>
+                                          <p:spTgt spid="97"/>
+                                        </p:tgtEl>
+                                        <p:attrNameLst>
+                                          <p:attrName>style.visibility</p:attrName>
+                                        </p:attrNameLst>
+                                      </p:cBhvr>
+                                      <p:to>
+                                        <p:strVal val="visible"/>
+                                      </p:to>
+                                    </p:set>
+                                  </p:childTnLst>
+                                </p:cTn>
+                              </p:par>
+                              <p:par>
+                                <p:cTn id="91" presetID="1" presetClass="entr" presetSubtype="0" fill="hold" nodeType="withEffect">
+                                  <p:stCondLst>
+                                    <p:cond delay="0"/>
+                                  </p:stCondLst>
+                                  <p:childTnLst>
+                                    <p:set>
+                                      <p:cBhvr>
+                                        <p:cTn id="92" dur="1" fill="hold">
+                                          <p:stCondLst>
+                                            <p:cond delay="0"/>
+                                          </p:stCondLst>
+                                        </p:cTn>
+                                        <p:tgtEl>
+                                          <p:spTgt spid="98"/>
+                                        </p:tgtEl>
+                                        <p:attrNameLst>
+                                          <p:attrName>style.visibility</p:attrName>
+                                        </p:attrNameLst>
+                                      </p:cBhvr>
+                                      <p:to>
+                                        <p:strVal val="visible"/>
+                                      </p:to>
+                                    </p:set>
+                                  </p:childTnLst>
+                                </p:cTn>
+                              </p:par>
+                              <p:par>
+                                <p:cTn id="93" presetID="1" presetClass="entr" presetSubtype="0" fill="hold" nodeType="withEffect">
+                                  <p:stCondLst>
+                                    <p:cond delay="0"/>
+                                  </p:stCondLst>
+                                  <p:childTnLst>
+                                    <p:set>
+                                      <p:cBhvr>
+                                        <p:cTn id="94" dur="1" fill="hold">
+                                          <p:stCondLst>
+                                            <p:cond delay="0"/>
+                                          </p:stCondLst>
+                                        </p:cTn>
+                                        <p:tgtEl>
+                                          <p:spTgt spid="99"/>
+                                        </p:tgtEl>
+                                        <p:attrNameLst>
+                                          <p:attrName>style.visibility</p:attrName>
+                                        </p:attrNameLst>
+                                      </p:cBhvr>
+                                      <p:to>
+                                        <p:strVal val="visible"/>
+                                      </p:to>
+                                    </p:set>
+                                  </p:childTnLst>
+                                </p:cTn>
+                              </p:par>
+                              <p:par>
+                                <p:cTn id="95" presetID="1" presetClass="entr" presetSubtype="0" fill="hold" nodeType="withEffect">
+                                  <p:stCondLst>
+                                    <p:cond delay="0"/>
+                                  </p:stCondLst>
+                                  <p:childTnLst>
+                                    <p:set>
+                                      <p:cBhvr>
+                                        <p:cTn id="96" dur="1" fill="hold">
+                                          <p:stCondLst>
+                                            <p:cond delay="0"/>
+                                          </p:stCondLst>
+                                        </p:cTn>
+                                        <p:tgtEl>
+                                          <p:spTgt spid="100"/>
+                                        </p:tgtEl>
+                                        <p:attrNameLst>
+                                          <p:attrName>style.visibility</p:attrName>
+                                        </p:attrNameLst>
+                                      </p:cBhvr>
+                                      <p:to>
+                                        <p:strVal val="visible"/>
+                                      </p:to>
+                                    </p:set>
+                                  </p:childTnLst>
+                                </p:cTn>
+                              </p:par>
+                              <p:par>
+                                <p:cTn id="97" presetID="1" presetClass="entr" presetSubtype="0" fill="hold" nodeType="withEffect">
                                   <p:stCondLst>
                                     <p:cond delay="0"/>
                                   </p:stCondLst>
@@ -16949,7 +17020,7 @@
                                           </p:stCondLst>
                                         </p:cTn>
                                         <p:tgtEl>
-                                          <p:spTgt spid="3"/>
+                                          <p:spTgt spid="101"/>
                                         </p:tgtEl>
                                         <p:attrNameLst>
                                           <p:attrName>style.visibility</p:attrName>
@@ -16981,401 +17052,14 @@
                             </p:stCondLst>
                             <p:childTnLst>
                               <p:par>
-                                <p:cTn id="101" presetID="1" presetClass="entr" presetSubtype="0" fill="hold" grpId="0" nodeType="clickEffect">
-                                  <p:stCondLst>
-                                    <p:cond delay="0"/>
-                                  </p:stCondLst>
-                                  <p:childTnLst>
-                                    <p:set>
-                                      <p:cBhvr>
-                                        <p:cTn id="102" dur="1" fill="hold">
-                                          <p:stCondLst>
-                                            <p:cond delay="0"/>
-                                          </p:stCondLst>
-                                        </p:cTn>
-                                        <p:tgtEl>
-                                          <p:spTgt spid="20"/>
-                                        </p:tgtEl>
-                                        <p:attrNameLst>
-                                          <p:attrName>style.visibility</p:attrName>
-                                        </p:attrNameLst>
-                                      </p:cBhvr>
-                                      <p:to>
-                                        <p:strVal val="visible"/>
-                                      </p:to>
-                                    </p:set>
-                                  </p:childTnLst>
-                                </p:cTn>
-                              </p:par>
-                            </p:childTnLst>
-                          </p:cTn>
-                        </p:par>
-                      </p:childTnLst>
-                    </p:cTn>
-                  </p:par>
-                  <p:par>
-                    <p:cTn id="103" fill="hold">
-                      <p:stCondLst>
-                        <p:cond delay="indefinite"/>
-                      </p:stCondLst>
-                      <p:childTnLst>
-                        <p:par>
-                          <p:cTn id="104" fill="hold">
-                            <p:stCondLst>
-                              <p:cond delay="0"/>
-                            </p:stCondLst>
-                            <p:childTnLst>
-                              <p:par>
-                                <p:cTn id="105" presetID="1" presetClass="exit" presetSubtype="0" fill="hold" nodeType="clickEffect">
-                                  <p:stCondLst>
-                                    <p:cond delay="0"/>
-                                  </p:stCondLst>
-                                  <p:childTnLst>
-                                    <p:set>
-                                      <p:cBhvr>
-                                        <p:cTn id="106" dur="1" fill="hold">
-                                          <p:stCondLst>
-                                            <p:cond delay="0"/>
-                                          </p:stCondLst>
-                                        </p:cTn>
-                                        <p:tgtEl>
-                                          <p:spTgt spid="93"/>
-                                        </p:tgtEl>
-                                        <p:attrNameLst>
-                                          <p:attrName>style.visibility</p:attrName>
-                                        </p:attrNameLst>
-                                      </p:cBhvr>
-                                      <p:to>
-                                        <p:strVal val="hidden"/>
-                                      </p:to>
-                                    </p:set>
-                                  </p:childTnLst>
-                                </p:cTn>
-                              </p:par>
-                              <p:par>
-                                <p:cTn id="107" presetID="1" presetClass="exit" presetSubtype="0" fill="hold" nodeType="withEffect">
-                                  <p:stCondLst>
-                                    <p:cond delay="0"/>
-                                  </p:stCondLst>
-                                  <p:childTnLst>
-                                    <p:set>
-                                      <p:cBhvr>
-                                        <p:cTn id="108" dur="1" fill="hold">
-                                          <p:stCondLst>
-                                            <p:cond delay="0"/>
-                                          </p:stCondLst>
-                                        </p:cTn>
-                                        <p:tgtEl>
-                                          <p:spTgt spid="92"/>
-                                        </p:tgtEl>
-                                        <p:attrNameLst>
-                                          <p:attrName>style.visibility</p:attrName>
-                                        </p:attrNameLst>
-                                      </p:cBhvr>
-                                      <p:to>
-                                        <p:strVal val="hidden"/>
-                                      </p:to>
-                                    </p:set>
-                                  </p:childTnLst>
-                                </p:cTn>
-                              </p:par>
-                              <p:par>
-                                <p:cTn id="109" presetID="1" presetClass="exit" presetSubtype="0" fill="hold" nodeType="withEffect">
-                                  <p:stCondLst>
-                                    <p:cond delay="0"/>
-                                  </p:stCondLst>
-                                  <p:childTnLst>
-                                    <p:set>
-                                      <p:cBhvr>
-                                        <p:cTn id="110" dur="1" fill="hold">
-                                          <p:stCondLst>
-                                            <p:cond delay="0"/>
-                                          </p:stCondLst>
-                                        </p:cTn>
-                                        <p:tgtEl>
-                                          <p:spTgt spid="95"/>
-                                        </p:tgtEl>
-                                        <p:attrNameLst>
-                                          <p:attrName>style.visibility</p:attrName>
-                                        </p:attrNameLst>
-                                      </p:cBhvr>
-                                      <p:to>
-                                        <p:strVal val="hidden"/>
-                                      </p:to>
-                                    </p:set>
-                                  </p:childTnLst>
-                                </p:cTn>
-                              </p:par>
-                              <p:par>
-                                <p:cTn id="111" presetID="1" presetClass="exit" presetSubtype="0" fill="hold" nodeType="withEffect">
-                                  <p:stCondLst>
-                                    <p:cond delay="0"/>
-                                  </p:stCondLst>
-                                  <p:childTnLst>
-                                    <p:set>
-                                      <p:cBhvr>
-                                        <p:cTn id="112" dur="1" fill="hold">
-                                          <p:stCondLst>
-                                            <p:cond delay="0"/>
-                                          </p:stCondLst>
-                                        </p:cTn>
-                                        <p:tgtEl>
-                                          <p:spTgt spid="91"/>
-                                        </p:tgtEl>
-                                        <p:attrNameLst>
-                                          <p:attrName>style.visibility</p:attrName>
-                                        </p:attrNameLst>
-                                      </p:cBhvr>
-                                      <p:to>
-                                        <p:strVal val="hidden"/>
-                                      </p:to>
-                                    </p:set>
-                                  </p:childTnLst>
-                                </p:cTn>
-                              </p:par>
-                              <p:par>
-                                <p:cTn id="113" presetID="1" presetClass="exit" presetSubtype="0" fill="hold" nodeType="withEffect">
-                                  <p:stCondLst>
-                                    <p:cond delay="0"/>
-                                  </p:stCondLst>
-                                  <p:childTnLst>
-                                    <p:set>
-                                      <p:cBhvr>
-                                        <p:cTn id="114" dur="1" fill="hold">
-                                          <p:stCondLst>
-                                            <p:cond delay="0"/>
-                                          </p:stCondLst>
-                                        </p:cTn>
-                                        <p:tgtEl>
-                                          <p:spTgt spid="90"/>
-                                        </p:tgtEl>
-                                        <p:attrNameLst>
-                                          <p:attrName>style.visibility</p:attrName>
-                                        </p:attrNameLst>
-                                      </p:cBhvr>
-                                      <p:to>
-                                        <p:strVal val="hidden"/>
-                                      </p:to>
-                                    </p:set>
-                                  </p:childTnLst>
-                                </p:cTn>
-                              </p:par>
-                              <p:par>
-                                <p:cTn id="115" presetID="1" presetClass="exit" presetSubtype="0" fill="hold" nodeType="withEffect">
-                                  <p:stCondLst>
-                                    <p:cond delay="0"/>
-                                  </p:stCondLst>
-                                  <p:childTnLst>
-                                    <p:set>
-                                      <p:cBhvr>
-                                        <p:cTn id="116" dur="1" fill="hold">
-                                          <p:stCondLst>
-                                            <p:cond delay="0"/>
-                                          </p:stCondLst>
-                                        </p:cTn>
-                                        <p:tgtEl>
-                                          <p:spTgt spid="94"/>
-                                        </p:tgtEl>
-                                        <p:attrNameLst>
-                                          <p:attrName>style.visibility</p:attrName>
-                                        </p:attrNameLst>
-                                      </p:cBhvr>
-                                      <p:to>
-                                        <p:strVal val="hidden"/>
-                                      </p:to>
-                                    </p:set>
-                                  </p:childTnLst>
-                                </p:cTn>
-                              </p:par>
-                              <p:par>
-                                <p:cTn id="117" presetID="1" presetClass="entr" presetSubtype="0" fill="hold" nodeType="withEffect">
-                                  <p:stCondLst>
-                                    <p:cond delay="0"/>
-                                  </p:stCondLst>
-                                  <p:childTnLst>
-                                    <p:set>
-                                      <p:cBhvr>
-                                        <p:cTn id="118" dur="1" fill="hold">
-                                          <p:stCondLst>
-                                            <p:cond delay="0"/>
-                                          </p:stCondLst>
-                                        </p:cTn>
-                                        <p:tgtEl>
-                                          <p:spTgt spid="96"/>
-                                        </p:tgtEl>
-                                        <p:attrNameLst>
-                                          <p:attrName>style.visibility</p:attrName>
-                                        </p:attrNameLst>
-                                      </p:cBhvr>
-                                      <p:to>
-                                        <p:strVal val="visible"/>
-                                      </p:to>
-                                    </p:set>
-                                  </p:childTnLst>
-                                </p:cTn>
-                              </p:par>
-                              <p:par>
-                                <p:cTn id="119" presetID="1" presetClass="entr" presetSubtype="0" fill="hold" nodeType="withEffect">
-                                  <p:stCondLst>
-                                    <p:cond delay="0"/>
-                                  </p:stCondLst>
-                                  <p:childTnLst>
-                                    <p:set>
-                                      <p:cBhvr>
-                                        <p:cTn id="120" dur="1" fill="hold">
-                                          <p:stCondLst>
-                                            <p:cond delay="0"/>
-                                          </p:stCondLst>
-                                        </p:cTn>
-                                        <p:tgtEl>
-                                          <p:spTgt spid="97"/>
-                                        </p:tgtEl>
-                                        <p:attrNameLst>
-                                          <p:attrName>style.visibility</p:attrName>
-                                        </p:attrNameLst>
-                                      </p:cBhvr>
-                                      <p:to>
-                                        <p:strVal val="visible"/>
-                                      </p:to>
-                                    </p:set>
-                                  </p:childTnLst>
-                                </p:cTn>
-                              </p:par>
-                              <p:par>
-                                <p:cTn id="121" presetID="1" presetClass="entr" presetSubtype="0" fill="hold" nodeType="withEffect">
-                                  <p:stCondLst>
-                                    <p:cond delay="0"/>
-                                  </p:stCondLst>
-                                  <p:childTnLst>
-                                    <p:set>
-                                      <p:cBhvr>
-                                        <p:cTn id="122" dur="1" fill="hold">
-                                          <p:stCondLst>
-                                            <p:cond delay="0"/>
-                                          </p:stCondLst>
-                                        </p:cTn>
-                                        <p:tgtEl>
-                                          <p:spTgt spid="98"/>
-                                        </p:tgtEl>
-                                        <p:attrNameLst>
-                                          <p:attrName>style.visibility</p:attrName>
-                                        </p:attrNameLst>
-                                      </p:cBhvr>
-                                      <p:to>
-                                        <p:strVal val="visible"/>
-                                      </p:to>
-                                    </p:set>
-                                  </p:childTnLst>
-                                </p:cTn>
-                              </p:par>
-                              <p:par>
-                                <p:cTn id="123" presetID="1" presetClass="entr" presetSubtype="0" fill="hold" nodeType="withEffect">
-                                  <p:stCondLst>
-                                    <p:cond delay="0"/>
-                                  </p:stCondLst>
-                                  <p:childTnLst>
-                                    <p:set>
-                                      <p:cBhvr>
-                                        <p:cTn id="124" dur="1" fill="hold">
-                                          <p:stCondLst>
-                                            <p:cond delay="0"/>
-                                          </p:stCondLst>
-                                        </p:cTn>
-                                        <p:tgtEl>
-                                          <p:spTgt spid="99"/>
-                                        </p:tgtEl>
-                                        <p:attrNameLst>
-                                          <p:attrName>style.visibility</p:attrName>
-                                        </p:attrNameLst>
-                                      </p:cBhvr>
-                                      <p:to>
-                                        <p:strVal val="visible"/>
-                                      </p:to>
-                                    </p:set>
-                                  </p:childTnLst>
-                                </p:cTn>
-                              </p:par>
-                              <p:par>
-                                <p:cTn id="125" presetID="1" presetClass="entr" presetSubtype="0" fill="hold" nodeType="withEffect">
-                                  <p:stCondLst>
-                                    <p:cond delay="0"/>
-                                  </p:stCondLst>
-                                  <p:childTnLst>
-                                    <p:set>
-                                      <p:cBhvr>
-                                        <p:cTn id="126" dur="1" fill="hold">
-                                          <p:stCondLst>
-                                            <p:cond delay="0"/>
-                                          </p:stCondLst>
-                                        </p:cTn>
-                                        <p:tgtEl>
-                                          <p:spTgt spid="100"/>
-                                        </p:tgtEl>
-                                        <p:attrNameLst>
-                                          <p:attrName>style.visibility</p:attrName>
-                                        </p:attrNameLst>
-                                      </p:cBhvr>
-                                      <p:to>
-                                        <p:strVal val="visible"/>
-                                      </p:to>
-                                    </p:set>
-                                  </p:childTnLst>
-                                </p:cTn>
-                              </p:par>
-                              <p:par>
-                                <p:cTn id="127" presetID="1" presetClass="entr" presetSubtype="0" fill="hold" nodeType="withEffect">
-                                  <p:stCondLst>
-                                    <p:cond delay="0"/>
-                                  </p:stCondLst>
-                                  <p:childTnLst>
-                                    <p:set>
-                                      <p:cBhvr>
-                                        <p:cTn id="128" dur="1" fill="hold">
-                                          <p:stCondLst>
-                                            <p:cond delay="0"/>
-                                          </p:stCondLst>
-                                        </p:cTn>
-                                        <p:tgtEl>
-                                          <p:spTgt spid="101"/>
-                                        </p:tgtEl>
-                                        <p:attrNameLst>
-                                          <p:attrName>style.visibility</p:attrName>
-                                        </p:attrNameLst>
-                                      </p:cBhvr>
-                                      <p:to>
-                                        <p:strVal val="visible"/>
-                                      </p:to>
-                                    </p:set>
-                                  </p:childTnLst>
-                                </p:cTn>
-                              </p:par>
-                            </p:childTnLst>
-                          </p:cTn>
-                        </p:par>
-                      </p:childTnLst>
-                    </p:cTn>
-                  </p:par>
-                  <p:par>
-                    <p:cTn id="129" fill="hold">
-                      <p:stCondLst>
-                        <p:cond delay="indefinite"/>
-                      </p:stCondLst>
-                      <p:childTnLst>
-                        <p:par>
-                          <p:cTn id="130" fill="hold">
-                            <p:stCondLst>
-                              <p:cond delay="0"/>
-                            </p:stCondLst>
-                            <p:childTnLst>
-                              <p:par>
-                                <p:cTn id="131" presetID="22" presetClass="entr" presetSubtype="8" fill="hold" grpId="0" nodeType="clickEffect">
+                                <p:cTn id="101" presetID="22" presetClass="entr" presetSubtype="8" fill="hold" grpId="0" nodeType="clickEffect">
                                   <p:stCondLst>
                                     <p:cond delay="300"/>
                                   </p:stCondLst>
                                   <p:childTnLst>
                                     <p:set>
                                       <p:cBhvr>
-                                        <p:cTn id="132" dur="1" fill="hold">
+                                        <p:cTn id="102" dur="1" fill="hold">
                                           <p:stCondLst>
                                             <p:cond delay="0"/>
                                           </p:stCondLst>
@@ -17393,7 +17077,7 @@
                                     </p:set>
                                     <p:animEffect transition="in" filter="wipe(left)">
                                       <p:cBhvr>
-                                        <p:cTn id="133" dur="500"/>
+                                        <p:cTn id="103" dur="500"/>
                                         <p:tgtEl>
                                           <p:spTgt spid="117"/>
                                         </p:tgtEl>
@@ -17403,14 +17087,14 @@
                                 </p:cTn>
                               </p:par>
                               <p:par>
-                                <p:cTn id="134" presetID="22" presetClass="entr" presetSubtype="8" fill="hold" grpId="0" nodeType="withEffect">
+                                <p:cTn id="104" presetID="22" presetClass="entr" presetSubtype="8" fill="hold" grpId="0" nodeType="withEffect">
                                   <p:stCondLst>
                                     <p:cond delay="300"/>
                                   </p:stCondLst>
                                   <p:childTnLst>
                                     <p:set>
                                       <p:cBhvr>
-                                        <p:cTn id="135" dur="1" fill="hold">
+                                        <p:cTn id="105" dur="1" fill="hold">
                                           <p:stCondLst>
                                             <p:cond delay="0"/>
                                           </p:stCondLst>
@@ -17428,7 +17112,7 @@
                                     </p:set>
                                     <p:animEffect transition="in" filter="wipe(left)">
                                       <p:cBhvr>
-                                        <p:cTn id="136" dur="500"/>
+                                        <p:cTn id="106" dur="500"/>
                                         <p:tgtEl>
                                           <p:spTgt spid="118"/>
                                         </p:tgtEl>
@@ -17438,14 +17122,14 @@
                                 </p:cTn>
                               </p:par>
                               <p:par>
-                                <p:cTn id="137" presetID="22" presetClass="entr" presetSubtype="8" fill="hold" grpId="0" nodeType="withEffect">
+                                <p:cTn id="107" presetID="22" presetClass="entr" presetSubtype="8" fill="hold" grpId="0" nodeType="withEffect">
                                   <p:stCondLst>
                                     <p:cond delay="300"/>
                                   </p:stCondLst>
                                   <p:childTnLst>
                                     <p:set>
                                       <p:cBhvr>
-                                        <p:cTn id="138" dur="1" fill="hold">
+                                        <p:cTn id="108" dur="1" fill="hold">
                                           <p:stCondLst>
                                             <p:cond delay="0"/>
                                           </p:stCondLst>
@@ -17463,7 +17147,7 @@
                                     </p:set>
                                     <p:animEffect transition="in" filter="wipe(left)">
                                       <p:cBhvr>
-                                        <p:cTn id="139" dur="500"/>
+                                        <p:cTn id="109" dur="500"/>
                                         <p:tgtEl>
                                           <p:spTgt spid="119"/>
                                         </p:tgtEl>
@@ -17473,14 +17157,14 @@
                                 </p:cTn>
                               </p:par>
                               <p:par>
-                                <p:cTn id="140" presetID="6" presetClass="emph" presetSubtype="0" accel="50000" decel="50000" autoRev="1" fill="hold" grpId="1" nodeType="withEffect">
+                                <p:cTn id="110" presetID="6" presetClass="emph" presetSubtype="0" accel="50000" decel="50000" autoRev="1" fill="hold" grpId="1" nodeType="withEffect">
                                   <p:stCondLst>
                                     <p:cond delay="0"/>
                                   </p:stCondLst>
                                   <p:childTnLst>
                                     <p:animScale>
                                       <p:cBhvr>
-                                        <p:cTn id="141" dur="500" fill="hold"/>
+                                        <p:cTn id="111" dur="500" fill="hold"/>
                                         <p:tgtEl>
                                           <p:spTgt spid="117"/>
                                         </p:tgtEl>
@@ -17491,14 +17175,14 @@
                                 </p:cTn>
                               </p:par>
                               <p:par>
-                                <p:cTn id="142" presetID="6" presetClass="emph" presetSubtype="0" accel="50000" decel="50000" autoRev="1" fill="hold" grpId="1" nodeType="withEffect">
+                                <p:cTn id="112" presetID="6" presetClass="emph" presetSubtype="0" accel="50000" decel="50000" autoRev="1" fill="hold" grpId="1" nodeType="withEffect">
                                   <p:stCondLst>
                                     <p:cond delay="0"/>
                                   </p:stCondLst>
                                   <p:childTnLst>
                                     <p:animScale>
                                       <p:cBhvr>
-                                        <p:cTn id="143" dur="500" fill="hold"/>
+                                        <p:cTn id="113" dur="500" fill="hold"/>
                                         <p:tgtEl>
                                           <p:spTgt spid="118"/>
                                         </p:tgtEl>
@@ -17509,14 +17193,14 @@
                                 </p:cTn>
                               </p:par>
                               <p:par>
-                                <p:cTn id="144" presetID="6" presetClass="emph" presetSubtype="0" accel="50000" decel="50000" autoRev="1" fill="hold" grpId="1" nodeType="withEffect">
+                                <p:cTn id="114" presetID="6" presetClass="emph" presetSubtype="0" accel="50000" decel="50000" autoRev="1" fill="hold" grpId="1" nodeType="withEffect">
                                   <p:stCondLst>
                                     <p:cond delay="0"/>
                                   </p:stCondLst>
                                   <p:childTnLst>
                                     <p:animScale>
                                       <p:cBhvr>
-                                        <p:cTn id="145" dur="500" fill="hold"/>
+                                        <p:cTn id="115" dur="500" fill="hold"/>
                                         <p:tgtEl>
                                           <p:spTgt spid="119"/>
                                         </p:tgtEl>
@@ -17533,26 +17217,26 @@
                     </p:cTn>
                   </p:par>
                   <p:par>
-                    <p:cTn id="146" fill="hold">
+                    <p:cTn id="116" fill="hold">
                       <p:stCondLst>
                         <p:cond delay="indefinite"/>
                       </p:stCondLst>
                       <p:childTnLst>
                         <p:par>
-                          <p:cTn id="147" fill="hold">
+                          <p:cTn id="117" fill="hold">
                             <p:stCondLst>
                               <p:cond delay="0"/>
                             </p:stCondLst>
                             <p:childTnLst>
                               <p:par>
-                                <p:cTn id="148" presetID="1" presetClass="entr" presetSubtype="0" fill="hold" grpId="0" nodeType="clickEffect">
+                                <p:cTn id="118" presetID="1" presetClass="entr" presetSubtype="0" fill="hold" grpId="0" nodeType="clickEffect">
                                   <p:stCondLst>
                                     <p:cond delay="0"/>
                                   </p:stCondLst>
                                   <p:childTnLst>
                                     <p:set>
                                       <p:cBhvr>
-                                        <p:cTn id="149" dur="1" fill="hold">
+                                        <p:cTn id="119" dur="1" fill="hold">
                                           <p:stCondLst>
                                             <p:cond delay="0"/>
                                           </p:stCondLst>
@@ -17578,26 +17262,26 @@
                     </p:cTn>
                   </p:par>
                   <p:par>
-                    <p:cTn id="150" fill="hold">
+                    <p:cTn id="120" fill="hold">
                       <p:stCondLst>
                         <p:cond delay="indefinite"/>
                       </p:stCondLst>
                       <p:childTnLst>
                         <p:par>
-                          <p:cTn id="151" fill="hold">
+                          <p:cTn id="121" fill="hold">
                             <p:stCondLst>
                               <p:cond delay="0"/>
                             </p:stCondLst>
                             <p:childTnLst>
                               <p:par>
-                                <p:cTn id="152" presetID="1" presetClass="entr" presetSubtype="0" fill="hold" grpId="0" nodeType="clickEffect">
+                                <p:cTn id="122" presetID="1" presetClass="entr" presetSubtype="0" fill="hold" grpId="0" nodeType="clickEffect">
                                   <p:stCondLst>
                                     <p:cond delay="0"/>
                                   </p:stCondLst>
                                   <p:childTnLst>
                                     <p:set>
                                       <p:cBhvr>
-                                        <p:cTn id="153" dur="1" fill="hold">
+                                        <p:cTn id="123" dur="1" fill="hold">
                                           <p:stCondLst>
                                             <p:cond delay="0"/>
                                           </p:stCondLst>
@@ -17623,26 +17307,26 @@
                     </p:cTn>
                   </p:par>
                   <p:par>
-                    <p:cTn id="154" fill="hold">
+                    <p:cTn id="124" fill="hold">
                       <p:stCondLst>
                         <p:cond delay="indefinite"/>
                       </p:stCondLst>
                       <p:childTnLst>
                         <p:par>
-                          <p:cTn id="155" fill="hold">
+                          <p:cTn id="125" fill="hold">
                             <p:stCondLst>
                               <p:cond delay="0"/>
                             </p:stCondLst>
                             <p:childTnLst>
                               <p:par>
-                                <p:cTn id="156" presetID="1" presetClass="entr" presetSubtype="0" fill="hold" grpId="0" nodeType="clickEffect">
+                                <p:cTn id="126" presetID="1" presetClass="entr" presetSubtype="0" fill="hold" grpId="0" nodeType="clickEffect">
                                   <p:stCondLst>
                                     <p:cond delay="0"/>
                                   </p:stCondLst>
                                   <p:childTnLst>
                                     <p:set>
                                       <p:cBhvr>
-                                        <p:cTn id="157" dur="1" fill="hold">
+                                        <p:cTn id="127" dur="1" fill="hold">
                                           <p:stCondLst>
                                             <p:cond delay="0"/>
                                           </p:stCondLst>
@@ -17662,14 +17346,14 @@
                                 </p:cTn>
                               </p:par>
                               <p:par>
-                                <p:cTn id="158" presetID="1" presetClass="entr" presetSubtype="0" fill="hold" grpId="0" nodeType="withEffect">
+                                <p:cTn id="128" presetID="1" presetClass="entr" presetSubtype="0" fill="hold" grpId="0" nodeType="withEffect">
                                   <p:stCondLst>
                                     <p:cond delay="0"/>
                                   </p:stCondLst>
                                   <p:childTnLst>
                                     <p:set>
                                       <p:cBhvr>
-                                        <p:cTn id="159" dur="1" fill="hold">
+                                        <p:cTn id="129" dur="1" fill="hold">
                                           <p:stCondLst>
                                             <p:cond delay="0"/>
                                           </p:stCondLst>
@@ -17689,14 +17373,14 @@
                                 </p:cTn>
                               </p:par>
                               <p:par>
-                                <p:cTn id="160" presetID="1" presetClass="entr" presetSubtype="0" fill="hold" grpId="0" nodeType="withEffect">
+                                <p:cTn id="130" presetID="1" presetClass="entr" presetSubtype="0" fill="hold" grpId="0" nodeType="withEffect">
                                   <p:stCondLst>
                                     <p:cond delay="0"/>
                                   </p:stCondLst>
                                   <p:childTnLst>
                                     <p:set>
                                       <p:cBhvr>
-                                        <p:cTn id="161" dur="1" fill="hold">
+                                        <p:cTn id="131" dur="1" fill="hold">
                                           <p:stCondLst>
                                             <p:cond delay="0"/>
                                           </p:stCondLst>

--- a/meetings/2020_02_14_endterm/endterm_final_Korbi.pptx
+++ b/meetings/2020_02_14_endterm/endterm_final_Korbi.pptx
@@ -273,7 +273,7 @@
           <a:p>
             <a:fld id="{A32DC80D-291A-4ABB-A78B-0417274A267C}" type="datetime4">
               <a:rPr lang="de-DE"/>
-              <a:t>10. Februar 2020</a:t>
+              <a:t>11. Februar 2020</a:t>
             </a:fld>
             <a:endParaRPr lang="de-DE"/>
           </a:p>
@@ -623,7 +623,7 @@
           <a:p>
             <a:fld id="{065B079B-E513-489A-8A1B-D7C78493EA86}" type="datetime4">
               <a:rPr lang="de-DE"/>
-              <a:t>10. Februar 2020</a:t>
+              <a:t>11. Februar 2020</a:t>
             </a:fld>
             <a:endParaRPr lang="de-DE"/>
           </a:p>
@@ -1217,7 +1217,7 @@
           <a:p>
             <a:fld id="{065B079B-E513-489A-8A1B-D7C78493EA86}" type="datetime4">
               <a:rPr lang="de-DE"/>
-              <a:t>10. Februar 2020</a:t>
+              <a:t>11. Februar 2020</a:t>
             </a:fld>
             <a:endParaRPr lang="de-DE"/>
           </a:p>
@@ -1617,7 +1617,7 @@
                 <a:ea typeface="+mn-ea"/>
                 <a:cs typeface="Tahoma" panose="020B0804030504040204" pitchFamily="34" charset="0"/>
               </a:rPr>
-              <a:t>10.02.20</a:t>
+              <a:t>11.02.20</a:t>
             </a:fld>
             <a:r>
               <a:rPr kumimoji="0" lang="de-DE" sz="1000" b="0" i="0" u="none" strike="noStrike" kern="1200" cap="none" spc="0" normalizeH="0" baseline="0" noProof="0" dirty="0">
@@ -3118,7 +3118,7 @@
                 <a:ea typeface="+mn-ea"/>
                 <a:cs typeface="Tahoma" panose="020B0804030504040204" pitchFamily="34" charset="0"/>
               </a:rPr>
-              <a:t>10.02.20</a:t>
+              <a:t>11.02.20</a:t>
             </a:fld>
             <a:r>
               <a:rPr kumimoji="0" lang="de-DE" sz="1000" b="0" i="0" u="none" strike="noStrike" kern="1200" cap="none" spc="0" normalizeH="0" baseline="0" noProof="0" dirty="0">
@@ -4738,8 +4738,8 @@
           </p:sp>
         </mc:Fallback>
       </mc:AlternateContent>
-      <mc:AlternateContent xmlns:mc="http://schemas.openxmlformats.org/markup-compatibility/2006" xmlns:a14="http://schemas.microsoft.com/office/drawing/2010/main">
-        <mc:Choice Requires="a14">
+      <mc:AlternateContent xmlns:mc="http://schemas.openxmlformats.org/markup-compatibility/2006">
+        <mc:Choice xmlns:a14="http://schemas.microsoft.com/office/drawing/2010/main" Requires="a14">
           <p:sp>
             <p:nvSpPr>
               <p:cNvPr id="8" name="Textfeld 7"/>
@@ -4792,22 +4792,15 @@
                         </m:r>
                       </m:sub>
                     </m:sSub>
+                    <m:r>
+                      <a:rPr lang="de-DE" b="0" i="1" smtClean="0">
+                        <a:latin typeface="Cambria Math" panose="02040503050406030204" pitchFamily="18" charset="0"/>
+                        <a:ea typeface="Cambria Math" panose="02040503050406030204" charset="0"/>
+                      </a:rPr>
+                      <m:t>: </m:t>
+                    </m:r>
                   </m:oMath>
                 </a14:m>
-                <a:r>
-                  <a:rPr lang="de-DE" b="0" i="1" dirty="0">
-                    <a:latin typeface="Cambria Math" panose="02040503050406030204" charset="0"/>
-                    <a:ea typeface="Cambria Math" panose="02040503050406030204" charset="0"/>
-                  </a:rPr>
-                  <a:t>:</a:t>
-                </a:r>
-                <a:r>
-                  <a:rPr lang="de-DE" b="0" dirty="0">
-                    <a:latin typeface="Cambria Math" panose="02040503050406030204" charset="0"/>
-                    <a:ea typeface="Cambria Math" panose="02040503050406030204" charset="0"/>
-                  </a:rPr>
-                  <a:t> </a:t>
-                </a:r>
                 <a:r>
                   <a:rPr lang="de-DE" b="0" dirty="0" err="1">
                     <a:latin typeface="Cambria Math" panose="02040503050406030204" charset="0"/>
@@ -4910,7 +4903,7 @@
             </p:txBody>
           </p:sp>
         </mc:Choice>
-        <mc:Fallback xmlns="">
+        <mc:Fallback>
           <p:sp>
             <p:nvSpPr>
               <p:cNvPr id="8" name="Textfeld 7"/>
@@ -5306,8 +5299,8 @@
           </a:p>
         </p:txBody>
       </p:sp>
-      <mc:AlternateContent xmlns:mc="http://schemas.openxmlformats.org/markup-compatibility/2006" xmlns:a14="http://schemas.microsoft.com/office/drawing/2010/main">
-        <mc:Choice Requires="a14">
+      <mc:AlternateContent xmlns:mc="http://schemas.openxmlformats.org/markup-compatibility/2006">
+        <mc:Choice xmlns:a14="http://schemas.microsoft.com/office/drawing/2010/main" Requires="a14">
           <p:sp>
             <p:nvSpPr>
               <p:cNvPr id="7" name="Textfeld 6">
@@ -5346,23 +5339,26 @@
                       <m:sSub>
                         <m:sSubPr>
                           <m:ctrlPr>
-                            <a:rPr lang="de-DE" b="0" i="1" smtClean="0">
+                            <a:rPr lang="de-DE" i="1">
                               <a:latin typeface="Cambria Math" panose="02040503050406030204" pitchFamily="18" charset="0"/>
+                              <a:ea typeface="Cambria Math" panose="02040503050406030204" charset="0"/>
                             </a:rPr>
                           </m:ctrlPr>
                         </m:sSubPr>
                         <m:e>
                           <m:r>
-                            <a:rPr lang="de-DE" i="1" smtClean="0">
+                            <a:rPr lang="de-DE" i="1">
                               <a:latin typeface="Cambria Math" panose="02040503050406030204" pitchFamily="18" charset="0"/>
+                              <a:ea typeface="Cambria Math" panose="02040503050406030204" charset="0"/>
                             </a:rPr>
                             <m:t>𝐿</m:t>
                           </m:r>
                         </m:e>
                         <m:sub>
                           <m:r>
-                            <a:rPr lang="de-DE" b="0" i="1" smtClean="0">
+                            <a:rPr lang="de-DE" i="1">
                               <a:latin typeface="Cambria Math" panose="02040503050406030204" pitchFamily="18" charset="0"/>
+                              <a:ea typeface="Cambria Math" panose="02040503050406030204" charset="0"/>
                             </a:rPr>
                             <m:t>𝑝</m:t>
                           </m:r>
@@ -5376,7 +5372,7 @@
             </p:txBody>
           </p:sp>
         </mc:Choice>
-        <mc:Fallback xmlns="">
+        <mc:Fallback>
           <p:sp>
             <p:nvSpPr>
               <p:cNvPr id="7" name="Textfeld 6">
@@ -5471,8 +5467,8 @@
           </a:p>
         </p:txBody>
       </p:sp>
-      <mc:AlternateContent xmlns:mc="http://schemas.openxmlformats.org/markup-compatibility/2006" xmlns:a14="http://schemas.microsoft.com/office/drawing/2010/main">
-        <mc:Choice Requires="a14">
+      <mc:AlternateContent xmlns:mc="http://schemas.openxmlformats.org/markup-compatibility/2006">
+        <mc:Choice xmlns:a14="http://schemas.microsoft.com/office/drawing/2010/main" Requires="a14">
           <p:sp>
             <p:nvSpPr>
               <p:cNvPr id="13" name="Textfeld 12">
@@ -5511,23 +5507,26 @@
                       <m:sSub>
                         <m:sSubPr>
                           <m:ctrlPr>
-                            <a:rPr lang="de-DE" b="0" i="1" smtClean="0">
+                            <a:rPr lang="de-DE" i="1">
                               <a:latin typeface="Cambria Math" panose="02040503050406030204" pitchFamily="18" charset="0"/>
+                              <a:ea typeface="Cambria Math" panose="02040503050406030204" charset="0"/>
                             </a:rPr>
                           </m:ctrlPr>
                         </m:sSubPr>
                         <m:e>
                           <m:r>
-                            <a:rPr lang="de-DE" i="1" smtClean="0">
+                            <a:rPr lang="de-DE" i="1">
                               <a:latin typeface="Cambria Math" panose="02040503050406030204" pitchFamily="18" charset="0"/>
+                              <a:ea typeface="Cambria Math" panose="02040503050406030204" charset="0"/>
                             </a:rPr>
                             <m:t>𝐿</m:t>
                           </m:r>
                         </m:e>
                         <m:sub>
                           <m:r>
-                            <a:rPr lang="de-DE" b="0" i="1" smtClean="0">
+                            <a:rPr lang="de-DE" i="1">
                               <a:latin typeface="Cambria Math" panose="02040503050406030204" pitchFamily="18" charset="0"/>
+                              <a:ea typeface="Cambria Math" panose="02040503050406030204" charset="0"/>
                             </a:rPr>
                             <m:t>𝑠</m:t>
                           </m:r>
@@ -5541,7 +5540,7 @@
             </p:txBody>
           </p:sp>
         </mc:Choice>
-        <mc:Fallback xmlns="">
+        <mc:Fallback>
           <p:sp>
             <p:nvSpPr>
               <p:cNvPr id="13" name="Textfeld 12">
@@ -5586,8 +5585,8 @@
           </p:sp>
         </mc:Fallback>
       </mc:AlternateContent>
-      <mc:AlternateContent xmlns:mc="http://schemas.openxmlformats.org/markup-compatibility/2006" xmlns:a14="http://schemas.microsoft.com/office/drawing/2010/main">
-        <mc:Choice Requires="a14">
+      <mc:AlternateContent xmlns:mc="http://schemas.openxmlformats.org/markup-compatibility/2006">
+        <mc:Choice xmlns:a14="http://schemas.microsoft.com/office/drawing/2010/main" Requires="a14">
           <p:sp>
             <p:nvSpPr>
               <p:cNvPr id="14" name="Textfeld 13">
@@ -5621,7 +5620,7 @@
                     <m:sSub>
                       <m:sSubPr>
                         <m:ctrlPr>
-                          <a:rPr lang="de-DE" b="0" i="1" smtClean="0">
+                          <a:rPr lang="de-DE" i="1" smtClean="0">
                             <a:latin typeface="Cambria Math" panose="02040503050406030204" pitchFamily="18" charset="0"/>
                             <a:ea typeface="Cambria Math" panose="02040503050406030204" charset="0"/>
                           </a:rPr>
@@ -5651,17 +5650,10 @@
                         <a:latin typeface="Cambria Math" panose="02040503050406030204" pitchFamily="18" charset="0"/>
                         <a:ea typeface="Cambria Math" panose="02040503050406030204" charset="0"/>
                       </a:rPr>
-                      <m:t> </m:t>
+                      <m:t>: </m:t>
                     </m:r>
                   </m:oMath>
                 </a14:m>
-                <a:r>
-                  <a:rPr lang="de-DE" dirty="0">
-                    <a:latin typeface="Cambria Math" panose="02040503050406030204" charset="0"/>
-                    <a:ea typeface="Cambria Math" panose="02040503050406030204" charset="0"/>
-                  </a:rPr>
-                  <a:t>:</a:t>
-                </a:r>
                 <a:r>
                   <a:rPr lang="de-DE" dirty="0" err="1">
                     <a:latin typeface="Cambria Math" panose="02040503050406030204" charset="0"/>
@@ -5719,7 +5711,7 @@
             </p:txBody>
           </p:sp>
         </mc:Choice>
-        <mc:Fallback xmlns="">
+        <mc:Fallback>
           <p:sp>
             <p:nvSpPr>
               <p:cNvPr id="14" name="Textfeld 13">
@@ -6717,732 +6709,6 @@
           </a:p>
         </p:txBody>
       </p:sp>
-      <p:graphicFrame>
-        <p:nvGraphicFramePr>
-          <p:cNvPr id="12" name="Table 11"/>
-          <p:cNvGraphicFramePr/>
-          <p:nvPr>
-            <p:extLst>
-              <p:ext uri="{D42A27DB-BD31-4B8C-83A1-F6EECF244321}">
-                <p14:modId xmlns:p14="http://schemas.microsoft.com/office/powerpoint/2010/main" val="3097251833"/>
-              </p:ext>
-            </p:extLst>
-          </p:nvPr>
-        </p:nvGraphicFramePr>
-        <p:xfrm>
-          <a:off x="5030953" y="2169474"/>
-          <a:ext cx="3120592" cy="2560320"/>
-        </p:xfrm>
-        <a:graphic>
-          <a:graphicData uri="http://schemas.openxmlformats.org/drawingml/2006/table">
-            <a:tbl>
-              <a:tblPr firstRow="1">
-                <a:effectLst/>
-                <a:tableStyleId>{69C7853C-536D-4A76-A0AE-DD22124D55A5}</a:tableStyleId>
-              </a:tblPr>
-              <a:tblGrid>
-                <a:gridCol w="388323">
-                  <a:extLst>
-                    <a:ext uri="{9D8B030D-6E8A-4147-A177-3AD203B41FA5}">
-                      <a16:colId xmlns:a16="http://schemas.microsoft.com/office/drawing/2014/main" val="20000"/>
-                    </a:ext>
-                  </a:extLst>
-                </a:gridCol>
-                <a:gridCol w="546131">
-                  <a:extLst>
-                    <a:ext uri="{9D8B030D-6E8A-4147-A177-3AD203B41FA5}">
-                      <a16:colId xmlns:a16="http://schemas.microsoft.com/office/drawing/2014/main" val="20001"/>
-                    </a:ext>
-                  </a:extLst>
-                </a:gridCol>
-                <a:gridCol w="546669">
-                  <a:extLst>
-                    <a:ext uri="{9D8B030D-6E8A-4147-A177-3AD203B41FA5}">
-                      <a16:colId xmlns:a16="http://schemas.microsoft.com/office/drawing/2014/main" val="20002"/>
-                    </a:ext>
-                  </a:extLst>
-                </a:gridCol>
-                <a:gridCol w="546669">
-                  <a:extLst>
-                    <a:ext uri="{9D8B030D-6E8A-4147-A177-3AD203B41FA5}">
-                      <a16:colId xmlns:a16="http://schemas.microsoft.com/office/drawing/2014/main" val="20003"/>
-                    </a:ext>
-                  </a:extLst>
-                </a:gridCol>
-                <a:gridCol w="546131">
-                  <a:extLst>
-                    <a:ext uri="{9D8B030D-6E8A-4147-A177-3AD203B41FA5}">
-                      <a16:colId xmlns:a16="http://schemas.microsoft.com/office/drawing/2014/main" val="20004"/>
-                    </a:ext>
-                  </a:extLst>
-                </a:gridCol>
-                <a:gridCol w="546669">
-                  <a:extLst>
-                    <a:ext uri="{9D8B030D-6E8A-4147-A177-3AD203B41FA5}">
-                      <a16:colId xmlns:a16="http://schemas.microsoft.com/office/drawing/2014/main" val="20005"/>
-                    </a:ext>
-                  </a:extLst>
-                </a:gridCol>
-              </a:tblGrid>
-              <a:tr h="324290">
-                <a:tc>
-                  <a:txBody>
-                    <a:bodyPr/>
-                    <a:lstStyle/>
-                    <a:p>
-                      <a:pPr>
-                        <a:buNone/>
-                      </a:pPr>
-                      <a:r>
-                        <a:rPr lang="de-DE" altLang="en-US"/>
-                        <a:t>1</a:t>
-                      </a:r>
-                    </a:p>
-                  </a:txBody>
-                  <a:tcPr/>
-                </a:tc>
-                <a:tc>
-                  <a:txBody>
-                    <a:bodyPr/>
-                    <a:lstStyle/>
-                    <a:p>
-                      <a:pPr>
-                        <a:buNone/>
-                      </a:pPr>
-                      <a:endParaRPr lang="de-DE" altLang="en-US" dirty="0"/>
-                    </a:p>
-                  </a:txBody>
-                  <a:tcPr/>
-                </a:tc>
-                <a:tc>
-                  <a:txBody>
-                    <a:bodyPr/>
-                    <a:lstStyle/>
-                    <a:p>
-                      <a:pPr>
-                        <a:buNone/>
-                      </a:pPr>
-                      <a:r>
-                        <a:rPr lang="de-DE" altLang="en-US"/>
-                        <a:t>1</a:t>
-                      </a:r>
-                    </a:p>
-                  </a:txBody>
-                  <a:tcPr/>
-                </a:tc>
-                <a:tc>
-                  <a:txBody>
-                    <a:bodyPr/>
-                    <a:lstStyle/>
-                    <a:p>
-                      <a:pPr>
-                        <a:buNone/>
-                      </a:pPr>
-                      <a:endParaRPr lang="en-US"/>
-                    </a:p>
-                  </a:txBody>
-                  <a:tcPr/>
-                </a:tc>
-                <a:tc>
-                  <a:txBody>
-                    <a:bodyPr/>
-                    <a:lstStyle/>
-                    <a:p>
-                      <a:pPr>
-                        <a:buNone/>
-                      </a:pPr>
-                      <a:endParaRPr lang="en-US"/>
-                    </a:p>
-                  </a:txBody>
-                  <a:tcPr/>
-                </a:tc>
-                <a:tc>
-                  <a:txBody>
-                    <a:bodyPr/>
-                    <a:lstStyle/>
-                    <a:p>
-                      <a:pPr>
-                        <a:buNone/>
-                      </a:pPr>
-                      <a:endParaRPr lang="en-US"/>
-                    </a:p>
-                  </a:txBody>
-                  <a:tcPr/>
-                </a:tc>
-                <a:extLst>
-                  <a:ext uri="{0D108BD9-81ED-4DB2-BD59-A6C34878D82A}">
-                    <a16:rowId xmlns:a16="http://schemas.microsoft.com/office/drawing/2014/main" val="10000"/>
-                  </a:ext>
-                </a:extLst>
-              </a:tr>
-              <a:tr h="324290">
-                <a:tc>
-                  <a:txBody>
-                    <a:bodyPr/>
-                    <a:lstStyle/>
-                    <a:p>
-                      <a:pPr>
-                        <a:buNone/>
-                      </a:pPr>
-                      <a:r>
-                        <a:rPr lang="de-DE" altLang="en-US" dirty="0"/>
-                        <a:t>1</a:t>
-                      </a:r>
-                    </a:p>
-                  </a:txBody>
-                  <a:tcPr/>
-                </a:tc>
-                <a:tc>
-                  <a:txBody>
-                    <a:bodyPr/>
-                    <a:lstStyle/>
-                    <a:p>
-                      <a:pPr>
-                        <a:buNone/>
-                      </a:pPr>
-                      <a:r>
-                        <a:rPr lang="de-DE" altLang="en-US" dirty="0"/>
-                        <a:t>1</a:t>
-                      </a:r>
-                    </a:p>
-                  </a:txBody>
-                  <a:tcPr/>
-                </a:tc>
-                <a:tc>
-                  <a:txBody>
-                    <a:bodyPr/>
-                    <a:lstStyle/>
-                    <a:p>
-                      <a:pPr>
-                        <a:buNone/>
-                      </a:pPr>
-                      <a:r>
-                        <a:rPr lang="de-DE" altLang="en-US"/>
-                        <a:t>1</a:t>
-                      </a:r>
-                    </a:p>
-                  </a:txBody>
-                  <a:tcPr/>
-                </a:tc>
-                <a:tc>
-                  <a:txBody>
-                    <a:bodyPr/>
-                    <a:lstStyle/>
-                    <a:p>
-                      <a:pPr>
-                        <a:buNone/>
-                      </a:pPr>
-                      <a:endParaRPr lang="en-US"/>
-                    </a:p>
-                  </a:txBody>
-                  <a:tcPr/>
-                </a:tc>
-                <a:tc>
-                  <a:txBody>
-                    <a:bodyPr/>
-                    <a:lstStyle/>
-                    <a:p>
-                      <a:pPr>
-                        <a:buNone/>
-                      </a:pPr>
-                      <a:endParaRPr lang="en-US"/>
-                    </a:p>
-                  </a:txBody>
-                  <a:tcPr/>
-                </a:tc>
-                <a:tc>
-                  <a:txBody>
-                    <a:bodyPr/>
-                    <a:lstStyle/>
-                    <a:p>
-                      <a:pPr>
-                        <a:buNone/>
-                      </a:pPr>
-                      <a:endParaRPr lang="en-US"/>
-                    </a:p>
-                  </a:txBody>
-                  <a:tcPr/>
-                </a:tc>
-                <a:extLst>
-                  <a:ext uri="{0D108BD9-81ED-4DB2-BD59-A6C34878D82A}">
-                    <a16:rowId xmlns:a16="http://schemas.microsoft.com/office/drawing/2014/main" val="10001"/>
-                  </a:ext>
-                </a:extLst>
-              </a:tr>
-              <a:tr h="324290">
-                <a:tc>
-                  <a:txBody>
-                    <a:bodyPr/>
-                    <a:lstStyle/>
-                    <a:p>
-                      <a:pPr>
-                        <a:buNone/>
-                      </a:pPr>
-                      <a:r>
-                        <a:rPr lang="de-DE" altLang="en-US"/>
-                        <a:t>1</a:t>
-                      </a:r>
-                    </a:p>
-                  </a:txBody>
-                  <a:tcPr/>
-                </a:tc>
-                <a:tc>
-                  <a:txBody>
-                    <a:bodyPr/>
-                    <a:lstStyle/>
-                    <a:p>
-                      <a:pPr>
-                        <a:buNone/>
-                      </a:pPr>
-                      <a:r>
-                        <a:rPr lang="de-DE" altLang="en-US"/>
-                        <a:t>1</a:t>
-                      </a:r>
-                    </a:p>
-                  </a:txBody>
-                  <a:tcPr/>
-                </a:tc>
-                <a:tc>
-                  <a:txBody>
-                    <a:bodyPr/>
-                    <a:lstStyle/>
-                    <a:p>
-                      <a:pPr>
-                        <a:buNone/>
-                      </a:pPr>
-                      <a:r>
-                        <a:rPr lang="de-DE" altLang="en-US"/>
-                        <a:t>1</a:t>
-                      </a:r>
-                    </a:p>
-                  </a:txBody>
-                  <a:tcPr/>
-                </a:tc>
-                <a:tc>
-                  <a:txBody>
-                    <a:bodyPr/>
-                    <a:lstStyle/>
-                    <a:p>
-                      <a:pPr>
-                        <a:buNone/>
-                      </a:pPr>
-                      <a:endParaRPr lang="en-US"/>
-                    </a:p>
-                  </a:txBody>
-                  <a:tcPr/>
-                </a:tc>
-                <a:tc>
-                  <a:txBody>
-                    <a:bodyPr/>
-                    <a:lstStyle/>
-                    <a:p>
-                      <a:pPr>
-                        <a:buNone/>
-                      </a:pPr>
-                      <a:endParaRPr lang="en-US"/>
-                    </a:p>
-                  </a:txBody>
-                  <a:tcPr/>
-                </a:tc>
-                <a:tc>
-                  <a:txBody>
-                    <a:bodyPr/>
-                    <a:lstStyle/>
-                    <a:p>
-                      <a:pPr>
-                        <a:buNone/>
-                      </a:pPr>
-                      <a:endParaRPr lang="en-US" dirty="0"/>
-                    </a:p>
-                  </a:txBody>
-                  <a:tcPr/>
-                </a:tc>
-                <a:extLst>
-                  <a:ext uri="{0D108BD9-81ED-4DB2-BD59-A6C34878D82A}">
-                    <a16:rowId xmlns:a16="http://schemas.microsoft.com/office/drawing/2014/main" val="10002"/>
-                  </a:ext>
-                </a:extLst>
-              </a:tr>
-              <a:tr h="324290">
-                <a:tc>
-                  <a:txBody>
-                    <a:bodyPr/>
-                    <a:lstStyle/>
-                    <a:p>
-                      <a:pPr>
-                        <a:buNone/>
-                      </a:pPr>
-                      <a:endParaRPr lang="en-US"/>
-                    </a:p>
-                  </a:txBody>
-                  <a:tcPr/>
-                </a:tc>
-                <a:tc>
-                  <a:txBody>
-                    <a:bodyPr/>
-                    <a:lstStyle/>
-                    <a:p>
-                      <a:pPr>
-                        <a:buNone/>
-                      </a:pPr>
-                      <a:endParaRPr lang="en-US"/>
-                    </a:p>
-                  </a:txBody>
-                  <a:tcPr/>
-                </a:tc>
-                <a:tc>
-                  <a:txBody>
-                    <a:bodyPr/>
-                    <a:lstStyle/>
-                    <a:p>
-                      <a:pPr>
-                        <a:buNone/>
-                      </a:pPr>
-                      <a:endParaRPr lang="en-US"/>
-                    </a:p>
-                  </a:txBody>
-                  <a:tcPr/>
-                </a:tc>
-                <a:tc>
-                  <a:txBody>
-                    <a:bodyPr/>
-                    <a:lstStyle/>
-                    <a:p>
-                      <a:pPr>
-                        <a:buNone/>
-                      </a:pPr>
-                      <a:r>
-                        <a:rPr lang="de-DE" altLang="en-US" dirty="0"/>
-                        <a:t>2</a:t>
-                      </a:r>
-                    </a:p>
-                  </a:txBody>
-                  <a:tcPr/>
-                </a:tc>
-                <a:tc>
-                  <a:txBody>
-                    <a:bodyPr/>
-                    <a:lstStyle/>
-                    <a:p>
-                      <a:pPr>
-                        <a:buNone/>
-                      </a:pPr>
-                      <a:r>
-                        <a:rPr lang="de-DE" altLang="en-US"/>
-                        <a:t>2</a:t>
-                      </a:r>
-                    </a:p>
-                  </a:txBody>
-                  <a:tcPr/>
-                </a:tc>
-                <a:tc>
-                  <a:txBody>
-                    <a:bodyPr/>
-                    <a:lstStyle/>
-                    <a:p>
-                      <a:pPr>
-                        <a:buNone/>
-                      </a:pPr>
-                      <a:r>
-                        <a:rPr lang="de-DE" altLang="en-US"/>
-                        <a:t>2</a:t>
-                      </a:r>
-                    </a:p>
-                  </a:txBody>
-                  <a:tcPr/>
-                </a:tc>
-                <a:extLst>
-                  <a:ext uri="{0D108BD9-81ED-4DB2-BD59-A6C34878D82A}">
-                    <a16:rowId xmlns:a16="http://schemas.microsoft.com/office/drawing/2014/main" val="10003"/>
-                  </a:ext>
-                </a:extLst>
-              </a:tr>
-              <a:tr h="324290">
-                <a:tc>
-                  <a:txBody>
-                    <a:bodyPr/>
-                    <a:lstStyle/>
-                    <a:p>
-                      <a:pPr>
-                        <a:buNone/>
-                      </a:pPr>
-                      <a:endParaRPr lang="en-US"/>
-                    </a:p>
-                  </a:txBody>
-                  <a:tcPr/>
-                </a:tc>
-                <a:tc>
-                  <a:txBody>
-                    <a:bodyPr/>
-                    <a:lstStyle/>
-                    <a:p>
-                      <a:pPr>
-                        <a:buNone/>
-                      </a:pPr>
-                      <a:endParaRPr lang="en-US"/>
-                    </a:p>
-                  </a:txBody>
-                  <a:tcPr/>
-                </a:tc>
-                <a:tc>
-                  <a:txBody>
-                    <a:bodyPr/>
-                    <a:lstStyle/>
-                    <a:p>
-                      <a:pPr>
-                        <a:buNone/>
-                      </a:pPr>
-                      <a:endParaRPr lang="en-US"/>
-                    </a:p>
-                  </a:txBody>
-                  <a:tcPr/>
-                </a:tc>
-                <a:tc>
-                  <a:txBody>
-                    <a:bodyPr/>
-                    <a:lstStyle/>
-                    <a:p>
-                      <a:pPr>
-                        <a:buNone/>
-                      </a:pPr>
-                      <a:r>
-                        <a:rPr lang="de-DE" altLang="en-US"/>
-                        <a:t>2</a:t>
-                      </a:r>
-                    </a:p>
-                  </a:txBody>
-                  <a:tcPr/>
-                </a:tc>
-                <a:tc>
-                  <a:txBody>
-                    <a:bodyPr/>
-                    <a:lstStyle/>
-                    <a:p>
-                      <a:pPr>
-                        <a:buNone/>
-                      </a:pPr>
-                      <a:r>
-                        <a:rPr lang="de-DE" altLang="en-US"/>
-                        <a:t>2</a:t>
-                      </a:r>
-                    </a:p>
-                  </a:txBody>
-                  <a:tcPr/>
-                </a:tc>
-                <a:tc>
-                  <a:txBody>
-                    <a:bodyPr/>
-                    <a:lstStyle/>
-                    <a:p>
-                      <a:pPr>
-                        <a:buNone/>
-                      </a:pPr>
-                      <a:r>
-                        <a:rPr lang="de-DE" altLang="en-US"/>
-                        <a:t>2</a:t>
-                      </a:r>
-                    </a:p>
-                  </a:txBody>
-                  <a:tcPr/>
-                </a:tc>
-                <a:extLst>
-                  <a:ext uri="{0D108BD9-81ED-4DB2-BD59-A6C34878D82A}">
-                    <a16:rowId xmlns:a16="http://schemas.microsoft.com/office/drawing/2014/main" val="10004"/>
-                  </a:ext>
-                </a:extLst>
-              </a:tr>
-              <a:tr h="324290">
-                <a:tc>
-                  <a:txBody>
-                    <a:bodyPr/>
-                    <a:lstStyle/>
-                    <a:p>
-                      <a:pPr>
-                        <a:buNone/>
-                      </a:pPr>
-                      <a:r>
-                        <a:rPr lang="de-DE" altLang="en-US"/>
-                        <a:t>3</a:t>
-                      </a:r>
-                    </a:p>
-                  </a:txBody>
-                  <a:tcPr/>
-                </a:tc>
-                <a:tc>
-                  <a:txBody>
-                    <a:bodyPr/>
-                    <a:lstStyle/>
-                    <a:p>
-                      <a:pPr>
-                        <a:buNone/>
-                      </a:pPr>
-                      <a:r>
-                        <a:rPr lang="de-DE" altLang="en-US"/>
-                        <a:t>3</a:t>
-                      </a:r>
-                    </a:p>
-                  </a:txBody>
-                  <a:tcPr/>
-                </a:tc>
-                <a:tc>
-                  <a:txBody>
-                    <a:bodyPr/>
-                    <a:lstStyle/>
-                    <a:p>
-                      <a:pPr>
-                        <a:buNone/>
-                      </a:pPr>
-                      <a:r>
-                        <a:rPr lang="de-DE" altLang="en-US"/>
-                        <a:t>3</a:t>
-                      </a:r>
-                    </a:p>
-                  </a:txBody>
-                  <a:tcPr/>
-                </a:tc>
-                <a:tc>
-                  <a:txBody>
-                    <a:bodyPr/>
-                    <a:lstStyle/>
-                    <a:p>
-                      <a:pPr>
-                        <a:buNone/>
-                      </a:pPr>
-                      <a:endParaRPr lang="en-US"/>
-                    </a:p>
-                  </a:txBody>
-                  <a:tcPr/>
-                </a:tc>
-                <a:tc>
-                  <a:txBody>
-                    <a:bodyPr/>
-                    <a:lstStyle/>
-                    <a:p>
-                      <a:pPr>
-                        <a:buNone/>
-                      </a:pPr>
-                      <a:endParaRPr lang="en-US"/>
-                    </a:p>
-                  </a:txBody>
-                  <a:tcPr/>
-                </a:tc>
-                <a:tc>
-                  <a:txBody>
-                    <a:bodyPr/>
-                    <a:lstStyle/>
-                    <a:p>
-                      <a:pPr>
-                        <a:buNone/>
-                      </a:pPr>
-                      <a:endParaRPr lang="en-US"/>
-                    </a:p>
-                  </a:txBody>
-                  <a:tcPr/>
-                </a:tc>
-                <a:extLst>
-                  <a:ext uri="{0D108BD9-81ED-4DB2-BD59-A6C34878D82A}">
-                    <a16:rowId xmlns:a16="http://schemas.microsoft.com/office/drawing/2014/main" val="10005"/>
-                  </a:ext>
-                </a:extLst>
-              </a:tr>
-              <a:tr h="324290">
-                <a:tc>
-                  <a:txBody>
-                    <a:bodyPr/>
-                    <a:lstStyle/>
-                    <a:p>
-                      <a:pPr>
-                        <a:buNone/>
-                      </a:pPr>
-                      <a:r>
-                        <a:rPr lang="de-DE" altLang="en-US"/>
-                        <a:t>3</a:t>
-                      </a:r>
-                    </a:p>
-                  </a:txBody>
-                  <a:tcPr/>
-                </a:tc>
-                <a:tc>
-                  <a:txBody>
-                    <a:bodyPr/>
-                    <a:lstStyle/>
-                    <a:p>
-                      <a:pPr>
-                        <a:buNone/>
-                      </a:pPr>
-                      <a:r>
-                        <a:rPr lang="de-DE" altLang="en-US"/>
-                        <a:t>3</a:t>
-                      </a:r>
-                    </a:p>
-                  </a:txBody>
-                  <a:tcPr/>
-                </a:tc>
-                <a:tc>
-                  <a:txBody>
-                    <a:bodyPr/>
-                    <a:lstStyle/>
-                    <a:p>
-                      <a:pPr>
-                        <a:buNone/>
-                      </a:pPr>
-                      <a:r>
-                        <a:rPr lang="de-DE" altLang="en-US"/>
-                        <a:t>3</a:t>
-                      </a:r>
-                    </a:p>
-                  </a:txBody>
-                  <a:tcPr/>
-                </a:tc>
-                <a:tc>
-                  <a:txBody>
-                    <a:bodyPr/>
-                    <a:lstStyle/>
-                    <a:p>
-                      <a:pPr>
-                        <a:buNone/>
-                      </a:pPr>
-                      <a:endParaRPr lang="en-US"/>
-                    </a:p>
-                  </a:txBody>
-                  <a:tcPr/>
-                </a:tc>
-                <a:tc>
-                  <a:txBody>
-                    <a:bodyPr/>
-                    <a:lstStyle/>
-                    <a:p>
-                      <a:pPr>
-                        <a:buNone/>
-                      </a:pPr>
-                      <a:endParaRPr lang="en-US"/>
-                    </a:p>
-                  </a:txBody>
-                  <a:tcPr/>
-                </a:tc>
-                <a:tc>
-                  <a:txBody>
-                    <a:bodyPr/>
-                    <a:lstStyle/>
-                    <a:p>
-                      <a:pPr>
-                        <a:buNone/>
-                      </a:pPr>
-                      <a:endParaRPr lang="en-US" dirty="0"/>
-                    </a:p>
-                  </a:txBody>
-                  <a:tcPr/>
-                </a:tc>
-                <a:extLst>
-                  <a:ext uri="{0D108BD9-81ED-4DB2-BD59-A6C34878D82A}">
-                    <a16:rowId xmlns:a16="http://schemas.microsoft.com/office/drawing/2014/main" val="10006"/>
-                  </a:ext>
-                </a:extLst>
-              </a:tr>
-            </a:tbl>
-          </a:graphicData>
-        </a:graphic>
-      </p:graphicFrame>
       <p:sp>
         <p:nvSpPr>
           <p:cNvPr id="13" name="Freeform 12"/>
@@ -8046,7 +7312,7 @@
               <a:rPr lang="de-DE" altLang="en-US" b="1" dirty="0" err="1">
                 <a:sym typeface="+mn-ea"/>
               </a:rPr>
-              <a:t>use</a:t>
+              <a:t>Use</a:t>
             </a:r>
             <a:r>
               <a:rPr lang="de-DE" altLang="en-US" b="1" dirty="0">
@@ -8157,8 +7423,8 @@
           </a:p>
         </p:txBody>
       </p:sp>
-      <mc:AlternateContent xmlns:mc="http://schemas.openxmlformats.org/markup-compatibility/2006" xmlns:a14="http://schemas.microsoft.com/office/drawing/2010/main">
-        <mc:Choice Requires="a14">
+      <mc:AlternateContent xmlns:mc="http://schemas.openxmlformats.org/markup-compatibility/2006">
+        <mc:Choice xmlns:a14="http://schemas.microsoft.com/office/drawing/2010/main" Requires="a14">
           <p:sp>
             <p:nvSpPr>
               <p:cNvPr id="20" name="Textfeld 19">
@@ -8174,7 +7440,7 @@
             <p:spPr>
               <a:xfrm>
                 <a:off x="311567" y="5373822"/>
-                <a:ext cx="6575967" cy="414537"/>
+                <a:ext cx="6537495" cy="414537"/>
               </a:xfrm>
               <a:prstGeom prst="rect">
                 <a:avLst/>
@@ -8209,7 +7475,7 @@
                 </a:r>
                 <a:r>
                   <a:rPr lang="de-DE" dirty="0"/>
-                  <a:t> </a:t>
+                  <a:t>  </a:t>
                 </a:r>
                 <a14:m>
                   <m:oMath xmlns:m="http://schemas.openxmlformats.org/officeDocument/2006/math">
@@ -8218,13 +7484,41 @@
                         <m:begChr m:val="|"/>
                         <m:endChr m:val="|"/>
                         <m:ctrlPr>
-                          <a:rPr lang="de-DE" b="1" i="1">
+                          <a:rPr lang="de-DE" b="1" i="1" smtClean="0">
                             <a:latin typeface="Cambria Math" panose="02040503050406030204" pitchFamily="18" charset="0"/>
                             <a:ea typeface="Cambria Math" panose="02040503050406030204" charset="0"/>
                           </a:rPr>
                         </m:ctrlPr>
                       </m:dPr>
                       <m:e>
+                        <m:sSub>
+                          <m:sSubPr>
+                            <m:ctrlPr>
+                              <a:rPr lang="de-DE" b="1" i="1" smtClean="0">
+                                <a:latin typeface="Cambria Math" panose="02040503050406030204" pitchFamily="18" charset="0"/>
+                                <a:ea typeface="Cambria Math" panose="02040503050406030204" charset="0"/>
+                              </a:rPr>
+                            </m:ctrlPr>
+                          </m:sSubPr>
+                          <m:e>
+                            <m:r>
+                              <a:rPr lang="de-DE" b="1" i="1" smtClean="0">
+                                <a:latin typeface="Cambria Math" panose="02040503050406030204" pitchFamily="18" charset="0"/>
+                                <a:ea typeface="Cambria Math" panose="02040503050406030204" pitchFamily="18" charset="0"/>
+                              </a:rPr>
+                              <m:t>𝝏</m:t>
+                            </m:r>
+                          </m:e>
+                          <m:sub>
+                            <m:r>
+                              <a:rPr lang="de-DE" b="1" i="1" smtClean="0">
+                                <a:latin typeface="Cambria Math" panose="02040503050406030204" pitchFamily="18" charset="0"/>
+                                <a:ea typeface="Cambria Math" panose="02040503050406030204" charset="0"/>
+                              </a:rPr>
+                              <m:t>𝒙</m:t>
+                            </m:r>
+                          </m:sub>
+                        </m:sSub>
                         <m:sSub>
                           <m:sSubPr>
                             <m:ctrlPr>
@@ -8238,49 +7532,12 @@
                             </m:ctrlPr>
                           </m:sSubPr>
                           <m:e>
-                            <m:sSub>
-                              <m:sSubPr>
-                                <m:ctrlPr>
-                                  <a:rPr lang="de-DE" b="1" i="1" smtClean="0">
-                                    <a:solidFill>
-                                      <a:schemeClr val="tx1"/>
-                                    </a:solidFill>
-                                    <a:latin typeface="Cambria Math" panose="02040503050406030204" pitchFamily="18" charset="0"/>
-                                    <a:ea typeface="Cambria Math" panose="02040503050406030204" charset="0"/>
-                                  </a:rPr>
-                                </m:ctrlPr>
-                              </m:sSubPr>
-                              <m:e>
-                                <m:r>
-                                  <a:rPr lang="de-DE" b="1" i="1">
-                                    <a:solidFill>
-                                      <a:schemeClr val="tx1"/>
-                                    </a:solidFill>
-                                    <a:latin typeface="Cambria Math" panose="02040503050406030204" charset="0"/>
-                                    <a:ea typeface="Cambria Math" panose="02040503050406030204" charset="0"/>
-                                  </a:rPr>
-                                  <m:t>𝝏</m:t>
-                                </m:r>
-                              </m:e>
-                              <m:sub>
-                                <m:r>
-                                  <a:rPr lang="de-DE" b="1" i="1">
-                                    <a:solidFill>
-                                      <a:schemeClr val="tx1"/>
-                                    </a:solidFill>
-                                    <a:latin typeface="Cambria Math" panose="02040503050406030204" charset="0"/>
-                                    <a:ea typeface="Cambria Math" panose="02040503050406030204" charset="0"/>
-                                  </a:rPr>
-                                  <m:t>𝒙</m:t>
-                                </m:r>
-                              </m:sub>
-                            </m:sSub>
                             <m:r>
                               <a:rPr lang="de-DE" b="1" i="1" smtClean="0">
                                 <a:solidFill>
                                   <a:srgbClr val="9C1C26"/>
                                 </a:solidFill>
-                                <a:latin typeface="Cambria Math" panose="02040503050406030204" charset="0"/>
+                                <a:latin typeface="Cambria Math" panose="02040503050406030204" pitchFamily="18" charset="0"/>
                                 <a:ea typeface="Cambria Math" panose="02040503050406030204" charset="0"/>
                               </a:rPr>
                               <m:t>𝒅</m:t>
@@ -8292,7 +7549,7 @@
                                 <a:solidFill>
                                   <a:srgbClr val="9C1C26"/>
                                 </a:solidFill>
-                                <a:latin typeface="Cambria Math" panose="02040503050406030204" charset="0"/>
+                                <a:latin typeface="Cambria Math" panose="02040503050406030204" pitchFamily="18" charset="0"/>
                                 <a:ea typeface="Cambria Math" panose="02040503050406030204" charset="0"/>
                               </a:rPr>
                               <m:t>𝒕</m:t>
@@ -8302,44 +7559,11 @@
                       </m:e>
                     </m:d>
                     <m:r>
-                      <a:rPr lang="de-DE" b="1" i="1">
-                        <a:solidFill>
-                          <a:srgbClr val="9C1C26"/>
-                        </a:solidFill>
+                      <a:rPr lang="de-DE" b="1" i="1" smtClean="0">
                         <a:latin typeface="Cambria Math" panose="02040503050406030204" pitchFamily="18" charset="0"/>
                         <a:ea typeface="Cambria Math" panose="02040503050406030204" charset="0"/>
                       </a:rPr>
-                      <m:t> </m:t>
-                    </m:r>
-                    <m:r>
-                      <a:rPr lang="de-DE" b="1" i="1" smtClean="0">
-                        <a:solidFill>
-                          <a:srgbClr val="9C1C26"/>
-                        </a:solidFill>
-                        <a:latin typeface="Cambria Math" panose="02040503050406030204" pitchFamily="18" charset="0"/>
-                        <a:ea typeface="Cambria Math" panose="02040503050406030204" charset="0"/>
-                      </a:rPr>
-                      <m:t> </m:t>
-                    </m:r>
-                    <m:r>
-                      <a:rPr lang="de-DE" b="1" i="1" smtClean="0">
-                        <a:solidFill>
-                          <a:schemeClr val="tx1"/>
-                        </a:solidFill>
-                        <a:latin typeface="Cambria Math" panose="02040503050406030204" pitchFamily="18" charset="0"/>
-                        <a:ea typeface="Cambria Math" panose="02040503050406030204" charset="0"/>
-                      </a:rPr>
-                      <m:t>&amp;</m:t>
-                    </m:r>
-                    <m:r>
-                      <a:rPr lang="de-DE" b="1" i="1" smtClean="0">
-                        <a:solidFill>
-                          <a:srgbClr val="9C1C26"/>
-                        </a:solidFill>
-                        <a:latin typeface="Cambria Math" panose="02040503050406030204" pitchFamily="18" charset="0"/>
-                        <a:ea typeface="Cambria Math" panose="02040503050406030204" charset="0"/>
-                      </a:rPr>
-                      <m:t> </m:t>
+                      <m:t> &amp;</m:t>
                     </m:r>
                     <m:d>
                       <m:dPr>
@@ -8356,6 +7580,34 @@
                         <m:sSub>
                           <m:sSubPr>
                             <m:ctrlPr>
+                              <a:rPr lang="de-DE" b="1" i="1">
+                                <a:latin typeface="Cambria Math" panose="02040503050406030204" pitchFamily="18" charset="0"/>
+                                <a:ea typeface="Cambria Math" panose="02040503050406030204" charset="0"/>
+                              </a:rPr>
+                            </m:ctrlPr>
+                          </m:sSubPr>
+                          <m:e>
+                            <m:r>
+                              <a:rPr lang="de-DE" b="1" i="1">
+                                <a:latin typeface="Cambria Math" panose="02040503050406030204" pitchFamily="18" charset="0"/>
+                                <a:ea typeface="Cambria Math" panose="02040503050406030204" pitchFamily="18" charset="0"/>
+                              </a:rPr>
+                              <m:t>𝝏</m:t>
+                            </m:r>
+                          </m:e>
+                          <m:sub>
+                            <m:r>
+                              <a:rPr lang="de-DE" b="1" i="1" smtClean="0">
+                                <a:latin typeface="Cambria Math" panose="02040503050406030204" pitchFamily="18" charset="0"/>
+                                <a:ea typeface="Cambria Math" panose="02040503050406030204" pitchFamily="18" charset="0"/>
+                              </a:rPr>
+                              <m:t>𝒚</m:t>
+                            </m:r>
+                          </m:sub>
+                        </m:sSub>
+                        <m:sSub>
+                          <m:sSubPr>
+                            <m:ctrlPr>
                               <a:rPr lang="de-DE" b="1" i="1" smtClean="0">
                                 <a:solidFill>
                                   <a:srgbClr val="9C1C26"/>
@@ -8366,49 +7618,12 @@
                             </m:ctrlPr>
                           </m:sSubPr>
                           <m:e>
-                            <m:sSub>
-                              <m:sSubPr>
-                                <m:ctrlPr>
-                                  <a:rPr lang="de-DE" b="1" i="1" smtClean="0">
-                                    <a:solidFill>
-                                      <a:schemeClr val="tx1"/>
-                                    </a:solidFill>
-                                    <a:latin typeface="Cambria Math" panose="02040503050406030204" pitchFamily="18" charset="0"/>
-                                    <a:ea typeface="Cambria Math" panose="02040503050406030204" charset="0"/>
-                                  </a:rPr>
-                                </m:ctrlPr>
-                              </m:sSubPr>
-                              <m:e>
-                                <m:r>
-                                  <a:rPr lang="de-DE" b="1" i="1">
-                                    <a:solidFill>
-                                      <a:schemeClr val="tx1"/>
-                                    </a:solidFill>
-                                    <a:latin typeface="Cambria Math" panose="02040503050406030204" charset="0"/>
-                                    <a:ea typeface="Cambria Math" panose="02040503050406030204" charset="0"/>
-                                  </a:rPr>
-                                  <m:t>𝝏</m:t>
-                                </m:r>
-                              </m:e>
-                              <m:sub>
-                                <m:r>
-                                  <a:rPr lang="de-DE" b="1" i="1" smtClean="0">
-                                    <a:solidFill>
-                                      <a:schemeClr val="tx1"/>
-                                    </a:solidFill>
-                                    <a:latin typeface="Cambria Math" panose="02040503050406030204" pitchFamily="18" charset="0"/>
-                                    <a:ea typeface="Cambria Math" panose="02040503050406030204" charset="0"/>
-                                  </a:rPr>
-                                  <m:t>𝒚</m:t>
-                                </m:r>
-                              </m:sub>
-                            </m:sSub>
                             <m:r>
-                              <a:rPr lang="de-DE" b="1" i="1" smtClean="0">
+                              <a:rPr lang="de-DE" b="1" i="1">
                                 <a:solidFill>
                                   <a:srgbClr val="9C1C26"/>
                                 </a:solidFill>
-                                <a:latin typeface="Cambria Math" panose="02040503050406030204" charset="0"/>
+                                <a:latin typeface="Cambria Math" panose="02040503050406030204" pitchFamily="18" charset="0"/>
                                 <a:ea typeface="Cambria Math" panose="02040503050406030204" charset="0"/>
                               </a:rPr>
                               <m:t>𝒅</m:t>
@@ -8416,11 +7631,11 @@
                           </m:e>
                           <m:sub>
                             <m:r>
-                              <a:rPr lang="de-DE" b="1" i="1" smtClean="0">
+                              <a:rPr lang="de-DE" b="1" i="1">
                                 <a:solidFill>
                                   <a:srgbClr val="9C1C26"/>
                                 </a:solidFill>
-                                <a:latin typeface="Cambria Math" panose="02040503050406030204" charset="0"/>
+                                <a:latin typeface="Cambria Math" panose="02040503050406030204" pitchFamily="18" charset="0"/>
                                 <a:ea typeface="Cambria Math" panose="02040503050406030204" charset="0"/>
                               </a:rPr>
                               <m:t>𝒕</m:t>
@@ -8433,15 +7648,7 @@
                 </a14:m>
                 <a:r>
                   <a:rPr lang="de-DE" dirty="0"/>
-                  <a:t> </a:t>
-                </a:r>
-                <a:r>
-                  <a:rPr lang="de-DE" dirty="0" err="1"/>
-                  <a:t>inside</a:t>
-                </a:r>
-                <a:r>
-                  <a:rPr lang="de-DE" dirty="0"/>
-                  <a:t> </a:t>
+                  <a:t> inside </a:t>
                 </a:r>
                 <a:r>
                   <a:rPr lang="de-DE" dirty="0" err="1"/>
@@ -8456,7 +7663,7 @@
             </p:txBody>
           </p:sp>
         </mc:Choice>
-        <mc:Fallback xmlns="">
+        <mc:Fallback>
           <p:sp>
             <p:nvSpPr>
               <p:cNvPr id="20" name="Textfeld 19">
@@ -8474,7 +7681,7 @@
             <p:spPr>
               <a:xfrm>
                 <a:off x="311567" y="5373822"/>
-                <a:ext cx="6575967" cy="414537"/>
+                <a:ext cx="6537495" cy="414537"/>
               </a:xfrm>
               <a:prstGeom prst="rect">
                 <a:avLst/>
@@ -8482,7 +7689,7 @@
               <a:blipFill>
                 <a:blip r:embed="rId2"/>
                 <a:stretch>
-                  <a:fillRect l="-579" t="-2941" b="-11765"/>
+                  <a:fillRect l="-583" t="-2941" b="-11765"/>
                 </a:stretch>
               </a:blipFill>
             </p:spPr>
@@ -8610,6 +7817,164 @@
           </a:p>
         </p:txBody>
       </p:sp>
+      <mc:AlternateContent xmlns:mc="http://schemas.openxmlformats.org/markup-compatibility/2006">
+        <mc:Choice xmlns:a14="http://schemas.microsoft.com/office/drawing/2010/main" Requires="a14">
+          <p:sp>
+            <p:nvSpPr>
+              <p:cNvPr id="4" name="Textfeld 3">
+                <a:extLst>
+                  <a:ext uri="{FF2B5EF4-FFF2-40B4-BE49-F238E27FC236}">
+                    <a16:creationId xmlns:a16="http://schemas.microsoft.com/office/drawing/2014/main" id="{707E9D99-69F5-EB45-998D-0910F490DF26}"/>
+                  </a:ext>
+                </a:extLst>
+              </p:cNvPr>
+              <p:cNvSpPr txBox="1"/>
+              <p:nvPr/>
+            </p:nvSpPr>
+            <p:spPr>
+              <a:xfrm>
+                <a:off x="5012259" y="3156022"/>
+                <a:ext cx="3603872" cy="923330"/>
+              </a:xfrm>
+              <a:prstGeom prst="rect">
+                <a:avLst/>
+              </a:prstGeom>
+              <a:noFill/>
+            </p:spPr>
+            <p:txBody>
+              <a:bodyPr wrap="none" rtlCol="0">
+                <a:spAutoFit/>
+              </a:bodyPr>
+              <a:lstStyle/>
+              <a:p>
+                <a:r>
+                  <a:rPr lang="de-DE" b="1" i="1" dirty="0"/>
+                  <a:t>Problem: </a:t>
+                </a:r>
+                <a:r>
+                  <a:rPr lang="de-DE" b="1" i="1" dirty="0" err="1">
+                    <a:solidFill>
+                      <a:srgbClr val="9C1C26"/>
+                    </a:solidFill>
+                  </a:rPr>
+                  <a:t>Oversegmentation</a:t>
+                </a:r>
+                <a:endParaRPr lang="de-DE" b="1" i="1" dirty="0">
+                  <a:solidFill>
+                    <a:srgbClr val="9C1C26"/>
+                  </a:solidFill>
+                </a:endParaRPr>
+              </a:p>
+              <a:p>
+                <a14:m>
+                  <m:oMath xmlns:m="http://schemas.openxmlformats.org/officeDocument/2006/math">
+                    <m:r>
+                      <a:rPr lang="de-DE" b="1" i="1" smtClean="0">
+                        <a:solidFill>
+                          <a:srgbClr val="9C1C26"/>
+                        </a:solidFill>
+                        <a:latin typeface="Cambria Math" panose="02040503050406030204" pitchFamily="18" charset="0"/>
+                        <a:ea typeface="Cambria Math" panose="02040503050406030204" pitchFamily="18" charset="0"/>
+                      </a:rPr>
+                      <m:t>⇒</m:t>
+                    </m:r>
+                  </m:oMath>
+                </a14:m>
+                <a:r>
+                  <a:rPr lang="de-DE" b="1" i="1" dirty="0">
+                    <a:solidFill>
+                      <a:srgbClr val="9C1C26"/>
+                    </a:solidFill>
+                  </a:rPr>
+                  <a:t> </a:t>
+                </a:r>
+                <a:r>
+                  <a:rPr lang="de-DE" b="1" i="1" dirty="0" err="1"/>
+                  <a:t>One</a:t>
+                </a:r>
+                <a:r>
+                  <a:rPr lang="de-DE" b="1" i="1" dirty="0"/>
+                  <a:t> plane </a:t>
+                </a:r>
+                <a:r>
+                  <a:rPr lang="de-DE" b="1" i="1" dirty="0" err="1"/>
+                  <a:t>is</a:t>
+                </a:r>
+                <a:r>
+                  <a:rPr lang="de-DE" b="1" i="1" dirty="0"/>
+                  <a:t> </a:t>
+                </a:r>
+                <a:r>
+                  <a:rPr lang="de-DE" b="1" i="1" dirty="0" err="1"/>
+                  <a:t>represented</a:t>
+                </a:r>
+                <a:r>
+                  <a:rPr lang="de-DE" b="1" i="1" dirty="0"/>
+                  <a:t> </a:t>
+                </a:r>
+                <a:r>
+                  <a:rPr lang="de-DE" b="1" i="1" dirty="0" err="1"/>
+                  <a:t>by</a:t>
+                </a:r>
+                <a:r>
+                  <a:rPr lang="de-DE" b="1" i="1" dirty="0"/>
+                  <a:t> </a:t>
+                </a:r>
+              </a:p>
+              <a:p>
+                <a:r>
+                  <a:rPr lang="de-DE" b="1" i="1" dirty="0"/>
+                  <a:t>    &gt;1 Superpixels </a:t>
+                </a:r>
+              </a:p>
+            </p:txBody>
+          </p:sp>
+        </mc:Choice>
+        <mc:Fallback>
+          <p:sp>
+            <p:nvSpPr>
+              <p:cNvPr id="4" name="Textfeld 3">
+                <a:extLst>
+                  <a:ext uri="{FF2B5EF4-FFF2-40B4-BE49-F238E27FC236}">
+                    <a16:creationId xmlns:a16="http://schemas.microsoft.com/office/drawing/2014/main" id="{707E9D99-69F5-EB45-998D-0910F490DF26}"/>
+                  </a:ext>
+                </a:extLst>
+              </p:cNvPr>
+              <p:cNvSpPr txBox="1">
+                <a:spLocks noRot="1" noChangeAspect="1" noMove="1" noResize="1" noEditPoints="1" noAdjustHandles="1" noChangeArrowheads="1" noChangeShapeType="1" noTextEdit="1"/>
+              </p:cNvSpPr>
+              <p:nvPr/>
+            </p:nvSpPr>
+            <p:spPr>
+              <a:xfrm>
+                <a:off x="5012259" y="3156022"/>
+                <a:ext cx="3603872" cy="923330"/>
+              </a:xfrm>
+              <a:prstGeom prst="rect">
+                <a:avLst/>
+              </a:prstGeom>
+              <a:blipFill>
+                <a:blip r:embed="rId3"/>
+                <a:stretch>
+                  <a:fillRect l="-1408" t="-2740" b="-9589"/>
+                </a:stretch>
+              </a:blipFill>
+            </p:spPr>
+            <p:txBody>
+              <a:bodyPr/>
+              <a:lstStyle/>
+              <a:p>
+                <a:r>
+                  <a:rPr lang="de-DE">
+                    <a:noFill/>
+                  </a:rPr>
+                  <a:t> </a:t>
+                </a:r>
+              </a:p>
+            </p:txBody>
+          </p:sp>
+        </mc:Fallback>
+      </mc:AlternateContent>
     </p:spTree>
   </p:cSld>
   <p:clrMapOvr>
@@ -9214,7 +8579,7 @@
                             </p:stCondLst>
                             <p:childTnLst>
                               <p:par>
-                                <p:cTn id="59" presetID="1" presetClass="entr" presetSubtype="0" fill="hold" nodeType="clickEffect">
+                                <p:cTn id="59" presetID="1" presetClass="entr" presetSubtype="0" fill="hold" grpId="0" nodeType="clickEffect">
                                   <p:stCondLst>
                                     <p:cond delay="0"/>
                                   </p:stCondLst>
@@ -9227,7 +8592,7 @@
                                           </p:stCondLst>
                                         </p:cTn>
                                         <p:tgtEl>
-                                          <p:spTgt spid="12"/>
+                                          <p:spTgt spid="4"/>
                                         </p:tgtEl>
                                         <p:attrNameLst>
                                           <p:attrName>style.visibility</p:attrName>
@@ -9552,6 +8917,7 @@
       <p:bldP spid="24" grpId="0"/>
       <p:bldP spid="6" grpId="0"/>
       <p:bldP spid="25" grpId="0"/>
+      <p:bldP spid="4" grpId="0"/>
     </p:bldLst>
   </p:timing>
 </p:sld>

--- a/meetings/2020_02_14_endterm/endterm_final_Korbi.pptx
+++ b/meetings/2020_02_14_endterm/endterm_final_Korbi.pptx
@@ -5,20 +5,21 @@
     <p:sldMasterId id="2147483648" r:id="rId1"/>
   </p:sldMasterIdLst>
   <p:notesMasterIdLst>
-    <p:notesMasterId r:id="rId10"/>
+    <p:notesMasterId r:id="rId11"/>
   </p:notesMasterIdLst>
   <p:handoutMasterIdLst>
-    <p:handoutMasterId r:id="rId11"/>
+    <p:handoutMasterId r:id="rId12"/>
   </p:handoutMasterIdLst>
   <p:sldIdLst>
     <p:sldId id="256" r:id="rId2"/>
     <p:sldId id="277" r:id="rId3"/>
     <p:sldId id="354" r:id="rId4"/>
-    <p:sldId id="360" r:id="rId5"/>
-    <p:sldId id="363" r:id="rId6"/>
-    <p:sldId id="355" r:id="rId7"/>
-    <p:sldId id="361" r:id="rId8"/>
-    <p:sldId id="362" r:id="rId9"/>
+    <p:sldId id="364" r:id="rId5"/>
+    <p:sldId id="360" r:id="rId6"/>
+    <p:sldId id="363" r:id="rId7"/>
+    <p:sldId id="355" r:id="rId8"/>
+    <p:sldId id="361" r:id="rId9"/>
+    <p:sldId id="362" r:id="rId10"/>
   </p:sldIdLst>
   <p:sldSz cx="9144000" cy="6858000" type="screen4x3"/>
   <p:notesSz cx="6858000" cy="9144000"/>
@@ -6664,6 +6665,3353 @@
       </p:sp>
       <p:sp>
         <p:nvSpPr>
+          <p:cNvPr id="13" name="Freeform 12"/>
+          <p:cNvSpPr/>
+          <p:nvPr/>
+        </p:nvSpPr>
+        <p:spPr>
+          <a:xfrm>
+            <a:off x="1045914" y="3626894"/>
+            <a:ext cx="1028700" cy="509905"/>
+          </a:xfrm>
+          <a:custGeom>
+            <a:avLst/>
+            <a:gdLst>
+              <a:gd name="connisteX0" fmla="*/ 0 w 1028700"/>
+              <a:gd name="connsiteY0" fmla="*/ 509905 h 509905"/>
+              <a:gd name="connisteX1" fmla="*/ 941070 w 1028700"/>
+              <a:gd name="connsiteY1" fmla="*/ 457200 h 509905"/>
+              <a:gd name="connisteX2" fmla="*/ 721360 w 1028700"/>
+              <a:gd name="connsiteY2" fmla="*/ 228600 h 509905"/>
+              <a:gd name="connisteX3" fmla="*/ 1020445 w 1028700"/>
+              <a:gd name="connsiteY3" fmla="*/ 8255 h 509905"/>
+              <a:gd name="connisteX4" fmla="*/ 1002665 w 1028700"/>
+              <a:gd name="connsiteY4" fmla="*/ 17145 h 509905"/>
+              <a:gd name="connisteX5" fmla="*/ 1028700 w 1028700"/>
+              <a:gd name="connsiteY5" fmla="*/ 0 h 509905"/>
+            </a:gdLst>
+            <a:ahLst/>
+            <a:cxnLst>
+              <a:cxn ang="0">
+                <a:pos x="connisteX0" y="connsiteY0"/>
+              </a:cxn>
+              <a:cxn ang="0">
+                <a:pos x="connisteX1" y="connsiteY1"/>
+              </a:cxn>
+              <a:cxn ang="0">
+                <a:pos x="connisteX2" y="connsiteY2"/>
+              </a:cxn>
+              <a:cxn ang="0">
+                <a:pos x="connisteX3" y="connsiteY3"/>
+              </a:cxn>
+              <a:cxn ang="0">
+                <a:pos x="connisteX4" y="connsiteY4"/>
+              </a:cxn>
+              <a:cxn ang="0">
+                <a:pos x="connisteX5" y="connsiteY5"/>
+              </a:cxn>
+            </a:cxnLst>
+            <a:rect l="l" t="t" r="r" b="b"/>
+            <a:pathLst>
+              <a:path w="1028700" h="509905">
+                <a:moveTo>
+                  <a:pt x="0" y="509905"/>
+                </a:moveTo>
+                <a:lnTo>
+                  <a:pt x="941070" y="457200"/>
+                </a:lnTo>
+                <a:lnTo>
+                  <a:pt x="721360" y="228600"/>
+                </a:lnTo>
+                <a:lnTo>
+                  <a:pt x="1020445" y="8255"/>
+                </a:lnTo>
+                <a:lnTo>
+                  <a:pt x="1002665" y="17145"/>
+                </a:lnTo>
+                <a:lnTo>
+                  <a:pt x="1028700" y="0"/>
+                </a:lnTo>
+              </a:path>
+            </a:pathLst>
+          </a:custGeom>
+          <a:noFill/>
+        </p:spPr>
+        <p:style>
+          <a:lnRef idx="2">
+            <a:schemeClr val="accent1">
+              <a:shade val="50000"/>
+            </a:schemeClr>
+          </a:lnRef>
+          <a:fillRef idx="1">
+            <a:schemeClr val="accent1"/>
+          </a:fillRef>
+          <a:effectRef idx="0">
+            <a:schemeClr val="accent1"/>
+          </a:effectRef>
+          <a:fontRef idx="minor">
+            <a:schemeClr val="lt1"/>
+          </a:fontRef>
+        </p:style>
+        <p:txBody>
+          <a:bodyPr rtlCol="0" anchor="ctr"/>
+          <a:lstStyle/>
+          <a:p>
+            <a:pPr algn="ctr"/>
+            <a:endParaRPr lang="en-US" dirty="0"/>
+          </a:p>
+        </p:txBody>
+      </p:sp>
+      <p:cxnSp>
+        <p:nvCxnSpPr>
+          <p:cNvPr id="14" name="Straight Connector 13"/>
+          <p:cNvCxnSpPr>
+            <a:cxnSpLocks/>
+            <a:endCxn id="9" idx="4"/>
+          </p:cNvCxnSpPr>
+          <p:nvPr/>
+        </p:nvCxnSpPr>
+        <p:spPr>
+          <a:xfrm>
+            <a:off x="1987044" y="4086821"/>
+            <a:ext cx="580799" cy="113625"/>
+          </a:xfrm>
+          <a:prstGeom prst="line">
+            <a:avLst/>
+          </a:prstGeom>
+          <a:noFill/>
+        </p:spPr>
+        <p:style>
+          <a:lnRef idx="2">
+            <a:schemeClr val="accent1">
+              <a:shade val="50000"/>
+            </a:schemeClr>
+          </a:lnRef>
+          <a:fillRef idx="1">
+            <a:schemeClr val="accent1"/>
+          </a:fillRef>
+          <a:effectRef idx="0">
+            <a:schemeClr val="accent1"/>
+          </a:effectRef>
+          <a:fontRef idx="minor">
+            <a:schemeClr val="lt1"/>
+          </a:fontRef>
+        </p:style>
+      </p:cxnSp>
+      <p:sp>
+        <p:nvSpPr>
+          <p:cNvPr id="15" name="Text Box 14"/>
+          <p:cNvSpPr txBox="1"/>
+          <p:nvPr/>
+        </p:nvSpPr>
+        <p:spPr>
+          <a:xfrm>
+            <a:off x="1854287" y="3188510"/>
+            <a:ext cx="309880" cy="368300"/>
+          </a:xfrm>
+          <a:prstGeom prst="rect">
+            <a:avLst/>
+          </a:prstGeom>
+          <a:noFill/>
+        </p:spPr>
+        <p:txBody>
+          <a:bodyPr wrap="none" rtlCol="0">
+            <a:spAutoFit/>
+          </a:bodyPr>
+          <a:lstStyle/>
+          <a:p>
+            <a:r>
+              <a:rPr lang="de-DE" altLang="en-US" dirty="0"/>
+              <a:t>1</a:t>
+            </a:r>
+          </a:p>
+        </p:txBody>
+      </p:sp>
+      <p:sp>
+        <p:nvSpPr>
+          <p:cNvPr id="16" name="Text Box 15"/>
+          <p:cNvSpPr txBox="1"/>
+          <p:nvPr/>
+        </p:nvSpPr>
+        <p:spPr>
+          <a:xfrm>
+            <a:off x="2500801" y="3219025"/>
+            <a:ext cx="309880" cy="368300"/>
+          </a:xfrm>
+          <a:prstGeom prst="rect">
+            <a:avLst/>
+          </a:prstGeom>
+          <a:noFill/>
+        </p:spPr>
+        <p:txBody>
+          <a:bodyPr wrap="none" rtlCol="0">
+            <a:spAutoFit/>
+          </a:bodyPr>
+          <a:lstStyle/>
+          <a:p>
+            <a:r>
+              <a:rPr lang="de-DE" altLang="en-US" dirty="0"/>
+              <a:t>2</a:t>
+            </a:r>
+          </a:p>
+        </p:txBody>
+      </p:sp>
+      <p:sp>
+        <p:nvSpPr>
+          <p:cNvPr id="17" name="Text Box 16"/>
+          <p:cNvSpPr txBox="1"/>
+          <p:nvPr/>
+        </p:nvSpPr>
+        <p:spPr>
+          <a:xfrm>
+            <a:off x="2131652" y="3602056"/>
+            <a:ext cx="309880" cy="368300"/>
+          </a:xfrm>
+          <a:prstGeom prst="rect">
+            <a:avLst/>
+          </a:prstGeom>
+          <a:noFill/>
+        </p:spPr>
+        <p:txBody>
+          <a:bodyPr wrap="none" rtlCol="0">
+            <a:spAutoFit/>
+          </a:bodyPr>
+          <a:lstStyle/>
+          <a:p>
+            <a:r>
+              <a:rPr lang="de-DE" altLang="en-US" dirty="0"/>
+              <a:t>3</a:t>
+            </a:r>
+          </a:p>
+        </p:txBody>
+      </p:sp>
+      <p:sp>
+        <p:nvSpPr>
+          <p:cNvPr id="19" name="Freeform 18"/>
+          <p:cNvSpPr/>
+          <p:nvPr/>
+        </p:nvSpPr>
+        <p:spPr>
+          <a:xfrm rot="16200000" flipH="1" flipV="1">
+            <a:off x="234729" y="1712274"/>
+            <a:ext cx="1068080" cy="914400"/>
+          </a:xfrm>
+          <a:custGeom>
+            <a:avLst/>
+            <a:gdLst>
+              <a:gd name="connsiteX0" fmla="*/ 0 w 1068080"/>
+              <a:gd name="connsiteY0" fmla="*/ 914400 h 914400"/>
+              <a:gd name="connsiteX1" fmla="*/ 0 w 1068080"/>
+              <a:gd name="connsiteY1" fmla="*/ 0 h 914400"/>
+              <a:gd name="connsiteX2" fmla="*/ 914400 w 1068080"/>
+              <a:gd name="connsiteY2" fmla="*/ 0 h 914400"/>
+              <a:gd name="connsiteX3" fmla="*/ 914400 w 1068080"/>
+              <a:gd name="connsiteY3" fmla="*/ 760720 h 914400"/>
+              <a:gd name="connsiteX4" fmla="*/ 1068080 w 1068080"/>
+              <a:gd name="connsiteY4" fmla="*/ 914400 h 914400"/>
+              <a:gd name="connsiteX5" fmla="*/ 914400 w 1068080"/>
+              <a:gd name="connsiteY5" fmla="*/ 914400 h 914400"/>
+            </a:gdLst>
+            <a:ahLst/>
+            <a:cxnLst>
+              <a:cxn ang="0">
+                <a:pos x="connsiteX0" y="connsiteY0"/>
+              </a:cxn>
+              <a:cxn ang="0">
+                <a:pos x="connsiteX1" y="connsiteY1"/>
+              </a:cxn>
+              <a:cxn ang="0">
+                <a:pos x="connsiteX2" y="connsiteY2"/>
+              </a:cxn>
+              <a:cxn ang="0">
+                <a:pos x="connsiteX3" y="connsiteY3"/>
+              </a:cxn>
+              <a:cxn ang="0">
+                <a:pos x="connsiteX4" y="connsiteY4"/>
+              </a:cxn>
+              <a:cxn ang="0">
+                <a:pos x="connsiteX5" y="connsiteY5"/>
+              </a:cxn>
+            </a:cxnLst>
+            <a:rect l="l" t="t" r="r" b="b"/>
+            <a:pathLst>
+              <a:path w="1068080" h="914400">
+                <a:moveTo>
+                  <a:pt x="0" y="914400"/>
+                </a:moveTo>
+                <a:lnTo>
+                  <a:pt x="0" y="0"/>
+                </a:lnTo>
+                <a:lnTo>
+                  <a:pt x="914400" y="0"/>
+                </a:lnTo>
+                <a:lnTo>
+                  <a:pt x="914400" y="760720"/>
+                </a:lnTo>
+                <a:lnTo>
+                  <a:pt x="1068080" y="914400"/>
+                </a:lnTo>
+                <a:lnTo>
+                  <a:pt x="914400" y="914400"/>
+                </a:lnTo>
+                <a:close/>
+              </a:path>
+            </a:pathLst>
+          </a:custGeom>
+          <a:solidFill>
+            <a:schemeClr val="accent1"/>
+          </a:solidFill>
+          <a:ln w="6350">
+            <a:noFill/>
+          </a:ln>
+          <a:effectLst>
+            <a:outerShdw blurRad="508000" dist="254000" dir="5400000" algn="t" rotWithShape="0">
+              <a:prstClr val="black">
+                <a:alpha val="30000"/>
+              </a:prstClr>
+            </a:outerShdw>
+          </a:effectLst>
+        </p:spPr>
+        <p:style>
+          <a:lnRef idx="2">
+            <a:schemeClr val="accent1">
+              <a:shade val="50000"/>
+            </a:schemeClr>
+          </a:lnRef>
+          <a:fillRef idx="1">
+            <a:schemeClr val="accent1"/>
+          </a:fillRef>
+          <a:effectRef idx="0">
+            <a:schemeClr val="accent1"/>
+          </a:effectRef>
+          <a:fontRef idx="minor">
+            <a:schemeClr val="lt1"/>
+          </a:fontRef>
+        </p:style>
+        <p:txBody>
+          <a:bodyPr rot="0" spcFirstLastPara="0" vertOverflow="overflow" horzOverflow="overflow" vert="horz" wrap="square" lIns="91440" tIns="45720" rIns="91440" bIns="45720" numCol="1" spcCol="0" rtlCol="0" fromWordArt="0" anchor="ctr" anchorCtr="0" forceAA="0" compatLnSpc="1">
+            <a:noAutofit/>
+          </a:bodyPr>
+          <a:lstStyle/>
+          <a:p>
+            <a:pPr algn="r"/>
+            <a:endParaRPr lang="en-US"/>
+          </a:p>
+        </p:txBody>
+      </p:sp>
+      <p:sp>
+        <p:nvSpPr>
+          <p:cNvPr id="22" name="Rectangle 29"/>
+          <p:cNvSpPr/>
+          <p:nvPr/>
+        </p:nvSpPr>
+        <p:spPr>
+          <a:xfrm>
+            <a:off x="1453763" y="1635125"/>
+            <a:ext cx="3049270" cy="345440"/>
+          </a:xfrm>
+          <a:prstGeom prst="rect">
+            <a:avLst/>
+          </a:prstGeom>
+          <a:solidFill>
+            <a:schemeClr val="accent1"/>
+          </a:solidFill>
+          <a:ln>
+            <a:noFill/>
+          </a:ln>
+          <a:effectLst>
+            <a:outerShdw blurRad="508000" dist="254000" dir="5400000" algn="t" rotWithShape="0">
+              <a:prstClr val="black">
+                <a:alpha val="30000"/>
+              </a:prstClr>
+            </a:outerShdw>
+          </a:effectLst>
+        </p:spPr>
+        <p:style>
+          <a:lnRef idx="2">
+            <a:schemeClr val="accent1">
+              <a:shade val="50000"/>
+            </a:schemeClr>
+          </a:lnRef>
+          <a:fillRef idx="1">
+            <a:schemeClr val="accent1"/>
+          </a:fillRef>
+          <a:effectRef idx="0">
+            <a:schemeClr val="accent1"/>
+          </a:effectRef>
+          <a:fontRef idx="minor">
+            <a:schemeClr val="lt1"/>
+          </a:fontRef>
+        </p:style>
+        <p:txBody>
+          <a:bodyPr lIns="144000" rtlCol="0" anchor="ctr"/>
+          <a:lstStyle/>
+          <a:p>
+            <a:r>
+              <a:rPr lang="de-DE" altLang="en-US" b="1" dirty="0">
+                <a:solidFill>
+                  <a:srgbClr val="FFFFFF"/>
+                </a:solidFill>
+                <a:latin typeface="Open Sans" charset="0"/>
+                <a:ea typeface="Open Sans" charset="0"/>
+                <a:cs typeface="Open Sans" charset="0"/>
+              </a:rPr>
+              <a:t>Superpixel </a:t>
+            </a:r>
+            <a:r>
+              <a:rPr lang="de-DE" altLang="en-US" b="1" dirty="0" err="1">
+                <a:solidFill>
+                  <a:srgbClr val="FFFFFF"/>
+                </a:solidFill>
+                <a:latin typeface="Open Sans" charset="0"/>
+                <a:ea typeface="Open Sans" charset="0"/>
+                <a:cs typeface="Open Sans" charset="0"/>
+              </a:rPr>
+              <a:t>explained</a:t>
+            </a:r>
+            <a:endParaRPr lang="de-DE" altLang="en-US" b="1" dirty="0">
+              <a:solidFill>
+                <a:srgbClr val="FFFFFF"/>
+              </a:solidFill>
+              <a:latin typeface="Open Sans" charset="0"/>
+              <a:ea typeface="Open Sans" charset="0"/>
+              <a:cs typeface="Open Sans" charset="0"/>
+            </a:endParaRPr>
+          </a:p>
+        </p:txBody>
+      </p:sp>
+      <p:sp>
+        <p:nvSpPr>
+          <p:cNvPr id="6" name="Textfeld 5">
+            <a:extLst>
+              <a:ext uri="{FF2B5EF4-FFF2-40B4-BE49-F238E27FC236}">
+                <a16:creationId xmlns:a16="http://schemas.microsoft.com/office/drawing/2014/main" id="{CA7EE101-08C9-E949-B15F-2A946718C3F8}"/>
+              </a:ext>
+            </a:extLst>
+          </p:cNvPr>
+          <p:cNvSpPr txBox="1"/>
+          <p:nvPr/>
+        </p:nvSpPr>
+        <p:spPr>
+          <a:xfrm>
+            <a:off x="1674763" y="3451536"/>
+            <a:ext cx="312906" cy="369332"/>
+          </a:xfrm>
+          <a:prstGeom prst="rect">
+            <a:avLst/>
+          </a:prstGeom>
+          <a:noFill/>
+        </p:spPr>
+        <p:txBody>
+          <a:bodyPr wrap="none" rtlCol="0">
+            <a:spAutoFit/>
+          </a:bodyPr>
+          <a:lstStyle/>
+          <a:p>
+            <a:r>
+              <a:rPr lang="de-DE" dirty="0"/>
+              <a:t>1</a:t>
+            </a:r>
+          </a:p>
+        </p:txBody>
+      </p:sp>
+      <p:sp>
+        <p:nvSpPr>
+          <p:cNvPr id="25" name="Textfeld 24">
+            <a:extLst>
+              <a:ext uri="{FF2B5EF4-FFF2-40B4-BE49-F238E27FC236}">
+                <a16:creationId xmlns:a16="http://schemas.microsoft.com/office/drawing/2014/main" id="{A5211F60-0B66-7647-B4CA-3F7784826C13}"/>
+              </a:ext>
+            </a:extLst>
+          </p:cNvPr>
+          <p:cNvSpPr txBox="1"/>
+          <p:nvPr/>
+        </p:nvSpPr>
+        <p:spPr>
+          <a:xfrm>
+            <a:off x="2069467" y="3303932"/>
+            <a:ext cx="312906" cy="369332"/>
+          </a:xfrm>
+          <a:prstGeom prst="rect">
+            <a:avLst/>
+          </a:prstGeom>
+          <a:noFill/>
+        </p:spPr>
+        <p:txBody>
+          <a:bodyPr wrap="none" rtlCol="0">
+            <a:spAutoFit/>
+          </a:bodyPr>
+          <a:lstStyle/>
+          <a:p>
+            <a:r>
+              <a:rPr lang="de-DE" dirty="0"/>
+              <a:t>1</a:t>
+            </a:r>
+          </a:p>
+        </p:txBody>
+      </p:sp>
+      <p:pic>
+        <p:nvPicPr>
+          <p:cNvPr id="32" name="Grafik 31" descr="Lehrer">
+            <a:extLst>
+              <a:ext uri="{FF2B5EF4-FFF2-40B4-BE49-F238E27FC236}">
+                <a16:creationId xmlns:a16="http://schemas.microsoft.com/office/drawing/2014/main" id="{1F333D5C-B552-7546-AFB3-FFFC7143396E}"/>
+              </a:ext>
+            </a:extLst>
+          </p:cNvPr>
+          <p:cNvPicPr>
+            <a:picLocks noChangeAspect="1"/>
+          </p:cNvPicPr>
+          <p:nvPr/>
+        </p:nvPicPr>
+        <p:blipFill>
+          <a:blip r:embed="rId2">
+            <a:extLst>
+              <a:ext uri="{28A0092B-C50C-407E-A947-70E740481C1C}">
+                <a14:useLocalDpi xmlns:a14="http://schemas.microsoft.com/office/drawing/2010/main" val="0"/>
+              </a:ext>
+              <a:ext uri="{96DAC541-7B7A-43D3-8B79-37D633B846F1}">
+                <asvg:svgBlip xmlns:asvg="http://schemas.microsoft.com/office/drawing/2016/SVG/main" r:embed="rId3"/>
+              </a:ext>
+            </a:extLst>
+          </a:blip>
+          <a:stretch>
+            <a:fillRect/>
+          </a:stretch>
+        </p:blipFill>
+        <p:spPr>
+          <a:xfrm>
+            <a:off x="311567" y="1668238"/>
+            <a:ext cx="827790" cy="827790"/>
+          </a:xfrm>
+          <a:prstGeom prst="rect">
+            <a:avLst/>
+          </a:prstGeom>
+        </p:spPr>
+      </p:pic>
+      <p:sp>
+        <p:nvSpPr>
+          <p:cNvPr id="34" name="Freihandform 33">
+            <a:extLst>
+              <a:ext uri="{FF2B5EF4-FFF2-40B4-BE49-F238E27FC236}">
+                <a16:creationId xmlns:a16="http://schemas.microsoft.com/office/drawing/2014/main" id="{05FCE3AB-8D81-B343-BA79-7CA24B2B31B9}"/>
+              </a:ext>
+            </a:extLst>
+          </p:cNvPr>
+          <p:cNvSpPr/>
+          <p:nvPr/>
+        </p:nvSpPr>
+        <p:spPr>
+          <a:xfrm>
+            <a:off x="556054" y="3348681"/>
+            <a:ext cx="1235676" cy="556054"/>
+          </a:xfrm>
+          <a:custGeom>
+            <a:avLst/>
+            <a:gdLst>
+              <a:gd name="connsiteX0" fmla="*/ 0 w 1235676"/>
+              <a:gd name="connsiteY0" fmla="*/ 556054 h 556054"/>
+              <a:gd name="connsiteX1" fmla="*/ 1235676 w 1235676"/>
+              <a:gd name="connsiteY1" fmla="*/ 506627 h 556054"/>
+              <a:gd name="connsiteX2" fmla="*/ 667265 w 1235676"/>
+              <a:gd name="connsiteY2" fmla="*/ 0 h 556054"/>
+            </a:gdLst>
+            <a:ahLst/>
+            <a:cxnLst>
+              <a:cxn ang="0">
+                <a:pos x="connsiteX0" y="connsiteY0"/>
+              </a:cxn>
+              <a:cxn ang="0">
+                <a:pos x="connsiteX1" y="connsiteY1"/>
+              </a:cxn>
+              <a:cxn ang="0">
+                <a:pos x="connsiteX2" y="connsiteY2"/>
+              </a:cxn>
+            </a:cxnLst>
+            <a:rect l="l" t="t" r="r" b="b"/>
+            <a:pathLst>
+              <a:path w="1235676" h="556054">
+                <a:moveTo>
+                  <a:pt x="0" y="556054"/>
+                </a:moveTo>
+                <a:lnTo>
+                  <a:pt x="1235676" y="506627"/>
+                </a:lnTo>
+                <a:lnTo>
+                  <a:pt x="667265" y="0"/>
+                </a:lnTo>
+              </a:path>
+            </a:pathLst>
+          </a:custGeom>
+          <a:noFill/>
+        </p:spPr>
+        <p:style>
+          <a:lnRef idx="2">
+            <a:schemeClr val="accent1">
+              <a:shade val="50000"/>
+            </a:schemeClr>
+          </a:lnRef>
+          <a:fillRef idx="1">
+            <a:schemeClr val="accent1"/>
+          </a:fillRef>
+          <a:effectRef idx="0">
+            <a:schemeClr val="accent1"/>
+          </a:effectRef>
+          <a:fontRef idx="minor">
+            <a:schemeClr val="lt1"/>
+          </a:fontRef>
+        </p:style>
+        <p:txBody>
+          <a:bodyPr rtlCol="0" anchor="ctr"/>
+          <a:lstStyle/>
+          <a:p>
+            <a:pPr algn="ctr"/>
+            <a:endParaRPr lang="de-DE"/>
+          </a:p>
+        </p:txBody>
+      </p:sp>
+      <p:sp>
+        <p:nvSpPr>
+          <p:cNvPr id="35" name="Freihandform 34">
+            <a:extLst>
+              <a:ext uri="{FF2B5EF4-FFF2-40B4-BE49-F238E27FC236}">
+                <a16:creationId xmlns:a16="http://schemas.microsoft.com/office/drawing/2014/main" id="{BF13E75D-D0F6-344C-8603-F49C2B872218}"/>
+              </a:ext>
+            </a:extLst>
+          </p:cNvPr>
+          <p:cNvSpPr/>
+          <p:nvPr/>
+        </p:nvSpPr>
+        <p:spPr>
+          <a:xfrm>
+            <a:off x="821724" y="3472249"/>
+            <a:ext cx="278027" cy="407773"/>
+          </a:xfrm>
+          <a:custGeom>
+            <a:avLst/>
+            <a:gdLst>
+              <a:gd name="connsiteX0" fmla="*/ 0 w 278027"/>
+              <a:gd name="connsiteY0" fmla="*/ 0 h 407773"/>
+              <a:gd name="connsiteX1" fmla="*/ 278027 w 278027"/>
+              <a:gd name="connsiteY1" fmla="*/ 407773 h 407773"/>
+            </a:gdLst>
+            <a:ahLst/>
+            <a:cxnLst>
+              <a:cxn ang="0">
+                <a:pos x="connsiteX0" y="connsiteY0"/>
+              </a:cxn>
+              <a:cxn ang="0">
+                <a:pos x="connsiteX1" y="connsiteY1"/>
+              </a:cxn>
+            </a:cxnLst>
+            <a:rect l="l" t="t" r="r" b="b"/>
+            <a:pathLst>
+              <a:path w="278027" h="407773">
+                <a:moveTo>
+                  <a:pt x="0" y="0"/>
+                </a:moveTo>
+                <a:lnTo>
+                  <a:pt x="278027" y="407773"/>
+                </a:lnTo>
+              </a:path>
+            </a:pathLst>
+          </a:custGeom>
+          <a:noFill/>
+        </p:spPr>
+        <p:style>
+          <a:lnRef idx="2">
+            <a:schemeClr val="accent1">
+              <a:shade val="50000"/>
+            </a:schemeClr>
+          </a:lnRef>
+          <a:fillRef idx="1">
+            <a:schemeClr val="accent1"/>
+          </a:fillRef>
+          <a:effectRef idx="0">
+            <a:schemeClr val="accent1"/>
+          </a:effectRef>
+          <a:fontRef idx="minor">
+            <a:schemeClr val="lt1"/>
+          </a:fontRef>
+        </p:style>
+        <p:txBody>
+          <a:bodyPr rtlCol="0" anchor="ctr"/>
+          <a:lstStyle/>
+          <a:p>
+            <a:pPr algn="ctr"/>
+            <a:endParaRPr lang="de-DE"/>
+          </a:p>
+        </p:txBody>
+      </p:sp>
+      <p:sp>
+        <p:nvSpPr>
+          <p:cNvPr id="36" name="Freihandform 35">
+            <a:extLst>
+              <a:ext uri="{FF2B5EF4-FFF2-40B4-BE49-F238E27FC236}">
+                <a16:creationId xmlns:a16="http://schemas.microsoft.com/office/drawing/2014/main" id="{FDE955BB-C67D-1943-A000-E898399D1805}"/>
+              </a:ext>
+            </a:extLst>
+          </p:cNvPr>
+          <p:cNvSpPr/>
+          <p:nvPr/>
+        </p:nvSpPr>
+        <p:spPr>
+          <a:xfrm>
+            <a:off x="1575486" y="3138616"/>
+            <a:ext cx="1173892" cy="1056503"/>
+          </a:xfrm>
+          <a:custGeom>
+            <a:avLst/>
+            <a:gdLst>
+              <a:gd name="connsiteX0" fmla="*/ 0 w 1173892"/>
+              <a:gd name="connsiteY0" fmla="*/ 488092 h 1056503"/>
+              <a:gd name="connsiteX1" fmla="*/ 290384 w 1173892"/>
+              <a:gd name="connsiteY1" fmla="*/ 321276 h 1056503"/>
+              <a:gd name="connsiteX2" fmla="*/ 345990 w 1173892"/>
+              <a:gd name="connsiteY2" fmla="*/ 0 h 1056503"/>
+              <a:gd name="connsiteX3" fmla="*/ 759941 w 1173892"/>
+              <a:gd name="connsiteY3" fmla="*/ 234779 h 1056503"/>
+              <a:gd name="connsiteX4" fmla="*/ 741406 w 1173892"/>
+              <a:gd name="connsiteY4" fmla="*/ 543698 h 1056503"/>
+              <a:gd name="connsiteX5" fmla="*/ 500449 w 1173892"/>
+              <a:gd name="connsiteY5" fmla="*/ 488092 h 1056503"/>
+              <a:gd name="connsiteX6" fmla="*/ 1173892 w 1173892"/>
+              <a:gd name="connsiteY6" fmla="*/ 636373 h 1056503"/>
+              <a:gd name="connsiteX7" fmla="*/ 982363 w 1173892"/>
+              <a:gd name="connsiteY7" fmla="*/ 1056503 h 1056503"/>
+            </a:gdLst>
+            <a:ahLst/>
+            <a:cxnLst>
+              <a:cxn ang="0">
+                <a:pos x="connsiteX0" y="connsiteY0"/>
+              </a:cxn>
+              <a:cxn ang="0">
+                <a:pos x="connsiteX1" y="connsiteY1"/>
+              </a:cxn>
+              <a:cxn ang="0">
+                <a:pos x="connsiteX2" y="connsiteY2"/>
+              </a:cxn>
+              <a:cxn ang="0">
+                <a:pos x="connsiteX3" y="connsiteY3"/>
+              </a:cxn>
+              <a:cxn ang="0">
+                <a:pos x="connsiteX4" y="connsiteY4"/>
+              </a:cxn>
+              <a:cxn ang="0">
+                <a:pos x="connsiteX5" y="connsiteY5"/>
+              </a:cxn>
+              <a:cxn ang="0">
+                <a:pos x="connsiteX6" y="connsiteY6"/>
+              </a:cxn>
+              <a:cxn ang="0">
+                <a:pos x="connsiteX7" y="connsiteY7"/>
+              </a:cxn>
+            </a:cxnLst>
+            <a:rect l="l" t="t" r="r" b="b"/>
+            <a:pathLst>
+              <a:path w="1173892" h="1056503">
+                <a:moveTo>
+                  <a:pt x="0" y="488092"/>
+                </a:moveTo>
+                <a:lnTo>
+                  <a:pt x="290384" y="321276"/>
+                </a:lnTo>
+                <a:lnTo>
+                  <a:pt x="345990" y="0"/>
+                </a:lnTo>
+                <a:lnTo>
+                  <a:pt x="759941" y="234779"/>
+                </a:lnTo>
+                <a:lnTo>
+                  <a:pt x="741406" y="543698"/>
+                </a:lnTo>
+                <a:lnTo>
+                  <a:pt x="500449" y="488092"/>
+                </a:lnTo>
+                <a:lnTo>
+                  <a:pt x="1173892" y="636373"/>
+                </a:lnTo>
+                <a:lnTo>
+                  <a:pt x="982363" y="1056503"/>
+                </a:lnTo>
+              </a:path>
+            </a:pathLst>
+          </a:custGeom>
+          <a:noFill/>
+        </p:spPr>
+        <p:style>
+          <a:lnRef idx="2">
+            <a:schemeClr val="accent1">
+              <a:shade val="50000"/>
+            </a:schemeClr>
+          </a:lnRef>
+          <a:fillRef idx="1">
+            <a:schemeClr val="accent1"/>
+          </a:fillRef>
+          <a:effectRef idx="0">
+            <a:schemeClr val="accent1"/>
+          </a:effectRef>
+          <a:fontRef idx="minor">
+            <a:schemeClr val="lt1"/>
+          </a:fontRef>
+        </p:style>
+        <p:txBody>
+          <a:bodyPr rtlCol="0" anchor="ctr"/>
+          <a:lstStyle/>
+          <a:p>
+            <a:pPr algn="ctr"/>
+            <a:endParaRPr lang="de-DE"/>
+          </a:p>
+        </p:txBody>
+      </p:sp>
+      <p:sp>
+        <p:nvSpPr>
+          <p:cNvPr id="37" name="Freihandform 36">
+            <a:extLst>
+              <a:ext uri="{FF2B5EF4-FFF2-40B4-BE49-F238E27FC236}">
+                <a16:creationId xmlns:a16="http://schemas.microsoft.com/office/drawing/2014/main" id="{E8355F2E-C476-B64E-AEF1-75BF1916642F}"/>
+              </a:ext>
+            </a:extLst>
+          </p:cNvPr>
+          <p:cNvSpPr/>
+          <p:nvPr/>
+        </p:nvSpPr>
+        <p:spPr>
+          <a:xfrm>
+            <a:off x="2329249" y="2910016"/>
+            <a:ext cx="1173892" cy="457200"/>
+          </a:xfrm>
+          <a:custGeom>
+            <a:avLst/>
+            <a:gdLst>
+              <a:gd name="connsiteX0" fmla="*/ 0 w 1173892"/>
+              <a:gd name="connsiteY0" fmla="*/ 457200 h 457200"/>
+              <a:gd name="connsiteX1" fmla="*/ 383059 w 1173892"/>
+              <a:gd name="connsiteY1" fmla="*/ 345989 h 457200"/>
+              <a:gd name="connsiteX2" fmla="*/ 376881 w 1173892"/>
+              <a:gd name="connsiteY2" fmla="*/ 0 h 457200"/>
+              <a:gd name="connsiteX3" fmla="*/ 908221 w 1173892"/>
+              <a:gd name="connsiteY3" fmla="*/ 179173 h 457200"/>
+              <a:gd name="connsiteX4" fmla="*/ 1173892 w 1173892"/>
+              <a:gd name="connsiteY4" fmla="*/ 61784 h 457200"/>
+            </a:gdLst>
+            <a:ahLst/>
+            <a:cxnLst>
+              <a:cxn ang="0">
+                <a:pos x="connsiteX0" y="connsiteY0"/>
+              </a:cxn>
+              <a:cxn ang="0">
+                <a:pos x="connsiteX1" y="connsiteY1"/>
+              </a:cxn>
+              <a:cxn ang="0">
+                <a:pos x="connsiteX2" y="connsiteY2"/>
+              </a:cxn>
+              <a:cxn ang="0">
+                <a:pos x="connsiteX3" y="connsiteY3"/>
+              </a:cxn>
+              <a:cxn ang="0">
+                <a:pos x="connsiteX4" y="connsiteY4"/>
+              </a:cxn>
+            </a:cxnLst>
+            <a:rect l="l" t="t" r="r" b="b"/>
+            <a:pathLst>
+              <a:path w="1173892" h="457200">
+                <a:moveTo>
+                  <a:pt x="0" y="457200"/>
+                </a:moveTo>
+                <a:lnTo>
+                  <a:pt x="383059" y="345989"/>
+                </a:lnTo>
+                <a:lnTo>
+                  <a:pt x="376881" y="0"/>
+                </a:lnTo>
+                <a:lnTo>
+                  <a:pt x="908221" y="179173"/>
+                </a:lnTo>
+                <a:lnTo>
+                  <a:pt x="1173892" y="61784"/>
+                </a:lnTo>
+              </a:path>
+            </a:pathLst>
+          </a:custGeom>
+          <a:noFill/>
+        </p:spPr>
+        <p:style>
+          <a:lnRef idx="2">
+            <a:schemeClr val="accent1">
+              <a:shade val="50000"/>
+            </a:schemeClr>
+          </a:lnRef>
+          <a:fillRef idx="1">
+            <a:schemeClr val="accent1"/>
+          </a:fillRef>
+          <a:effectRef idx="0">
+            <a:schemeClr val="accent1"/>
+          </a:effectRef>
+          <a:fontRef idx="minor">
+            <a:schemeClr val="lt1"/>
+          </a:fontRef>
+        </p:style>
+        <p:txBody>
+          <a:bodyPr rtlCol="0" anchor="ctr"/>
+          <a:lstStyle/>
+          <a:p>
+            <a:pPr algn="ctr"/>
+            <a:endParaRPr lang="de-DE"/>
+          </a:p>
+        </p:txBody>
+      </p:sp>
+      <p:sp>
+        <p:nvSpPr>
+          <p:cNvPr id="38" name="Freihandform 37">
+            <a:extLst>
+              <a:ext uri="{FF2B5EF4-FFF2-40B4-BE49-F238E27FC236}">
+                <a16:creationId xmlns:a16="http://schemas.microsoft.com/office/drawing/2014/main" id="{68FC31DB-0C61-924D-A6F5-073D30A30E25}"/>
+              </a:ext>
+            </a:extLst>
+          </p:cNvPr>
+          <p:cNvSpPr/>
+          <p:nvPr/>
+        </p:nvSpPr>
+        <p:spPr>
+          <a:xfrm>
+            <a:off x="2718486" y="3083011"/>
+            <a:ext cx="1532238" cy="685800"/>
+          </a:xfrm>
+          <a:custGeom>
+            <a:avLst/>
+            <a:gdLst>
+              <a:gd name="connsiteX0" fmla="*/ 24714 w 1532238"/>
+              <a:gd name="connsiteY0" fmla="*/ 685800 h 685800"/>
+              <a:gd name="connsiteX1" fmla="*/ 253314 w 1532238"/>
+              <a:gd name="connsiteY1" fmla="*/ 444843 h 685800"/>
+              <a:gd name="connsiteX2" fmla="*/ 0 w 1532238"/>
+              <a:gd name="connsiteY2" fmla="*/ 172994 h 685800"/>
+              <a:gd name="connsiteX3" fmla="*/ 413952 w 1532238"/>
+              <a:gd name="connsiteY3" fmla="*/ 142103 h 685800"/>
+              <a:gd name="connsiteX4" fmla="*/ 518984 w 1532238"/>
+              <a:gd name="connsiteY4" fmla="*/ 0 h 685800"/>
+              <a:gd name="connsiteX5" fmla="*/ 821725 w 1532238"/>
+              <a:gd name="connsiteY5" fmla="*/ 228600 h 685800"/>
+              <a:gd name="connsiteX6" fmla="*/ 1322173 w 1532238"/>
+              <a:gd name="connsiteY6" fmla="*/ 160638 h 685800"/>
+              <a:gd name="connsiteX7" fmla="*/ 1278925 w 1532238"/>
+              <a:gd name="connsiteY7" fmla="*/ 401594 h 685800"/>
+              <a:gd name="connsiteX8" fmla="*/ 1532238 w 1532238"/>
+              <a:gd name="connsiteY8" fmla="*/ 605481 h 685800"/>
+            </a:gdLst>
+            <a:ahLst/>
+            <a:cxnLst>
+              <a:cxn ang="0">
+                <a:pos x="connsiteX0" y="connsiteY0"/>
+              </a:cxn>
+              <a:cxn ang="0">
+                <a:pos x="connsiteX1" y="connsiteY1"/>
+              </a:cxn>
+              <a:cxn ang="0">
+                <a:pos x="connsiteX2" y="connsiteY2"/>
+              </a:cxn>
+              <a:cxn ang="0">
+                <a:pos x="connsiteX3" y="connsiteY3"/>
+              </a:cxn>
+              <a:cxn ang="0">
+                <a:pos x="connsiteX4" y="connsiteY4"/>
+              </a:cxn>
+              <a:cxn ang="0">
+                <a:pos x="connsiteX5" y="connsiteY5"/>
+              </a:cxn>
+              <a:cxn ang="0">
+                <a:pos x="connsiteX6" y="connsiteY6"/>
+              </a:cxn>
+              <a:cxn ang="0">
+                <a:pos x="connsiteX7" y="connsiteY7"/>
+              </a:cxn>
+              <a:cxn ang="0">
+                <a:pos x="connsiteX8" y="connsiteY8"/>
+              </a:cxn>
+            </a:cxnLst>
+            <a:rect l="l" t="t" r="r" b="b"/>
+            <a:pathLst>
+              <a:path w="1532238" h="685800">
+                <a:moveTo>
+                  <a:pt x="24714" y="685800"/>
+                </a:moveTo>
+                <a:lnTo>
+                  <a:pt x="253314" y="444843"/>
+                </a:lnTo>
+                <a:lnTo>
+                  <a:pt x="0" y="172994"/>
+                </a:lnTo>
+                <a:lnTo>
+                  <a:pt x="413952" y="142103"/>
+                </a:lnTo>
+                <a:lnTo>
+                  <a:pt x="518984" y="0"/>
+                </a:lnTo>
+                <a:lnTo>
+                  <a:pt x="821725" y="228600"/>
+                </a:lnTo>
+                <a:lnTo>
+                  <a:pt x="1322173" y="160638"/>
+                </a:lnTo>
+                <a:lnTo>
+                  <a:pt x="1278925" y="401594"/>
+                </a:lnTo>
+                <a:lnTo>
+                  <a:pt x="1532238" y="605481"/>
+                </a:lnTo>
+              </a:path>
+            </a:pathLst>
+          </a:custGeom>
+          <a:noFill/>
+        </p:spPr>
+        <p:style>
+          <a:lnRef idx="2">
+            <a:schemeClr val="accent1">
+              <a:shade val="50000"/>
+            </a:schemeClr>
+          </a:lnRef>
+          <a:fillRef idx="1">
+            <a:schemeClr val="accent1"/>
+          </a:fillRef>
+          <a:effectRef idx="0">
+            <a:schemeClr val="accent1"/>
+          </a:effectRef>
+          <a:fontRef idx="minor">
+            <a:schemeClr val="lt1"/>
+          </a:fontRef>
+        </p:style>
+        <p:txBody>
+          <a:bodyPr rtlCol="0" anchor="ctr"/>
+          <a:lstStyle/>
+          <a:p>
+            <a:pPr algn="ctr"/>
+            <a:endParaRPr lang="de-DE"/>
+          </a:p>
+        </p:txBody>
+      </p:sp>
+      <p:sp>
+        <p:nvSpPr>
+          <p:cNvPr id="39" name="Freihandform 38">
+            <a:extLst>
+              <a:ext uri="{FF2B5EF4-FFF2-40B4-BE49-F238E27FC236}">
+                <a16:creationId xmlns:a16="http://schemas.microsoft.com/office/drawing/2014/main" id="{37850DBF-2E40-5249-A7D3-712DE8D393C1}"/>
+              </a:ext>
+            </a:extLst>
+          </p:cNvPr>
+          <p:cNvSpPr/>
+          <p:nvPr/>
+        </p:nvSpPr>
+        <p:spPr>
+          <a:xfrm>
+            <a:off x="2984157" y="3311611"/>
+            <a:ext cx="1013254" cy="315097"/>
+          </a:xfrm>
+          <a:custGeom>
+            <a:avLst/>
+            <a:gdLst>
+              <a:gd name="connsiteX0" fmla="*/ 0 w 1013254"/>
+              <a:gd name="connsiteY0" fmla="*/ 222421 h 315097"/>
+              <a:gd name="connsiteX1" fmla="*/ 537519 w 1013254"/>
+              <a:gd name="connsiteY1" fmla="*/ 0 h 315097"/>
+              <a:gd name="connsiteX2" fmla="*/ 586946 w 1013254"/>
+              <a:gd name="connsiteY2" fmla="*/ 315097 h 315097"/>
+              <a:gd name="connsiteX3" fmla="*/ 1013254 w 1013254"/>
+              <a:gd name="connsiteY3" fmla="*/ 185351 h 315097"/>
+            </a:gdLst>
+            <a:ahLst/>
+            <a:cxnLst>
+              <a:cxn ang="0">
+                <a:pos x="connsiteX0" y="connsiteY0"/>
+              </a:cxn>
+              <a:cxn ang="0">
+                <a:pos x="connsiteX1" y="connsiteY1"/>
+              </a:cxn>
+              <a:cxn ang="0">
+                <a:pos x="connsiteX2" y="connsiteY2"/>
+              </a:cxn>
+              <a:cxn ang="0">
+                <a:pos x="connsiteX3" y="connsiteY3"/>
+              </a:cxn>
+            </a:cxnLst>
+            <a:rect l="l" t="t" r="r" b="b"/>
+            <a:pathLst>
+              <a:path w="1013254" h="315097">
+                <a:moveTo>
+                  <a:pt x="0" y="222421"/>
+                </a:moveTo>
+                <a:lnTo>
+                  <a:pt x="537519" y="0"/>
+                </a:lnTo>
+                <a:lnTo>
+                  <a:pt x="586946" y="315097"/>
+                </a:lnTo>
+                <a:lnTo>
+                  <a:pt x="1013254" y="185351"/>
+                </a:lnTo>
+              </a:path>
+            </a:pathLst>
+          </a:custGeom>
+          <a:noFill/>
+        </p:spPr>
+        <p:style>
+          <a:lnRef idx="2">
+            <a:schemeClr val="accent1">
+              <a:shade val="50000"/>
+            </a:schemeClr>
+          </a:lnRef>
+          <a:fillRef idx="1">
+            <a:schemeClr val="accent1"/>
+          </a:fillRef>
+          <a:effectRef idx="0">
+            <a:schemeClr val="accent1"/>
+          </a:effectRef>
+          <a:fontRef idx="minor">
+            <a:schemeClr val="lt1"/>
+          </a:fontRef>
+        </p:style>
+        <p:txBody>
+          <a:bodyPr rtlCol="0" anchor="ctr"/>
+          <a:lstStyle/>
+          <a:p>
+            <a:pPr algn="ctr"/>
+            <a:endParaRPr lang="de-DE"/>
+          </a:p>
+        </p:txBody>
+      </p:sp>
+      <p:sp>
+        <p:nvSpPr>
+          <p:cNvPr id="40" name="Freihandform 39">
+            <a:extLst>
+              <a:ext uri="{FF2B5EF4-FFF2-40B4-BE49-F238E27FC236}">
+                <a16:creationId xmlns:a16="http://schemas.microsoft.com/office/drawing/2014/main" id="{D4E0CDE7-170E-5F42-9E37-B9FC75CE6BDA}"/>
+              </a:ext>
+            </a:extLst>
+          </p:cNvPr>
+          <p:cNvSpPr/>
+          <p:nvPr/>
+        </p:nvSpPr>
+        <p:spPr>
+          <a:xfrm>
+            <a:off x="2755557" y="3521676"/>
+            <a:ext cx="549875" cy="333632"/>
+          </a:xfrm>
+          <a:custGeom>
+            <a:avLst/>
+            <a:gdLst>
+              <a:gd name="connsiteX0" fmla="*/ 0 w 549875"/>
+              <a:gd name="connsiteY0" fmla="*/ 253313 h 333632"/>
+              <a:gd name="connsiteX1" fmla="*/ 518984 w 549875"/>
+              <a:gd name="connsiteY1" fmla="*/ 333632 h 333632"/>
+              <a:gd name="connsiteX2" fmla="*/ 549875 w 549875"/>
+              <a:gd name="connsiteY2" fmla="*/ 129746 h 333632"/>
+              <a:gd name="connsiteX3" fmla="*/ 210065 w 549875"/>
+              <a:gd name="connsiteY3" fmla="*/ 0 h 333632"/>
+            </a:gdLst>
+            <a:ahLst/>
+            <a:cxnLst>
+              <a:cxn ang="0">
+                <a:pos x="connsiteX0" y="connsiteY0"/>
+              </a:cxn>
+              <a:cxn ang="0">
+                <a:pos x="connsiteX1" y="connsiteY1"/>
+              </a:cxn>
+              <a:cxn ang="0">
+                <a:pos x="connsiteX2" y="connsiteY2"/>
+              </a:cxn>
+              <a:cxn ang="0">
+                <a:pos x="connsiteX3" y="connsiteY3"/>
+              </a:cxn>
+            </a:cxnLst>
+            <a:rect l="l" t="t" r="r" b="b"/>
+            <a:pathLst>
+              <a:path w="549875" h="333632">
+                <a:moveTo>
+                  <a:pt x="0" y="253313"/>
+                </a:moveTo>
+                <a:lnTo>
+                  <a:pt x="518984" y="333632"/>
+                </a:lnTo>
+                <a:lnTo>
+                  <a:pt x="549875" y="129746"/>
+                </a:lnTo>
+                <a:lnTo>
+                  <a:pt x="210065" y="0"/>
+                </a:lnTo>
+              </a:path>
+            </a:pathLst>
+          </a:custGeom>
+          <a:noFill/>
+        </p:spPr>
+        <p:style>
+          <a:lnRef idx="2">
+            <a:schemeClr val="accent1">
+              <a:shade val="50000"/>
+            </a:schemeClr>
+          </a:lnRef>
+          <a:fillRef idx="1">
+            <a:schemeClr val="accent1"/>
+          </a:fillRef>
+          <a:effectRef idx="0">
+            <a:schemeClr val="accent1"/>
+          </a:effectRef>
+          <a:fontRef idx="minor">
+            <a:schemeClr val="lt1"/>
+          </a:fontRef>
+        </p:style>
+        <p:txBody>
+          <a:bodyPr rtlCol="0" anchor="ctr"/>
+          <a:lstStyle/>
+          <a:p>
+            <a:pPr algn="ctr"/>
+            <a:endParaRPr lang="de-DE"/>
+          </a:p>
+        </p:txBody>
+      </p:sp>
+      <p:sp>
+        <p:nvSpPr>
+          <p:cNvPr id="41" name="Freihandform 40">
+            <a:extLst>
+              <a:ext uri="{FF2B5EF4-FFF2-40B4-BE49-F238E27FC236}">
+                <a16:creationId xmlns:a16="http://schemas.microsoft.com/office/drawing/2014/main" id="{6DAF732B-64FD-A546-83EF-E6CEC1DBB316}"/>
+              </a:ext>
+            </a:extLst>
+          </p:cNvPr>
+          <p:cNvSpPr/>
+          <p:nvPr/>
+        </p:nvSpPr>
+        <p:spPr>
+          <a:xfrm>
+            <a:off x="3299254" y="3632886"/>
+            <a:ext cx="389238" cy="228600"/>
+          </a:xfrm>
+          <a:custGeom>
+            <a:avLst/>
+            <a:gdLst>
+              <a:gd name="connsiteX0" fmla="*/ 271849 w 389238"/>
+              <a:gd name="connsiteY0" fmla="*/ 0 h 228600"/>
+              <a:gd name="connsiteX1" fmla="*/ 0 w 389238"/>
+              <a:gd name="connsiteY1" fmla="*/ 18536 h 228600"/>
+              <a:gd name="connsiteX2" fmla="*/ 389238 w 389238"/>
+              <a:gd name="connsiteY2" fmla="*/ 228600 h 228600"/>
+            </a:gdLst>
+            <a:ahLst/>
+            <a:cxnLst>
+              <a:cxn ang="0">
+                <a:pos x="connsiteX0" y="connsiteY0"/>
+              </a:cxn>
+              <a:cxn ang="0">
+                <a:pos x="connsiteX1" y="connsiteY1"/>
+              </a:cxn>
+              <a:cxn ang="0">
+                <a:pos x="connsiteX2" y="connsiteY2"/>
+              </a:cxn>
+            </a:cxnLst>
+            <a:rect l="l" t="t" r="r" b="b"/>
+            <a:pathLst>
+              <a:path w="389238" h="228600">
+                <a:moveTo>
+                  <a:pt x="271849" y="0"/>
+                </a:moveTo>
+                <a:lnTo>
+                  <a:pt x="0" y="18536"/>
+                </a:lnTo>
+                <a:lnTo>
+                  <a:pt x="389238" y="228600"/>
+                </a:lnTo>
+              </a:path>
+            </a:pathLst>
+          </a:custGeom>
+          <a:noFill/>
+        </p:spPr>
+        <p:style>
+          <a:lnRef idx="2">
+            <a:schemeClr val="accent1">
+              <a:shade val="50000"/>
+            </a:schemeClr>
+          </a:lnRef>
+          <a:fillRef idx="1">
+            <a:schemeClr val="accent1"/>
+          </a:fillRef>
+          <a:effectRef idx="0">
+            <a:schemeClr val="accent1"/>
+          </a:effectRef>
+          <a:fontRef idx="minor">
+            <a:schemeClr val="lt1"/>
+          </a:fontRef>
+        </p:style>
+        <p:txBody>
+          <a:bodyPr rtlCol="0" anchor="ctr"/>
+          <a:lstStyle/>
+          <a:p>
+            <a:pPr algn="ctr"/>
+            <a:endParaRPr lang="de-DE"/>
+          </a:p>
+        </p:txBody>
+      </p:sp>
+      <p:sp>
+        <p:nvSpPr>
+          <p:cNvPr id="42" name="Freihandform 41">
+            <a:extLst>
+              <a:ext uri="{FF2B5EF4-FFF2-40B4-BE49-F238E27FC236}">
+                <a16:creationId xmlns:a16="http://schemas.microsoft.com/office/drawing/2014/main" id="{A1F11298-9D0F-5B44-A52B-FD4ADC8C6984}"/>
+              </a:ext>
+            </a:extLst>
+          </p:cNvPr>
+          <p:cNvSpPr/>
+          <p:nvPr/>
+        </p:nvSpPr>
+        <p:spPr>
+          <a:xfrm>
+            <a:off x="1180070" y="3886200"/>
+            <a:ext cx="290384" cy="234778"/>
+          </a:xfrm>
+          <a:custGeom>
+            <a:avLst/>
+            <a:gdLst>
+              <a:gd name="connsiteX0" fmla="*/ 0 w 290384"/>
+              <a:gd name="connsiteY0" fmla="*/ 0 h 234778"/>
+              <a:gd name="connsiteX1" fmla="*/ 61784 w 290384"/>
+              <a:gd name="connsiteY1" fmla="*/ 154459 h 234778"/>
+              <a:gd name="connsiteX2" fmla="*/ 290384 w 290384"/>
+              <a:gd name="connsiteY2" fmla="*/ 234778 h 234778"/>
+            </a:gdLst>
+            <a:ahLst/>
+            <a:cxnLst>
+              <a:cxn ang="0">
+                <a:pos x="connsiteX0" y="connsiteY0"/>
+              </a:cxn>
+              <a:cxn ang="0">
+                <a:pos x="connsiteX1" y="connsiteY1"/>
+              </a:cxn>
+              <a:cxn ang="0">
+                <a:pos x="connsiteX2" y="connsiteY2"/>
+              </a:cxn>
+            </a:cxnLst>
+            <a:rect l="l" t="t" r="r" b="b"/>
+            <a:pathLst>
+              <a:path w="290384" h="234778">
+                <a:moveTo>
+                  <a:pt x="0" y="0"/>
+                </a:moveTo>
+                <a:lnTo>
+                  <a:pt x="61784" y="154459"/>
+                </a:lnTo>
+                <a:lnTo>
+                  <a:pt x="290384" y="234778"/>
+                </a:lnTo>
+              </a:path>
+            </a:pathLst>
+          </a:custGeom>
+          <a:noFill/>
+        </p:spPr>
+        <p:style>
+          <a:lnRef idx="2">
+            <a:schemeClr val="accent1">
+              <a:shade val="50000"/>
+            </a:schemeClr>
+          </a:lnRef>
+          <a:fillRef idx="1">
+            <a:schemeClr val="accent1"/>
+          </a:fillRef>
+          <a:effectRef idx="0">
+            <a:schemeClr val="accent1"/>
+          </a:effectRef>
+          <a:fontRef idx="minor">
+            <a:schemeClr val="lt1"/>
+          </a:fontRef>
+        </p:style>
+        <p:txBody>
+          <a:bodyPr rtlCol="0" anchor="ctr"/>
+          <a:lstStyle/>
+          <a:p>
+            <a:pPr algn="ctr"/>
+            <a:endParaRPr lang="de-DE"/>
+          </a:p>
+        </p:txBody>
+      </p:sp>
+      <p:sp>
+        <p:nvSpPr>
+          <p:cNvPr id="43" name="Freihandform 42">
+            <a:extLst>
+              <a:ext uri="{FF2B5EF4-FFF2-40B4-BE49-F238E27FC236}">
+                <a16:creationId xmlns:a16="http://schemas.microsoft.com/office/drawing/2014/main" id="{2178D0FE-4CEE-5E47-AA55-DA966BE360D2}"/>
+              </a:ext>
+            </a:extLst>
+          </p:cNvPr>
+          <p:cNvSpPr/>
+          <p:nvPr/>
+        </p:nvSpPr>
+        <p:spPr>
+          <a:xfrm>
+            <a:off x="1013254" y="3546389"/>
+            <a:ext cx="444843" cy="179173"/>
+          </a:xfrm>
+          <a:custGeom>
+            <a:avLst/>
+            <a:gdLst>
+              <a:gd name="connsiteX0" fmla="*/ 0 w 444843"/>
+              <a:gd name="connsiteY0" fmla="*/ 179173 h 179173"/>
+              <a:gd name="connsiteX1" fmla="*/ 166816 w 444843"/>
+              <a:gd name="connsiteY1" fmla="*/ 0 h 179173"/>
+              <a:gd name="connsiteX2" fmla="*/ 444843 w 444843"/>
+              <a:gd name="connsiteY2" fmla="*/ 24714 h 179173"/>
+            </a:gdLst>
+            <a:ahLst/>
+            <a:cxnLst>
+              <a:cxn ang="0">
+                <a:pos x="connsiteX0" y="connsiteY0"/>
+              </a:cxn>
+              <a:cxn ang="0">
+                <a:pos x="connsiteX1" y="connsiteY1"/>
+              </a:cxn>
+              <a:cxn ang="0">
+                <a:pos x="connsiteX2" y="connsiteY2"/>
+              </a:cxn>
+            </a:cxnLst>
+            <a:rect l="l" t="t" r="r" b="b"/>
+            <a:pathLst>
+              <a:path w="444843" h="179173">
+                <a:moveTo>
+                  <a:pt x="0" y="179173"/>
+                </a:moveTo>
+                <a:lnTo>
+                  <a:pt x="166816" y="0"/>
+                </a:lnTo>
+                <a:lnTo>
+                  <a:pt x="444843" y="24714"/>
+                </a:lnTo>
+              </a:path>
+            </a:pathLst>
+          </a:custGeom>
+          <a:noFill/>
+        </p:spPr>
+        <p:style>
+          <a:lnRef idx="2">
+            <a:schemeClr val="accent1">
+              <a:shade val="50000"/>
+            </a:schemeClr>
+          </a:lnRef>
+          <a:fillRef idx="1">
+            <a:schemeClr val="accent1"/>
+          </a:fillRef>
+          <a:effectRef idx="0">
+            <a:schemeClr val="accent1"/>
+          </a:effectRef>
+          <a:fontRef idx="minor">
+            <a:schemeClr val="lt1"/>
+          </a:fontRef>
+        </p:style>
+        <p:txBody>
+          <a:bodyPr rtlCol="0" anchor="ctr"/>
+          <a:lstStyle/>
+          <a:p>
+            <a:pPr algn="ctr"/>
+            <a:endParaRPr lang="de-DE"/>
+          </a:p>
+        </p:txBody>
+      </p:sp>
+      <p:sp>
+        <p:nvSpPr>
+          <p:cNvPr id="44" name="Text Box 15">
+            <a:extLst>
+              <a:ext uri="{FF2B5EF4-FFF2-40B4-BE49-F238E27FC236}">
+                <a16:creationId xmlns:a16="http://schemas.microsoft.com/office/drawing/2014/main" id="{2804E36B-22E1-9E47-A97B-C2680C7FF1AF}"/>
+              </a:ext>
+            </a:extLst>
+          </p:cNvPr>
+          <p:cNvSpPr txBox="1"/>
+          <p:nvPr/>
+        </p:nvSpPr>
+        <p:spPr>
+          <a:xfrm>
+            <a:off x="2294306" y="3322718"/>
+            <a:ext cx="309880" cy="368300"/>
+          </a:xfrm>
+          <a:prstGeom prst="rect">
+            <a:avLst/>
+          </a:prstGeom>
+          <a:noFill/>
+        </p:spPr>
+        <p:txBody>
+          <a:bodyPr wrap="none" rtlCol="0">
+            <a:spAutoFit/>
+          </a:bodyPr>
+          <a:lstStyle/>
+          <a:p>
+            <a:r>
+              <a:rPr lang="de-DE" altLang="en-US" dirty="0"/>
+              <a:t>2</a:t>
+            </a:r>
+          </a:p>
+        </p:txBody>
+      </p:sp>
+      <p:sp>
+        <p:nvSpPr>
+          <p:cNvPr id="45" name="Text Box 15">
+            <a:extLst>
+              <a:ext uri="{FF2B5EF4-FFF2-40B4-BE49-F238E27FC236}">
+                <a16:creationId xmlns:a16="http://schemas.microsoft.com/office/drawing/2014/main" id="{1898A0CC-8AF8-6441-90FA-247D7F09F915}"/>
+              </a:ext>
+            </a:extLst>
+          </p:cNvPr>
+          <p:cNvSpPr txBox="1"/>
+          <p:nvPr/>
+        </p:nvSpPr>
+        <p:spPr>
+          <a:xfrm>
+            <a:off x="2531366" y="3421961"/>
+            <a:ext cx="309880" cy="368300"/>
+          </a:xfrm>
+          <a:prstGeom prst="rect">
+            <a:avLst/>
+          </a:prstGeom>
+          <a:noFill/>
+        </p:spPr>
+        <p:txBody>
+          <a:bodyPr wrap="none" rtlCol="0">
+            <a:spAutoFit/>
+          </a:bodyPr>
+          <a:lstStyle/>
+          <a:p>
+            <a:r>
+              <a:rPr lang="de-DE" altLang="en-US" dirty="0"/>
+              <a:t>2</a:t>
+            </a:r>
+          </a:p>
+        </p:txBody>
+      </p:sp>
+      <p:sp>
+        <p:nvSpPr>
+          <p:cNvPr id="46" name="Text Box 16">
+            <a:extLst>
+              <a:ext uri="{FF2B5EF4-FFF2-40B4-BE49-F238E27FC236}">
+                <a16:creationId xmlns:a16="http://schemas.microsoft.com/office/drawing/2014/main" id="{5F6CD20C-9916-AD4E-B48F-D77A88C50949}"/>
+              </a:ext>
+            </a:extLst>
+          </p:cNvPr>
+          <p:cNvSpPr txBox="1"/>
+          <p:nvPr/>
+        </p:nvSpPr>
+        <p:spPr>
+          <a:xfrm>
+            <a:off x="2383332" y="3660108"/>
+            <a:ext cx="309880" cy="368300"/>
+          </a:xfrm>
+          <a:prstGeom prst="rect">
+            <a:avLst/>
+          </a:prstGeom>
+          <a:noFill/>
+        </p:spPr>
+        <p:txBody>
+          <a:bodyPr wrap="none" rtlCol="0">
+            <a:spAutoFit/>
+          </a:bodyPr>
+          <a:lstStyle/>
+          <a:p>
+            <a:r>
+              <a:rPr lang="de-DE" altLang="en-US" dirty="0"/>
+              <a:t>3</a:t>
+            </a:r>
+          </a:p>
+        </p:txBody>
+      </p:sp>
+      <p:sp>
+        <p:nvSpPr>
+          <p:cNvPr id="47" name="Text Box 16">
+            <a:extLst>
+              <a:ext uri="{FF2B5EF4-FFF2-40B4-BE49-F238E27FC236}">
+                <a16:creationId xmlns:a16="http://schemas.microsoft.com/office/drawing/2014/main" id="{52A1F755-1D70-A54B-AD15-82A7F3D252B6}"/>
+              </a:ext>
+            </a:extLst>
+          </p:cNvPr>
+          <p:cNvSpPr txBox="1"/>
+          <p:nvPr/>
+        </p:nvSpPr>
+        <p:spPr>
+          <a:xfrm>
+            <a:off x="1841515" y="3665878"/>
+            <a:ext cx="309880" cy="368300"/>
+          </a:xfrm>
+          <a:prstGeom prst="rect">
+            <a:avLst/>
+          </a:prstGeom>
+          <a:noFill/>
+        </p:spPr>
+        <p:txBody>
+          <a:bodyPr wrap="none" rtlCol="0">
+            <a:spAutoFit/>
+          </a:bodyPr>
+          <a:lstStyle/>
+          <a:p>
+            <a:r>
+              <a:rPr lang="de-DE" altLang="en-US" dirty="0"/>
+              <a:t>3</a:t>
+            </a:r>
+          </a:p>
+        </p:txBody>
+      </p:sp>
+      <p:sp>
+        <p:nvSpPr>
+          <p:cNvPr id="48" name="Text Box 16">
+            <a:extLst>
+              <a:ext uri="{FF2B5EF4-FFF2-40B4-BE49-F238E27FC236}">
+                <a16:creationId xmlns:a16="http://schemas.microsoft.com/office/drawing/2014/main" id="{29B95376-176A-3E4F-B34A-2A382DAB757C}"/>
+              </a:ext>
+            </a:extLst>
+          </p:cNvPr>
+          <p:cNvSpPr txBox="1"/>
+          <p:nvPr/>
+        </p:nvSpPr>
+        <p:spPr>
+          <a:xfrm>
+            <a:off x="2291465" y="3847210"/>
+            <a:ext cx="309880" cy="368300"/>
+          </a:xfrm>
+          <a:prstGeom prst="rect">
+            <a:avLst/>
+          </a:prstGeom>
+          <a:noFill/>
+        </p:spPr>
+        <p:txBody>
+          <a:bodyPr wrap="none" rtlCol="0">
+            <a:spAutoFit/>
+          </a:bodyPr>
+          <a:lstStyle/>
+          <a:p>
+            <a:r>
+              <a:rPr lang="de-DE" altLang="en-US" dirty="0"/>
+              <a:t>3</a:t>
+            </a:r>
+          </a:p>
+        </p:txBody>
+      </p:sp>
+      <p:sp>
+        <p:nvSpPr>
+          <p:cNvPr id="49" name="Text Box 16">
+            <a:extLst>
+              <a:ext uri="{FF2B5EF4-FFF2-40B4-BE49-F238E27FC236}">
+                <a16:creationId xmlns:a16="http://schemas.microsoft.com/office/drawing/2014/main" id="{B002EA88-5A17-BD47-AEFE-47B7F9C8BB71}"/>
+              </a:ext>
+            </a:extLst>
+          </p:cNvPr>
+          <p:cNvSpPr txBox="1"/>
+          <p:nvPr/>
+        </p:nvSpPr>
+        <p:spPr>
+          <a:xfrm>
+            <a:off x="2030189" y="3807483"/>
+            <a:ext cx="309880" cy="368300"/>
+          </a:xfrm>
+          <a:prstGeom prst="rect">
+            <a:avLst/>
+          </a:prstGeom>
+          <a:noFill/>
+        </p:spPr>
+        <p:txBody>
+          <a:bodyPr wrap="none" rtlCol="0">
+            <a:spAutoFit/>
+          </a:bodyPr>
+          <a:lstStyle/>
+          <a:p>
+            <a:r>
+              <a:rPr lang="de-DE" altLang="en-US" dirty="0"/>
+              <a:t>3</a:t>
+            </a:r>
+          </a:p>
+        </p:txBody>
+      </p:sp>
+      <p:sp>
+        <p:nvSpPr>
+          <p:cNvPr id="51" name="Textfeld 50">
+            <a:extLst>
+              <a:ext uri="{FF2B5EF4-FFF2-40B4-BE49-F238E27FC236}">
+                <a16:creationId xmlns:a16="http://schemas.microsoft.com/office/drawing/2014/main" id="{63C3EBFC-C813-8342-B8FA-EF5EF59AAAA6}"/>
+              </a:ext>
+            </a:extLst>
+          </p:cNvPr>
+          <p:cNvSpPr txBox="1"/>
+          <p:nvPr/>
+        </p:nvSpPr>
+        <p:spPr>
+          <a:xfrm>
+            <a:off x="207093" y="4946765"/>
+            <a:ext cx="3268844" cy="369332"/>
+          </a:xfrm>
+          <a:prstGeom prst="rect">
+            <a:avLst/>
+          </a:prstGeom>
+          <a:noFill/>
+        </p:spPr>
+        <p:txBody>
+          <a:bodyPr wrap="none" rtlCol="0">
+            <a:spAutoFit/>
+          </a:bodyPr>
+          <a:lstStyle/>
+          <a:p>
+            <a:pPr marL="285750" indent="-285750">
+              <a:buFont typeface="Arial" panose="020B0604020202020204" pitchFamily="34" charset="0"/>
+              <a:buChar char="•"/>
+            </a:pPr>
+            <a:r>
+              <a:rPr lang="de-DE" dirty="0"/>
+              <a:t>Superpixel: Group </a:t>
+            </a:r>
+            <a:r>
+              <a:rPr lang="de-DE" dirty="0" err="1"/>
+              <a:t>of</a:t>
+            </a:r>
+            <a:r>
+              <a:rPr lang="de-DE" dirty="0"/>
+              <a:t> Pixels</a:t>
+            </a:r>
+          </a:p>
+        </p:txBody>
+      </p:sp>
+      <mc:AlternateContent xmlns:mc="http://schemas.openxmlformats.org/markup-compatibility/2006">
+        <mc:Choice xmlns:a14="http://schemas.microsoft.com/office/drawing/2010/main" Requires="a14">
+          <p:sp>
+            <p:nvSpPr>
+              <p:cNvPr id="53" name="Textfeld 52">
+                <a:extLst>
+                  <a:ext uri="{FF2B5EF4-FFF2-40B4-BE49-F238E27FC236}">
+                    <a16:creationId xmlns:a16="http://schemas.microsoft.com/office/drawing/2014/main" id="{0E080717-CE43-304C-A391-DDAEDA4A8C82}"/>
+                  </a:ext>
+                </a:extLst>
+              </p:cNvPr>
+              <p:cNvSpPr txBox="1"/>
+              <p:nvPr/>
+            </p:nvSpPr>
+            <p:spPr>
+              <a:xfrm>
+                <a:off x="207093" y="5483438"/>
+                <a:ext cx="3409908" cy="923330"/>
+              </a:xfrm>
+              <a:prstGeom prst="rect">
+                <a:avLst/>
+              </a:prstGeom>
+              <a:noFill/>
+            </p:spPr>
+            <p:txBody>
+              <a:bodyPr wrap="none" rtlCol="0">
+                <a:spAutoFit/>
+              </a:bodyPr>
+              <a:lstStyle/>
+              <a:p>
+                <a:pPr marL="285750" indent="-285750">
+                  <a:buFont typeface="Arial" panose="020B0604020202020204" pitchFamily="34" charset="0"/>
+                  <a:buChar char="•"/>
+                </a:pPr>
+                <a:r>
+                  <a:rPr lang="de-DE" dirty="0" err="1"/>
+                  <a:t>Each</a:t>
+                </a:r>
+                <a:r>
+                  <a:rPr lang="de-DE" dirty="0"/>
+                  <a:t> Pixel in </a:t>
+                </a:r>
+                <a:r>
+                  <a:rPr lang="de-DE" dirty="0" err="1"/>
+                  <a:t>one</a:t>
+                </a:r>
+                <a:r>
+                  <a:rPr lang="de-DE" dirty="0"/>
+                  <a:t> Superpixel</a:t>
+                </a:r>
+              </a:p>
+              <a:p>
+                <a:r>
+                  <a:rPr lang="de-DE" dirty="0"/>
+                  <a:t>     </a:t>
+                </a:r>
+                <a:r>
+                  <a:rPr lang="de-DE" dirty="0" err="1"/>
+                  <a:t>contains</a:t>
+                </a:r>
+                <a:r>
+                  <a:rPr lang="de-DE" dirty="0"/>
+                  <a:t> </a:t>
+                </a:r>
+                <a:r>
+                  <a:rPr lang="de-DE" dirty="0" err="1"/>
+                  <a:t>the</a:t>
+                </a:r>
+                <a:r>
+                  <a:rPr lang="de-DE" dirty="0"/>
+                  <a:t> same </a:t>
+                </a:r>
+                <a:r>
+                  <a:rPr lang="de-DE" dirty="0" err="1"/>
+                  <a:t>label</a:t>
+                </a:r>
+                <a:r>
+                  <a:rPr lang="de-DE" dirty="0"/>
+                  <a:t> </a:t>
+                </a:r>
+              </a:p>
+              <a:p>
+                <a:r>
+                  <a:rPr lang="de-DE" dirty="0"/>
+                  <a:t>     </a:t>
+                </a:r>
+                <a:r>
+                  <a:rPr lang="de-DE" dirty="0" err="1"/>
+                  <a:t>label</a:t>
+                </a:r>
+                <a:r>
+                  <a:rPr lang="de-DE" dirty="0"/>
+                  <a:t> </a:t>
+                </a:r>
+                <a14:m>
+                  <m:oMath xmlns:m="http://schemas.openxmlformats.org/officeDocument/2006/math">
+                    <m:r>
+                      <a:rPr lang="de-DE" i="1" smtClean="0">
+                        <a:latin typeface="Cambria Math" panose="02040503050406030204" pitchFamily="18" charset="0"/>
+                        <a:ea typeface="Cambria Math" panose="02040503050406030204" pitchFamily="18" charset="0"/>
+                      </a:rPr>
+                      <m:t>∈</m:t>
+                    </m:r>
+                    <m:r>
+                      <a:rPr lang="de-DE" i="1" smtClean="0">
+                        <a:latin typeface="Cambria Math" panose="02040503050406030204" pitchFamily="18" charset="0"/>
+                        <a:ea typeface="Cambria Math" panose="02040503050406030204" pitchFamily="18" charset="0"/>
+                      </a:rPr>
+                      <m:t>ℕ</m:t>
+                    </m:r>
+                  </m:oMath>
+                </a14:m>
+                <a:endParaRPr lang="de-DE" dirty="0"/>
+              </a:p>
+            </p:txBody>
+          </p:sp>
+        </mc:Choice>
+        <mc:Fallback>
+          <p:sp>
+            <p:nvSpPr>
+              <p:cNvPr id="53" name="Textfeld 52">
+                <a:extLst>
+                  <a:ext uri="{FF2B5EF4-FFF2-40B4-BE49-F238E27FC236}">
+                    <a16:creationId xmlns:a16="http://schemas.microsoft.com/office/drawing/2014/main" id="{0E080717-CE43-304C-A391-DDAEDA4A8C82}"/>
+                  </a:ext>
+                </a:extLst>
+              </p:cNvPr>
+              <p:cNvSpPr txBox="1">
+                <a:spLocks noRot="1" noChangeAspect="1" noMove="1" noResize="1" noEditPoints="1" noAdjustHandles="1" noChangeArrowheads="1" noChangeShapeType="1" noTextEdit="1"/>
+              </p:cNvSpPr>
+              <p:nvPr/>
+            </p:nvSpPr>
+            <p:spPr>
+              <a:xfrm>
+                <a:off x="207093" y="5483438"/>
+                <a:ext cx="3409908" cy="923330"/>
+              </a:xfrm>
+              <a:prstGeom prst="rect">
+                <a:avLst/>
+              </a:prstGeom>
+              <a:blipFill>
+                <a:blip r:embed="rId4"/>
+                <a:stretch>
+                  <a:fillRect l="-741" t="-4167" r="-370" b="-9722"/>
+                </a:stretch>
+              </a:blipFill>
+            </p:spPr>
+            <p:txBody>
+              <a:bodyPr/>
+              <a:lstStyle/>
+              <a:p>
+                <a:r>
+                  <a:rPr lang="de-DE">
+                    <a:noFill/>
+                  </a:rPr>
+                  <a:t> </a:t>
+                </a:r>
+              </a:p>
+            </p:txBody>
+          </p:sp>
+        </mc:Fallback>
+      </mc:AlternateContent>
+    </p:spTree>
+  </p:cSld>
+  <p:clrMapOvr>
+    <a:masterClrMapping/>
+  </p:clrMapOvr>
+  <p:timing>
+    <p:tnLst>
+      <p:par>
+        <p:cTn id="1" dur="indefinite" restart="never" nodeType="tmRoot">
+          <p:childTnLst>
+            <p:seq concurrent="1" nextAc="seek">
+              <p:cTn id="2" dur="indefinite" nodeType="mainSeq">
+                <p:childTnLst>
+                  <p:par>
+                    <p:cTn id="3" fill="hold">
+                      <p:stCondLst>
+                        <p:cond delay="indefinite"/>
+                        <p:cond evt="onBegin" delay="0">
+                          <p:tn val="2"/>
+                        </p:cond>
+                      </p:stCondLst>
+                      <p:childTnLst>
+                        <p:par>
+                          <p:cTn id="4" fill="hold">
+                            <p:stCondLst>
+                              <p:cond delay="0"/>
+                            </p:stCondLst>
+                            <p:childTnLst>
+                              <p:par>
+                                <p:cTn id="5" presetID="10" presetClass="entr" presetSubtype="0" fill="hold" grpId="0" nodeType="withEffect">
+                                  <p:stCondLst>
+                                    <p:cond delay="0"/>
+                                  </p:stCondLst>
+                                  <p:childTnLst>
+                                    <p:set>
+                                      <p:cBhvr>
+                                        <p:cTn id="6" dur="1" fill="hold">
+                                          <p:stCondLst>
+                                            <p:cond delay="0"/>
+                                          </p:stCondLst>
+                                        </p:cTn>
+                                        <p:tgtEl>
+                                          <p:spTgt spid="11"/>
+                                        </p:tgtEl>
+                                        <p:attrNameLst>
+                                          <p:attrName>style.visibility</p:attrName>
+                                        </p:attrNameLst>
+                                      </p:cBhvr>
+                                      <p:to>
+                                        <p:strVal val="visible"/>
+                                      </p:to>
+                                    </p:set>
+                                    <p:animEffect transition="in" filter="fade">
+                                      <p:cBhvr>
+                                        <p:cTn id="7" dur="500"/>
+                                        <p:tgtEl>
+                                          <p:spTgt spid="11"/>
+                                        </p:tgtEl>
+                                      </p:cBhvr>
+                                    </p:animEffect>
+                                  </p:childTnLst>
+                                </p:cTn>
+                              </p:par>
+                              <p:par>
+                                <p:cTn id="8" presetID="22" presetClass="entr" presetSubtype="8" fill="hold" grpId="0" nodeType="withEffect">
+                                  <p:stCondLst>
+                                    <p:cond delay="0"/>
+                                  </p:stCondLst>
+                                  <p:childTnLst>
+                                    <p:set>
+                                      <p:cBhvr>
+                                        <p:cTn id="9" dur="1" fill="hold">
+                                          <p:stCondLst>
+                                            <p:cond delay="0"/>
+                                          </p:stCondLst>
+                                        </p:cTn>
+                                        <p:tgtEl>
+                                          <p:spTgt spid="22"/>
+                                        </p:tgtEl>
+                                        <p:attrNameLst>
+                                          <p:attrName>style.visibility</p:attrName>
+                                        </p:attrNameLst>
+                                      </p:cBhvr>
+                                      <p:to>
+                                        <p:strVal val="visible"/>
+                                      </p:to>
+                                    </p:set>
+                                    <p:animEffect transition="in" filter="wipe(left)">
+                                      <p:cBhvr>
+                                        <p:cTn id="10" dur="500"/>
+                                        <p:tgtEl>
+                                          <p:spTgt spid="22"/>
+                                        </p:tgtEl>
+                                      </p:cBhvr>
+                                    </p:animEffect>
+                                  </p:childTnLst>
+                                </p:cTn>
+                              </p:par>
+                              <p:par>
+                                <p:cTn id="11" presetID="6" presetClass="emph" presetSubtype="0" accel="50000" decel="50000" autoRev="1" fill="hold" grpId="1" nodeType="withEffect">
+                                  <p:stCondLst>
+                                    <p:cond delay="0"/>
+                                  </p:stCondLst>
+                                  <p:childTnLst>
+                                    <p:animScale>
+                                      <p:cBhvr>
+                                        <p:cTn id="12" dur="500" fill="hold"/>
+                                        <p:tgtEl>
+                                          <p:spTgt spid="22"/>
+                                        </p:tgtEl>
+                                      </p:cBhvr>
+                                      <p:by x="110000" y="110000"/>
+                                    </p:animScale>
+                                  </p:childTnLst>
+                                </p:cTn>
+                              </p:par>
+                              <p:par>
+                                <p:cTn id="13" presetID="22" presetClass="entr" presetSubtype="8" fill="hold" grpId="0" nodeType="withEffect">
+                                  <p:stCondLst>
+                                    <p:cond delay="0"/>
+                                  </p:stCondLst>
+                                  <p:childTnLst>
+                                    <p:set>
+                                      <p:cBhvr>
+                                        <p:cTn id="14" dur="1" fill="hold">
+                                          <p:stCondLst>
+                                            <p:cond delay="0"/>
+                                          </p:stCondLst>
+                                        </p:cTn>
+                                        <p:tgtEl>
+                                          <p:spTgt spid="13"/>
+                                        </p:tgtEl>
+                                        <p:attrNameLst>
+                                          <p:attrName>style.visibility</p:attrName>
+                                        </p:attrNameLst>
+                                      </p:cBhvr>
+                                      <p:to>
+                                        <p:strVal val="visible"/>
+                                      </p:to>
+                                    </p:set>
+                                    <p:animEffect transition="in" filter="wipe(left)">
+                                      <p:cBhvr>
+                                        <p:cTn id="15" dur="500"/>
+                                        <p:tgtEl>
+                                          <p:spTgt spid="13"/>
+                                        </p:tgtEl>
+                                      </p:cBhvr>
+                                    </p:animEffect>
+                                  </p:childTnLst>
+                                </p:cTn>
+                              </p:par>
+                              <p:par>
+                                <p:cTn id="16" presetID="22" presetClass="entr" presetSubtype="8" fill="hold" nodeType="withEffect">
+                                  <p:stCondLst>
+                                    <p:cond delay="0"/>
+                                  </p:stCondLst>
+                                  <p:childTnLst>
+                                    <p:set>
+                                      <p:cBhvr>
+                                        <p:cTn id="17" dur="1" fill="hold">
+                                          <p:stCondLst>
+                                            <p:cond delay="0"/>
+                                          </p:stCondLst>
+                                        </p:cTn>
+                                        <p:tgtEl>
+                                          <p:spTgt spid="14"/>
+                                        </p:tgtEl>
+                                        <p:attrNameLst>
+                                          <p:attrName>style.visibility</p:attrName>
+                                        </p:attrNameLst>
+                                      </p:cBhvr>
+                                      <p:to>
+                                        <p:strVal val="visible"/>
+                                      </p:to>
+                                    </p:set>
+                                    <p:animEffect transition="in" filter="wipe(left)">
+                                      <p:cBhvr>
+                                        <p:cTn id="18" dur="500"/>
+                                        <p:tgtEl>
+                                          <p:spTgt spid="14"/>
+                                        </p:tgtEl>
+                                      </p:cBhvr>
+                                    </p:animEffect>
+                                  </p:childTnLst>
+                                </p:cTn>
+                              </p:par>
+                              <p:par>
+                                <p:cTn id="19" presetID="22" presetClass="entr" presetSubtype="8" fill="hold" grpId="0" nodeType="withEffect">
+                                  <p:stCondLst>
+                                    <p:cond delay="0"/>
+                                  </p:stCondLst>
+                                  <p:childTnLst>
+                                    <p:set>
+                                      <p:cBhvr>
+                                        <p:cTn id="20" dur="1" fill="hold">
+                                          <p:stCondLst>
+                                            <p:cond delay="0"/>
+                                          </p:stCondLst>
+                                        </p:cTn>
+                                        <p:tgtEl>
+                                          <p:spTgt spid="15"/>
+                                        </p:tgtEl>
+                                        <p:attrNameLst>
+                                          <p:attrName>style.visibility</p:attrName>
+                                        </p:attrNameLst>
+                                      </p:cBhvr>
+                                      <p:to>
+                                        <p:strVal val="visible"/>
+                                      </p:to>
+                                    </p:set>
+                                    <p:animEffect transition="in" filter="wipe(left)">
+                                      <p:cBhvr>
+                                        <p:cTn id="21" dur="500"/>
+                                        <p:tgtEl>
+                                          <p:spTgt spid="15"/>
+                                        </p:tgtEl>
+                                      </p:cBhvr>
+                                    </p:animEffect>
+                                  </p:childTnLst>
+                                </p:cTn>
+                              </p:par>
+                              <p:par>
+                                <p:cTn id="22" presetID="22" presetClass="entr" presetSubtype="8" fill="hold" grpId="0" nodeType="withEffect">
+                                  <p:stCondLst>
+                                    <p:cond delay="0"/>
+                                  </p:stCondLst>
+                                  <p:childTnLst>
+                                    <p:set>
+                                      <p:cBhvr>
+                                        <p:cTn id="23" dur="1" fill="hold">
+                                          <p:stCondLst>
+                                            <p:cond delay="0"/>
+                                          </p:stCondLst>
+                                        </p:cTn>
+                                        <p:tgtEl>
+                                          <p:spTgt spid="16"/>
+                                        </p:tgtEl>
+                                        <p:attrNameLst>
+                                          <p:attrName>style.visibility</p:attrName>
+                                        </p:attrNameLst>
+                                      </p:cBhvr>
+                                      <p:to>
+                                        <p:strVal val="visible"/>
+                                      </p:to>
+                                    </p:set>
+                                    <p:animEffect transition="in" filter="wipe(left)">
+                                      <p:cBhvr>
+                                        <p:cTn id="24" dur="500"/>
+                                        <p:tgtEl>
+                                          <p:spTgt spid="16"/>
+                                        </p:tgtEl>
+                                      </p:cBhvr>
+                                    </p:animEffect>
+                                  </p:childTnLst>
+                                </p:cTn>
+                              </p:par>
+                              <p:par>
+                                <p:cTn id="25" presetID="22" presetClass="entr" presetSubtype="8" fill="hold" grpId="0" nodeType="withEffect">
+                                  <p:stCondLst>
+                                    <p:cond delay="0"/>
+                                  </p:stCondLst>
+                                  <p:childTnLst>
+                                    <p:set>
+                                      <p:cBhvr>
+                                        <p:cTn id="26" dur="1" fill="hold">
+                                          <p:stCondLst>
+                                            <p:cond delay="0"/>
+                                          </p:stCondLst>
+                                        </p:cTn>
+                                        <p:tgtEl>
+                                          <p:spTgt spid="17"/>
+                                        </p:tgtEl>
+                                        <p:attrNameLst>
+                                          <p:attrName>style.visibility</p:attrName>
+                                        </p:attrNameLst>
+                                      </p:cBhvr>
+                                      <p:to>
+                                        <p:strVal val="visible"/>
+                                      </p:to>
+                                    </p:set>
+                                    <p:animEffect transition="in" filter="wipe(left)">
+                                      <p:cBhvr>
+                                        <p:cTn id="27" dur="500"/>
+                                        <p:tgtEl>
+                                          <p:spTgt spid="17"/>
+                                        </p:tgtEl>
+                                      </p:cBhvr>
+                                    </p:animEffect>
+                                  </p:childTnLst>
+                                </p:cTn>
+                              </p:par>
+                              <p:par>
+                                <p:cTn id="28" presetID="22" presetClass="entr" presetSubtype="8" fill="hold" grpId="0" nodeType="withEffect">
+                                  <p:stCondLst>
+                                    <p:cond delay="0"/>
+                                  </p:stCondLst>
+                                  <p:childTnLst>
+                                    <p:set>
+                                      <p:cBhvr>
+                                        <p:cTn id="29" dur="1" fill="hold">
+                                          <p:stCondLst>
+                                            <p:cond delay="0"/>
+                                          </p:stCondLst>
+                                        </p:cTn>
+                                        <p:tgtEl>
+                                          <p:spTgt spid="9"/>
+                                        </p:tgtEl>
+                                        <p:attrNameLst>
+                                          <p:attrName>style.visibility</p:attrName>
+                                        </p:attrNameLst>
+                                      </p:cBhvr>
+                                      <p:to>
+                                        <p:strVal val="visible"/>
+                                      </p:to>
+                                    </p:set>
+                                    <p:animEffect transition="in" filter="wipe(left)">
+                                      <p:cBhvr>
+                                        <p:cTn id="30" dur="500"/>
+                                        <p:tgtEl>
+                                          <p:spTgt spid="9"/>
+                                        </p:tgtEl>
+                                      </p:cBhvr>
+                                    </p:animEffect>
+                                  </p:childTnLst>
+                                </p:cTn>
+                              </p:par>
+                              <p:par>
+                                <p:cTn id="31" presetID="6" presetClass="emph" presetSubtype="0" accel="50000" decel="50000" autoRev="1" fill="hold" grpId="1" nodeType="withEffect">
+                                  <p:stCondLst>
+                                    <p:cond delay="0"/>
+                                  </p:stCondLst>
+                                  <p:childTnLst>
+                                    <p:animScale>
+                                      <p:cBhvr>
+                                        <p:cTn id="32" dur="500" fill="hold"/>
+                                        <p:tgtEl>
+                                          <p:spTgt spid="13"/>
+                                        </p:tgtEl>
+                                      </p:cBhvr>
+                                      <p:by x="110000" y="110000"/>
+                                    </p:animScale>
+                                  </p:childTnLst>
+                                </p:cTn>
+                              </p:par>
+                              <p:par>
+                                <p:cTn id="33" presetID="6" presetClass="emph" presetSubtype="0" accel="50000" decel="50000" autoRev="1" fill="hold" nodeType="withEffect">
+                                  <p:stCondLst>
+                                    <p:cond delay="0"/>
+                                  </p:stCondLst>
+                                  <p:childTnLst>
+                                    <p:animScale>
+                                      <p:cBhvr>
+                                        <p:cTn id="34" dur="500" fill="hold"/>
+                                        <p:tgtEl>
+                                          <p:spTgt spid="14"/>
+                                        </p:tgtEl>
+                                      </p:cBhvr>
+                                      <p:by x="110000" y="110000"/>
+                                    </p:animScale>
+                                  </p:childTnLst>
+                                </p:cTn>
+                              </p:par>
+                              <p:par>
+                                <p:cTn id="35" presetID="6" presetClass="emph" presetSubtype="0" accel="50000" decel="50000" autoRev="1" fill="hold" grpId="1" nodeType="withEffect">
+                                  <p:stCondLst>
+                                    <p:cond delay="0"/>
+                                  </p:stCondLst>
+                                  <p:childTnLst>
+                                    <p:animScale>
+                                      <p:cBhvr>
+                                        <p:cTn id="36" dur="500" fill="hold"/>
+                                        <p:tgtEl>
+                                          <p:spTgt spid="15"/>
+                                        </p:tgtEl>
+                                      </p:cBhvr>
+                                      <p:by x="110000" y="110000"/>
+                                    </p:animScale>
+                                  </p:childTnLst>
+                                </p:cTn>
+                              </p:par>
+                              <p:par>
+                                <p:cTn id="37" presetID="6" presetClass="emph" presetSubtype="0" accel="50000" decel="50000" autoRev="1" fill="hold" grpId="1" nodeType="withEffect">
+                                  <p:stCondLst>
+                                    <p:cond delay="0"/>
+                                  </p:stCondLst>
+                                  <p:childTnLst>
+                                    <p:animScale>
+                                      <p:cBhvr>
+                                        <p:cTn id="38" dur="500" fill="hold"/>
+                                        <p:tgtEl>
+                                          <p:spTgt spid="16"/>
+                                        </p:tgtEl>
+                                      </p:cBhvr>
+                                      <p:by x="110000" y="110000"/>
+                                    </p:animScale>
+                                  </p:childTnLst>
+                                </p:cTn>
+                              </p:par>
+                              <p:par>
+                                <p:cTn id="39" presetID="6" presetClass="emph" presetSubtype="0" accel="50000" decel="50000" autoRev="1" fill="hold" grpId="1" nodeType="withEffect">
+                                  <p:stCondLst>
+                                    <p:cond delay="0"/>
+                                  </p:stCondLst>
+                                  <p:childTnLst>
+                                    <p:animScale>
+                                      <p:cBhvr>
+                                        <p:cTn id="40" dur="500" fill="hold"/>
+                                        <p:tgtEl>
+                                          <p:spTgt spid="17"/>
+                                        </p:tgtEl>
+                                      </p:cBhvr>
+                                      <p:by x="110000" y="110000"/>
+                                    </p:animScale>
+                                  </p:childTnLst>
+                                </p:cTn>
+                              </p:par>
+                              <p:par>
+                                <p:cTn id="41" presetID="6" presetClass="emph" presetSubtype="0" accel="50000" decel="50000" autoRev="1" fill="hold" grpId="1" nodeType="withEffect">
+                                  <p:stCondLst>
+                                    <p:cond delay="0"/>
+                                  </p:stCondLst>
+                                  <p:childTnLst>
+                                    <p:animScale>
+                                      <p:cBhvr>
+                                        <p:cTn id="42" dur="500" fill="hold"/>
+                                        <p:tgtEl>
+                                          <p:spTgt spid="9"/>
+                                        </p:tgtEl>
+                                      </p:cBhvr>
+                                      <p:by x="110000" y="110000"/>
+                                    </p:animScale>
+                                  </p:childTnLst>
+                                </p:cTn>
+                              </p:par>
+                            </p:childTnLst>
+                          </p:cTn>
+                        </p:par>
+                      </p:childTnLst>
+                    </p:cTn>
+                  </p:par>
+                  <p:par>
+                    <p:cTn id="43" fill="hold">
+                      <p:stCondLst>
+                        <p:cond delay="indefinite"/>
+                      </p:stCondLst>
+                      <p:childTnLst>
+                        <p:par>
+                          <p:cTn id="44" fill="hold">
+                            <p:stCondLst>
+                              <p:cond delay="0"/>
+                            </p:stCondLst>
+                            <p:childTnLst>
+                              <p:par>
+                                <p:cTn id="45" presetID="1" presetClass="exit" presetSubtype="0" fill="hold" grpId="2" nodeType="clickEffect">
+                                  <p:stCondLst>
+                                    <p:cond delay="0"/>
+                                  </p:stCondLst>
+                                  <p:childTnLst>
+                                    <p:set>
+                                      <p:cBhvr>
+                                        <p:cTn id="46" dur="1" fill="hold">
+                                          <p:stCondLst>
+                                            <p:cond delay="0"/>
+                                          </p:stCondLst>
+                                        </p:cTn>
+                                        <p:tgtEl>
+                                          <p:spTgt spid="17"/>
+                                        </p:tgtEl>
+                                        <p:attrNameLst>
+                                          <p:attrName>style.visibility</p:attrName>
+                                        </p:attrNameLst>
+                                      </p:cBhvr>
+                                      <p:to>
+                                        <p:strVal val="hidden"/>
+                                      </p:to>
+                                    </p:set>
+                                  </p:childTnLst>
+                                </p:cTn>
+                              </p:par>
+                              <p:par>
+                                <p:cTn id="47" presetID="1" presetClass="exit" presetSubtype="0" fill="hold" grpId="2" nodeType="withEffect">
+                                  <p:stCondLst>
+                                    <p:cond delay="0"/>
+                                  </p:stCondLst>
+                                  <p:childTnLst>
+                                    <p:set>
+                                      <p:cBhvr>
+                                        <p:cTn id="48" dur="1" fill="hold">
+                                          <p:stCondLst>
+                                            <p:cond delay="0"/>
+                                          </p:stCondLst>
+                                        </p:cTn>
+                                        <p:tgtEl>
+                                          <p:spTgt spid="16"/>
+                                        </p:tgtEl>
+                                        <p:attrNameLst>
+                                          <p:attrName>style.visibility</p:attrName>
+                                        </p:attrNameLst>
+                                      </p:cBhvr>
+                                      <p:to>
+                                        <p:strVal val="hidden"/>
+                                      </p:to>
+                                    </p:set>
+                                  </p:childTnLst>
+                                </p:cTn>
+                              </p:par>
+                              <p:par>
+                                <p:cTn id="49" presetID="1" presetClass="entr" presetSubtype="0" fill="hold" grpId="0" nodeType="withEffect">
+                                  <p:stCondLst>
+                                    <p:cond delay="0"/>
+                                  </p:stCondLst>
+                                  <p:childTnLst>
+                                    <p:set>
+                                      <p:cBhvr>
+                                        <p:cTn id="50" dur="1" fill="hold">
+                                          <p:stCondLst>
+                                            <p:cond delay="0"/>
+                                          </p:stCondLst>
+                                        </p:cTn>
+                                        <p:tgtEl>
+                                          <p:spTgt spid="6"/>
+                                        </p:tgtEl>
+                                        <p:attrNameLst>
+                                          <p:attrName>style.visibility</p:attrName>
+                                        </p:attrNameLst>
+                                      </p:cBhvr>
+                                      <p:to>
+                                        <p:strVal val="visible"/>
+                                      </p:to>
+                                    </p:set>
+                                  </p:childTnLst>
+                                </p:cTn>
+                              </p:par>
+                              <p:par>
+                                <p:cTn id="51" presetID="1" presetClass="entr" presetSubtype="0" fill="hold" grpId="0" nodeType="withEffect">
+                                  <p:stCondLst>
+                                    <p:cond delay="0"/>
+                                  </p:stCondLst>
+                                  <p:childTnLst>
+                                    <p:set>
+                                      <p:cBhvr>
+                                        <p:cTn id="52" dur="1" fill="hold">
+                                          <p:stCondLst>
+                                            <p:cond delay="0"/>
+                                          </p:stCondLst>
+                                        </p:cTn>
+                                        <p:tgtEl>
+                                          <p:spTgt spid="25"/>
+                                        </p:tgtEl>
+                                        <p:attrNameLst>
+                                          <p:attrName>style.visibility</p:attrName>
+                                        </p:attrNameLst>
+                                      </p:cBhvr>
+                                      <p:to>
+                                        <p:strVal val="visible"/>
+                                      </p:to>
+                                    </p:set>
+                                  </p:childTnLst>
+                                </p:cTn>
+                              </p:par>
+                              <p:par>
+                                <p:cTn id="53" presetID="22" presetClass="entr" presetSubtype="8" fill="hold" grpId="0" nodeType="withEffect">
+                                  <p:stCondLst>
+                                    <p:cond delay="0"/>
+                                  </p:stCondLst>
+                                  <p:childTnLst>
+                                    <p:set>
+                                      <p:cBhvr>
+                                        <p:cTn id="54" dur="1" fill="hold">
+                                          <p:stCondLst>
+                                            <p:cond delay="0"/>
+                                          </p:stCondLst>
+                                        </p:cTn>
+                                        <p:tgtEl>
+                                          <p:spTgt spid="44"/>
+                                        </p:tgtEl>
+                                        <p:attrNameLst>
+                                          <p:attrName>style.visibility</p:attrName>
+                                        </p:attrNameLst>
+                                      </p:cBhvr>
+                                      <p:to>
+                                        <p:strVal val="visible"/>
+                                      </p:to>
+                                    </p:set>
+                                    <p:animEffect transition="in" filter="wipe(left)">
+                                      <p:cBhvr>
+                                        <p:cTn id="55" dur="500"/>
+                                        <p:tgtEl>
+                                          <p:spTgt spid="44"/>
+                                        </p:tgtEl>
+                                      </p:cBhvr>
+                                    </p:animEffect>
+                                  </p:childTnLst>
+                                </p:cTn>
+                              </p:par>
+                              <p:par>
+                                <p:cTn id="56" presetID="6" presetClass="emph" presetSubtype="0" accel="50000" decel="50000" autoRev="1" fill="hold" grpId="1" nodeType="withEffect">
+                                  <p:stCondLst>
+                                    <p:cond delay="0"/>
+                                  </p:stCondLst>
+                                  <p:childTnLst>
+                                    <p:animScale>
+                                      <p:cBhvr>
+                                        <p:cTn id="57" dur="500" fill="hold"/>
+                                        <p:tgtEl>
+                                          <p:spTgt spid="44"/>
+                                        </p:tgtEl>
+                                      </p:cBhvr>
+                                      <p:by x="110000" y="110000"/>
+                                    </p:animScale>
+                                  </p:childTnLst>
+                                </p:cTn>
+                              </p:par>
+                              <p:par>
+                                <p:cTn id="58" presetID="1" presetClass="exit" presetSubtype="0" fill="hold" grpId="2" nodeType="withEffect">
+                                  <p:stCondLst>
+                                    <p:cond delay="0"/>
+                                  </p:stCondLst>
+                                  <p:childTnLst>
+                                    <p:set>
+                                      <p:cBhvr>
+                                        <p:cTn id="59" dur="1" fill="hold">
+                                          <p:stCondLst>
+                                            <p:cond delay="0"/>
+                                          </p:stCondLst>
+                                        </p:cTn>
+                                        <p:tgtEl>
+                                          <p:spTgt spid="44"/>
+                                        </p:tgtEl>
+                                        <p:attrNameLst>
+                                          <p:attrName>style.visibility</p:attrName>
+                                        </p:attrNameLst>
+                                      </p:cBhvr>
+                                      <p:to>
+                                        <p:strVal val="hidden"/>
+                                      </p:to>
+                                    </p:set>
+                                  </p:childTnLst>
+                                </p:cTn>
+                              </p:par>
+                              <p:par>
+                                <p:cTn id="60" presetID="22" presetClass="entr" presetSubtype="8" fill="hold" grpId="0" nodeType="withEffect">
+                                  <p:stCondLst>
+                                    <p:cond delay="0"/>
+                                  </p:stCondLst>
+                                  <p:childTnLst>
+                                    <p:set>
+                                      <p:cBhvr>
+                                        <p:cTn id="61" dur="1" fill="hold">
+                                          <p:stCondLst>
+                                            <p:cond delay="0"/>
+                                          </p:stCondLst>
+                                        </p:cTn>
+                                        <p:tgtEl>
+                                          <p:spTgt spid="45"/>
+                                        </p:tgtEl>
+                                        <p:attrNameLst>
+                                          <p:attrName>style.visibility</p:attrName>
+                                        </p:attrNameLst>
+                                      </p:cBhvr>
+                                      <p:to>
+                                        <p:strVal val="visible"/>
+                                      </p:to>
+                                    </p:set>
+                                    <p:animEffect transition="in" filter="wipe(left)">
+                                      <p:cBhvr>
+                                        <p:cTn id="62" dur="500"/>
+                                        <p:tgtEl>
+                                          <p:spTgt spid="45"/>
+                                        </p:tgtEl>
+                                      </p:cBhvr>
+                                    </p:animEffect>
+                                  </p:childTnLst>
+                                </p:cTn>
+                              </p:par>
+                              <p:par>
+                                <p:cTn id="63" presetID="6" presetClass="emph" presetSubtype="0" accel="50000" decel="50000" autoRev="1" fill="hold" grpId="1" nodeType="withEffect">
+                                  <p:stCondLst>
+                                    <p:cond delay="0"/>
+                                  </p:stCondLst>
+                                  <p:childTnLst>
+                                    <p:animScale>
+                                      <p:cBhvr>
+                                        <p:cTn id="64" dur="500" fill="hold"/>
+                                        <p:tgtEl>
+                                          <p:spTgt spid="45"/>
+                                        </p:tgtEl>
+                                      </p:cBhvr>
+                                      <p:by x="110000" y="110000"/>
+                                    </p:animScale>
+                                  </p:childTnLst>
+                                </p:cTn>
+                              </p:par>
+                              <p:par>
+                                <p:cTn id="65" presetID="1" presetClass="exit" presetSubtype="0" fill="hold" grpId="2" nodeType="withEffect">
+                                  <p:stCondLst>
+                                    <p:cond delay="0"/>
+                                  </p:stCondLst>
+                                  <p:childTnLst>
+                                    <p:set>
+                                      <p:cBhvr>
+                                        <p:cTn id="66" dur="1" fill="hold">
+                                          <p:stCondLst>
+                                            <p:cond delay="0"/>
+                                          </p:stCondLst>
+                                        </p:cTn>
+                                        <p:tgtEl>
+                                          <p:spTgt spid="45"/>
+                                        </p:tgtEl>
+                                        <p:attrNameLst>
+                                          <p:attrName>style.visibility</p:attrName>
+                                        </p:attrNameLst>
+                                      </p:cBhvr>
+                                      <p:to>
+                                        <p:strVal val="hidden"/>
+                                      </p:to>
+                                    </p:set>
+                                  </p:childTnLst>
+                                </p:cTn>
+                              </p:par>
+                              <p:par>
+                                <p:cTn id="67" presetID="22" presetClass="entr" presetSubtype="8" fill="hold" grpId="0" nodeType="withEffect">
+                                  <p:stCondLst>
+                                    <p:cond delay="0"/>
+                                  </p:stCondLst>
+                                  <p:childTnLst>
+                                    <p:set>
+                                      <p:cBhvr>
+                                        <p:cTn id="68" dur="1" fill="hold">
+                                          <p:stCondLst>
+                                            <p:cond delay="0"/>
+                                          </p:stCondLst>
+                                        </p:cTn>
+                                        <p:tgtEl>
+                                          <p:spTgt spid="46"/>
+                                        </p:tgtEl>
+                                        <p:attrNameLst>
+                                          <p:attrName>style.visibility</p:attrName>
+                                        </p:attrNameLst>
+                                      </p:cBhvr>
+                                      <p:to>
+                                        <p:strVal val="visible"/>
+                                      </p:to>
+                                    </p:set>
+                                    <p:animEffect transition="in" filter="wipe(left)">
+                                      <p:cBhvr>
+                                        <p:cTn id="69" dur="500"/>
+                                        <p:tgtEl>
+                                          <p:spTgt spid="46"/>
+                                        </p:tgtEl>
+                                      </p:cBhvr>
+                                    </p:animEffect>
+                                  </p:childTnLst>
+                                </p:cTn>
+                              </p:par>
+                              <p:par>
+                                <p:cTn id="70" presetID="6" presetClass="emph" presetSubtype="0" accel="50000" decel="50000" autoRev="1" fill="hold" grpId="1" nodeType="withEffect">
+                                  <p:stCondLst>
+                                    <p:cond delay="0"/>
+                                  </p:stCondLst>
+                                  <p:childTnLst>
+                                    <p:animScale>
+                                      <p:cBhvr>
+                                        <p:cTn id="71" dur="500" fill="hold"/>
+                                        <p:tgtEl>
+                                          <p:spTgt spid="46"/>
+                                        </p:tgtEl>
+                                      </p:cBhvr>
+                                      <p:by x="110000" y="110000"/>
+                                    </p:animScale>
+                                  </p:childTnLst>
+                                </p:cTn>
+                              </p:par>
+                            </p:childTnLst>
+                          </p:cTn>
+                        </p:par>
+                      </p:childTnLst>
+                    </p:cTn>
+                  </p:par>
+                  <p:par>
+                    <p:cTn id="72" fill="hold">
+                      <p:stCondLst>
+                        <p:cond delay="indefinite"/>
+                      </p:stCondLst>
+                      <p:childTnLst>
+                        <p:par>
+                          <p:cTn id="73" fill="hold">
+                            <p:stCondLst>
+                              <p:cond delay="0"/>
+                            </p:stCondLst>
+                            <p:childTnLst>
+                              <p:par>
+                                <p:cTn id="74" presetID="1" presetClass="exit" presetSubtype="0" fill="hold" grpId="2" nodeType="clickEffect">
+                                  <p:stCondLst>
+                                    <p:cond delay="0"/>
+                                  </p:stCondLst>
+                                  <p:childTnLst>
+                                    <p:set>
+                                      <p:cBhvr>
+                                        <p:cTn id="75" dur="1" fill="hold">
+                                          <p:stCondLst>
+                                            <p:cond delay="0"/>
+                                          </p:stCondLst>
+                                        </p:cTn>
+                                        <p:tgtEl>
+                                          <p:spTgt spid="46"/>
+                                        </p:tgtEl>
+                                        <p:attrNameLst>
+                                          <p:attrName>style.visibility</p:attrName>
+                                        </p:attrNameLst>
+                                      </p:cBhvr>
+                                      <p:to>
+                                        <p:strVal val="hidden"/>
+                                      </p:to>
+                                    </p:set>
+                                  </p:childTnLst>
+                                </p:cTn>
+                              </p:par>
+                              <p:par>
+                                <p:cTn id="76" presetID="22" presetClass="entr" presetSubtype="8" fill="hold" grpId="0" nodeType="withEffect">
+                                  <p:stCondLst>
+                                    <p:cond delay="0"/>
+                                  </p:stCondLst>
+                                  <p:childTnLst>
+                                    <p:set>
+                                      <p:cBhvr>
+                                        <p:cTn id="77" dur="1" fill="hold">
+                                          <p:stCondLst>
+                                            <p:cond delay="0"/>
+                                          </p:stCondLst>
+                                        </p:cTn>
+                                        <p:tgtEl>
+                                          <p:spTgt spid="47"/>
+                                        </p:tgtEl>
+                                        <p:attrNameLst>
+                                          <p:attrName>style.visibility</p:attrName>
+                                        </p:attrNameLst>
+                                      </p:cBhvr>
+                                      <p:to>
+                                        <p:strVal val="visible"/>
+                                      </p:to>
+                                    </p:set>
+                                    <p:animEffect transition="in" filter="wipe(left)">
+                                      <p:cBhvr>
+                                        <p:cTn id="78" dur="500"/>
+                                        <p:tgtEl>
+                                          <p:spTgt spid="47"/>
+                                        </p:tgtEl>
+                                      </p:cBhvr>
+                                    </p:animEffect>
+                                  </p:childTnLst>
+                                </p:cTn>
+                              </p:par>
+                              <p:par>
+                                <p:cTn id="79" presetID="6" presetClass="emph" presetSubtype="0" accel="50000" decel="50000" autoRev="1" fill="hold" grpId="1" nodeType="withEffect">
+                                  <p:stCondLst>
+                                    <p:cond delay="0"/>
+                                  </p:stCondLst>
+                                  <p:childTnLst>
+                                    <p:animScale>
+                                      <p:cBhvr>
+                                        <p:cTn id="80" dur="500" fill="hold"/>
+                                        <p:tgtEl>
+                                          <p:spTgt spid="47"/>
+                                        </p:tgtEl>
+                                      </p:cBhvr>
+                                      <p:by x="110000" y="110000"/>
+                                    </p:animScale>
+                                  </p:childTnLst>
+                                </p:cTn>
+                              </p:par>
+                            </p:childTnLst>
+                          </p:cTn>
+                        </p:par>
+                      </p:childTnLst>
+                    </p:cTn>
+                  </p:par>
+                  <p:par>
+                    <p:cTn id="81" fill="hold">
+                      <p:stCondLst>
+                        <p:cond delay="indefinite"/>
+                      </p:stCondLst>
+                      <p:childTnLst>
+                        <p:par>
+                          <p:cTn id="82" fill="hold">
+                            <p:stCondLst>
+                              <p:cond delay="0"/>
+                            </p:stCondLst>
+                            <p:childTnLst>
+                              <p:par>
+                                <p:cTn id="83" presetID="1" presetClass="exit" presetSubtype="0" fill="hold" grpId="2" nodeType="clickEffect">
+                                  <p:stCondLst>
+                                    <p:cond delay="0"/>
+                                  </p:stCondLst>
+                                  <p:childTnLst>
+                                    <p:set>
+                                      <p:cBhvr>
+                                        <p:cTn id="84" dur="1" fill="hold">
+                                          <p:stCondLst>
+                                            <p:cond delay="0"/>
+                                          </p:stCondLst>
+                                        </p:cTn>
+                                        <p:tgtEl>
+                                          <p:spTgt spid="47"/>
+                                        </p:tgtEl>
+                                        <p:attrNameLst>
+                                          <p:attrName>style.visibility</p:attrName>
+                                        </p:attrNameLst>
+                                      </p:cBhvr>
+                                      <p:to>
+                                        <p:strVal val="hidden"/>
+                                      </p:to>
+                                    </p:set>
+                                  </p:childTnLst>
+                                </p:cTn>
+                              </p:par>
+                              <p:par>
+                                <p:cTn id="85" presetID="22" presetClass="entr" presetSubtype="8" fill="hold" grpId="0" nodeType="withEffect">
+                                  <p:stCondLst>
+                                    <p:cond delay="0"/>
+                                  </p:stCondLst>
+                                  <p:childTnLst>
+                                    <p:set>
+                                      <p:cBhvr>
+                                        <p:cTn id="86" dur="1" fill="hold">
+                                          <p:stCondLst>
+                                            <p:cond delay="0"/>
+                                          </p:stCondLst>
+                                        </p:cTn>
+                                        <p:tgtEl>
+                                          <p:spTgt spid="48"/>
+                                        </p:tgtEl>
+                                        <p:attrNameLst>
+                                          <p:attrName>style.visibility</p:attrName>
+                                        </p:attrNameLst>
+                                      </p:cBhvr>
+                                      <p:to>
+                                        <p:strVal val="visible"/>
+                                      </p:to>
+                                    </p:set>
+                                    <p:animEffect transition="in" filter="wipe(left)">
+                                      <p:cBhvr>
+                                        <p:cTn id="87" dur="500"/>
+                                        <p:tgtEl>
+                                          <p:spTgt spid="48"/>
+                                        </p:tgtEl>
+                                      </p:cBhvr>
+                                    </p:animEffect>
+                                  </p:childTnLst>
+                                </p:cTn>
+                              </p:par>
+                              <p:par>
+                                <p:cTn id="88" presetID="6" presetClass="emph" presetSubtype="0" accel="50000" decel="50000" autoRev="1" fill="hold" grpId="1" nodeType="withEffect">
+                                  <p:stCondLst>
+                                    <p:cond delay="0"/>
+                                  </p:stCondLst>
+                                  <p:childTnLst>
+                                    <p:animScale>
+                                      <p:cBhvr>
+                                        <p:cTn id="89" dur="500" fill="hold"/>
+                                        <p:tgtEl>
+                                          <p:spTgt spid="48"/>
+                                        </p:tgtEl>
+                                      </p:cBhvr>
+                                      <p:by x="110000" y="110000"/>
+                                    </p:animScale>
+                                  </p:childTnLst>
+                                </p:cTn>
+                              </p:par>
+                            </p:childTnLst>
+                          </p:cTn>
+                        </p:par>
+                      </p:childTnLst>
+                    </p:cTn>
+                  </p:par>
+                  <p:par>
+                    <p:cTn id="90" fill="hold">
+                      <p:stCondLst>
+                        <p:cond delay="indefinite"/>
+                      </p:stCondLst>
+                      <p:childTnLst>
+                        <p:par>
+                          <p:cTn id="91" fill="hold">
+                            <p:stCondLst>
+                              <p:cond delay="0"/>
+                            </p:stCondLst>
+                            <p:childTnLst>
+                              <p:par>
+                                <p:cTn id="92" presetID="1" presetClass="exit" presetSubtype="0" fill="hold" grpId="2" nodeType="clickEffect">
+                                  <p:stCondLst>
+                                    <p:cond delay="0"/>
+                                  </p:stCondLst>
+                                  <p:childTnLst>
+                                    <p:set>
+                                      <p:cBhvr>
+                                        <p:cTn id="93" dur="1" fill="hold">
+                                          <p:stCondLst>
+                                            <p:cond delay="0"/>
+                                          </p:stCondLst>
+                                        </p:cTn>
+                                        <p:tgtEl>
+                                          <p:spTgt spid="48"/>
+                                        </p:tgtEl>
+                                        <p:attrNameLst>
+                                          <p:attrName>style.visibility</p:attrName>
+                                        </p:attrNameLst>
+                                      </p:cBhvr>
+                                      <p:to>
+                                        <p:strVal val="hidden"/>
+                                      </p:to>
+                                    </p:set>
+                                  </p:childTnLst>
+                                </p:cTn>
+                              </p:par>
+                              <p:par>
+                                <p:cTn id="94" presetID="22" presetClass="entr" presetSubtype="8" fill="hold" grpId="0" nodeType="withEffect">
+                                  <p:stCondLst>
+                                    <p:cond delay="0"/>
+                                  </p:stCondLst>
+                                  <p:childTnLst>
+                                    <p:set>
+                                      <p:cBhvr>
+                                        <p:cTn id="95" dur="1" fill="hold">
+                                          <p:stCondLst>
+                                            <p:cond delay="0"/>
+                                          </p:stCondLst>
+                                        </p:cTn>
+                                        <p:tgtEl>
+                                          <p:spTgt spid="49"/>
+                                        </p:tgtEl>
+                                        <p:attrNameLst>
+                                          <p:attrName>style.visibility</p:attrName>
+                                        </p:attrNameLst>
+                                      </p:cBhvr>
+                                      <p:to>
+                                        <p:strVal val="visible"/>
+                                      </p:to>
+                                    </p:set>
+                                    <p:animEffect transition="in" filter="wipe(left)">
+                                      <p:cBhvr>
+                                        <p:cTn id="96" dur="500"/>
+                                        <p:tgtEl>
+                                          <p:spTgt spid="49"/>
+                                        </p:tgtEl>
+                                      </p:cBhvr>
+                                    </p:animEffect>
+                                  </p:childTnLst>
+                                </p:cTn>
+                              </p:par>
+                              <p:par>
+                                <p:cTn id="97" presetID="6" presetClass="emph" presetSubtype="0" accel="50000" decel="50000" autoRev="1" fill="hold" grpId="1" nodeType="withEffect">
+                                  <p:stCondLst>
+                                    <p:cond delay="0"/>
+                                  </p:stCondLst>
+                                  <p:childTnLst>
+                                    <p:animScale>
+                                      <p:cBhvr>
+                                        <p:cTn id="98" dur="500" fill="hold"/>
+                                        <p:tgtEl>
+                                          <p:spTgt spid="49"/>
+                                        </p:tgtEl>
+                                      </p:cBhvr>
+                                      <p:by x="110000" y="110000"/>
+                                    </p:animScale>
+                                  </p:childTnLst>
+                                </p:cTn>
+                              </p:par>
+                            </p:childTnLst>
+                          </p:cTn>
+                        </p:par>
+                      </p:childTnLst>
+                    </p:cTn>
+                  </p:par>
+                  <p:par>
+                    <p:cTn id="99" fill="hold">
+                      <p:stCondLst>
+                        <p:cond delay="indefinite"/>
+                      </p:stCondLst>
+                      <p:childTnLst>
+                        <p:par>
+                          <p:cTn id="100" fill="hold">
+                            <p:stCondLst>
+                              <p:cond delay="0"/>
+                            </p:stCondLst>
+                            <p:childTnLst>
+                              <p:par>
+                                <p:cTn id="101" presetID="1" presetClass="exit" presetSubtype="0" fill="hold" grpId="2" nodeType="clickEffect">
+                                  <p:stCondLst>
+                                    <p:cond delay="0"/>
+                                  </p:stCondLst>
+                                  <p:childTnLst>
+                                    <p:set>
+                                      <p:cBhvr>
+                                        <p:cTn id="102" dur="1" fill="hold">
+                                          <p:stCondLst>
+                                            <p:cond delay="0"/>
+                                          </p:stCondLst>
+                                        </p:cTn>
+                                        <p:tgtEl>
+                                          <p:spTgt spid="49"/>
+                                        </p:tgtEl>
+                                        <p:attrNameLst>
+                                          <p:attrName>style.visibility</p:attrName>
+                                        </p:attrNameLst>
+                                      </p:cBhvr>
+                                      <p:to>
+                                        <p:strVal val="hidden"/>
+                                      </p:to>
+                                    </p:set>
+                                  </p:childTnLst>
+                                </p:cTn>
+                              </p:par>
+                            </p:childTnLst>
+                          </p:cTn>
+                        </p:par>
+                      </p:childTnLst>
+                    </p:cTn>
+                  </p:par>
+                </p:childTnLst>
+              </p:cTn>
+              <p:prevCondLst>
+                <p:cond evt="onPrev" delay="0">
+                  <p:tgtEl>
+                    <p:sldTgt/>
+                  </p:tgtEl>
+                </p:cond>
+              </p:prevCondLst>
+              <p:nextCondLst>
+                <p:cond evt="onNext" delay="0">
+                  <p:tgtEl>
+                    <p:sldTgt/>
+                  </p:tgtEl>
+                </p:cond>
+              </p:nextCondLst>
+            </p:seq>
+          </p:childTnLst>
+        </p:cTn>
+      </p:par>
+    </p:tnLst>
+    <p:bldLst>
+      <p:bldP spid="9" grpId="0" animBg="1"/>
+      <p:bldP spid="9" grpId="1" animBg="1"/>
+      <p:bldP spid="11" grpId="0" bldLvl="0" animBg="1"/>
+      <p:bldP spid="13" grpId="0" animBg="1"/>
+      <p:bldP spid="13" grpId="1" animBg="1"/>
+      <p:bldP spid="15" grpId="0"/>
+      <p:bldP spid="15" grpId="1"/>
+      <p:bldP spid="16" grpId="0"/>
+      <p:bldP spid="16" grpId="1"/>
+      <p:bldP spid="16" grpId="2"/>
+      <p:bldP spid="17" grpId="0"/>
+      <p:bldP spid="17" grpId="1"/>
+      <p:bldP spid="17" grpId="2"/>
+      <p:bldP spid="22" grpId="0" bldLvl="0" animBg="1"/>
+      <p:bldP spid="22" grpId="1" bldLvl="0" animBg="1"/>
+      <p:bldP spid="6" grpId="0"/>
+      <p:bldP spid="25" grpId="0"/>
+      <p:bldP spid="44" grpId="0"/>
+      <p:bldP spid="44" grpId="1"/>
+      <p:bldP spid="44" grpId="2"/>
+      <p:bldP spid="45" grpId="0"/>
+      <p:bldP spid="45" grpId="1"/>
+      <p:bldP spid="45" grpId="2"/>
+      <p:bldP spid="46" grpId="0"/>
+      <p:bldP spid="46" grpId="1"/>
+      <p:bldP spid="46" grpId="2"/>
+      <p:bldP spid="47" grpId="0"/>
+      <p:bldP spid="47" grpId="1"/>
+      <p:bldP spid="47" grpId="2"/>
+      <p:bldP spid="48" grpId="0"/>
+      <p:bldP spid="48" grpId="1"/>
+      <p:bldP spid="48" grpId="2"/>
+      <p:bldP spid="49" grpId="0"/>
+      <p:bldP spid="49" grpId="1"/>
+      <p:bldP spid="49" grpId="2"/>
+    </p:bldLst>
+  </p:timing>
+</p:sld>
+</file>
+
+<file path=ppt/slides/slide4.xml><?xml version="1.0" encoding="utf-8"?>
+<p:sld xmlns:a="http://schemas.openxmlformats.org/drawingml/2006/main" xmlns:r="http://schemas.openxmlformats.org/officeDocument/2006/relationships" xmlns:p="http://schemas.openxmlformats.org/presentationml/2006/main">
+  <p:cSld>
+    <p:spTree>
+      <p:nvGrpSpPr>
+        <p:cNvPr id="1" name=""/>
+        <p:cNvGrpSpPr/>
+        <p:nvPr/>
+      </p:nvGrpSpPr>
+      <p:grpSpPr>
+        <a:xfrm>
+          <a:off x="0" y="0"/>
+          <a:ext cx="0" cy="0"/>
+          <a:chOff x="0" y="0"/>
+          <a:chExt cx="0" cy="0"/>
+        </a:xfrm>
+      </p:grpSpPr>
+      <p:sp>
+        <p:nvSpPr>
+          <p:cNvPr id="9" name="Parallelogram 8"/>
+          <p:cNvSpPr/>
+          <p:nvPr/>
+        </p:nvSpPr>
+        <p:spPr>
+          <a:xfrm rot="20580000" flipH="1">
+            <a:off x="212219" y="3027137"/>
+            <a:ext cx="4360545" cy="1199515"/>
+          </a:xfrm>
+          <a:prstGeom prst="parallelogram">
+            <a:avLst>
+              <a:gd name="adj" fmla="val 102731"/>
+            </a:avLst>
+          </a:prstGeom>
+          <a:solidFill>
+            <a:schemeClr val="accent1"/>
+          </a:solidFill>
+          <a:ln w="25400"/>
+        </p:spPr>
+        <p:style>
+          <a:lnRef idx="2">
+            <a:schemeClr val="accent1">
+              <a:shade val="50000"/>
+            </a:schemeClr>
+          </a:lnRef>
+          <a:fillRef idx="1">
+            <a:schemeClr val="accent1"/>
+          </a:fillRef>
+          <a:effectRef idx="0">
+            <a:schemeClr val="accent1"/>
+          </a:effectRef>
+          <a:fontRef idx="minor">
+            <a:schemeClr val="lt1"/>
+          </a:fontRef>
+        </p:style>
+        <p:txBody>
+          <a:bodyPr rtlCol="0" anchor="ctr"/>
+          <a:lstStyle/>
+          <a:p>
+            <a:pPr algn="ctr"/>
+            <a:endParaRPr lang="en-US" dirty="0"/>
+          </a:p>
+        </p:txBody>
+      </p:sp>
+      <p:sp>
+        <p:nvSpPr>
+          <p:cNvPr id="2" name="Title 1"/>
+          <p:cNvSpPr>
+            <a:spLocks noGrp="1"/>
+          </p:cNvSpPr>
+          <p:nvPr>
+            <p:ph type="title"/>
+          </p:nvPr>
+        </p:nvSpPr>
+        <p:spPr/>
+        <p:txBody>
+          <a:bodyPr/>
+          <a:lstStyle/>
+          <a:p>
+            <a:r>
+              <a:rPr lang="de-DE" altLang="en-US" dirty="0"/>
+              <a:t>Loss </a:t>
+            </a:r>
+            <a:r>
+              <a:rPr lang="de-DE" altLang="en-US" dirty="0" err="1"/>
+              <a:t>Function</a:t>
+            </a:r>
+            <a:br>
+              <a:rPr lang="de-DE" altLang="en-US" dirty="0"/>
+            </a:br>
+            <a:r>
+              <a:rPr lang="de-DE" altLang="en-US" sz="2000" dirty="0"/>
+              <a:t>Superpixel in Loss </a:t>
+            </a:r>
+            <a:r>
+              <a:rPr lang="de-DE" altLang="en-US" sz="2000" dirty="0" err="1"/>
+              <a:t>Function</a:t>
+            </a:r>
+            <a:br>
+              <a:rPr lang="de-DE" altLang="en-US" dirty="0"/>
+            </a:br>
+            <a:endParaRPr lang="de-DE" altLang="en-US" dirty="0"/>
+          </a:p>
+        </p:txBody>
+      </p:sp>
+      <p:sp>
+        <p:nvSpPr>
+          <p:cNvPr id="11" name="Content Placeholder 3"/>
+          <p:cNvSpPr/>
+          <p:nvPr/>
+        </p:nvSpPr>
+        <p:spPr>
+          <a:xfrm>
+            <a:off x="358775" y="1525905"/>
+            <a:ext cx="7719060" cy="492760"/>
+          </a:xfrm>
+          <a:prstGeom prst="rect">
+            <a:avLst/>
+          </a:prstGeom>
+          <a:noFill/>
+          <a:ln w="9525">
+            <a:noFill/>
+            <a:miter lim="800000"/>
+          </a:ln>
+          <a:effectLst/>
+        </p:spPr>
+        <p:txBody>
+          <a:bodyPr vert="horz" wrap="square" lIns="0" tIns="45720" rIns="0" bIns="45720" numCol="1" anchor="t" anchorCtr="0" compatLnSpc="1"/>
+          <a:lstStyle>
+            <a:lvl1pPr marL="179705" indent="-179705" algn="l" rtl="0" eaLnBrk="1" fontAlgn="base" hangingPunct="1">
+              <a:lnSpc>
+                <a:spcPct val="130000"/>
+              </a:lnSpc>
+              <a:spcBef>
+                <a:spcPts val="200"/>
+              </a:spcBef>
+              <a:spcAft>
+                <a:spcPts val="230"/>
+              </a:spcAft>
+              <a:buFont typeface="Wingdings" panose="05000000000000000000" pitchFamily="2" charset="2"/>
+              <a:buNone/>
+              <a:defRPr sz="2000">
+                <a:solidFill>
+                  <a:schemeClr val="tx1"/>
+                </a:solidFill>
+                <a:latin typeface="+mn-lt"/>
+                <a:ea typeface="+mn-ea"/>
+                <a:cs typeface="Tahoma" panose="020B0804030504040204" pitchFamily="34" charset="0"/>
+              </a:defRPr>
+            </a:lvl1pPr>
+            <a:lvl2pPr marL="179705" indent="-177800" algn="l" rtl="0" eaLnBrk="1" fontAlgn="base" hangingPunct="1">
+              <a:lnSpc>
+                <a:spcPct val="130000"/>
+              </a:lnSpc>
+              <a:spcBef>
+                <a:spcPts val="200"/>
+              </a:spcBef>
+              <a:spcAft>
+                <a:spcPts val="230"/>
+              </a:spcAft>
+              <a:buFont typeface="Wingdings" panose="05000000000000000000" pitchFamily="2" charset="2"/>
+              <a:buChar char="§"/>
+              <a:defRPr sz="2000">
+                <a:solidFill>
+                  <a:schemeClr val="tx1"/>
+                </a:solidFill>
+                <a:latin typeface="+mn-lt"/>
+                <a:cs typeface="Tahoma" panose="020B0804030504040204" pitchFamily="34" charset="0"/>
+              </a:defRPr>
+            </a:lvl2pPr>
+            <a:lvl3pPr marL="538480" indent="-187325" algn="l" rtl="0" eaLnBrk="1" fontAlgn="base" hangingPunct="1">
+              <a:lnSpc>
+                <a:spcPct val="130000"/>
+              </a:lnSpc>
+              <a:spcBef>
+                <a:spcPts val="200"/>
+              </a:spcBef>
+              <a:spcAft>
+                <a:spcPts val="230"/>
+              </a:spcAft>
+              <a:buFont typeface="Wingdings" panose="05000000000000000000" pitchFamily="2" charset="2"/>
+              <a:buChar char="§"/>
+              <a:defRPr>
+                <a:solidFill>
+                  <a:schemeClr val="tx1"/>
+                </a:solidFill>
+                <a:latin typeface="+mn-lt"/>
+                <a:cs typeface="Tahoma" panose="020B0804030504040204" pitchFamily="34" charset="0"/>
+              </a:defRPr>
+            </a:lvl3pPr>
+            <a:lvl4pPr marL="717550" indent="-173355" algn="l" rtl="0" eaLnBrk="1" fontAlgn="base" hangingPunct="1">
+              <a:lnSpc>
+                <a:spcPct val="130000"/>
+              </a:lnSpc>
+              <a:spcBef>
+                <a:spcPts val="200"/>
+              </a:spcBef>
+              <a:spcAft>
+                <a:spcPts val="230"/>
+              </a:spcAft>
+              <a:buFont typeface="Wingdings" panose="05000000000000000000" pitchFamily="2" charset="2"/>
+              <a:buChar char="§"/>
+              <a:defRPr sz="1600">
+                <a:solidFill>
+                  <a:schemeClr val="tx1"/>
+                </a:solidFill>
+                <a:latin typeface="+mn-lt"/>
+                <a:cs typeface="Tahoma" panose="020B0804030504040204" pitchFamily="34" charset="0"/>
+              </a:defRPr>
+            </a:lvl4pPr>
+            <a:lvl5pPr marL="908050" indent="-189230" algn="l" rtl="0" eaLnBrk="1" fontAlgn="base" hangingPunct="1">
+              <a:lnSpc>
+                <a:spcPct val="130000"/>
+              </a:lnSpc>
+              <a:spcBef>
+                <a:spcPts val="200"/>
+              </a:spcBef>
+              <a:spcAft>
+                <a:spcPts val="230"/>
+              </a:spcAft>
+              <a:buFont typeface="Wingdings" panose="05000000000000000000" pitchFamily="2" charset="2"/>
+              <a:buChar char="§"/>
+              <a:defRPr sz="1600">
+                <a:solidFill>
+                  <a:schemeClr val="tx1"/>
+                </a:solidFill>
+                <a:latin typeface="+mn-lt"/>
+                <a:cs typeface="Tahoma" panose="020B0804030504040204" pitchFamily="34" charset="0"/>
+              </a:defRPr>
+            </a:lvl5pPr>
+            <a:lvl6pPr marL="1365250" indent="-189230" algn="l" rtl="0" eaLnBrk="1" fontAlgn="base" hangingPunct="1">
+              <a:spcBef>
+                <a:spcPct val="20000"/>
+              </a:spcBef>
+              <a:spcAft>
+                <a:spcPct val="0"/>
+              </a:spcAft>
+              <a:buFont typeface="Wingdings" panose="05000000000000000000" pitchFamily="2" charset="2"/>
+              <a:buChar char="§"/>
+              <a:defRPr sz="1600">
+                <a:solidFill>
+                  <a:schemeClr val="tx1"/>
+                </a:solidFill>
+                <a:latin typeface="+mn-lt"/>
+              </a:defRPr>
+            </a:lvl6pPr>
+            <a:lvl7pPr marL="1822450" indent="-189230" algn="l" rtl="0" eaLnBrk="1" fontAlgn="base" hangingPunct="1">
+              <a:spcBef>
+                <a:spcPct val="20000"/>
+              </a:spcBef>
+              <a:spcAft>
+                <a:spcPct val="0"/>
+              </a:spcAft>
+              <a:buFont typeface="Wingdings" panose="05000000000000000000" pitchFamily="2" charset="2"/>
+              <a:buChar char="§"/>
+              <a:defRPr sz="1600">
+                <a:solidFill>
+                  <a:schemeClr val="tx1"/>
+                </a:solidFill>
+                <a:latin typeface="+mn-lt"/>
+              </a:defRPr>
+            </a:lvl7pPr>
+            <a:lvl8pPr marL="2279650" indent="-189230" algn="l" rtl="0" eaLnBrk="1" fontAlgn="base" hangingPunct="1">
+              <a:spcBef>
+                <a:spcPct val="20000"/>
+              </a:spcBef>
+              <a:spcAft>
+                <a:spcPct val="0"/>
+              </a:spcAft>
+              <a:buFont typeface="Wingdings" panose="05000000000000000000" pitchFamily="2" charset="2"/>
+              <a:buChar char="§"/>
+              <a:defRPr sz="1600">
+                <a:solidFill>
+                  <a:schemeClr val="tx1"/>
+                </a:solidFill>
+                <a:latin typeface="+mn-lt"/>
+              </a:defRPr>
+            </a:lvl8pPr>
+            <a:lvl9pPr marL="2736850" indent="-189230" algn="l" rtl="0" eaLnBrk="1" fontAlgn="base" hangingPunct="1">
+              <a:spcBef>
+                <a:spcPct val="20000"/>
+              </a:spcBef>
+              <a:spcAft>
+                <a:spcPct val="0"/>
+              </a:spcAft>
+              <a:buFont typeface="Wingdings" panose="05000000000000000000" pitchFamily="2" charset="2"/>
+              <a:buChar char="§"/>
+              <a:defRPr sz="1600">
+                <a:solidFill>
+                  <a:schemeClr val="tx1"/>
+                </a:solidFill>
+                <a:latin typeface="+mn-lt"/>
+              </a:defRPr>
+            </a:lvl9pPr>
+          </a:lstStyle>
+          <a:p>
+            <a:pPr marL="0" indent="0"/>
+            <a:endParaRPr lang="de-DE" altLang="en-US" b="1"/>
+          </a:p>
+        </p:txBody>
+      </p:sp>
+      <p:sp>
+        <p:nvSpPr>
           <p:cNvPr id="10" name="Oval 9"/>
           <p:cNvSpPr/>
           <p:nvPr/>
@@ -7976,6 +11324,11 @@
         </mc:Fallback>
       </mc:AlternateContent>
     </p:spTree>
+    <p:extLst>
+      <p:ext uri="{BB962C8B-B14F-4D97-AF65-F5344CB8AC3E}">
+        <p14:creationId xmlns:p14="http://schemas.microsoft.com/office/powerpoint/2010/main" val="261386740"/>
+      </p:ext>
+    </p:extLst>
   </p:cSld>
   <p:clrMapOvr>
     <a:masterClrMapping/>
@@ -8923,7 +12276,7 @@
 </p:sld>
 </file>
 
-<file path=ppt/slides/slide4.xml><?xml version="1.0" encoding="utf-8"?>
+<file path=ppt/slides/slide5.xml><?xml version="1.0" encoding="utf-8"?>
 <p:sld xmlns:a="http://schemas.openxmlformats.org/drawingml/2006/main" xmlns:r="http://schemas.openxmlformats.org/officeDocument/2006/relationships" xmlns:p="http://schemas.openxmlformats.org/presentationml/2006/main">
   <p:cSld>
     <p:spTree>
@@ -12110,7 +15463,7 @@
 </p:sld>
 </file>
 
-<file path=ppt/slides/slide5.xml><?xml version="1.0" encoding="utf-8"?>
+<file path=ppt/slides/slide6.xml><?xml version="1.0" encoding="utf-8"?>
 <p:sld xmlns:a="http://schemas.openxmlformats.org/drawingml/2006/main" xmlns:r="http://schemas.openxmlformats.org/officeDocument/2006/relationships" xmlns:p="http://schemas.openxmlformats.org/presentationml/2006/main">
   <p:cSld>
     <p:spTree>
@@ -16819,7 +20172,7 @@
 </p:sld>
 </file>
 
-<file path=ppt/slides/slide6.xml><?xml version="1.0" encoding="utf-8"?>
+<file path=ppt/slides/slide7.xml><?xml version="1.0" encoding="utf-8"?>
 <p:sld xmlns:a="http://schemas.openxmlformats.org/drawingml/2006/main" xmlns:r="http://schemas.openxmlformats.org/officeDocument/2006/relationships" xmlns:p="http://schemas.openxmlformats.org/presentationml/2006/main">
   <p:cSld>
     <p:spTree>
@@ -20250,7 +23603,7 @@
 </p:sld>
 </file>
 
-<file path=ppt/slides/slide7.xml><?xml version="1.0" encoding="utf-8"?>
+<file path=ppt/slides/slide8.xml><?xml version="1.0" encoding="utf-8"?>
 <p:sld xmlns:a="http://schemas.openxmlformats.org/drawingml/2006/main" xmlns:r="http://schemas.openxmlformats.org/officeDocument/2006/relationships" xmlns:p="http://schemas.openxmlformats.org/presentationml/2006/main">
   <p:cSld>
     <p:spTree>
@@ -23891,7 +27244,7 @@
 </p:sld>
 </file>
 
-<file path=ppt/slides/slide8.xml><?xml version="1.0" encoding="utf-8"?>
+<file path=ppt/slides/slide9.xml><?xml version="1.0" encoding="utf-8"?>
 <p:sld xmlns:a="http://schemas.openxmlformats.org/drawingml/2006/main" xmlns:r="http://schemas.openxmlformats.org/officeDocument/2006/relationships" xmlns:p="http://schemas.openxmlformats.org/presentationml/2006/main">
   <p:cSld>
     <p:spTree>

--- a/meetings/2020_02_14_endterm/endterm_final_Korbi.pptx
+++ b/meetings/2020_02_14_endterm/endterm_final_Korbi.pptx
@@ -5,21 +5,21 @@
     <p:sldMasterId id="2147483648" r:id="rId1"/>
   </p:sldMasterIdLst>
   <p:notesMasterIdLst>
-    <p:notesMasterId r:id="rId4"/>
+    <p:notesMasterId r:id="rId11"/>
   </p:notesMasterIdLst>
   <p:handoutMasterIdLst>
-    <p:handoutMasterId r:id="rId13"/>
+    <p:handoutMasterId r:id="rId12"/>
   </p:handoutMasterIdLst>
   <p:sldIdLst>
-    <p:sldId id="256" r:id="rId3"/>
-    <p:sldId id="277" r:id="rId5"/>
-    <p:sldId id="354" r:id="rId6"/>
-    <p:sldId id="364" r:id="rId7"/>
-    <p:sldId id="360" r:id="rId8"/>
-    <p:sldId id="363" r:id="rId9"/>
-    <p:sldId id="355" r:id="rId10"/>
-    <p:sldId id="361" r:id="rId11"/>
-    <p:sldId id="362" r:id="rId12"/>
+    <p:sldId id="256" r:id="rId2"/>
+    <p:sldId id="277" r:id="rId3"/>
+    <p:sldId id="354" r:id="rId4"/>
+    <p:sldId id="364" r:id="rId5"/>
+    <p:sldId id="360" r:id="rId6"/>
+    <p:sldId id="363" r:id="rId7"/>
+    <p:sldId id="355" r:id="rId8"/>
+    <p:sldId id="361" r:id="rId9"/>
+    <p:sldId id="362" r:id="rId10"/>
   </p:sldIdLst>
   <p:sldSz cx="9144000" cy="6858000" type="screen4x3"/>
   <p:notesSz cx="6858000" cy="9144000"/>
@@ -148,6 +148,25 @@
       </a:defRPr>
     </a:lvl9pPr>
   </p:defaultTextStyle>
+  <p:extLst>
+    <p:ext uri="{EFAFB233-063F-42B5-8137-9DF3F51BA10A}">
+      <p15:sldGuideLst xmlns:p15="http://schemas.microsoft.com/office/powerpoint/2012/main">
+        <p15:guide id="1" orient="horz" pos="2432">
+          <p15:clr>
+            <a:srgbClr val="A4A3A4"/>
+          </p15:clr>
+        </p15:guide>
+        <p15:guide id="2" pos="2895">
+          <p15:clr>
+            <a:srgbClr val="A4A3A4"/>
+          </p15:clr>
+        </p15:guide>
+      </p15:sldGuideLst>
+    </p:ext>
+    <p:ext uri="{2D200454-40CA-4A62-9FC3-DE9A4176ACB9}">
+      <p15:notesGuideLst xmlns:p15="http://schemas.microsoft.com/office/powerpoint/2012/main"/>
+    </p:ext>
+  </p:extLst>
 </p:presentation>
 </file>
 
@@ -255,6 +274,7 @@
           <a:p>
             <a:fld id="{A32DC80D-291A-4ABB-A78B-0417274A267C}" type="datetime4">
               <a:rPr lang="de-DE"/>
+              <a:t>11. Februar 2020</a:t>
             </a:fld>
             <a:endParaRPr lang="de-DE"/>
           </a:p>
@@ -299,7 +319,6 @@
               <a:rPr lang="de-DE"/>
               <a:t>|  </a:t>
             </a:r>
-            <a:endParaRPr lang="de-DE"/>
           </a:p>
         </p:txBody>
       </p:sp>
@@ -344,6 +363,7 @@
             </a:r>
             <a:fld id="{C7CC2173-B0D1-45F1-9D54-E33B7353DA19}" type="slidenum">
               <a:rPr lang="de-DE"/>
+              <a:t>‹Nr.›</a:t>
             </a:fld>
             <a:endParaRPr lang="de-DE"/>
           </a:p>
@@ -358,7 +378,7 @@
           <p:nvPr/>
         </p:nvPicPr>
         <p:blipFill>
-          <a:blip r:embed="rId1" cstate="print"/>
+          <a:blip r:embed="rId2" cstate="print"/>
           <a:srcRect/>
           <a:stretch>
             <a:fillRect/>
@@ -547,7 +567,7 @@
           <p:nvPr/>
         </p:nvPicPr>
         <p:blipFill>
-          <a:blip r:embed="rId1"/>
+          <a:blip r:embed="rId2"/>
           <a:srcRect/>
           <a:stretch>
             <a:fillRect/>
@@ -604,6 +624,7 @@
           <a:p>
             <a:fld id="{065B079B-E513-489A-8A1B-D7C78493EA86}" type="datetime4">
               <a:rPr lang="de-DE"/>
+              <a:t>11. Februar 2020</a:t>
             </a:fld>
             <a:endParaRPr lang="de-DE"/>
           </a:p>
@@ -671,7 +692,6 @@
               <a:rPr lang="de-DE"/>
               <a:t>Textmasterformate durch Klicken bearbeiten</a:t>
             </a:r>
-            <a:endParaRPr lang="de-DE"/>
           </a:p>
           <a:p>
             <a:pPr lvl="1"/>
@@ -679,7 +699,6 @@
               <a:rPr lang="de-DE"/>
               <a:t>Zweite Ebene</a:t>
             </a:r>
-            <a:endParaRPr lang="de-DE"/>
           </a:p>
           <a:p>
             <a:pPr lvl="2"/>
@@ -687,7 +706,6 @@
               <a:rPr lang="de-DE"/>
               <a:t>Dritte Ebene</a:t>
             </a:r>
-            <a:endParaRPr lang="de-DE"/>
           </a:p>
           <a:p>
             <a:pPr lvl="3"/>
@@ -695,7 +713,6 @@
               <a:rPr lang="de-DE"/>
               <a:t>Vierte Ebene</a:t>
             </a:r>
-            <a:endParaRPr lang="de-DE"/>
           </a:p>
           <a:p>
             <a:pPr lvl="4"/>
@@ -703,7 +720,6 @@
               <a:rPr lang="de-DE"/>
               <a:t>Fünfte Ebene</a:t>
             </a:r>
-            <a:endParaRPr lang="de-DE"/>
           </a:p>
         </p:txBody>
       </p:sp>
@@ -749,7 +765,6 @@
               <a:rPr lang="de-DE"/>
               <a:t>|  </a:t>
             </a:r>
-            <a:endParaRPr lang="de-DE"/>
           </a:p>
         </p:txBody>
       </p:sp>
@@ -797,6 +812,7 @@
             </a:r>
             <a:fld id="{C36AA9A4-5D0B-4134-89A6-D8B9DAA4F25C}" type="slidenum">
               <a:rPr lang="de-DE"/>
+              <a:t>‹Nr.›</a:t>
             </a:fld>
             <a:endParaRPr lang="de-DE"/>
           </a:p>
@@ -1182,7 +1198,6 @@
               <a:rPr lang="en-US"/>
               <a:t>benefit of estimating plane coefficients instead of directly estimating depth values is that they can effectively represent depth values of multiple pixels by estimating only 3 coefficients</a:t>
             </a:r>
-            <a:endParaRPr lang="en-US"/>
           </a:p>
         </p:txBody>
       </p:sp>
@@ -1203,6 +1218,7 @@
           <a:p>
             <a:fld id="{065B079B-E513-489A-8A1B-D7C78493EA86}" type="datetime4">
               <a:rPr lang="de-DE"/>
+              <a:t>11. Februar 2020</a:t>
             </a:fld>
             <a:endParaRPr lang="de-DE"/>
           </a:p>
@@ -1227,7 +1243,6 @@
               <a:rPr lang="de-DE"/>
               <a:t>|  </a:t>
             </a:r>
-            <a:endParaRPr lang="de-DE"/>
           </a:p>
         </p:txBody>
       </p:sp>
@@ -1252,6 +1267,7 @@
             </a:r>
             <a:fld id="{C36AA9A4-5D0B-4134-89A6-D8B9DAA4F25C}" type="slidenum">
               <a:rPr lang="de-DE"/>
+              <a:t>1</a:t>
             </a:fld>
             <a:endParaRPr lang="de-DE"/>
           </a:p>
@@ -1266,7 +1282,7 @@
 </file>
 
 <file path=ppt/slideLayouts/slideLayout1.xml><?xml version="1.0" encoding="utf-8"?>
-<p:sldLayout xmlns:a="http://schemas.openxmlformats.org/drawingml/2006/main" xmlns:r="http://schemas.openxmlformats.org/officeDocument/2006/relationships" xmlns:p="http://schemas.openxmlformats.org/presentationml/2006/main" preserve="1" showMasterSp="0" userDrawn="1">
+<p:sldLayout xmlns:a="http://schemas.openxmlformats.org/drawingml/2006/main" xmlns:r="http://schemas.openxmlformats.org/officeDocument/2006/relationships" xmlns:p="http://schemas.openxmlformats.org/presentationml/2006/main" showMasterSp="0" preserve="1" userDrawn="1">
   <p:cSld name="Titelfolie">
     <p:spTree>
       <p:nvGrpSpPr>
@@ -1353,7 +1369,6 @@
               <a:rPr lang="de-DE" dirty="0"/>
               <a:t>Formatvorlage des Untertitelmasters durch Klicken bearbeiten</a:t>
             </a:r>
-            <a:endParaRPr lang="de-DE" dirty="0"/>
           </a:p>
         </p:txBody>
       </p:sp>
@@ -1546,7 +1561,6 @@
               <a:rPr lang="de-DE" dirty="0"/>
               <a:t>Titelmasterformat durch Klicken bearbeiten</a:t>
             </a:r>
-            <a:endParaRPr lang="de-DE" dirty="0"/>
           </a:p>
         </p:txBody>
       </p:sp>
@@ -1604,6 +1618,7 @@
                 <a:ea typeface="+mn-ea"/>
                 <a:cs typeface="Tahoma" panose="020B0804030504040204" pitchFamily="34" charset="0"/>
               </a:rPr>
+              <a:t>11.02.20</a:t>
             </a:fld>
             <a:r>
               <a:rPr kumimoji="0" lang="de-DE" sz="1000" b="0" i="0" u="none" strike="noStrike" kern="1200" cap="none" spc="0" normalizeH="0" baseline="0" noProof="0" dirty="0">
@@ -1736,6 +1751,7 @@
                 <a:cs typeface="Tahoma" panose="020B0804030504040204" pitchFamily="34" charset="0"/>
                 <a:sym typeface="+mn-ea"/>
               </a:rPr>
+              <a:t>‹Nr.›</a:t>
             </a:fld>
             <a:endParaRPr kumimoji="0" lang="de-DE" sz="1000" b="0" i="0" u="none" strike="noStrike" kern="1200" cap="none" spc="0" normalizeH="0" baseline="0" noProof="0" dirty="0">
               <a:ln>
@@ -1854,7 +1870,6 @@
               <a:rPr lang="de-DE"/>
               <a:t>Titelmasterformat durch Klicken bearbeiten</a:t>
             </a:r>
-            <a:endParaRPr lang="de-DE"/>
           </a:p>
         </p:txBody>
       </p:sp>
@@ -1883,7 +1898,6 @@
               <a:rPr lang="de-DE" dirty="0"/>
               <a:t>Textmasterformate durch Klicken bearbeiten</a:t>
             </a:r>
-            <a:endParaRPr lang="de-DE" dirty="0"/>
           </a:p>
           <a:p>
             <a:pPr lvl="1"/>
@@ -1891,7 +1905,6 @@
               <a:rPr lang="de-DE" dirty="0"/>
               <a:t>Zweite Ebene</a:t>
             </a:r>
-            <a:endParaRPr lang="de-DE" dirty="0"/>
           </a:p>
           <a:p>
             <a:pPr lvl="2"/>
@@ -1899,7 +1912,6 @@
               <a:rPr lang="de-DE" dirty="0"/>
               <a:t>Dritte Ebene</a:t>
             </a:r>
-            <a:endParaRPr lang="de-DE" dirty="0"/>
           </a:p>
           <a:p>
             <a:pPr lvl="3"/>
@@ -1907,7 +1919,6 @@
               <a:rPr lang="de-DE" dirty="0"/>
               <a:t>Vierte Ebene</a:t>
             </a:r>
-            <a:endParaRPr lang="de-DE" dirty="0"/>
           </a:p>
           <a:p>
             <a:pPr lvl="4"/>
@@ -1915,7 +1926,6 @@
               <a:rPr lang="de-DE" dirty="0"/>
               <a:t>Fünfte Ebene</a:t>
             </a:r>
-            <a:endParaRPr lang="de-DE" dirty="0"/>
           </a:p>
         </p:txBody>
       </p:sp>
@@ -1972,7 +1982,6 @@
               <a:rPr lang="de-DE" dirty="0"/>
               <a:t>Titelmasterformat durch Klicken bearbeiten</a:t>
             </a:r>
-            <a:endParaRPr lang="de-DE" dirty="0"/>
           </a:p>
         </p:txBody>
       </p:sp>
@@ -2038,7 +2047,6 @@
               <a:rPr lang="de-DE"/>
               <a:t>Textmasterformate durch Klicken bearbeiten</a:t>
             </a:r>
-            <a:endParaRPr lang="de-DE"/>
           </a:p>
         </p:txBody>
       </p:sp>
@@ -2086,7 +2094,6 @@
               <a:rPr lang="de-DE"/>
               <a:t>Titelmasterformat durch Klicken bearbeiten</a:t>
             </a:r>
-            <a:endParaRPr lang="de-DE"/>
           </a:p>
         </p:txBody>
       </p:sp>
@@ -2143,7 +2150,6 @@
               <a:rPr lang="de-DE" dirty="0"/>
               <a:t>Textmasterformate durch Klicken bearbeiten</a:t>
             </a:r>
-            <a:endParaRPr lang="de-DE" dirty="0"/>
           </a:p>
           <a:p>
             <a:pPr lvl="1"/>
@@ -2151,7 +2157,6 @@
               <a:rPr lang="de-DE" dirty="0"/>
               <a:t>Zweite Ebene</a:t>
             </a:r>
-            <a:endParaRPr lang="de-DE" dirty="0"/>
           </a:p>
           <a:p>
             <a:pPr lvl="2"/>
@@ -2159,7 +2164,6 @@
               <a:rPr lang="de-DE" dirty="0"/>
               <a:t>Dritte Ebene</a:t>
             </a:r>
-            <a:endParaRPr lang="de-DE" dirty="0"/>
           </a:p>
           <a:p>
             <a:pPr lvl="3"/>
@@ -2167,7 +2171,6 @@
               <a:rPr lang="de-DE" dirty="0"/>
               <a:t>Vierte Ebene</a:t>
             </a:r>
-            <a:endParaRPr lang="de-DE" dirty="0"/>
           </a:p>
           <a:p>
             <a:pPr lvl="4"/>
@@ -2175,7 +2178,6 @@
               <a:rPr lang="de-DE" dirty="0"/>
               <a:t>Fünfte Ebene</a:t>
             </a:r>
-            <a:endParaRPr lang="de-DE" dirty="0"/>
           </a:p>
         </p:txBody>
       </p:sp>
@@ -2232,7 +2234,6 @@
               <a:rPr lang="de-DE" dirty="0"/>
               <a:t>Textmasterformate durch Klicken bearbeiten</a:t>
             </a:r>
-            <a:endParaRPr lang="de-DE" dirty="0"/>
           </a:p>
           <a:p>
             <a:pPr lvl="1"/>
@@ -2240,7 +2241,6 @@
               <a:rPr lang="de-DE" dirty="0"/>
               <a:t>Zweite Ebene</a:t>
             </a:r>
-            <a:endParaRPr lang="de-DE" dirty="0"/>
           </a:p>
           <a:p>
             <a:pPr lvl="2"/>
@@ -2248,7 +2248,6 @@
               <a:rPr lang="de-DE" dirty="0"/>
               <a:t>Dritte Ebene</a:t>
             </a:r>
-            <a:endParaRPr lang="de-DE" dirty="0"/>
           </a:p>
           <a:p>
             <a:pPr lvl="3"/>
@@ -2256,7 +2255,6 @@
               <a:rPr lang="de-DE" dirty="0"/>
               <a:t>Vierte Ebene</a:t>
             </a:r>
-            <a:endParaRPr lang="de-DE" dirty="0"/>
           </a:p>
           <a:p>
             <a:pPr lvl="4"/>
@@ -2264,7 +2262,6 @@
               <a:rPr lang="de-DE" dirty="0"/>
               <a:t>Fünfte Ebene</a:t>
             </a:r>
-            <a:endParaRPr lang="de-DE" dirty="0"/>
           </a:p>
         </p:txBody>
       </p:sp>
@@ -2312,7 +2309,6 @@
               <a:rPr lang="de-DE" dirty="0"/>
               <a:t>Titelmasterformat durch Klicken bearbeiten</a:t>
             </a:r>
-            <a:endParaRPr lang="de-DE" dirty="0"/>
           </a:p>
         </p:txBody>
       </p:sp>
@@ -2419,7 +2415,6 @@
               <a:rPr lang="de-DE" dirty="0"/>
               <a:t>Textmasterformate durch Klicken bearbeiten</a:t>
             </a:r>
-            <a:endParaRPr lang="de-DE" dirty="0"/>
           </a:p>
           <a:p>
             <a:pPr lvl="1"/>
@@ -2427,7 +2422,6 @@
               <a:rPr lang="de-DE" dirty="0"/>
               <a:t>Zweite Ebene</a:t>
             </a:r>
-            <a:endParaRPr lang="de-DE" dirty="0"/>
           </a:p>
           <a:p>
             <a:pPr lvl="2"/>
@@ -2435,7 +2429,6 @@
               <a:rPr lang="de-DE" dirty="0"/>
               <a:t>Dritte Ebene</a:t>
             </a:r>
-            <a:endParaRPr lang="de-DE" dirty="0"/>
           </a:p>
           <a:p>
             <a:pPr lvl="3"/>
@@ -2443,7 +2436,6 @@
               <a:rPr lang="de-DE" dirty="0"/>
               <a:t>Vierte Ebene</a:t>
             </a:r>
-            <a:endParaRPr lang="de-DE" dirty="0"/>
           </a:p>
           <a:p>
             <a:pPr lvl="4"/>
@@ -2451,7 +2443,6 @@
               <a:rPr lang="de-DE" dirty="0"/>
               <a:t>Fünfte Ebene</a:t>
             </a:r>
-            <a:endParaRPr lang="de-DE" dirty="0"/>
           </a:p>
         </p:txBody>
       </p:sp>
@@ -2517,7 +2508,6 @@
               <a:rPr lang="de-DE" dirty="0"/>
               <a:t>Textmasterformate durch Klicken bearbeiten</a:t>
             </a:r>
-            <a:endParaRPr lang="de-DE" dirty="0"/>
           </a:p>
         </p:txBody>
       </p:sp>
@@ -2545,7 +2535,6 @@
               <a:rPr lang="de-DE"/>
               <a:t>Titelmasterformat durch Klicken bearbeiten</a:t>
             </a:r>
-            <a:endParaRPr lang="de-DE"/>
           </a:p>
         </p:txBody>
       </p:sp>
@@ -2602,7 +2591,6 @@
               <a:rPr lang="de-DE"/>
               <a:t>Titelmasterformat durch Klicken bearbeiten</a:t>
             </a:r>
-            <a:endParaRPr lang="de-DE"/>
           </a:p>
         </p:txBody>
       </p:sp>
@@ -2667,7 +2655,6 @@
               <a:rPr lang="de-DE"/>
               <a:t>Bild durch Klicken auf Symbol hinzufügen</a:t>
             </a:r>
-            <a:endParaRPr lang="de-DE"/>
           </a:p>
         </p:txBody>
       </p:sp>
@@ -2733,7 +2720,6 @@
               <a:rPr lang="de-DE"/>
               <a:t>Textmasterformate durch Klicken bearbeiten</a:t>
             </a:r>
-            <a:endParaRPr lang="de-DE"/>
           </a:p>
         </p:txBody>
       </p:sp>
@@ -2838,7 +2824,6 @@
               <a:rPr lang="de-DE" dirty="0"/>
               <a:t>Titelmasterformat durch Klicken bearbeiten</a:t>
             </a:r>
-            <a:endParaRPr lang="de-DE" dirty="0"/>
           </a:p>
         </p:txBody>
       </p:sp>
@@ -2876,7 +2861,6 @@
               <a:rPr lang="de-DE" dirty="0"/>
               <a:t>Textmasterformate durch Klicken bearbeiten</a:t>
             </a:r>
-            <a:endParaRPr lang="de-DE" dirty="0"/>
           </a:p>
           <a:p>
             <a:pPr lvl="1"/>
@@ -2884,7 +2868,6 @@
               <a:rPr lang="de-DE" dirty="0"/>
               <a:t>Zweite Ebene</a:t>
             </a:r>
-            <a:endParaRPr lang="de-DE" dirty="0"/>
           </a:p>
           <a:p>
             <a:pPr lvl="2"/>
@@ -2892,7 +2875,6 @@
               <a:rPr lang="de-DE" dirty="0"/>
               <a:t>Dritte Ebene</a:t>
             </a:r>
-            <a:endParaRPr lang="de-DE" dirty="0"/>
           </a:p>
           <a:p>
             <a:pPr lvl="3"/>
@@ -2900,7 +2882,6 @@
               <a:rPr lang="de-DE" dirty="0"/>
               <a:t>Vierte Ebene</a:t>
             </a:r>
-            <a:endParaRPr lang="de-DE" dirty="0"/>
           </a:p>
           <a:p>
             <a:pPr lvl="4"/>
@@ -2908,7 +2889,6 @@
               <a:rPr lang="de-DE" dirty="0"/>
               <a:t>Fünfte Ebene</a:t>
             </a:r>
-            <a:endParaRPr lang="de-DE" dirty="0"/>
           </a:p>
         </p:txBody>
       </p:sp>
@@ -2956,7 +2936,7 @@
           <p:nvPr/>
         </p:nvPicPr>
         <p:blipFill>
-          <a:blip r:embed="rId9" cstate="print"/>
+          <a:blip r:embed="rId10" cstate="print"/>
           <a:srcRect r="5453"/>
           <a:stretch>
             <a:fillRect/>
@@ -3139,6 +3119,7 @@
                 <a:ea typeface="+mn-ea"/>
                 <a:cs typeface="Tahoma" panose="020B0804030504040204" pitchFamily="34" charset="0"/>
               </a:rPr>
+              <a:t>11.02.20</a:t>
             </a:fld>
             <a:r>
               <a:rPr kumimoji="0" lang="de-DE" sz="1000" b="0" i="0" u="none" strike="noStrike" kern="1200" cap="none" spc="0" normalizeH="0" baseline="0" noProof="0" dirty="0">
@@ -3299,6 +3280,7 @@
                 <a:ea typeface="+mn-ea"/>
                 <a:cs typeface="Tahoma" panose="020B0804030504040204" pitchFamily="34" charset="0"/>
               </a:rPr>
+              <a:t>‹Nr.›</a:t>
             </a:fld>
             <a:endParaRPr kumimoji="0" lang="de-DE" sz="1000" b="0" i="0" u="none" strike="noStrike" kern="1200" cap="none" spc="0" normalizeH="0" baseline="0" noProof="0" dirty="0">
               <a:ln>
@@ -3358,7 +3340,7 @@
           <p:nvPr userDrawn="1"/>
         </p:nvPicPr>
         <p:blipFill>
-          <a:blip r:embed="rId10"/>
+          <a:blip r:embed="rId11"/>
           <a:stretch>
             <a:fillRect/>
           </a:stretch>
@@ -3884,7 +3866,6 @@
               <a:rPr lang="en-US" altLang="de-DE" dirty="0"/>
               <a:t>Piecewise monocular depth estimation by plane fitting</a:t>
             </a:r>
-            <a:endParaRPr lang="en-US" altLang="de-DE" dirty="0"/>
           </a:p>
         </p:txBody>
       </p:sp>
@@ -3897,7 +3878,7 @@
           <p:nvPr/>
         </p:nvPicPr>
         <p:blipFill>
-          <a:blip r:embed="rId1"/>
+          <a:blip r:embed="rId3"/>
           <a:srcRect t="3277" b="-3307"/>
           <a:stretch>
             <a:fillRect/>
@@ -3930,7 +3911,7 @@
           <p:nvPr/>
         </p:nvPicPr>
         <p:blipFill>
-          <a:blip r:embed="rId2"/>
+          <a:blip r:embed="rId4"/>
           <a:srcRect l="9587" r="18312"/>
           <a:stretch>
             <a:fillRect/>
@@ -3955,7 +3936,7 @@
           <p:nvPr/>
         </p:nvPicPr>
         <p:blipFill>
-          <a:blip r:embed="rId3"/>
+          <a:blip r:embed="rId5"/>
           <a:srcRect r="43626"/>
           <a:stretch>
             <a:fillRect/>
@@ -4038,12 +4019,11 @@
               <a:rPr lang="de-DE" altLang="en-US" sz="2000" dirty="0"/>
               <a:t> [1]</a:t>
             </a:r>
-            <a:endParaRPr lang="de-DE" altLang="en-US" sz="2000" dirty="0"/>
           </a:p>
         </p:txBody>
       </p:sp>
-      <mc:AlternateContent xmlns:mc="http://schemas.openxmlformats.org/markup-compatibility/2006">
-        <mc:Choice xmlns:a14="http://schemas.microsoft.com/office/drawing/2010/main" Requires="a14">
+      <mc:AlternateContent xmlns:mc="http://schemas.openxmlformats.org/markup-compatibility/2006" xmlns:a14="http://schemas.microsoft.com/office/drawing/2010/main">
+        <mc:Choice Requires="a14">
           <p:sp>
             <p:nvSpPr>
               <p:cNvPr id="3" name="Textfeld 2"/>
@@ -4716,12 +4696,11 @@
                   <a:rPr lang="de-DE" sz="2000" dirty="0"/>
                   <a:t>)</a:t>
                 </a:r>
-                <a:endParaRPr lang="de-DE" sz="2000" dirty="0"/>
               </a:p>
             </p:txBody>
           </p:sp>
         </mc:Choice>
-        <mc:Fallback>
+        <mc:Fallback xmlns="">
           <p:sp>
             <p:nvSpPr>
               <p:cNvPr id="3" name="Textfeld 2"/>
@@ -4739,7 +4718,7 @@
                 <a:avLst/>
               </a:prstGeom>
               <a:blipFill rotWithShape="1">
-                <a:blip r:embed="rId1"/>
+                <a:blip r:embed="rId2"/>
                 <a:stretch>
                   <a:fillRect l="-4" t="-47" r="3" b="-66616"/>
                 </a:stretch>
@@ -4760,8 +4739,8 @@
           </p:sp>
         </mc:Fallback>
       </mc:AlternateContent>
-      <mc:AlternateContent xmlns:mc="http://schemas.openxmlformats.org/markup-compatibility/2006">
-        <mc:Choice xmlns:a14="http://schemas.microsoft.com/office/drawing/2010/main" Requires="a14">
+      <mc:AlternateContent xmlns:mc="http://schemas.openxmlformats.org/markup-compatibility/2006" xmlns:a14="http://schemas.microsoft.com/office/drawing/2010/main">
+        <mc:Choice Requires="a14">
           <p:sp>
             <p:nvSpPr>
               <p:cNvPr id="8" name="Textfeld 7"/>
@@ -4921,15 +4900,11 @@
                   </a:rPr>
                   <a:t> on L1-Norm &amp; SSIM</a:t>
                 </a:r>
-                <a:endParaRPr lang="de-DE" b="0" dirty="0">
-                  <a:latin typeface="Cambria Math" panose="02040503050406030204" pitchFamily="18" charset="0"/>
-                  <a:ea typeface="Cambria Math" panose="02040503050406030204" pitchFamily="18" charset="0"/>
-                </a:endParaRPr>
               </a:p>
             </p:txBody>
           </p:sp>
         </mc:Choice>
-        <mc:Fallback>
+        <mc:Fallback xmlns="">
           <p:sp>
             <p:nvSpPr>
               <p:cNvPr id="8" name="Textfeld 7"/>
@@ -4947,7 +4922,7 @@
                 <a:avLst/>
               </a:prstGeom>
               <a:blipFill rotWithShape="1">
-                <a:blip r:embed="rId2"/>
+                <a:blip r:embed="rId3"/>
                 <a:stretch>
                   <a:fillRect l="-10" t="-24" r="6" b="10"/>
                 </a:stretch>
@@ -5141,14 +5116,6 @@
               </a:rPr>
               <a:t>Baseline - Loss</a:t>
             </a:r>
-            <a:endParaRPr lang="de-DE" altLang="en-US" b="1" dirty="0">
-              <a:solidFill>
-                <a:srgbClr val="FFFFFF"/>
-              </a:solidFill>
-              <a:latin typeface="Open Sans" charset="0"/>
-              <a:ea typeface="Open Sans" charset="0"/>
-              <a:cs typeface="Open Sans" charset="0"/>
-            </a:endParaRPr>
           </a:p>
         </p:txBody>
       </p:sp>
@@ -5161,7 +5128,7 @@
           <p:nvPr/>
         </p:nvPicPr>
         <p:blipFill>
-          <a:blip r:embed="rId3">
+          <a:blip r:embed="rId4">
             <a:extLst>
               <a:ext uri="{28A0092B-C50C-407E-A947-70E740481C1C}">
                 <a14:useLocalDpi xmlns:a14="http://schemas.microsoft.com/office/drawing/2010/main" val="0"/>
@@ -5191,7 +5158,7 @@
           <p:nvPr/>
         </p:nvPicPr>
         <p:blipFill>
-          <a:blip r:embed="rId4">
+          <a:blip r:embed="rId5">
             <a:extLst>
               <a:ext uri="{28A0092B-C50C-407E-A947-70E740481C1C}">
                 <a14:useLocalDpi xmlns:a14="http://schemas.microsoft.com/office/drawing/2010/main" val="0"/>
@@ -5294,8 +5261,8 @@
           </a:p>
         </p:txBody>
       </p:sp>
-      <mc:AlternateContent xmlns:mc="http://schemas.openxmlformats.org/markup-compatibility/2006">
-        <mc:Choice xmlns:a14="http://schemas.microsoft.com/office/drawing/2010/main" Requires="a14">
+      <mc:AlternateContent xmlns:mc="http://schemas.openxmlformats.org/markup-compatibility/2006" xmlns:a14="http://schemas.microsoft.com/office/drawing/2010/main">
+        <mc:Choice Requires="a14">
           <p:sp>
             <p:nvSpPr>
               <p:cNvPr id="7" name="Textfeld 6"/>
@@ -5318,6 +5285,7 @@
               </a:bodyPr>
               <a:lstStyle/>
               <a:p>
+                <a:pPr/>
                 <a14:m>
                   <m:oMathPara xmlns:m="http://schemas.openxmlformats.org/officeDocument/2006/math">
                     <m:oMathParaPr>
@@ -5360,7 +5328,7 @@
             </p:txBody>
           </p:sp>
         </mc:Choice>
-        <mc:Fallback>
+        <mc:Fallback xmlns="">
           <p:sp>
             <p:nvSpPr>
               <p:cNvPr id="7" name="Textfeld 6"/>
@@ -5378,7 +5346,7 @@
                 <a:avLst/>
               </a:prstGeom>
               <a:blipFill rotWithShape="1">
-                <a:blip r:embed="rId5"/>
+                <a:blip r:embed="rId6"/>
                 <a:stretch>
                   <a:fillRect l="-107" t="-106" r="57" b="1"/>
                 </a:stretch>
@@ -5443,8 +5411,8 @@
           </a:p>
         </p:txBody>
       </p:sp>
-      <mc:AlternateContent xmlns:mc="http://schemas.openxmlformats.org/markup-compatibility/2006">
-        <mc:Choice xmlns:a14="http://schemas.microsoft.com/office/drawing/2010/main" Requires="a14">
+      <mc:AlternateContent xmlns:mc="http://schemas.openxmlformats.org/markup-compatibility/2006" xmlns:a14="http://schemas.microsoft.com/office/drawing/2010/main">
+        <mc:Choice Requires="a14">
           <p:sp>
             <p:nvSpPr>
               <p:cNvPr id="13" name="Textfeld 12"/>
@@ -5467,6 +5435,7 @@
               </a:bodyPr>
               <a:lstStyle/>
               <a:p>
+                <a:pPr/>
                 <a14:m>
                   <m:oMathPara xmlns:m="http://schemas.openxmlformats.org/officeDocument/2006/math">
                     <m:oMathParaPr>
@@ -5509,7 +5478,7 @@
             </p:txBody>
           </p:sp>
         </mc:Choice>
-        <mc:Fallback>
+        <mc:Fallback xmlns="">
           <p:sp>
             <p:nvSpPr>
               <p:cNvPr id="13" name="Textfeld 12"/>
@@ -5527,7 +5496,7 @@
                 <a:avLst/>
               </a:prstGeom>
               <a:blipFill rotWithShape="1">
-                <a:blip r:embed="rId6"/>
+                <a:blip r:embed="rId7"/>
                 <a:stretch>
                   <a:fillRect l="-1" t="-31" r="76" b="139"/>
                 </a:stretch>
@@ -5548,8 +5517,8 @@
           </p:sp>
         </mc:Fallback>
       </mc:AlternateContent>
-      <mc:AlternateContent xmlns:mc="http://schemas.openxmlformats.org/markup-compatibility/2006">
-        <mc:Choice xmlns:a14="http://schemas.microsoft.com/office/drawing/2010/main" Requires="a14">
+      <mc:AlternateContent xmlns:mc="http://schemas.openxmlformats.org/markup-compatibility/2006" xmlns:a14="http://schemas.microsoft.com/office/drawing/2010/main">
+        <mc:Choice Requires="a14">
           <p:sp>
             <p:nvSpPr>
               <p:cNvPr id="14" name="Textfeld 13"/>
@@ -5668,7 +5637,7 @@
             </p:txBody>
           </p:sp>
         </mc:Choice>
-        <mc:Fallback>
+        <mc:Fallback xmlns="">
           <p:sp>
             <p:nvSpPr>
               <p:cNvPr id="14" name="Textfeld 13"/>
@@ -5686,7 +5655,7 @@
                 <a:avLst/>
               </a:prstGeom>
               <a:blipFill rotWithShape="1">
-                <a:blip r:embed="rId7"/>
+                <a:blip r:embed="rId8"/>
                 <a:stretch>
                   <a:fillRect l="-4" t="-15" r="1"/>
                 </a:stretch>
@@ -5741,7 +5710,6 @@
               <a:rPr lang="de-DE" dirty="0"/>
               <a:t> Error</a:t>
             </a:r>
-            <a:endParaRPr lang="de-DE" dirty="0"/>
           </a:p>
         </p:txBody>
       </p:sp>
@@ -6768,7 +6736,6 @@
               <a:rPr lang="de-DE" altLang="en-US" dirty="0"/>
               <a:t>1</a:t>
             </a:r>
-            <a:endParaRPr lang="de-DE" altLang="en-US" dirty="0"/>
           </a:p>
         </p:txBody>
       </p:sp>
@@ -6798,7 +6765,6 @@
               <a:rPr lang="de-DE" altLang="en-US" dirty="0"/>
               <a:t>2</a:t>
             </a:r>
-            <a:endParaRPr lang="de-DE" altLang="en-US" dirty="0"/>
           </a:p>
         </p:txBody>
       </p:sp>
@@ -6828,7 +6794,6 @@
               <a:rPr lang="de-DE" altLang="en-US" dirty="0"/>
               <a:t>3</a:t>
             </a:r>
-            <a:endParaRPr lang="de-DE" altLang="en-US" dirty="0"/>
           </a:p>
         </p:txBody>
       </p:sp>
@@ -7053,7 +7018,6 @@
               <a:rPr lang="de-DE" dirty="0"/>
               <a:t>1</a:t>
             </a:r>
-            <a:endParaRPr lang="de-DE" dirty="0"/>
           </a:p>
         </p:txBody>
       </p:sp>
@@ -7083,7 +7047,6 @@
               <a:rPr lang="de-DE" dirty="0"/>
               <a:t>1</a:t>
             </a:r>
-            <a:endParaRPr lang="de-DE" dirty="0"/>
           </a:p>
         </p:txBody>
       </p:sp>
@@ -7096,7 +7059,7 @@
           <p:nvPr/>
         </p:nvPicPr>
         <p:blipFill>
-          <a:blip r:embed="rId1">
+          <a:blip r:embed="rId2">
             <a:extLst>
               <a:ext uri="{28A0092B-C50C-407E-A947-70E740481C1C}">
                 <a14:useLocalDpi xmlns:a14="http://schemas.microsoft.com/office/drawing/2010/main" val="0"/>
@@ -8005,7 +7968,6 @@
               <a:rPr lang="de-DE" altLang="en-US" dirty="0"/>
               <a:t>2</a:t>
             </a:r>
-            <a:endParaRPr lang="de-DE" altLang="en-US" dirty="0"/>
           </a:p>
         </p:txBody>
       </p:sp>
@@ -8035,7 +7997,6 @@
               <a:rPr lang="de-DE" altLang="en-US" dirty="0"/>
               <a:t>2</a:t>
             </a:r>
-            <a:endParaRPr lang="de-DE" altLang="en-US" dirty="0"/>
           </a:p>
         </p:txBody>
       </p:sp>
@@ -8065,7 +8026,6 @@
               <a:rPr lang="de-DE" altLang="en-US" dirty="0"/>
               <a:t>3</a:t>
             </a:r>
-            <a:endParaRPr lang="de-DE" altLang="en-US" dirty="0"/>
           </a:p>
         </p:txBody>
       </p:sp>
@@ -8095,7 +8055,6 @@
               <a:rPr lang="de-DE" altLang="en-US" dirty="0"/>
               <a:t>3</a:t>
             </a:r>
-            <a:endParaRPr lang="de-DE" altLang="en-US" dirty="0"/>
           </a:p>
         </p:txBody>
       </p:sp>
@@ -8125,7 +8084,6 @@
               <a:rPr lang="de-DE" altLang="en-US" dirty="0"/>
               <a:t>3</a:t>
             </a:r>
-            <a:endParaRPr lang="de-DE" altLang="en-US" dirty="0"/>
           </a:p>
         </p:txBody>
       </p:sp>
@@ -8155,7 +8113,6 @@
               <a:rPr lang="de-DE" altLang="en-US" dirty="0"/>
               <a:t>3</a:t>
             </a:r>
-            <a:endParaRPr lang="de-DE" altLang="en-US" dirty="0"/>
           </a:p>
         </p:txBody>
       </p:sp>
@@ -8197,12 +8154,11 @@
               <a:rPr lang="de-DE" dirty="0"/>
               <a:t> Pixels</a:t>
             </a:r>
-            <a:endParaRPr lang="de-DE" dirty="0"/>
           </a:p>
         </p:txBody>
       </p:sp>
-      <mc:AlternateContent xmlns:mc="http://schemas.openxmlformats.org/markup-compatibility/2006">
-        <mc:Choice xmlns:a14="http://schemas.microsoft.com/office/drawing/2010/main" Requires="a14">
+      <mc:AlternateContent xmlns:mc="http://schemas.openxmlformats.org/markup-compatibility/2006" xmlns:a14="http://schemas.microsoft.com/office/drawing/2010/main">
+        <mc:Choice Requires="a14">
           <p:sp>
             <p:nvSpPr>
               <p:cNvPr id="53" name="Textfeld 52"/>
@@ -8245,7 +8201,6 @@
                   <a:rPr lang="de-DE" dirty="0"/>
                   <a:t> Superpixel</a:t>
                 </a:r>
-                <a:endParaRPr lang="de-DE" dirty="0"/>
               </a:p>
               <a:p>
                 <a:r>
@@ -8276,7 +8231,6 @@
                   <a:rPr lang="de-DE" dirty="0"/>
                   <a:t> </a:t>
                 </a:r>
-                <a:endParaRPr lang="de-DE" dirty="0"/>
               </a:p>
               <a:p>
                 <a:r>
@@ -8314,7 +8268,7 @@
             </p:txBody>
           </p:sp>
         </mc:Choice>
-        <mc:Fallback>
+        <mc:Fallback xmlns="">
           <p:sp>
             <p:nvSpPr>
               <p:cNvPr id="53" name="Textfeld 52"/>
@@ -8332,7 +8286,7 @@
                 <a:avLst/>
               </a:prstGeom>
               <a:blipFill rotWithShape="1">
-                <a:blip r:embed="rId2"/>
+                <a:blip r:embed="rId3"/>
                 <a:stretch>
                   <a:fillRect l="-2" t="-23" r="1" b="27"/>
                 </a:stretch>
@@ -8357,11 +8311,17 @@
         <p:nvGraphicFramePr>
           <p:cNvPr id="8" name="Table 7"/>
           <p:cNvGraphicFramePr/>
-          <p:nvPr/>
+          <p:nvPr>
+            <p:extLst>
+              <p:ext uri="{D42A27DB-BD31-4B8C-83A1-F6EECF244321}">
+                <p14:modId xmlns:p14="http://schemas.microsoft.com/office/powerpoint/2010/main" val="519303806"/>
+              </p:ext>
+            </p:extLst>
+          </p:nvPr>
         </p:nvGraphicFramePr>
         <p:xfrm>
-          <a:off x="5342738" y="3203254"/>
-          <a:ext cx="3120390" cy="2560320"/>
+          <a:off x="5358961" y="1993951"/>
+          <a:ext cx="3120592" cy="2560320"/>
         </p:xfrm>
         <a:graphic>
           <a:graphicData uri="http://schemas.openxmlformats.org/drawingml/2006/table">
@@ -8371,17 +8331,54 @@
                 <a:tableStyleId>{69C7853C-536D-4A76-A0AE-DD22124D55A5}</a:tableStyleId>
               </a:tblPr>
               <a:tblGrid>
-                <a:gridCol w="388620"/>
-                <a:gridCol w="545834"/>
-                <a:gridCol w="546669"/>
-                <a:gridCol w="546669"/>
-                <a:gridCol w="546131"/>
-                <a:gridCol w="546669"/>
+                <a:gridCol w="388620">
+                  <a:extLst>
+                    <a:ext uri="{9D8B030D-6E8A-4147-A177-3AD203B41FA5}">
+                      <a16:colId xmlns:a16="http://schemas.microsoft.com/office/drawing/2014/main" val="20000"/>
+                    </a:ext>
+                  </a:extLst>
+                </a:gridCol>
+                <a:gridCol w="545834">
+                  <a:extLst>
+                    <a:ext uri="{9D8B030D-6E8A-4147-A177-3AD203B41FA5}">
+                      <a16:colId xmlns:a16="http://schemas.microsoft.com/office/drawing/2014/main" val="20001"/>
+                    </a:ext>
+                  </a:extLst>
+                </a:gridCol>
+                <a:gridCol w="546669">
+                  <a:extLst>
+                    <a:ext uri="{9D8B030D-6E8A-4147-A177-3AD203B41FA5}">
+                      <a16:colId xmlns:a16="http://schemas.microsoft.com/office/drawing/2014/main" val="20002"/>
+                    </a:ext>
+                  </a:extLst>
+                </a:gridCol>
+                <a:gridCol w="546669">
+                  <a:extLst>
+                    <a:ext uri="{9D8B030D-6E8A-4147-A177-3AD203B41FA5}">
+                      <a16:colId xmlns:a16="http://schemas.microsoft.com/office/drawing/2014/main" val="20003"/>
+                    </a:ext>
+                  </a:extLst>
+                </a:gridCol>
+                <a:gridCol w="546131">
+                  <a:extLst>
+                    <a:ext uri="{9D8B030D-6E8A-4147-A177-3AD203B41FA5}">
+                      <a16:colId xmlns:a16="http://schemas.microsoft.com/office/drawing/2014/main" val="20004"/>
+                    </a:ext>
+                  </a:extLst>
+                </a:gridCol>
+                <a:gridCol w="546669">
+                  <a:extLst>
+                    <a:ext uri="{9D8B030D-6E8A-4147-A177-3AD203B41FA5}">
+                      <a16:colId xmlns:a16="http://schemas.microsoft.com/office/drawing/2014/main" val="20005"/>
+                    </a:ext>
+                  </a:extLst>
+                </a:gridCol>
               </a:tblGrid>
               <a:tr h="356870">
                 <a:tc>
                   <a:txBody>
                     <a:bodyPr/>
+                    <a:lstStyle/>
                     <a:p>
                       <a:pPr>
                         <a:buNone/>
@@ -8390,7 +8387,6 @@
                         <a:rPr lang="de-DE" altLang="en-US"/>
                         <a:t>1</a:t>
                       </a:r>
-                      <a:endParaRPr lang="de-DE" altLang="en-US"/>
                     </a:p>
                   </a:txBody>
                   <a:tcPr/>
@@ -8398,6 +8394,7 @@
                 <a:tc>
                   <a:txBody>
                     <a:bodyPr/>
+                    <a:lstStyle/>
                     <a:p>
                       <a:pPr>
                         <a:buNone/>
@@ -8410,6 +8407,7 @@
                 <a:tc>
                   <a:txBody>
                     <a:bodyPr/>
+                    <a:lstStyle/>
                     <a:p>
                       <a:pPr>
                         <a:buNone/>
@@ -8418,7 +8416,6 @@
                         <a:rPr lang="de-DE" altLang="en-US"/>
                         <a:t>1</a:t>
                       </a:r>
-                      <a:endParaRPr lang="de-DE" altLang="en-US"/>
                     </a:p>
                   </a:txBody>
                   <a:tcPr/>
@@ -8426,6 +8423,7 @@
                 <a:tc>
                   <a:txBody>
                     <a:bodyPr/>
+                    <a:lstStyle/>
                     <a:p>
                       <a:pPr>
                         <a:buNone/>
@@ -8438,6 +8436,7 @@
                 <a:tc>
                   <a:txBody>
                     <a:bodyPr/>
+                    <a:lstStyle/>
                     <a:p>
                       <a:pPr>
                         <a:buNone/>
@@ -8450,6 +8449,7 @@
                 <a:tc>
                   <a:txBody>
                     <a:bodyPr/>
+                    <a:lstStyle/>
                     <a:p>
                       <a:pPr>
                         <a:buNone/>
@@ -8459,11 +8459,17 @@
                   </a:txBody>
                   <a:tcPr/>
                 </a:tc>
+                <a:extLst>
+                  <a:ext uri="{0D108BD9-81ED-4DB2-BD59-A6C34878D82A}">
+                    <a16:rowId xmlns:a16="http://schemas.microsoft.com/office/drawing/2014/main" val="10000"/>
+                  </a:ext>
+                </a:extLst>
               </a:tr>
               <a:tr h="324290">
                 <a:tc>
                   <a:txBody>
                     <a:bodyPr/>
+                    <a:lstStyle/>
                     <a:p>
                       <a:pPr>
                         <a:buNone/>
@@ -8472,7 +8478,6 @@
                         <a:rPr lang="de-DE" altLang="en-US" dirty="0"/>
                         <a:t>1</a:t>
                       </a:r>
-                      <a:endParaRPr lang="de-DE" altLang="en-US" dirty="0"/>
                     </a:p>
                   </a:txBody>
                   <a:tcPr/>
@@ -8480,6 +8485,7 @@
                 <a:tc>
                   <a:txBody>
                     <a:bodyPr/>
+                    <a:lstStyle/>
                     <a:p>
                       <a:pPr>
                         <a:buNone/>
@@ -8488,7 +8494,6 @@
                         <a:rPr lang="de-DE" altLang="en-US" dirty="0"/>
                         <a:t>1</a:t>
                       </a:r>
-                      <a:endParaRPr lang="de-DE" altLang="en-US" dirty="0"/>
                     </a:p>
                   </a:txBody>
                   <a:tcPr/>
@@ -8496,6 +8501,7 @@
                 <a:tc>
                   <a:txBody>
                     <a:bodyPr/>
+                    <a:lstStyle/>
                     <a:p>
                       <a:pPr>
                         <a:buNone/>
@@ -8504,7 +8510,6 @@
                         <a:rPr lang="de-DE" altLang="en-US"/>
                         <a:t>1</a:t>
                       </a:r>
-                      <a:endParaRPr lang="de-DE" altLang="en-US"/>
                     </a:p>
                   </a:txBody>
                   <a:tcPr/>
@@ -8512,6 +8517,165 @@
                 <a:tc>
                   <a:txBody>
                     <a:bodyPr/>
+                    <a:lstStyle/>
+                    <a:p>
+                      <a:pPr>
+                        <a:buNone/>
+                      </a:pPr>
+                      <a:r>
+                        <a:rPr lang="en-US" dirty="0"/>
+                        <a:t>2</a:t>
+                      </a:r>
+                    </a:p>
+                  </a:txBody>
+                  <a:tcPr/>
+                </a:tc>
+                <a:tc>
+                  <a:txBody>
+                    <a:bodyPr/>
+                    <a:lstStyle/>
+                    <a:p>
+                      <a:pPr>
+                        <a:buNone/>
+                      </a:pPr>
+                      <a:r>
+                        <a:rPr lang="en-US" dirty="0"/>
+                        <a:t>2</a:t>
+                      </a:r>
+                    </a:p>
+                  </a:txBody>
+                  <a:tcPr/>
+                </a:tc>
+                <a:tc>
+                  <a:txBody>
+                    <a:bodyPr/>
+                    <a:lstStyle/>
+                    <a:p>
+                      <a:pPr>
+                        <a:buNone/>
+                      </a:pPr>
+                      <a:r>
+                        <a:rPr lang="en-US" dirty="0"/>
+                        <a:t>2</a:t>
+                      </a:r>
+                    </a:p>
+                  </a:txBody>
+                  <a:tcPr/>
+                </a:tc>
+                <a:extLst>
+                  <a:ext uri="{0D108BD9-81ED-4DB2-BD59-A6C34878D82A}">
+                    <a16:rowId xmlns:a16="http://schemas.microsoft.com/office/drawing/2014/main" val="10001"/>
+                  </a:ext>
+                </a:extLst>
+              </a:tr>
+              <a:tr h="324290">
+                <a:tc>
+                  <a:txBody>
+                    <a:bodyPr/>
+                    <a:lstStyle/>
+                    <a:p>
+                      <a:pPr>
+                        <a:buNone/>
+                      </a:pPr>
+                      <a:r>
+                        <a:rPr lang="de-DE" altLang="en-US"/>
+                        <a:t>1</a:t>
+                      </a:r>
+                    </a:p>
+                  </a:txBody>
+                  <a:tcPr/>
+                </a:tc>
+                <a:tc>
+                  <a:txBody>
+                    <a:bodyPr/>
+                    <a:lstStyle/>
+                    <a:p>
+                      <a:pPr>
+                        <a:buNone/>
+                      </a:pPr>
+                      <a:r>
+                        <a:rPr lang="de-DE" altLang="en-US"/>
+                        <a:t>1</a:t>
+                      </a:r>
+                    </a:p>
+                  </a:txBody>
+                  <a:tcPr/>
+                </a:tc>
+                <a:tc>
+                  <a:txBody>
+                    <a:bodyPr/>
+                    <a:lstStyle/>
+                    <a:p>
+                      <a:pPr>
+                        <a:buNone/>
+                      </a:pPr>
+                      <a:r>
+                        <a:rPr lang="de-DE" altLang="en-US"/>
+                        <a:t>1</a:t>
+                      </a:r>
+                    </a:p>
+                  </a:txBody>
+                  <a:tcPr/>
+                </a:tc>
+                <a:tc>
+                  <a:txBody>
+                    <a:bodyPr/>
+                    <a:lstStyle/>
+                    <a:p>
+                      <a:pPr>
+                        <a:buNone/>
+                      </a:pPr>
+                      <a:r>
+                        <a:rPr lang="en-US" dirty="0"/>
+                        <a:t>2</a:t>
+                      </a:r>
+                    </a:p>
+                  </a:txBody>
+                  <a:tcPr/>
+                </a:tc>
+                <a:tc>
+                  <a:txBody>
+                    <a:bodyPr/>
+                    <a:lstStyle/>
+                    <a:p>
+                      <a:pPr>
+                        <a:buNone/>
+                      </a:pPr>
+                      <a:r>
+                        <a:rPr lang="en-US" dirty="0"/>
+                        <a:t>2</a:t>
+                      </a:r>
+                    </a:p>
+                  </a:txBody>
+                  <a:tcPr/>
+                </a:tc>
+                <a:tc>
+                  <a:txBody>
+                    <a:bodyPr/>
+                    <a:lstStyle/>
+                    <a:p>
+                      <a:pPr>
+                        <a:buNone/>
+                      </a:pPr>
+                      <a:r>
+                        <a:rPr lang="en-US" dirty="0"/>
+                        <a:t>2</a:t>
+                      </a:r>
+                    </a:p>
+                  </a:txBody>
+                  <a:tcPr/>
+                </a:tc>
+                <a:extLst>
+                  <a:ext uri="{0D108BD9-81ED-4DB2-BD59-A6C34878D82A}">
+                    <a16:rowId xmlns:a16="http://schemas.microsoft.com/office/drawing/2014/main" val="10002"/>
+                  </a:ext>
+                </a:extLst>
+              </a:tr>
+              <a:tr h="324290">
+                <a:tc>
+                  <a:txBody>
+                    <a:bodyPr/>
+                    <a:lstStyle/>
                     <a:p>
                       <a:pPr>
                         <a:buNone/>
@@ -8524,6 +8688,7 @@
                 <a:tc>
                   <a:txBody>
                     <a:bodyPr/>
+                    <a:lstStyle/>
                     <a:p>
                       <a:pPr>
                         <a:buNone/>
@@ -8536,29 +8701,15 @@
                 <a:tc>
                   <a:txBody>
                     <a:bodyPr/>
-                    <a:p>
-                      <a:pPr>
-                        <a:buNone/>
-                      </a:pPr>
-                      <a:endParaRPr lang="en-US"/>
-                    </a:p>
-                  </a:txBody>
-                  <a:tcPr/>
-                </a:tc>
-              </a:tr>
-              <a:tr h="324290">
-                <a:tc>
-                  <a:txBody>
-                    <a:bodyPr/>
+                    <a:lstStyle/>
                     <a:p>
                       <a:pPr>
                         <a:buNone/>
                       </a:pPr>
                       <a:r>
-                        <a:rPr lang="de-DE" altLang="en-US"/>
-                        <a:t>1</a:t>
+                        <a:rPr lang="en-US" dirty="0"/>
+                        <a:t>3</a:t>
                       </a:r>
-                      <a:endParaRPr lang="de-DE" altLang="en-US"/>
                     </a:p>
                   </a:txBody>
                   <a:tcPr/>
@@ -8566,15 +8717,15 @@
                 <a:tc>
                   <a:txBody>
                     <a:bodyPr/>
+                    <a:lstStyle/>
                     <a:p>
                       <a:pPr>
                         <a:buNone/>
                       </a:pPr>
                       <a:r>
-                        <a:rPr lang="de-DE" altLang="en-US"/>
-                        <a:t>1</a:t>
+                        <a:rPr lang="de-DE" altLang="en-US" dirty="0"/>
+                        <a:t>2</a:t>
                       </a:r>
-                      <a:endParaRPr lang="de-DE" altLang="en-US"/>
                     </a:p>
                   </a:txBody>
                   <a:tcPr/>
@@ -8582,15 +8733,15 @@
                 <a:tc>
                   <a:txBody>
                     <a:bodyPr/>
+                    <a:lstStyle/>
                     <a:p>
                       <a:pPr>
                         <a:buNone/>
                       </a:pPr>
                       <a:r>
-                        <a:rPr lang="de-DE" altLang="en-US"/>
-                        <a:t>1</a:t>
+                        <a:rPr lang="de-DE" altLang="en-US" dirty="0"/>
+                        <a:t>2</a:t>
                       </a:r>
-                      <a:endParaRPr lang="de-DE" altLang="en-US"/>
                     </a:p>
                   </a:txBody>
                   <a:tcPr/>
@@ -8598,6 +8749,27 @@
                 <a:tc>
                   <a:txBody>
                     <a:bodyPr/>
+                    <a:lstStyle/>
+                    <a:p>
+                      <a:pPr>
+                        <a:buNone/>
+                      </a:pPr>
+                      <a:endParaRPr lang="de-DE" altLang="en-US" dirty="0"/>
+                    </a:p>
+                  </a:txBody>
+                  <a:tcPr/>
+                </a:tc>
+                <a:extLst>
+                  <a:ext uri="{0D108BD9-81ED-4DB2-BD59-A6C34878D82A}">
+                    <a16:rowId xmlns:a16="http://schemas.microsoft.com/office/drawing/2014/main" val="10003"/>
+                  </a:ext>
+                </a:extLst>
+              </a:tr>
+              <a:tr h="365760">
+                <a:tc>
+                  <a:txBody>
+                    <a:bodyPr/>
+                    <a:lstStyle/>
                     <a:p>
                       <a:pPr>
                         <a:buNone/>
@@ -8610,6 +8782,7 @@
                 <a:tc>
                   <a:txBody>
                     <a:bodyPr/>
+                    <a:lstStyle/>
                     <a:p>
                       <a:pPr>
                         <a:buNone/>
@@ -8622,20 +8795,114 @@
                 <a:tc>
                   <a:txBody>
                     <a:bodyPr/>
+                    <a:lstStyle/>
                     <a:p>
                       <a:pPr>
                         <a:buNone/>
                       </a:pPr>
-                      <a:endParaRPr lang="en-US" dirty="0"/>
+                      <a:r>
+                        <a:rPr lang="en-US" dirty="0"/>
+                        <a:t>3</a:t>
+                      </a:r>
                     </a:p>
                   </a:txBody>
                   <a:tcPr/>
                 </a:tc>
+                <a:tc>
+                  <a:txBody>
+                    <a:bodyPr/>
+                    <a:lstStyle/>
+                    <a:p>
+                      <a:pPr>
+                        <a:buNone/>
+                      </a:pPr>
+                      <a:r>
+                        <a:rPr lang="de-DE" altLang="en-US" dirty="0"/>
+                        <a:t>3</a:t>
+                      </a:r>
+                    </a:p>
+                  </a:txBody>
+                  <a:tcPr/>
+                </a:tc>
+                <a:tc>
+                  <a:txBody>
+                    <a:bodyPr/>
+                    <a:lstStyle/>
+                    <a:p>
+                      <a:pPr>
+                        <a:buNone/>
+                      </a:pPr>
+                      <a:r>
+                        <a:rPr lang="de-DE" altLang="en-US" dirty="0"/>
+                        <a:t>3</a:t>
+                      </a:r>
+                    </a:p>
+                  </a:txBody>
+                  <a:tcPr/>
+                </a:tc>
+                <a:tc>
+                  <a:txBody>
+                    <a:bodyPr/>
+                    <a:lstStyle/>
+                    <a:p>
+                      <a:pPr>
+                        <a:buNone/>
+                      </a:pPr>
+                      <a:endParaRPr lang="de-DE" altLang="en-US" dirty="0"/>
+                    </a:p>
+                  </a:txBody>
+                  <a:tcPr/>
+                </a:tc>
+                <a:extLst>
+                  <a:ext uri="{0D108BD9-81ED-4DB2-BD59-A6C34878D82A}">
+                    <a16:rowId xmlns:a16="http://schemas.microsoft.com/office/drawing/2014/main" val="10004"/>
+                  </a:ext>
+                </a:extLst>
               </a:tr>
               <a:tr h="324290">
                 <a:tc>
                   <a:txBody>
                     <a:bodyPr/>
+                    <a:lstStyle/>
+                    <a:p>
+                      <a:pPr>
+                        <a:buNone/>
+                      </a:pPr>
+                      <a:endParaRPr lang="de-DE" altLang="en-US" dirty="0"/>
+                    </a:p>
+                  </a:txBody>
+                  <a:tcPr/>
+                </a:tc>
+                <a:tc>
+                  <a:txBody>
+                    <a:bodyPr/>
+                    <a:lstStyle/>
+                    <a:p>
+                      <a:pPr>
+                        <a:buNone/>
+                      </a:pPr>
+                      <a:endParaRPr lang="de-DE" altLang="en-US" dirty="0"/>
+                    </a:p>
+                  </a:txBody>
+                  <a:tcPr/>
+                </a:tc>
+                <a:tc>
+                  <a:txBody>
+                    <a:bodyPr/>
+                    <a:lstStyle/>
+                    <a:p>
+                      <a:pPr>
+                        <a:buNone/>
+                      </a:pPr>
+                      <a:endParaRPr lang="de-DE" altLang="en-US" dirty="0"/>
+                    </a:p>
+                  </a:txBody>
+                  <a:tcPr/>
+                </a:tc>
+                <a:tc>
+                  <a:txBody>
+                    <a:bodyPr/>
+                    <a:lstStyle/>
                     <a:p>
                       <a:pPr>
                         <a:buNone/>
@@ -8648,6 +8915,7 @@
                 <a:tc>
                   <a:txBody>
                     <a:bodyPr/>
+                    <a:lstStyle/>
                     <a:p>
                       <a:pPr>
                         <a:buNone/>
@@ -8660,6 +8928,66 @@
                 <a:tc>
                   <a:txBody>
                     <a:bodyPr/>
+                    <a:lstStyle/>
+                    <a:p>
+                      <a:pPr>
+                        <a:buNone/>
+                      </a:pPr>
+                      <a:endParaRPr lang="en-US"/>
+                    </a:p>
+                  </a:txBody>
+                  <a:tcPr/>
+                </a:tc>
+                <a:extLst>
+                  <a:ext uri="{0D108BD9-81ED-4DB2-BD59-A6C34878D82A}">
+                    <a16:rowId xmlns:a16="http://schemas.microsoft.com/office/drawing/2014/main" val="10005"/>
+                  </a:ext>
+                </a:extLst>
+              </a:tr>
+              <a:tr h="324290">
+                <a:tc>
+                  <a:txBody>
+                    <a:bodyPr/>
+                    <a:lstStyle/>
+                    <a:p>
+                      <a:pPr>
+                        <a:buNone/>
+                      </a:pPr>
+                      <a:endParaRPr lang="de-DE" altLang="en-US" dirty="0"/>
+                    </a:p>
+                  </a:txBody>
+                  <a:tcPr/>
+                </a:tc>
+                <a:tc>
+                  <a:txBody>
+                    <a:bodyPr/>
+                    <a:lstStyle/>
+                    <a:p>
+                      <a:pPr>
+                        <a:buNone/>
+                      </a:pPr>
+                      <a:endParaRPr lang="de-DE" altLang="en-US" dirty="0"/>
+                    </a:p>
+                  </a:txBody>
+                  <a:tcPr/>
+                </a:tc>
+                <a:tc>
+                  <a:txBody>
+                    <a:bodyPr/>
+                    <a:lstStyle/>
+                    <a:p>
+                      <a:pPr>
+                        <a:buNone/>
+                      </a:pPr>
+                      <a:endParaRPr lang="de-DE" altLang="en-US" dirty="0"/>
+                    </a:p>
+                  </a:txBody>
+                  <a:tcPr/>
+                </a:tc>
+                <a:tc>
+                  <a:txBody>
+                    <a:bodyPr/>
+                    <a:lstStyle/>
                     <a:p>
                       <a:pPr>
                         <a:buNone/>
@@ -8672,56 +9000,7 @@
                 <a:tc>
                   <a:txBody>
                     <a:bodyPr/>
-                    <a:p>
-                      <a:pPr>
-                        <a:buNone/>
-                      </a:pPr>
-                      <a:r>
-                        <a:rPr lang="de-DE" altLang="en-US" dirty="0"/>
-                        <a:t>2</a:t>
-                      </a:r>
-                      <a:endParaRPr lang="de-DE" altLang="en-US" dirty="0"/>
-                    </a:p>
-                  </a:txBody>
-                  <a:tcPr/>
-                </a:tc>
-                <a:tc>
-                  <a:txBody>
-                    <a:bodyPr/>
-                    <a:p>
-                      <a:pPr>
-                        <a:buNone/>
-                      </a:pPr>
-                      <a:r>
-                        <a:rPr lang="de-DE" altLang="en-US"/>
-                        <a:t>2</a:t>
-                      </a:r>
-                      <a:endParaRPr lang="de-DE" altLang="en-US"/>
-                    </a:p>
-                  </a:txBody>
-                  <a:tcPr/>
-                </a:tc>
-                <a:tc>
-                  <a:txBody>
-                    <a:bodyPr/>
-                    <a:p>
-                      <a:pPr>
-                        <a:buNone/>
-                      </a:pPr>
-                      <a:r>
-                        <a:rPr lang="de-DE" altLang="en-US"/>
-                        <a:t>2</a:t>
-                      </a:r>
-                      <a:endParaRPr lang="de-DE" altLang="en-US"/>
-                    </a:p>
-                  </a:txBody>
-                  <a:tcPr/>
-                </a:tc>
-              </a:tr>
-              <a:tr h="365760">
-                <a:tc>
-                  <a:txBody>
-                    <a:bodyPr/>
+                    <a:lstStyle/>
                     <a:p>
                       <a:pPr>
                         <a:buNone/>
@@ -8734,238 +9013,7 @@
                 <a:tc>
                   <a:txBody>
                     <a:bodyPr/>
-                    <a:p>
-                      <a:pPr>
-                        <a:buNone/>
-                      </a:pPr>
-                      <a:endParaRPr lang="en-US"/>
-                    </a:p>
-                  </a:txBody>
-                  <a:tcPr/>
-                </a:tc>
-                <a:tc>
-                  <a:txBody>
-                    <a:bodyPr/>
-                    <a:p>
-                      <a:pPr>
-                        <a:buNone/>
-                      </a:pPr>
-                      <a:endParaRPr lang="en-US"/>
-                    </a:p>
-                  </a:txBody>
-                  <a:tcPr/>
-                </a:tc>
-                <a:tc>
-                  <a:txBody>
-                    <a:bodyPr/>
-                    <a:p>
-                      <a:pPr>
-                        <a:buNone/>
-                      </a:pPr>
-                      <a:r>
-                        <a:rPr lang="de-DE" altLang="en-US"/>
-                        <a:t>2</a:t>
-                      </a:r>
-                      <a:endParaRPr lang="de-DE" altLang="en-US"/>
-                    </a:p>
-                  </a:txBody>
-                  <a:tcPr/>
-                </a:tc>
-                <a:tc>
-                  <a:txBody>
-                    <a:bodyPr/>
-                    <a:p>
-                      <a:pPr>
-                        <a:buNone/>
-                      </a:pPr>
-                      <a:r>
-                        <a:rPr lang="de-DE" altLang="en-US"/>
-                        <a:t>2</a:t>
-                      </a:r>
-                      <a:endParaRPr lang="de-DE" altLang="en-US"/>
-                    </a:p>
-                  </a:txBody>
-                  <a:tcPr/>
-                </a:tc>
-                <a:tc>
-                  <a:txBody>
-                    <a:bodyPr/>
-                    <a:p>
-                      <a:pPr>
-                        <a:buNone/>
-                      </a:pPr>
-                      <a:r>
-                        <a:rPr lang="de-DE" altLang="en-US"/>
-                        <a:t>2</a:t>
-                      </a:r>
-                      <a:endParaRPr lang="de-DE" altLang="en-US"/>
-                    </a:p>
-                  </a:txBody>
-                  <a:tcPr/>
-                </a:tc>
-              </a:tr>
-              <a:tr h="324290">
-                <a:tc>
-                  <a:txBody>
-                    <a:bodyPr/>
-                    <a:p>
-                      <a:pPr>
-                        <a:buNone/>
-                      </a:pPr>
-                      <a:r>
-                        <a:rPr lang="de-DE" altLang="en-US"/>
-                        <a:t>3</a:t>
-                      </a:r>
-                      <a:endParaRPr lang="de-DE" altLang="en-US"/>
-                    </a:p>
-                  </a:txBody>
-                  <a:tcPr/>
-                </a:tc>
-                <a:tc>
-                  <a:txBody>
-                    <a:bodyPr/>
-                    <a:p>
-                      <a:pPr>
-                        <a:buNone/>
-                      </a:pPr>
-                      <a:r>
-                        <a:rPr lang="de-DE" altLang="en-US"/>
-                        <a:t>3</a:t>
-                      </a:r>
-                      <a:endParaRPr lang="de-DE" altLang="en-US"/>
-                    </a:p>
-                  </a:txBody>
-                  <a:tcPr/>
-                </a:tc>
-                <a:tc>
-                  <a:txBody>
-                    <a:bodyPr/>
-                    <a:p>
-                      <a:pPr>
-                        <a:buNone/>
-                      </a:pPr>
-                      <a:r>
-                        <a:rPr lang="de-DE" altLang="en-US"/>
-                        <a:t>3</a:t>
-                      </a:r>
-                      <a:endParaRPr lang="de-DE" altLang="en-US"/>
-                    </a:p>
-                  </a:txBody>
-                  <a:tcPr/>
-                </a:tc>
-                <a:tc>
-                  <a:txBody>
-                    <a:bodyPr/>
-                    <a:p>
-                      <a:pPr>
-                        <a:buNone/>
-                      </a:pPr>
-                      <a:endParaRPr lang="en-US"/>
-                    </a:p>
-                  </a:txBody>
-                  <a:tcPr/>
-                </a:tc>
-                <a:tc>
-                  <a:txBody>
-                    <a:bodyPr/>
-                    <a:p>
-                      <a:pPr>
-                        <a:buNone/>
-                      </a:pPr>
-                      <a:endParaRPr lang="en-US"/>
-                    </a:p>
-                  </a:txBody>
-                  <a:tcPr/>
-                </a:tc>
-                <a:tc>
-                  <a:txBody>
-                    <a:bodyPr/>
-                    <a:p>
-                      <a:pPr>
-                        <a:buNone/>
-                      </a:pPr>
-                      <a:endParaRPr lang="en-US"/>
-                    </a:p>
-                  </a:txBody>
-                  <a:tcPr/>
-                </a:tc>
-              </a:tr>
-              <a:tr h="324290">
-                <a:tc>
-                  <a:txBody>
-                    <a:bodyPr/>
-                    <a:p>
-                      <a:pPr>
-                        <a:buNone/>
-                      </a:pPr>
-                      <a:r>
-                        <a:rPr lang="de-DE" altLang="en-US"/>
-                        <a:t>3</a:t>
-                      </a:r>
-                      <a:endParaRPr lang="de-DE" altLang="en-US"/>
-                    </a:p>
-                  </a:txBody>
-                  <a:tcPr/>
-                </a:tc>
-                <a:tc>
-                  <a:txBody>
-                    <a:bodyPr/>
-                    <a:p>
-                      <a:pPr>
-                        <a:buNone/>
-                      </a:pPr>
-                      <a:r>
-                        <a:rPr lang="de-DE" altLang="en-US"/>
-                        <a:t>3</a:t>
-                      </a:r>
-                      <a:endParaRPr lang="de-DE" altLang="en-US"/>
-                    </a:p>
-                  </a:txBody>
-                  <a:tcPr/>
-                </a:tc>
-                <a:tc>
-                  <a:txBody>
-                    <a:bodyPr/>
-                    <a:p>
-                      <a:pPr>
-                        <a:buNone/>
-                      </a:pPr>
-                      <a:r>
-                        <a:rPr lang="de-DE" altLang="en-US"/>
-                        <a:t>3</a:t>
-                      </a:r>
-                      <a:endParaRPr lang="de-DE" altLang="en-US"/>
-                    </a:p>
-                  </a:txBody>
-                  <a:tcPr/>
-                </a:tc>
-                <a:tc>
-                  <a:txBody>
-                    <a:bodyPr/>
-                    <a:p>
-                      <a:pPr>
-                        <a:buNone/>
-                      </a:pPr>
-                      <a:endParaRPr lang="en-US"/>
-                    </a:p>
-                  </a:txBody>
-                  <a:tcPr/>
-                </a:tc>
-                <a:tc>
-                  <a:txBody>
-                    <a:bodyPr/>
-                    <a:p>
-                      <a:pPr>
-                        <a:buNone/>
-                      </a:pPr>
-                      <a:endParaRPr lang="en-US"/>
-                    </a:p>
-                  </a:txBody>
-                  <a:tcPr/>
-                </a:tc>
-                <a:tc>
-                  <a:txBody>
-                    <a:bodyPr/>
+                    <a:lstStyle/>
                     <a:p>
                       <a:pPr>
                         <a:buNone/>
@@ -8975,6 +9023,11 @@
                   </a:txBody>
                   <a:tcPr/>
                 </a:tc>
+                <a:extLst>
+                  <a:ext uri="{0D108BD9-81ED-4DB2-BD59-A6C34878D82A}">
+                    <a16:rowId xmlns:a16="http://schemas.microsoft.com/office/drawing/2014/main" val="10006"/>
+                  </a:ext>
+                </a:extLst>
               </a:tr>
             </a:tbl>
           </a:graphicData>
@@ -10712,7 +10765,6 @@
               <a:rPr lang="de-DE" altLang="en-US" dirty="0"/>
               <a:t>1</a:t>
             </a:r>
-            <a:endParaRPr lang="de-DE" altLang="en-US" dirty="0"/>
           </a:p>
         </p:txBody>
       </p:sp>
@@ -10742,7 +10794,6 @@
               <a:rPr lang="de-DE" altLang="en-US" dirty="0"/>
               <a:t>2</a:t>
             </a:r>
-            <a:endParaRPr lang="de-DE" altLang="en-US" dirty="0"/>
           </a:p>
         </p:txBody>
       </p:sp>
@@ -10772,7 +10823,6 @@
               <a:rPr lang="de-DE" altLang="en-US" dirty="0"/>
               <a:t>3</a:t>
             </a:r>
-            <a:endParaRPr lang="de-DE" altLang="en-US" dirty="0"/>
           </a:p>
         </p:txBody>
       </p:sp>
@@ -11125,14 +11175,6 @@
               </a:rPr>
               <a:t>Concept Idea</a:t>
             </a:r>
-            <a:endParaRPr lang="de-DE" altLang="en-US" b="1" dirty="0">
-              <a:solidFill>
-                <a:srgbClr val="FFFFFF"/>
-              </a:solidFill>
-              <a:latin typeface="Open Sans" charset="0"/>
-              <a:ea typeface="Open Sans" charset="0"/>
-              <a:cs typeface="Open Sans" charset="0"/>
-            </a:endParaRPr>
           </a:p>
         </p:txBody>
       </p:sp>
@@ -11267,12 +11309,11 @@
               <a:rPr lang="en-GB" dirty="0"/>
               <a:t>surface</a:t>
             </a:r>
-            <a:endParaRPr lang="en-GB" dirty="0"/>
           </a:p>
         </p:txBody>
       </p:sp>
-      <mc:AlternateContent xmlns:mc="http://schemas.openxmlformats.org/markup-compatibility/2006">
-        <mc:Choice xmlns:a14="http://schemas.microsoft.com/office/drawing/2010/main" Requires="a14">
+      <mc:AlternateContent xmlns:mc="http://schemas.openxmlformats.org/markup-compatibility/2006" xmlns:a14="http://schemas.microsoft.com/office/drawing/2010/main">
+        <mc:Choice Requires="a14">
           <p:sp>
             <p:nvSpPr>
               <p:cNvPr id="20" name="Textfeld 19"/>
@@ -11505,7 +11546,7 @@
             </p:txBody>
           </p:sp>
         </mc:Choice>
-        <mc:Fallback>
+        <mc:Fallback xmlns="">
           <p:sp>
             <p:nvSpPr>
               <p:cNvPr id="20" name="Textfeld 19"/>
@@ -11523,7 +11564,7 @@
                 <a:avLst/>
               </a:prstGeom>
               <a:blipFill rotWithShape="1">
-                <a:blip r:embed="rId1"/>
+                <a:blip r:embed="rId2"/>
                 <a:stretch>
                   <a:fillRect l="-6" t="-109" r="9" b="81"/>
                 </a:stretch>
@@ -11574,7 +11615,6 @@
               <a:rPr lang="en-GB" dirty="0"/>
               <a:t>Let edges be rough</a:t>
             </a:r>
-            <a:endParaRPr lang="en-GB" dirty="0"/>
           </a:p>
         </p:txBody>
       </p:sp>
@@ -11604,7 +11644,6 @@
               <a:rPr lang="de-DE" dirty="0"/>
               <a:t>1</a:t>
             </a:r>
-            <a:endParaRPr lang="de-DE" dirty="0"/>
           </a:p>
         </p:txBody>
       </p:sp>
@@ -11634,158 +11673,1379 @@
               <a:rPr lang="de-DE" dirty="0"/>
               <a:t>1</a:t>
             </a:r>
-            <a:endParaRPr lang="de-DE" dirty="0"/>
           </a:p>
         </p:txBody>
       </p:sp>
-      <mc:AlternateContent xmlns:mc="http://schemas.openxmlformats.org/markup-compatibility/2006">
-        <mc:Choice xmlns:a14="http://schemas.microsoft.com/office/drawing/2010/main" Requires="a14">
-          <p:sp>
-            <p:nvSpPr>
-              <p:cNvPr id="4" name="Textfeld 3"/>
-              <p:cNvSpPr txBox="1"/>
-              <p:nvPr/>
-            </p:nvSpPr>
-            <p:spPr>
-              <a:xfrm>
-                <a:off x="5012259" y="3156022"/>
-                <a:ext cx="3603872" cy="923330"/>
-              </a:xfrm>
-              <a:prstGeom prst="rect">
-                <a:avLst/>
-              </a:prstGeom>
-              <a:noFill/>
-            </p:spPr>
-            <p:txBody>
-              <a:bodyPr wrap="none" rtlCol="0">
-                <a:spAutoFit/>
-              </a:bodyPr>
-              <a:lstStyle/>
-              <a:p>
-                <a:r>
-                  <a:rPr lang="de-DE" b="1" i="1" dirty="0"/>
-                  <a:t>Problem: </a:t>
-                </a:r>
-                <a:r>
-                  <a:rPr lang="de-DE" b="1" i="1" dirty="0" err="1">
-                    <a:solidFill>
-                      <a:srgbClr val="9C1C26"/>
-                    </a:solidFill>
-                  </a:rPr>
-                  <a:t>Oversegmentation</a:t>
-                </a:r>
-                <a:endParaRPr lang="de-DE" b="1" i="1" dirty="0">
-                  <a:solidFill>
-                    <a:srgbClr val="9C1C26"/>
-                  </a:solidFill>
-                </a:endParaRPr>
-              </a:p>
-              <a:p>
-                <a14:m>
-                  <m:oMath xmlns:m="http://schemas.openxmlformats.org/officeDocument/2006/math">
-                    <m:r>
-                      <a:rPr lang="de-DE" b="1" i="1" smtClean="0">
+      <p:graphicFrame>
+        <p:nvGraphicFramePr>
+          <p:cNvPr id="26" name="Table 7">
+            <a:extLst>
+              <a:ext uri="{FF2B5EF4-FFF2-40B4-BE49-F238E27FC236}">
+                <a16:creationId xmlns:a16="http://schemas.microsoft.com/office/drawing/2014/main" id="{892EF71B-FFCC-2346-92F7-6CBE71EEBB12}"/>
+              </a:ext>
+            </a:extLst>
+          </p:cNvPr>
+          <p:cNvGraphicFramePr/>
+          <p:nvPr>
+            <p:extLst>
+              <p:ext uri="{D42A27DB-BD31-4B8C-83A1-F6EECF244321}">
+                <p14:modId xmlns:p14="http://schemas.microsoft.com/office/powerpoint/2010/main" val="485494068"/>
+              </p:ext>
+            </p:extLst>
+          </p:nvPr>
+        </p:nvGraphicFramePr>
+        <p:xfrm>
+          <a:off x="5098985" y="2755655"/>
+          <a:ext cx="3120592" cy="1828800"/>
+        </p:xfrm>
+        <a:graphic>
+          <a:graphicData uri="http://schemas.openxmlformats.org/drawingml/2006/table">
+            <a:tbl>
+              <a:tblPr firstRow="1">
+                <a:effectLst/>
+                <a:tableStyleId>{69C7853C-536D-4A76-A0AE-DD22124D55A5}</a:tableStyleId>
+              </a:tblPr>
+              <a:tblGrid>
+                <a:gridCol w="388620">
+                  <a:extLst>
+                    <a:ext uri="{9D8B030D-6E8A-4147-A177-3AD203B41FA5}">
+                      <a16:colId xmlns:a16="http://schemas.microsoft.com/office/drawing/2014/main" val="20000"/>
+                    </a:ext>
+                  </a:extLst>
+                </a:gridCol>
+                <a:gridCol w="545834">
+                  <a:extLst>
+                    <a:ext uri="{9D8B030D-6E8A-4147-A177-3AD203B41FA5}">
+                      <a16:colId xmlns:a16="http://schemas.microsoft.com/office/drawing/2014/main" val="20001"/>
+                    </a:ext>
+                  </a:extLst>
+                </a:gridCol>
+                <a:gridCol w="546669">
+                  <a:extLst>
+                    <a:ext uri="{9D8B030D-6E8A-4147-A177-3AD203B41FA5}">
+                      <a16:colId xmlns:a16="http://schemas.microsoft.com/office/drawing/2014/main" val="20002"/>
+                    </a:ext>
+                  </a:extLst>
+                </a:gridCol>
+                <a:gridCol w="546669">
+                  <a:extLst>
+                    <a:ext uri="{9D8B030D-6E8A-4147-A177-3AD203B41FA5}">
+                      <a16:colId xmlns:a16="http://schemas.microsoft.com/office/drawing/2014/main" val="20003"/>
+                    </a:ext>
+                  </a:extLst>
+                </a:gridCol>
+                <a:gridCol w="546131">
+                  <a:extLst>
+                    <a:ext uri="{9D8B030D-6E8A-4147-A177-3AD203B41FA5}">
+                      <a16:colId xmlns:a16="http://schemas.microsoft.com/office/drawing/2014/main" val="20004"/>
+                    </a:ext>
+                  </a:extLst>
+                </a:gridCol>
+                <a:gridCol w="546669">
+                  <a:extLst>
+                    <a:ext uri="{9D8B030D-6E8A-4147-A177-3AD203B41FA5}">
+                      <a16:colId xmlns:a16="http://schemas.microsoft.com/office/drawing/2014/main" val="20005"/>
+                    </a:ext>
+                  </a:extLst>
+                </a:gridCol>
+              </a:tblGrid>
+              <a:tr h="300890">
+                <a:tc>
+                  <a:txBody>
+                    <a:bodyPr/>
+                    <a:lstStyle/>
+                    <a:p>
+                      <a:pPr>
+                        <a:buNone/>
+                      </a:pPr>
+                      <a:endParaRPr lang="de-DE" altLang="en-US" b="0" dirty="0">
                         <a:solidFill>
-                          <a:srgbClr val="9C1C26"/>
+                          <a:schemeClr val="tx1"/>
                         </a:solidFill>
-                        <a:latin typeface="Cambria Math" panose="02040503050406030204" pitchFamily="18" charset="0"/>
-                        <a:ea typeface="Cambria Math" panose="02040503050406030204" pitchFamily="18" charset="0"/>
-                      </a:rPr>
-                      <m:t>⇒</m:t>
-                    </m:r>
-                  </m:oMath>
-                </a14:m>
-                <a:r>
-                  <a:rPr lang="de-DE" b="1" i="1" dirty="0">
-                    <a:solidFill>
-                      <a:srgbClr val="9C1C26"/>
-                    </a:solidFill>
-                  </a:rPr>
-                  <a:t> </a:t>
-                </a:r>
-                <a:r>
-                  <a:rPr lang="de-DE" b="1" i="1" dirty="0" err="1"/>
-                  <a:t>One</a:t>
-                </a:r>
-                <a:r>
-                  <a:rPr lang="de-DE" b="1" i="1" dirty="0"/>
-                  <a:t> plane </a:t>
-                </a:r>
-                <a:r>
-                  <a:rPr lang="de-DE" b="1" i="1" dirty="0" err="1"/>
-                  <a:t>is</a:t>
-                </a:r>
-                <a:r>
-                  <a:rPr lang="de-DE" b="1" i="1" dirty="0"/>
-                  <a:t> </a:t>
-                </a:r>
-                <a:r>
-                  <a:rPr lang="de-DE" b="1" i="1" dirty="0" err="1"/>
-                  <a:t>represented</a:t>
-                </a:r>
-                <a:r>
-                  <a:rPr lang="de-DE" b="1" i="1" dirty="0"/>
-                  <a:t> </a:t>
-                </a:r>
-                <a:r>
-                  <a:rPr lang="de-DE" b="1" i="1" dirty="0" err="1"/>
-                  <a:t>by</a:t>
-                </a:r>
-                <a:r>
-                  <a:rPr lang="de-DE" b="1" i="1" dirty="0"/>
-                  <a:t> </a:t>
-                </a:r>
-                <a:endParaRPr lang="de-DE" b="1" i="1" dirty="0"/>
-              </a:p>
-              <a:p>
-                <a:r>
-                  <a:rPr lang="de-DE" b="1" i="1" dirty="0"/>
-                  <a:t>    &gt;1 Superpixels </a:t>
-                </a:r>
-                <a:endParaRPr lang="de-DE" b="1" i="1" dirty="0"/>
-              </a:p>
-            </p:txBody>
-          </p:sp>
-        </mc:Choice>
-        <mc:Fallback>
-          <p:sp>
-            <p:nvSpPr>
-              <p:cNvPr id="4" name="Textfeld 3"/>
-              <p:cNvSpPr txBox="1">
-                <a:spLocks noRot="1" noChangeAspect="1" noMove="1" noResize="1" noEditPoints="1" noAdjustHandles="1" noChangeArrowheads="1" noChangeShapeType="1" noTextEdit="1"/>
-              </p:cNvSpPr>
-              <p:nvPr/>
-            </p:nvSpPr>
-            <p:spPr>
-              <a:xfrm>
-                <a:off x="5012259" y="3156022"/>
-                <a:ext cx="3603872" cy="923330"/>
-              </a:xfrm>
-              <a:prstGeom prst="rect">
-                <a:avLst/>
-              </a:prstGeom>
-              <a:blipFill rotWithShape="1">
-                <a:blip r:embed="rId2"/>
-                <a:stretch>
-                  <a:fillRect l="-6" t="-8" r="-5" b="12"/>
-                </a:stretch>
-              </a:blipFill>
-            </p:spPr>
-            <p:txBody>
-              <a:bodyPr/>
-              <a:lstStyle/>
-              <a:p>
-                <a:r>
-                  <a:rPr lang="en-US" altLang="en-US">
-                    <a:noFill/>
-                  </a:rPr>
-                  <a:t> </a:t>
-                </a:r>
-              </a:p>
-            </p:txBody>
-          </p:sp>
-        </mc:Fallback>
-      </mc:AlternateContent>
+                      </a:endParaRPr>
+                    </a:p>
+                  </a:txBody>
+                  <a:tcPr/>
+                </a:tc>
+                <a:tc>
+                  <a:txBody>
+                    <a:bodyPr/>
+                    <a:lstStyle/>
+                    <a:p>
+                      <a:pPr>
+                        <a:buNone/>
+                      </a:pPr>
+                      <a:endParaRPr lang="de-DE" altLang="en-US" b="0" dirty="0">
+                        <a:solidFill>
+                          <a:schemeClr val="tx1"/>
+                        </a:solidFill>
+                      </a:endParaRPr>
+                    </a:p>
+                  </a:txBody>
+                  <a:tcPr/>
+                </a:tc>
+                <a:tc>
+                  <a:txBody>
+                    <a:bodyPr/>
+                    <a:lstStyle/>
+                    <a:p>
+                      <a:pPr>
+                        <a:buNone/>
+                      </a:pPr>
+                      <a:r>
+                        <a:rPr lang="de-DE" altLang="en-US" b="0" dirty="0">
+                          <a:solidFill>
+                            <a:schemeClr val="tx1"/>
+                          </a:solidFill>
+                        </a:rPr>
+                        <a:t>1</a:t>
+                      </a:r>
+                    </a:p>
+                  </a:txBody>
+                  <a:tcPr/>
+                </a:tc>
+                <a:tc>
+                  <a:txBody>
+                    <a:bodyPr/>
+                    <a:lstStyle/>
+                    <a:p>
+                      <a:pPr>
+                        <a:buNone/>
+                      </a:pPr>
+                      <a:r>
+                        <a:rPr lang="en-US" b="0" dirty="0">
+                          <a:solidFill>
+                            <a:schemeClr val="tx1"/>
+                          </a:solidFill>
+                        </a:rPr>
+                        <a:t>1</a:t>
+                      </a:r>
+                    </a:p>
+                  </a:txBody>
+                  <a:tcPr/>
+                </a:tc>
+                <a:tc>
+                  <a:txBody>
+                    <a:bodyPr/>
+                    <a:lstStyle/>
+                    <a:p>
+                      <a:pPr>
+                        <a:buNone/>
+                      </a:pPr>
+                      <a:r>
+                        <a:rPr lang="en-US" b="0" dirty="0">
+                          <a:solidFill>
+                            <a:schemeClr val="tx1"/>
+                          </a:solidFill>
+                        </a:rPr>
+                        <a:t>2</a:t>
+                      </a:r>
+                    </a:p>
+                  </a:txBody>
+                  <a:tcPr/>
+                </a:tc>
+                <a:tc>
+                  <a:txBody>
+                    <a:bodyPr/>
+                    <a:lstStyle/>
+                    <a:p>
+                      <a:pPr>
+                        <a:buNone/>
+                      </a:pPr>
+                      <a:endParaRPr lang="en-US" b="0">
+                        <a:solidFill>
+                          <a:schemeClr val="tx1"/>
+                        </a:solidFill>
+                      </a:endParaRPr>
+                    </a:p>
+                  </a:txBody>
+                  <a:tcPr/>
+                </a:tc>
+                <a:extLst>
+                  <a:ext uri="{0D108BD9-81ED-4DB2-BD59-A6C34878D82A}">
+                    <a16:rowId xmlns:a16="http://schemas.microsoft.com/office/drawing/2014/main" val="10000"/>
+                  </a:ext>
+                </a:extLst>
+              </a:tr>
+              <a:tr h="300890">
+                <a:tc>
+                  <a:txBody>
+                    <a:bodyPr/>
+                    <a:lstStyle/>
+                    <a:p>
+                      <a:pPr>
+                        <a:buNone/>
+                      </a:pPr>
+                      <a:endParaRPr lang="de-DE" altLang="en-US" b="0" dirty="0">
+                        <a:solidFill>
+                          <a:schemeClr val="tx1"/>
+                        </a:solidFill>
+                      </a:endParaRPr>
+                    </a:p>
+                  </a:txBody>
+                  <a:tcPr/>
+                </a:tc>
+                <a:tc>
+                  <a:txBody>
+                    <a:bodyPr/>
+                    <a:lstStyle/>
+                    <a:p>
+                      <a:pPr>
+                        <a:buNone/>
+                      </a:pPr>
+                      <a:r>
+                        <a:rPr lang="de-DE" altLang="en-US" b="0" dirty="0">
+                          <a:solidFill>
+                            <a:schemeClr val="tx1"/>
+                          </a:solidFill>
+                        </a:rPr>
+                        <a:t>1</a:t>
+                      </a:r>
+                    </a:p>
+                  </a:txBody>
+                  <a:tcPr/>
+                </a:tc>
+                <a:tc>
+                  <a:txBody>
+                    <a:bodyPr/>
+                    <a:lstStyle/>
+                    <a:p>
+                      <a:pPr>
+                        <a:buNone/>
+                      </a:pPr>
+                      <a:r>
+                        <a:rPr lang="de-DE" altLang="en-US" b="0">
+                          <a:solidFill>
+                            <a:schemeClr val="tx1"/>
+                          </a:solidFill>
+                        </a:rPr>
+                        <a:t>1</a:t>
+                      </a:r>
+                    </a:p>
+                  </a:txBody>
+                  <a:tcPr/>
+                </a:tc>
+                <a:tc>
+                  <a:txBody>
+                    <a:bodyPr/>
+                    <a:lstStyle/>
+                    <a:p>
+                      <a:pPr>
+                        <a:buNone/>
+                      </a:pPr>
+                      <a:r>
+                        <a:rPr lang="en-US" b="0" dirty="0">
+                          <a:solidFill>
+                            <a:schemeClr val="tx1"/>
+                          </a:solidFill>
+                        </a:rPr>
+                        <a:t>1</a:t>
+                      </a:r>
+                    </a:p>
+                  </a:txBody>
+                  <a:tcPr/>
+                </a:tc>
+                <a:tc>
+                  <a:txBody>
+                    <a:bodyPr/>
+                    <a:lstStyle/>
+                    <a:p>
+                      <a:pPr>
+                        <a:buNone/>
+                      </a:pPr>
+                      <a:r>
+                        <a:rPr lang="en-US" b="0" dirty="0">
+                          <a:solidFill>
+                            <a:schemeClr val="tx1"/>
+                          </a:solidFill>
+                        </a:rPr>
+                        <a:t>2</a:t>
+                      </a:r>
+                    </a:p>
+                  </a:txBody>
+                  <a:tcPr/>
+                </a:tc>
+                <a:tc>
+                  <a:txBody>
+                    <a:bodyPr/>
+                    <a:lstStyle/>
+                    <a:p>
+                      <a:pPr>
+                        <a:buNone/>
+                      </a:pPr>
+                      <a:r>
+                        <a:rPr lang="en-US" b="0" dirty="0">
+                          <a:solidFill>
+                            <a:schemeClr val="tx1"/>
+                          </a:solidFill>
+                        </a:rPr>
+                        <a:t>2</a:t>
+                      </a:r>
+                    </a:p>
+                  </a:txBody>
+                  <a:tcPr/>
+                </a:tc>
+                <a:extLst>
+                  <a:ext uri="{0D108BD9-81ED-4DB2-BD59-A6C34878D82A}">
+                    <a16:rowId xmlns:a16="http://schemas.microsoft.com/office/drawing/2014/main" val="10001"/>
+                  </a:ext>
+                </a:extLst>
+              </a:tr>
+              <a:tr h="300890">
+                <a:tc>
+                  <a:txBody>
+                    <a:bodyPr/>
+                    <a:lstStyle/>
+                    <a:p>
+                      <a:pPr>
+                        <a:buNone/>
+                      </a:pPr>
+                      <a:endParaRPr lang="de-DE" altLang="en-US" b="0" dirty="0">
+                        <a:solidFill>
+                          <a:schemeClr val="tx1"/>
+                        </a:solidFill>
+                      </a:endParaRPr>
+                    </a:p>
+                  </a:txBody>
+                  <a:tcPr/>
+                </a:tc>
+                <a:tc>
+                  <a:txBody>
+                    <a:bodyPr/>
+                    <a:lstStyle/>
+                    <a:p>
+                      <a:pPr>
+                        <a:buNone/>
+                      </a:pPr>
+                      <a:r>
+                        <a:rPr lang="de-DE" altLang="en-US" b="0">
+                          <a:solidFill>
+                            <a:schemeClr val="tx1"/>
+                          </a:solidFill>
+                        </a:rPr>
+                        <a:t>1</a:t>
+                      </a:r>
+                    </a:p>
+                  </a:txBody>
+                  <a:tcPr/>
+                </a:tc>
+                <a:tc>
+                  <a:txBody>
+                    <a:bodyPr/>
+                    <a:lstStyle/>
+                    <a:p>
+                      <a:pPr>
+                        <a:buNone/>
+                      </a:pPr>
+                      <a:r>
+                        <a:rPr lang="de-DE" altLang="en-US" b="0">
+                          <a:solidFill>
+                            <a:schemeClr val="tx1"/>
+                          </a:solidFill>
+                        </a:rPr>
+                        <a:t>1</a:t>
+                      </a:r>
+                    </a:p>
+                  </a:txBody>
+                  <a:tcPr/>
+                </a:tc>
+                <a:tc>
+                  <a:txBody>
+                    <a:bodyPr/>
+                    <a:lstStyle/>
+                    <a:p>
+                      <a:pPr>
+                        <a:buNone/>
+                      </a:pPr>
+                      <a:r>
+                        <a:rPr lang="en-US" b="0" dirty="0">
+                          <a:solidFill>
+                            <a:schemeClr val="tx1"/>
+                          </a:solidFill>
+                        </a:rPr>
+                        <a:t>2</a:t>
+                      </a:r>
+                    </a:p>
+                  </a:txBody>
+                  <a:tcPr/>
+                </a:tc>
+                <a:tc>
+                  <a:txBody>
+                    <a:bodyPr/>
+                    <a:lstStyle/>
+                    <a:p>
+                      <a:pPr>
+                        <a:buNone/>
+                      </a:pPr>
+                      <a:r>
+                        <a:rPr lang="en-US" b="0" dirty="0">
+                          <a:solidFill>
+                            <a:schemeClr val="tx1"/>
+                          </a:solidFill>
+                        </a:rPr>
+                        <a:t>2</a:t>
+                      </a:r>
+                    </a:p>
+                  </a:txBody>
+                  <a:tcPr/>
+                </a:tc>
+                <a:tc>
+                  <a:txBody>
+                    <a:bodyPr/>
+                    <a:lstStyle/>
+                    <a:p>
+                      <a:pPr>
+                        <a:buNone/>
+                      </a:pPr>
+                      <a:r>
+                        <a:rPr lang="en-US" b="0" dirty="0">
+                          <a:solidFill>
+                            <a:schemeClr val="tx1"/>
+                          </a:solidFill>
+                        </a:rPr>
+                        <a:t>2</a:t>
+                      </a:r>
+                    </a:p>
+                  </a:txBody>
+                  <a:tcPr/>
+                </a:tc>
+                <a:extLst>
+                  <a:ext uri="{0D108BD9-81ED-4DB2-BD59-A6C34878D82A}">
+                    <a16:rowId xmlns:a16="http://schemas.microsoft.com/office/drawing/2014/main" val="10002"/>
+                  </a:ext>
+                </a:extLst>
+              </a:tr>
+              <a:tr h="300890">
+                <a:tc>
+                  <a:txBody>
+                    <a:bodyPr/>
+                    <a:lstStyle/>
+                    <a:p>
+                      <a:pPr>
+                        <a:buNone/>
+                      </a:pPr>
+                      <a:endParaRPr lang="en-US" b="0">
+                        <a:solidFill>
+                          <a:schemeClr val="tx1"/>
+                        </a:solidFill>
+                      </a:endParaRPr>
+                    </a:p>
+                  </a:txBody>
+                  <a:tcPr/>
+                </a:tc>
+                <a:tc>
+                  <a:txBody>
+                    <a:bodyPr/>
+                    <a:lstStyle/>
+                    <a:p>
+                      <a:pPr>
+                        <a:buNone/>
+                      </a:pPr>
+                      <a:r>
+                        <a:rPr lang="en-US" b="0" dirty="0">
+                          <a:solidFill>
+                            <a:schemeClr val="tx1"/>
+                          </a:solidFill>
+                        </a:rPr>
+                        <a:t>3</a:t>
+                      </a:r>
+                    </a:p>
+                  </a:txBody>
+                  <a:tcPr/>
+                </a:tc>
+                <a:tc>
+                  <a:txBody>
+                    <a:bodyPr/>
+                    <a:lstStyle/>
+                    <a:p>
+                      <a:pPr>
+                        <a:buNone/>
+                      </a:pPr>
+                      <a:r>
+                        <a:rPr lang="en-US" b="0" dirty="0">
+                          <a:solidFill>
+                            <a:schemeClr val="tx1"/>
+                          </a:solidFill>
+                        </a:rPr>
+                        <a:t>3</a:t>
+                      </a:r>
+                    </a:p>
+                  </a:txBody>
+                  <a:tcPr/>
+                </a:tc>
+                <a:tc>
+                  <a:txBody>
+                    <a:bodyPr/>
+                    <a:lstStyle/>
+                    <a:p>
+                      <a:pPr>
+                        <a:buNone/>
+                      </a:pPr>
+                      <a:r>
+                        <a:rPr lang="de-DE" altLang="en-US" b="0" dirty="0">
+                          <a:solidFill>
+                            <a:schemeClr val="tx1"/>
+                          </a:solidFill>
+                        </a:rPr>
+                        <a:t>3</a:t>
+                      </a:r>
+                    </a:p>
+                  </a:txBody>
+                  <a:tcPr/>
+                </a:tc>
+                <a:tc>
+                  <a:txBody>
+                    <a:bodyPr/>
+                    <a:lstStyle/>
+                    <a:p>
+                      <a:pPr>
+                        <a:buNone/>
+                      </a:pPr>
+                      <a:r>
+                        <a:rPr lang="de-DE" altLang="en-US" b="0" dirty="0">
+                          <a:solidFill>
+                            <a:schemeClr val="tx1"/>
+                          </a:solidFill>
+                        </a:rPr>
+                        <a:t>2</a:t>
+                      </a:r>
+                    </a:p>
+                  </a:txBody>
+                  <a:tcPr/>
+                </a:tc>
+                <a:tc>
+                  <a:txBody>
+                    <a:bodyPr/>
+                    <a:lstStyle/>
+                    <a:p>
+                      <a:pPr>
+                        <a:buNone/>
+                      </a:pPr>
+                      <a:r>
+                        <a:rPr lang="de-DE" altLang="en-US" b="0" dirty="0">
+                          <a:solidFill>
+                            <a:schemeClr val="tx1"/>
+                          </a:solidFill>
+                        </a:rPr>
+                        <a:t>2</a:t>
+                      </a:r>
+                    </a:p>
+                  </a:txBody>
+                  <a:tcPr/>
+                </a:tc>
+                <a:extLst>
+                  <a:ext uri="{0D108BD9-81ED-4DB2-BD59-A6C34878D82A}">
+                    <a16:rowId xmlns:a16="http://schemas.microsoft.com/office/drawing/2014/main" val="10003"/>
+                  </a:ext>
+                </a:extLst>
+              </a:tr>
+              <a:tr h="300890">
+                <a:tc>
+                  <a:txBody>
+                    <a:bodyPr/>
+                    <a:lstStyle/>
+                    <a:p>
+                      <a:pPr>
+                        <a:buNone/>
+                      </a:pPr>
+                      <a:endParaRPr lang="en-US" b="0">
+                        <a:solidFill>
+                          <a:schemeClr val="tx1"/>
+                        </a:solidFill>
+                      </a:endParaRPr>
+                    </a:p>
+                  </a:txBody>
+                  <a:tcPr/>
+                </a:tc>
+                <a:tc>
+                  <a:txBody>
+                    <a:bodyPr/>
+                    <a:lstStyle/>
+                    <a:p>
+                      <a:pPr>
+                        <a:buNone/>
+                      </a:pPr>
+                      <a:endParaRPr lang="en-US" b="0" dirty="0">
+                        <a:solidFill>
+                          <a:schemeClr val="tx1"/>
+                        </a:solidFill>
+                      </a:endParaRPr>
+                    </a:p>
+                  </a:txBody>
+                  <a:tcPr/>
+                </a:tc>
+                <a:tc>
+                  <a:txBody>
+                    <a:bodyPr/>
+                    <a:lstStyle/>
+                    <a:p>
+                      <a:pPr>
+                        <a:buNone/>
+                      </a:pPr>
+                      <a:r>
+                        <a:rPr lang="en-US" b="0" dirty="0">
+                          <a:solidFill>
+                            <a:schemeClr val="tx1"/>
+                          </a:solidFill>
+                        </a:rPr>
+                        <a:t>3</a:t>
+                      </a:r>
+                    </a:p>
+                  </a:txBody>
+                  <a:tcPr/>
+                </a:tc>
+                <a:tc>
+                  <a:txBody>
+                    <a:bodyPr/>
+                    <a:lstStyle/>
+                    <a:p>
+                      <a:pPr>
+                        <a:buNone/>
+                      </a:pPr>
+                      <a:r>
+                        <a:rPr lang="de-DE" altLang="en-US" b="0" dirty="0">
+                          <a:solidFill>
+                            <a:schemeClr val="tx1"/>
+                          </a:solidFill>
+                        </a:rPr>
+                        <a:t>3</a:t>
+                      </a:r>
+                    </a:p>
+                  </a:txBody>
+                  <a:tcPr/>
+                </a:tc>
+                <a:tc>
+                  <a:txBody>
+                    <a:bodyPr/>
+                    <a:lstStyle/>
+                    <a:p>
+                      <a:pPr>
+                        <a:buNone/>
+                      </a:pPr>
+                      <a:r>
+                        <a:rPr lang="de-DE" altLang="en-US" b="0" dirty="0">
+                          <a:solidFill>
+                            <a:schemeClr val="tx1"/>
+                          </a:solidFill>
+                        </a:rPr>
+                        <a:t>3</a:t>
+                      </a:r>
+                    </a:p>
+                  </a:txBody>
+                  <a:tcPr/>
+                </a:tc>
+                <a:tc>
+                  <a:txBody>
+                    <a:bodyPr/>
+                    <a:lstStyle/>
+                    <a:p>
+                      <a:pPr>
+                        <a:buNone/>
+                      </a:pPr>
+                      <a:endParaRPr lang="de-DE" altLang="en-US" b="0" dirty="0">
+                        <a:solidFill>
+                          <a:schemeClr val="tx1"/>
+                        </a:solidFill>
+                      </a:endParaRPr>
+                    </a:p>
+                  </a:txBody>
+                  <a:tcPr/>
+                </a:tc>
+                <a:extLst>
+                  <a:ext uri="{0D108BD9-81ED-4DB2-BD59-A6C34878D82A}">
+                    <a16:rowId xmlns:a16="http://schemas.microsoft.com/office/drawing/2014/main" val="10004"/>
+                  </a:ext>
+                </a:extLst>
+              </a:tr>
+            </a:tbl>
+          </a:graphicData>
+        </a:graphic>
+      </p:graphicFrame>
+      <p:graphicFrame>
+        <p:nvGraphicFramePr>
+          <p:cNvPr id="27" name="Table 7">
+            <a:extLst>
+              <a:ext uri="{FF2B5EF4-FFF2-40B4-BE49-F238E27FC236}">
+                <a16:creationId xmlns:a16="http://schemas.microsoft.com/office/drawing/2014/main" id="{B9367790-E60C-EE45-9913-788E1D960155}"/>
+              </a:ext>
+            </a:extLst>
+          </p:cNvPr>
+          <p:cNvGraphicFramePr/>
+          <p:nvPr>
+            <p:extLst>
+              <p:ext uri="{D42A27DB-BD31-4B8C-83A1-F6EECF244321}">
+                <p14:modId xmlns:p14="http://schemas.microsoft.com/office/powerpoint/2010/main" val="3929083648"/>
+              </p:ext>
+            </p:extLst>
+          </p:nvPr>
+        </p:nvGraphicFramePr>
+        <p:xfrm>
+          <a:off x="5160520" y="412750"/>
+          <a:ext cx="3120592" cy="1828800"/>
+        </p:xfrm>
+        <a:graphic>
+          <a:graphicData uri="http://schemas.openxmlformats.org/drawingml/2006/table">
+            <a:tbl>
+              <a:tblPr firstRow="1">
+                <a:effectLst/>
+                <a:tableStyleId>{69C7853C-536D-4A76-A0AE-DD22124D55A5}</a:tableStyleId>
+              </a:tblPr>
+              <a:tblGrid>
+                <a:gridCol w="388620">
+                  <a:extLst>
+                    <a:ext uri="{9D8B030D-6E8A-4147-A177-3AD203B41FA5}">
+                      <a16:colId xmlns:a16="http://schemas.microsoft.com/office/drawing/2014/main" val="20000"/>
+                    </a:ext>
+                  </a:extLst>
+                </a:gridCol>
+                <a:gridCol w="545834">
+                  <a:extLst>
+                    <a:ext uri="{9D8B030D-6E8A-4147-A177-3AD203B41FA5}">
+                      <a16:colId xmlns:a16="http://schemas.microsoft.com/office/drawing/2014/main" val="20001"/>
+                    </a:ext>
+                  </a:extLst>
+                </a:gridCol>
+                <a:gridCol w="546669">
+                  <a:extLst>
+                    <a:ext uri="{9D8B030D-6E8A-4147-A177-3AD203B41FA5}">
+                      <a16:colId xmlns:a16="http://schemas.microsoft.com/office/drawing/2014/main" val="20002"/>
+                    </a:ext>
+                  </a:extLst>
+                </a:gridCol>
+                <a:gridCol w="546669">
+                  <a:extLst>
+                    <a:ext uri="{9D8B030D-6E8A-4147-A177-3AD203B41FA5}">
+                      <a16:colId xmlns:a16="http://schemas.microsoft.com/office/drawing/2014/main" val="20003"/>
+                    </a:ext>
+                  </a:extLst>
+                </a:gridCol>
+                <a:gridCol w="546131">
+                  <a:extLst>
+                    <a:ext uri="{9D8B030D-6E8A-4147-A177-3AD203B41FA5}">
+                      <a16:colId xmlns:a16="http://schemas.microsoft.com/office/drawing/2014/main" val="20004"/>
+                    </a:ext>
+                  </a:extLst>
+                </a:gridCol>
+                <a:gridCol w="546669">
+                  <a:extLst>
+                    <a:ext uri="{9D8B030D-6E8A-4147-A177-3AD203B41FA5}">
+                      <a16:colId xmlns:a16="http://schemas.microsoft.com/office/drawing/2014/main" val="20005"/>
+                    </a:ext>
+                  </a:extLst>
+                </a:gridCol>
+              </a:tblGrid>
+              <a:tr h="300890">
+                <a:tc>
+                  <a:txBody>
+                    <a:bodyPr/>
+                    <a:lstStyle/>
+                    <a:p>
+                      <a:pPr>
+                        <a:buNone/>
+                      </a:pPr>
+                      <a:endParaRPr lang="de-DE" altLang="en-US" b="0" dirty="0">
+                        <a:solidFill>
+                          <a:schemeClr val="tx1"/>
+                        </a:solidFill>
+                      </a:endParaRPr>
+                    </a:p>
+                  </a:txBody>
+                  <a:tcPr/>
+                </a:tc>
+                <a:tc>
+                  <a:txBody>
+                    <a:bodyPr/>
+                    <a:lstStyle/>
+                    <a:p>
+                      <a:pPr>
+                        <a:buNone/>
+                      </a:pPr>
+                      <a:endParaRPr lang="de-DE" altLang="en-US" b="0" dirty="0">
+                        <a:solidFill>
+                          <a:schemeClr val="tx1"/>
+                        </a:solidFill>
+                      </a:endParaRPr>
+                    </a:p>
+                  </a:txBody>
+                  <a:tcPr/>
+                </a:tc>
+                <a:tc>
+                  <a:txBody>
+                    <a:bodyPr/>
+                    <a:lstStyle/>
+                    <a:p>
+                      <a:pPr>
+                        <a:buNone/>
+                      </a:pPr>
+                      <a:r>
+                        <a:rPr lang="de-DE" altLang="en-US" b="0" dirty="0">
+                          <a:solidFill>
+                            <a:schemeClr val="tx1"/>
+                          </a:solidFill>
+                        </a:rPr>
+                        <a:t>1</a:t>
+                      </a:r>
+                    </a:p>
+                  </a:txBody>
+                  <a:tcPr/>
+                </a:tc>
+                <a:tc>
+                  <a:txBody>
+                    <a:bodyPr/>
+                    <a:lstStyle/>
+                    <a:p>
+                      <a:pPr>
+                        <a:buNone/>
+                      </a:pPr>
+                      <a:r>
+                        <a:rPr lang="en-US" b="0" dirty="0">
+                          <a:solidFill>
+                            <a:schemeClr val="tx1"/>
+                          </a:solidFill>
+                        </a:rPr>
+                        <a:t>1</a:t>
+                      </a:r>
+                    </a:p>
+                  </a:txBody>
+                  <a:tcPr/>
+                </a:tc>
+                <a:tc>
+                  <a:txBody>
+                    <a:bodyPr/>
+                    <a:lstStyle/>
+                    <a:p>
+                      <a:pPr>
+                        <a:buNone/>
+                      </a:pPr>
+                      <a:r>
+                        <a:rPr lang="en-US" b="0" dirty="0">
+                          <a:solidFill>
+                            <a:schemeClr val="tx1"/>
+                          </a:solidFill>
+                        </a:rPr>
+                        <a:t>1</a:t>
+                      </a:r>
+                    </a:p>
+                  </a:txBody>
+                  <a:tcPr/>
+                </a:tc>
+                <a:tc>
+                  <a:txBody>
+                    <a:bodyPr/>
+                    <a:lstStyle/>
+                    <a:p>
+                      <a:pPr>
+                        <a:buNone/>
+                      </a:pPr>
+                      <a:endParaRPr lang="en-US" b="0" dirty="0">
+                        <a:solidFill>
+                          <a:schemeClr val="tx1"/>
+                        </a:solidFill>
+                      </a:endParaRPr>
+                    </a:p>
+                  </a:txBody>
+                  <a:tcPr/>
+                </a:tc>
+                <a:extLst>
+                  <a:ext uri="{0D108BD9-81ED-4DB2-BD59-A6C34878D82A}">
+                    <a16:rowId xmlns:a16="http://schemas.microsoft.com/office/drawing/2014/main" val="10000"/>
+                  </a:ext>
+                </a:extLst>
+              </a:tr>
+              <a:tr h="300890">
+                <a:tc>
+                  <a:txBody>
+                    <a:bodyPr/>
+                    <a:lstStyle/>
+                    <a:p>
+                      <a:pPr>
+                        <a:buNone/>
+                      </a:pPr>
+                      <a:endParaRPr lang="de-DE" altLang="en-US" b="0" dirty="0">
+                        <a:solidFill>
+                          <a:schemeClr val="tx1"/>
+                        </a:solidFill>
+                      </a:endParaRPr>
+                    </a:p>
+                  </a:txBody>
+                  <a:tcPr/>
+                </a:tc>
+                <a:tc>
+                  <a:txBody>
+                    <a:bodyPr/>
+                    <a:lstStyle/>
+                    <a:p>
+                      <a:pPr>
+                        <a:buNone/>
+                      </a:pPr>
+                      <a:r>
+                        <a:rPr lang="de-DE" altLang="en-US" b="0" dirty="0">
+                          <a:solidFill>
+                            <a:schemeClr val="tx1"/>
+                          </a:solidFill>
+                        </a:rPr>
+                        <a:t>1</a:t>
+                      </a:r>
+                    </a:p>
+                  </a:txBody>
+                  <a:tcPr/>
+                </a:tc>
+                <a:tc>
+                  <a:txBody>
+                    <a:bodyPr/>
+                    <a:lstStyle/>
+                    <a:p>
+                      <a:pPr>
+                        <a:buNone/>
+                      </a:pPr>
+                      <a:r>
+                        <a:rPr lang="de-DE" altLang="en-US" b="0">
+                          <a:solidFill>
+                            <a:schemeClr val="tx1"/>
+                          </a:solidFill>
+                        </a:rPr>
+                        <a:t>1</a:t>
+                      </a:r>
+                    </a:p>
+                  </a:txBody>
+                  <a:tcPr/>
+                </a:tc>
+                <a:tc>
+                  <a:txBody>
+                    <a:bodyPr/>
+                    <a:lstStyle/>
+                    <a:p>
+                      <a:pPr>
+                        <a:buNone/>
+                      </a:pPr>
+                      <a:r>
+                        <a:rPr lang="en-US" b="0" dirty="0">
+                          <a:solidFill>
+                            <a:schemeClr val="tx1"/>
+                          </a:solidFill>
+                        </a:rPr>
+                        <a:t>1</a:t>
+                      </a:r>
+                    </a:p>
+                  </a:txBody>
+                  <a:tcPr/>
+                </a:tc>
+                <a:tc>
+                  <a:txBody>
+                    <a:bodyPr/>
+                    <a:lstStyle/>
+                    <a:p>
+                      <a:pPr>
+                        <a:buNone/>
+                      </a:pPr>
+                      <a:r>
+                        <a:rPr lang="en-US" b="0" dirty="0">
+                          <a:solidFill>
+                            <a:schemeClr val="tx1"/>
+                          </a:solidFill>
+                        </a:rPr>
+                        <a:t>1</a:t>
+                      </a:r>
+                    </a:p>
+                  </a:txBody>
+                  <a:tcPr/>
+                </a:tc>
+                <a:tc>
+                  <a:txBody>
+                    <a:bodyPr/>
+                    <a:lstStyle/>
+                    <a:p>
+                      <a:pPr>
+                        <a:buNone/>
+                      </a:pPr>
+                      <a:r>
+                        <a:rPr lang="en-US" b="0" dirty="0">
+                          <a:solidFill>
+                            <a:schemeClr val="tx1"/>
+                          </a:solidFill>
+                        </a:rPr>
+                        <a:t>1</a:t>
+                      </a:r>
+                    </a:p>
+                  </a:txBody>
+                  <a:tcPr/>
+                </a:tc>
+                <a:extLst>
+                  <a:ext uri="{0D108BD9-81ED-4DB2-BD59-A6C34878D82A}">
+                    <a16:rowId xmlns:a16="http://schemas.microsoft.com/office/drawing/2014/main" val="10001"/>
+                  </a:ext>
+                </a:extLst>
+              </a:tr>
+              <a:tr h="300890">
+                <a:tc>
+                  <a:txBody>
+                    <a:bodyPr/>
+                    <a:lstStyle/>
+                    <a:p>
+                      <a:pPr>
+                        <a:buNone/>
+                      </a:pPr>
+                      <a:endParaRPr lang="de-DE" altLang="en-US" b="0" dirty="0">
+                        <a:solidFill>
+                          <a:schemeClr val="tx1"/>
+                        </a:solidFill>
+                      </a:endParaRPr>
+                    </a:p>
+                  </a:txBody>
+                  <a:tcPr/>
+                </a:tc>
+                <a:tc>
+                  <a:txBody>
+                    <a:bodyPr/>
+                    <a:lstStyle/>
+                    <a:p>
+                      <a:pPr>
+                        <a:buNone/>
+                      </a:pPr>
+                      <a:r>
+                        <a:rPr lang="de-DE" altLang="en-US" b="0">
+                          <a:solidFill>
+                            <a:schemeClr val="tx1"/>
+                          </a:solidFill>
+                        </a:rPr>
+                        <a:t>1</a:t>
+                      </a:r>
+                    </a:p>
+                  </a:txBody>
+                  <a:tcPr/>
+                </a:tc>
+                <a:tc>
+                  <a:txBody>
+                    <a:bodyPr/>
+                    <a:lstStyle/>
+                    <a:p>
+                      <a:pPr>
+                        <a:buNone/>
+                      </a:pPr>
+                      <a:r>
+                        <a:rPr lang="de-DE" altLang="en-US" b="0">
+                          <a:solidFill>
+                            <a:schemeClr val="tx1"/>
+                          </a:solidFill>
+                        </a:rPr>
+                        <a:t>1</a:t>
+                      </a:r>
+                    </a:p>
+                  </a:txBody>
+                  <a:tcPr/>
+                </a:tc>
+                <a:tc>
+                  <a:txBody>
+                    <a:bodyPr/>
+                    <a:lstStyle/>
+                    <a:p>
+                      <a:pPr>
+                        <a:buNone/>
+                      </a:pPr>
+                      <a:r>
+                        <a:rPr lang="en-US" b="0" dirty="0">
+                          <a:solidFill>
+                            <a:schemeClr val="tx1"/>
+                          </a:solidFill>
+                        </a:rPr>
+                        <a:t>1</a:t>
+                      </a:r>
+                    </a:p>
+                  </a:txBody>
+                  <a:tcPr/>
+                </a:tc>
+                <a:tc>
+                  <a:txBody>
+                    <a:bodyPr/>
+                    <a:lstStyle/>
+                    <a:p>
+                      <a:pPr>
+                        <a:buNone/>
+                      </a:pPr>
+                      <a:r>
+                        <a:rPr lang="en-US" b="0" dirty="0">
+                          <a:solidFill>
+                            <a:schemeClr val="tx1"/>
+                          </a:solidFill>
+                        </a:rPr>
+                        <a:t>1</a:t>
+                      </a:r>
+                    </a:p>
+                  </a:txBody>
+                  <a:tcPr/>
+                </a:tc>
+                <a:tc>
+                  <a:txBody>
+                    <a:bodyPr/>
+                    <a:lstStyle/>
+                    <a:p>
+                      <a:pPr>
+                        <a:buNone/>
+                      </a:pPr>
+                      <a:r>
+                        <a:rPr lang="en-US" b="0" dirty="0">
+                          <a:solidFill>
+                            <a:schemeClr val="tx1"/>
+                          </a:solidFill>
+                        </a:rPr>
+                        <a:t>1</a:t>
+                      </a:r>
+                    </a:p>
+                  </a:txBody>
+                  <a:tcPr/>
+                </a:tc>
+                <a:extLst>
+                  <a:ext uri="{0D108BD9-81ED-4DB2-BD59-A6C34878D82A}">
+                    <a16:rowId xmlns:a16="http://schemas.microsoft.com/office/drawing/2014/main" val="10002"/>
+                  </a:ext>
+                </a:extLst>
+              </a:tr>
+              <a:tr h="300890">
+                <a:tc>
+                  <a:txBody>
+                    <a:bodyPr/>
+                    <a:lstStyle/>
+                    <a:p>
+                      <a:pPr>
+                        <a:buNone/>
+                      </a:pPr>
+                      <a:endParaRPr lang="en-US" b="0">
+                        <a:solidFill>
+                          <a:schemeClr val="tx1"/>
+                        </a:solidFill>
+                      </a:endParaRPr>
+                    </a:p>
+                  </a:txBody>
+                  <a:tcPr/>
+                </a:tc>
+                <a:tc>
+                  <a:txBody>
+                    <a:bodyPr/>
+                    <a:lstStyle/>
+                    <a:p>
+                      <a:pPr>
+                        <a:buNone/>
+                      </a:pPr>
+                      <a:r>
+                        <a:rPr lang="en-US" b="0" dirty="0">
+                          <a:solidFill>
+                            <a:schemeClr val="tx1"/>
+                          </a:solidFill>
+                        </a:rPr>
+                        <a:t>1</a:t>
+                      </a:r>
+                    </a:p>
+                  </a:txBody>
+                  <a:tcPr/>
+                </a:tc>
+                <a:tc>
+                  <a:txBody>
+                    <a:bodyPr/>
+                    <a:lstStyle/>
+                    <a:p>
+                      <a:pPr>
+                        <a:buNone/>
+                      </a:pPr>
+                      <a:r>
+                        <a:rPr lang="en-US" b="0" dirty="0">
+                          <a:solidFill>
+                            <a:schemeClr val="tx1"/>
+                          </a:solidFill>
+                        </a:rPr>
+                        <a:t>1</a:t>
+                      </a:r>
+                    </a:p>
+                  </a:txBody>
+                  <a:tcPr/>
+                </a:tc>
+                <a:tc>
+                  <a:txBody>
+                    <a:bodyPr/>
+                    <a:lstStyle/>
+                    <a:p>
+                      <a:pPr>
+                        <a:buNone/>
+                      </a:pPr>
+                      <a:r>
+                        <a:rPr lang="de-DE" altLang="en-US" b="0" dirty="0">
+                          <a:solidFill>
+                            <a:schemeClr val="tx1"/>
+                          </a:solidFill>
+                        </a:rPr>
+                        <a:t>1</a:t>
+                      </a:r>
+                    </a:p>
+                  </a:txBody>
+                  <a:tcPr/>
+                </a:tc>
+                <a:tc>
+                  <a:txBody>
+                    <a:bodyPr/>
+                    <a:lstStyle/>
+                    <a:p>
+                      <a:pPr>
+                        <a:buNone/>
+                      </a:pPr>
+                      <a:r>
+                        <a:rPr lang="de-DE" altLang="en-US" b="0" dirty="0">
+                          <a:solidFill>
+                            <a:schemeClr val="tx1"/>
+                          </a:solidFill>
+                        </a:rPr>
+                        <a:t>1</a:t>
+                      </a:r>
+                    </a:p>
+                  </a:txBody>
+                  <a:tcPr/>
+                </a:tc>
+                <a:tc>
+                  <a:txBody>
+                    <a:bodyPr/>
+                    <a:lstStyle/>
+                    <a:p>
+                      <a:pPr>
+                        <a:buNone/>
+                      </a:pPr>
+                      <a:r>
+                        <a:rPr lang="de-DE" altLang="en-US" b="0" dirty="0">
+                          <a:solidFill>
+                            <a:schemeClr val="tx1"/>
+                          </a:solidFill>
+                        </a:rPr>
+                        <a:t>1</a:t>
+                      </a:r>
+                    </a:p>
+                  </a:txBody>
+                  <a:tcPr/>
+                </a:tc>
+                <a:extLst>
+                  <a:ext uri="{0D108BD9-81ED-4DB2-BD59-A6C34878D82A}">
+                    <a16:rowId xmlns:a16="http://schemas.microsoft.com/office/drawing/2014/main" val="10003"/>
+                  </a:ext>
+                </a:extLst>
+              </a:tr>
+              <a:tr h="300890">
+                <a:tc>
+                  <a:txBody>
+                    <a:bodyPr/>
+                    <a:lstStyle/>
+                    <a:p>
+                      <a:pPr>
+                        <a:buNone/>
+                      </a:pPr>
+                      <a:endParaRPr lang="en-US" b="0">
+                        <a:solidFill>
+                          <a:schemeClr val="tx1"/>
+                        </a:solidFill>
+                      </a:endParaRPr>
+                    </a:p>
+                  </a:txBody>
+                  <a:tcPr/>
+                </a:tc>
+                <a:tc>
+                  <a:txBody>
+                    <a:bodyPr/>
+                    <a:lstStyle/>
+                    <a:p>
+                      <a:pPr>
+                        <a:buNone/>
+                      </a:pPr>
+                      <a:endParaRPr lang="en-US" b="0" dirty="0">
+                        <a:solidFill>
+                          <a:schemeClr val="tx1"/>
+                        </a:solidFill>
+                      </a:endParaRPr>
+                    </a:p>
+                  </a:txBody>
+                  <a:tcPr/>
+                </a:tc>
+                <a:tc>
+                  <a:txBody>
+                    <a:bodyPr/>
+                    <a:lstStyle/>
+                    <a:p>
+                      <a:pPr>
+                        <a:buNone/>
+                      </a:pPr>
+                      <a:r>
+                        <a:rPr lang="en-US" b="0" dirty="0">
+                          <a:solidFill>
+                            <a:schemeClr val="tx1"/>
+                          </a:solidFill>
+                        </a:rPr>
+                        <a:t>1</a:t>
+                      </a:r>
+                    </a:p>
+                  </a:txBody>
+                  <a:tcPr/>
+                </a:tc>
+                <a:tc>
+                  <a:txBody>
+                    <a:bodyPr/>
+                    <a:lstStyle/>
+                    <a:p>
+                      <a:pPr>
+                        <a:buNone/>
+                      </a:pPr>
+                      <a:r>
+                        <a:rPr lang="de-DE" altLang="en-US" b="0" dirty="0">
+                          <a:solidFill>
+                            <a:schemeClr val="tx1"/>
+                          </a:solidFill>
+                        </a:rPr>
+                        <a:t>1</a:t>
+                      </a:r>
+                    </a:p>
+                  </a:txBody>
+                  <a:tcPr/>
+                </a:tc>
+                <a:tc>
+                  <a:txBody>
+                    <a:bodyPr/>
+                    <a:lstStyle/>
+                    <a:p>
+                      <a:pPr>
+                        <a:buNone/>
+                      </a:pPr>
+                      <a:r>
+                        <a:rPr lang="de-DE" altLang="en-US" b="0" dirty="0">
+                          <a:solidFill>
+                            <a:schemeClr val="tx1"/>
+                          </a:solidFill>
+                        </a:rPr>
+                        <a:t>1</a:t>
+                      </a:r>
+                    </a:p>
+                  </a:txBody>
+                  <a:tcPr/>
+                </a:tc>
+                <a:tc>
+                  <a:txBody>
+                    <a:bodyPr/>
+                    <a:lstStyle/>
+                    <a:p>
+                      <a:pPr>
+                        <a:buNone/>
+                      </a:pPr>
+                      <a:endParaRPr lang="de-DE" altLang="en-US" b="0" dirty="0">
+                        <a:solidFill>
+                          <a:schemeClr val="tx1"/>
+                        </a:solidFill>
+                      </a:endParaRPr>
+                    </a:p>
+                  </a:txBody>
+                  <a:tcPr/>
+                </a:tc>
+                <a:extLst>
+                  <a:ext uri="{0D108BD9-81ED-4DB2-BD59-A6C34878D82A}">
+                    <a16:rowId xmlns:a16="http://schemas.microsoft.com/office/drawing/2014/main" val="10004"/>
+                  </a:ext>
+                </a:extLst>
+              </a:tr>
+            </a:tbl>
+          </a:graphicData>
+        </a:graphic>
+      </p:graphicFrame>
     </p:spTree>
   </p:cSld>
   <p:clrMapOvr>
@@ -12403,7 +13663,7 @@
                                           </p:stCondLst>
                                         </p:cTn>
                                         <p:tgtEl>
-                                          <p:spTgt spid="4"/>
+                                          <p:spTgt spid="3"/>
                                         </p:tgtEl>
                                         <p:attrNameLst>
                                           <p:attrName>style.visibility</p:attrName>
@@ -12435,7 +13695,7 @@
                             </p:stCondLst>
                             <p:childTnLst>
                               <p:par>
-                                <p:cTn id="63" presetID="1" presetClass="entr" presetSubtype="0" fill="hold" grpId="0" nodeType="clickEffect">
+                                <p:cTn id="63" presetID="1" presetClass="exit" presetSubtype="0" fill="hold" grpId="2" nodeType="clickEffect">
                                   <p:stCondLst>
                                     <p:cond delay="0"/>
                                   </p:stCondLst>
@@ -12448,7 +13708,88 @@
                                           </p:stCondLst>
                                         </p:cTn>
                                         <p:tgtEl>
-                                          <p:spTgt spid="3"/>
+                                          <p:spTgt spid="17"/>
+                                        </p:tgtEl>
+                                        <p:attrNameLst>
+                                          <p:attrName>style.visibility</p:attrName>
+                                        </p:attrNameLst>
+                                      </p:cBhvr>
+                                      <p:to>
+                                        <p:strVal val="hidden"/>
+                                      </p:to>
+                                    </p:set>
+                                  </p:childTnLst>
+                                </p:cTn>
+                              </p:par>
+                              <p:par>
+                                <p:cTn id="65" presetID="1" presetClass="exit" presetSubtype="0" fill="hold" grpId="2" nodeType="withEffect">
+                                  <p:stCondLst>
+                                    <p:cond delay="0"/>
+                                  </p:stCondLst>
+                                  <p:childTnLst>
+                                    <p:set>
+                                      <p:cBhvr>
+                                        <p:cTn id="66" dur="1" fill="hold">
+                                          <p:stCondLst>
+                                            <p:cond delay="0"/>
+                                          </p:stCondLst>
+                                        </p:cTn>
+                                        <p:tgtEl>
+                                          <p:spTgt spid="16"/>
+                                        </p:tgtEl>
+                                        <p:attrNameLst>
+                                          <p:attrName>style.visibility</p:attrName>
+                                        </p:attrNameLst>
+                                      </p:cBhvr>
+                                      <p:to>
+                                        <p:strVal val="hidden"/>
+                                      </p:to>
+                                    </p:set>
+                                  </p:childTnLst>
+                                </p:cTn>
+                              </p:par>
+                              <p:par>
+                                <p:cTn id="67" presetID="1" presetClass="entr" presetSubtype="0" fill="hold" grpId="0" nodeType="withEffect">
+                                  <p:stCondLst>
+                                    <p:cond delay="0"/>
+                                  </p:stCondLst>
+                                  <p:childTnLst>
+                                    <p:set>
+                                      <p:cBhvr>
+                                        <p:cTn id="68" dur="1" fill="hold">
+                                          <p:stCondLst>
+                                            <p:cond delay="0"/>
+                                          </p:stCondLst>
+                                        </p:cTn>
+                                        <p:tgtEl>
+                                          <p:spTgt spid="6"/>
+                                        </p:tgtEl>
+                                        <p:attrNameLst>
+                                          <p:attrName>style.visibility</p:attrName>
+                                        </p:attrNameLst>
+                                      </p:cBhvr>
+                                      <p:to>
+                                        <p:strVal val="visible"/>
+                                      </p:to>
+                                    </p:set>
+                                  </p:childTnLst>
+                                </p:cTn>
+                              </p:par>
+                              <p:par>
+                                <p:cTn id="69" presetID="1" presetClass="entr" presetSubtype="0" fill="hold" grpId="0" nodeType="withEffect">
+                                  <p:stCondLst>
+                                    <p:cond delay="0"/>
+                                  </p:stCondLst>
+                                  <p:childTnLst>
+                                    <p:set>
+                                      <p:cBhvr>
+                                        <p:cTn id="70" dur="1" fill="hold">
+                                          <p:stCondLst>
+                                            <p:cond delay="0"/>
+                                          </p:stCondLst>
+                                        </p:cTn>
+                                        <p:tgtEl>
+                                          <p:spTgt spid="25"/>
                                         </p:tgtEl>
                                         <p:attrNameLst>
                                           <p:attrName>style.visibility</p:attrName>
@@ -12468,100 +13809,19 @@
                     </p:cTn>
                   </p:par>
                   <p:par>
-                    <p:cTn id="65" fill="hold">
+                    <p:cTn id="71" fill="hold">
                       <p:stCondLst>
                         <p:cond delay="indefinite"/>
                       </p:stCondLst>
                       <p:childTnLst>
                         <p:par>
-                          <p:cTn id="66" fill="hold">
+                          <p:cTn id="72" fill="hold">
                             <p:stCondLst>
                               <p:cond delay="0"/>
                             </p:stCondLst>
                             <p:childTnLst>
                               <p:par>
-                                <p:cTn id="67" presetID="1" presetClass="exit" presetSubtype="0" fill="hold" grpId="2" nodeType="clickEffect">
-                                  <p:stCondLst>
-                                    <p:cond delay="0"/>
-                                  </p:stCondLst>
-                                  <p:childTnLst>
-                                    <p:set>
-                                      <p:cBhvr>
-                                        <p:cTn id="68" dur="1" fill="hold">
-                                          <p:stCondLst>
-                                            <p:cond delay="0"/>
-                                          </p:stCondLst>
-                                        </p:cTn>
-                                        <p:tgtEl>
-                                          <p:spTgt spid="17"/>
-                                        </p:tgtEl>
-                                        <p:attrNameLst>
-                                          <p:attrName>style.visibility</p:attrName>
-                                        </p:attrNameLst>
-                                      </p:cBhvr>
-                                      <p:to>
-                                        <p:strVal val="hidden"/>
-                                      </p:to>
-                                    </p:set>
-                                  </p:childTnLst>
-                                </p:cTn>
-                              </p:par>
-                              <p:par>
-                                <p:cTn id="69" presetID="1" presetClass="exit" presetSubtype="0" fill="hold" grpId="2" nodeType="withEffect">
-                                  <p:stCondLst>
-                                    <p:cond delay="0"/>
-                                  </p:stCondLst>
-                                  <p:childTnLst>
-                                    <p:set>
-                                      <p:cBhvr>
-                                        <p:cTn id="70" dur="1" fill="hold">
-                                          <p:stCondLst>
-                                            <p:cond delay="0"/>
-                                          </p:stCondLst>
-                                        </p:cTn>
-                                        <p:tgtEl>
-                                          <p:spTgt spid="16"/>
-                                        </p:tgtEl>
-                                        <p:attrNameLst>
-                                          <p:attrName>style.visibility</p:attrName>
-                                        </p:attrNameLst>
-                                      </p:cBhvr>
-                                      <p:to>
-                                        <p:strVal val="hidden"/>
-                                      </p:to>
-                                    </p:set>
-                                  </p:childTnLst>
-                                </p:cTn>
-                              </p:par>
-                              <p:par>
-                                <p:cTn id="71" presetID="1" presetClass="entr" presetSubtype="0" fill="hold" grpId="0" nodeType="withEffect">
-                                  <p:stCondLst>
-                                    <p:cond delay="0"/>
-                                  </p:stCondLst>
-                                  <p:childTnLst>
-                                    <p:set>
-                                      <p:cBhvr>
-                                        <p:cTn id="72" dur="1" fill="hold">
-                                          <p:stCondLst>
-                                            <p:cond delay="0"/>
-                                          </p:stCondLst>
-                                        </p:cTn>
-                                        <p:tgtEl>
-                                          <p:spTgt spid="6"/>
-                                        </p:tgtEl>
-                                        <p:attrNameLst>
-                                          <p:attrName>style.visibility</p:attrName>
-                                        </p:attrNameLst>
-                                      </p:cBhvr>
-                                      <p:to>
-                                        <p:strVal val="visible"/>
-                                      </p:to>
-                                    </p:set>
-                                  </p:childTnLst>
-                                </p:cTn>
-                              </p:par>
-                              <p:par>
-                                <p:cTn id="73" presetID="1" presetClass="entr" presetSubtype="0" fill="hold" grpId="0" nodeType="withEffect">
+                                <p:cTn id="73" presetID="1" presetClass="entr" presetSubtype="0" fill="hold" grpId="0" nodeType="clickEffect">
                                   <p:stCondLst>
                                     <p:cond delay="0"/>
                                   </p:stCondLst>
@@ -12574,7 +13834,7 @@
                                           </p:stCondLst>
                                         </p:cTn>
                                         <p:tgtEl>
-                                          <p:spTgt spid="25"/>
+                                          <p:spTgt spid="20"/>
                                         </p:tgtEl>
                                         <p:attrNameLst>
                                           <p:attrName>style.visibility</p:attrName>
@@ -12619,7 +13879,7 @@
                                           </p:stCondLst>
                                         </p:cTn>
                                         <p:tgtEl>
-                                          <p:spTgt spid="20"/>
+                                          <p:spTgt spid="24"/>
                                         </p:tgtEl>
                                         <p:attrNameLst>
                                           <p:attrName>style.visibility</p:attrName>
@@ -12651,7 +13911,7 @@
                             </p:stCondLst>
                             <p:childTnLst>
                               <p:par>
-                                <p:cTn id="81" presetID="1" presetClass="entr" presetSubtype="0" fill="hold" grpId="0" nodeType="clickEffect">
+                                <p:cTn id="81" presetID="1" presetClass="entr" presetSubtype="0" fill="hold" nodeType="clickEffect">
                                   <p:stCondLst>
                                     <p:cond delay="0"/>
                                   </p:stCondLst>
@@ -12664,7 +13924,142 @@
                                           </p:stCondLst>
                                         </p:cTn>
                                         <p:tgtEl>
-                                          <p:spTgt spid="24"/>
+                                          <p:spTgt spid="26"/>
+                                        </p:tgtEl>
+                                        <p:attrNameLst>
+                                          <p:attrName>style.visibility</p:attrName>
+                                        </p:attrNameLst>
+                                      </p:cBhvr>
+                                      <p:to>
+                                        <p:strVal val="visible"/>
+                                      </p:to>
+                                    </p:set>
+                                  </p:childTnLst>
+                                </p:cTn>
+                              </p:par>
+                            </p:childTnLst>
+                          </p:cTn>
+                        </p:par>
+                      </p:childTnLst>
+                    </p:cTn>
+                  </p:par>
+                  <p:par>
+                    <p:cTn id="83" fill="hold">
+                      <p:stCondLst>
+                        <p:cond delay="indefinite"/>
+                      </p:stCondLst>
+                      <p:childTnLst>
+                        <p:par>
+                          <p:cTn id="84" fill="hold">
+                            <p:stCondLst>
+                              <p:cond delay="0"/>
+                            </p:stCondLst>
+                            <p:childTnLst>
+                              <p:par>
+                                <p:cTn id="85" presetID="1" presetClass="entr" presetSubtype="0" fill="hold" nodeType="clickEffect">
+                                  <p:stCondLst>
+                                    <p:cond delay="0"/>
+                                  </p:stCondLst>
+                                  <p:childTnLst>
+                                    <p:set>
+                                      <p:cBhvr>
+                                        <p:cTn id="86" dur="1" fill="hold">
+                                          <p:stCondLst>
+                                            <p:cond delay="0"/>
+                                          </p:stCondLst>
+                                        </p:cTn>
+                                        <p:tgtEl>
+                                          <p:spTgt spid="26"/>
+                                        </p:tgtEl>
+                                        <p:attrNameLst>
+                                          <p:attrName>style.visibility</p:attrName>
+                                        </p:attrNameLst>
+                                      </p:cBhvr>
+                                      <p:to>
+                                        <p:strVal val="visible"/>
+                                      </p:to>
+                                    </p:set>
+                                  </p:childTnLst>
+                                </p:cTn>
+                              </p:par>
+                            </p:childTnLst>
+                          </p:cTn>
+                        </p:par>
+                      </p:childTnLst>
+                    </p:cTn>
+                  </p:par>
+                  <p:par>
+                    <p:cTn id="87" fill="hold">
+                      <p:stCondLst>
+                        <p:cond delay="indefinite"/>
+                      </p:stCondLst>
+                      <p:childTnLst>
+                        <p:par>
+                          <p:cTn id="88" fill="hold">
+                            <p:stCondLst>
+                              <p:cond delay="0"/>
+                            </p:stCondLst>
+                            <p:childTnLst>
+                              <p:par>
+                                <p:cTn id="89" presetID="1" presetClass="entr" presetSubtype="0" fill="hold" nodeType="clickEffect">
+                                  <p:stCondLst>
+                                    <p:cond delay="0"/>
+                                  </p:stCondLst>
+                                  <p:childTnLst>
+                                    <p:set>
+                                      <p:cBhvr>
+                                        <p:cTn id="90" dur="1" fill="hold">
+                                          <p:stCondLst>
+                                            <p:cond delay="0"/>
+                                          </p:stCondLst>
+                                        </p:cTn>
+                                        <p:tgtEl>
+                                          <p:spTgt spid="27"/>
+                                        </p:tgtEl>
+                                        <p:attrNameLst>
+                                          <p:attrName>style.visibility</p:attrName>
+                                        </p:attrNameLst>
+                                      </p:cBhvr>
+                                      <p:to>
+                                        <p:strVal val="visible"/>
+                                      </p:to>
+                                    </p:set>
+                                  </p:childTnLst>
+                                </p:cTn>
+                              </p:par>
+                            </p:childTnLst>
+                          </p:cTn>
+                        </p:par>
+                      </p:childTnLst>
+                    </p:cTn>
+                  </p:par>
+                  <p:par>
+                    <p:cTn id="91" fill="hold">
+                      <p:stCondLst>
+                        <p:cond delay="indefinite"/>
+                      </p:stCondLst>
+                      <p:childTnLst>
+                        <p:par>
+                          <p:cTn id="92" fill="hold">
+                            <p:stCondLst>
+                              <p:cond delay="0"/>
+                            </p:stCondLst>
+                            <p:childTnLst>
+                              <p:par>
+                                <p:cTn id="93" presetID="1" presetClass="entr" presetSubtype="0" fill="hold" nodeType="clickEffect">
+                                  <p:stCondLst>
+                                    <p:cond delay="0"/>
+                                  </p:stCondLst>
+                                  <p:childTnLst>
+                                    <p:set>
+                                      <p:cBhvr>
+                                        <p:cTn id="94" dur="1" fill="hold">
+                                          <p:stCondLst>
+                                            <p:cond delay="0"/>
+                                          </p:stCondLst>
+                                        </p:cTn>
+                                        <p:tgtEl>
+                                          <p:spTgt spid="27"/>
                                         </p:tgtEl>
                                         <p:attrNameLst>
                                           <p:attrName>style.visibility</p:attrName>
@@ -12728,7 +14123,6 @@
       <p:bldP spid="24" grpId="0"/>
       <p:bldP spid="6" grpId="0"/>
       <p:bldP spid="25" grpId="0"/>
-      <p:bldP spid="4" grpId="0"/>
     </p:bldLst>
   </p:timing>
 </p:sld>
@@ -12789,7 +14183,6 @@
               <a:rPr lang="de-DE" altLang="en-US" sz="2000" dirty="0"/>
               <a:t> Superpixel Loss</a:t>
             </a:r>
-            <a:endParaRPr lang="de-DE" altLang="en-US" sz="2000" dirty="0"/>
           </a:p>
         </p:txBody>
       </p:sp>
@@ -13173,14 +14566,6 @@
               </a:rPr>
               <a:t> Implementation </a:t>
             </a:r>
-            <a:endParaRPr lang="de-DE" altLang="en-US" b="1" dirty="0">
-              <a:solidFill>
-                <a:srgbClr val="FFFFFF"/>
-              </a:solidFill>
-              <a:latin typeface="Open Sans" charset="0"/>
-              <a:ea typeface="Open Sans" charset="0"/>
-              <a:cs typeface="Open Sans" charset="0"/>
-            </a:endParaRPr>
           </a:p>
           <a:p>
             <a:r>
@@ -13194,14 +14579,6 @@
               </a:rPr>
               <a:t>Superpixel - Loss</a:t>
             </a:r>
-            <a:endParaRPr lang="de-DE" altLang="en-US" b="1" dirty="0">
-              <a:solidFill>
-                <a:srgbClr val="FFFFFF"/>
-              </a:solidFill>
-              <a:latin typeface="Open Sans" charset="0"/>
-              <a:ea typeface="Open Sans" charset="0"/>
-              <a:cs typeface="Open Sans" charset="0"/>
-            </a:endParaRPr>
           </a:p>
         </p:txBody>
       </p:sp>
@@ -13940,8 +15317,8 @@
           </p:txBody>
         </p:sp>
       </p:grpSp>
-      <mc:AlternateContent xmlns:mc="http://schemas.openxmlformats.org/markup-compatibility/2006">
-        <mc:Choice xmlns:a14="http://schemas.microsoft.com/office/drawing/2010/main" Requires="a14">
+      <mc:AlternateContent xmlns:mc="http://schemas.openxmlformats.org/markup-compatibility/2006" xmlns:a14="http://schemas.microsoft.com/office/drawing/2010/main">
+        <mc:Choice Requires="a14">
           <p:sp>
             <p:nvSpPr>
               <p:cNvPr id="3" name="Textfeld 2"/>
@@ -13964,6 +15341,7 @@
               </a:bodyPr>
               <a:lstStyle/>
               <a:p>
+                <a:pPr/>
                 <a14:m>
                   <m:oMathPara xmlns:m="http://schemas.openxmlformats.org/officeDocument/2006/math">
                     <m:oMathParaPr>
@@ -14036,7 +15414,7 @@
             </p:txBody>
           </p:sp>
         </mc:Choice>
-        <mc:Fallback>
+        <mc:Fallback xmlns="">
           <p:sp>
             <p:nvSpPr>
               <p:cNvPr id="3" name="Textfeld 2"/>
@@ -14054,7 +15432,7 @@
                 <a:avLst/>
               </a:prstGeom>
               <a:blipFill rotWithShape="1">
-                <a:blip r:embed="rId1"/>
+                <a:blip r:embed="rId2"/>
                 <a:stretch>
                   <a:fillRect l="-19" t="-25" r="19" b="140"/>
                 </a:stretch>
@@ -14186,12 +15564,11 @@
               <a:rPr lang="de-DE" dirty="0"/>
               <a:t> plane</a:t>
             </a:r>
-            <a:endParaRPr lang="de-DE" dirty="0"/>
           </a:p>
         </p:txBody>
       </p:sp>
-      <mc:AlternateContent xmlns:mc="http://schemas.openxmlformats.org/markup-compatibility/2006">
-        <mc:Choice xmlns:a14="http://schemas.microsoft.com/office/drawing/2010/main" Requires="a14">
+      <mc:AlternateContent xmlns:mc="http://schemas.openxmlformats.org/markup-compatibility/2006" xmlns:a14="http://schemas.microsoft.com/office/drawing/2010/main">
+        <mc:Choice Requires="a14">
           <p:sp>
             <p:nvSpPr>
               <p:cNvPr id="20" name="Text Box 4"/>
@@ -14602,7 +15979,7 @@
             </p:txBody>
           </p:sp>
         </mc:Choice>
-        <mc:Fallback>
+        <mc:Fallback xmlns="">
           <p:sp>
             <p:nvSpPr>
               <p:cNvPr id="20" name="Text Box 4"/>
@@ -14620,7 +15997,7 @@
                 <a:avLst/>
               </a:prstGeom>
               <a:blipFill rotWithShape="1">
-                <a:blip r:embed="rId2"/>
+                <a:blip r:embed="rId3"/>
                 <a:stretch>
                   <a:fillRect l="-7" t="-140" r="6" b="112"/>
                 </a:stretch>
@@ -14641,8 +16018,8 @@
           </p:sp>
         </mc:Fallback>
       </mc:AlternateContent>
-      <mc:AlternateContent xmlns:mc="http://schemas.openxmlformats.org/markup-compatibility/2006">
-        <mc:Choice xmlns:a14="http://schemas.microsoft.com/office/drawing/2010/main" Requires="a14">
+      <mc:AlternateContent xmlns:mc="http://schemas.openxmlformats.org/markup-compatibility/2006" xmlns:a14="http://schemas.microsoft.com/office/drawing/2010/main">
+        <mc:Choice Requires="a14">
           <p:sp>
             <p:nvSpPr>
               <p:cNvPr id="21" name="Textfeld 20"/>
@@ -14665,6 +16042,7 @@
               </a:bodyPr>
               <a:lstStyle/>
               <a:p>
+                <a:pPr/>
                 <a14:m>
                   <m:oMathPara xmlns:m="http://schemas.openxmlformats.org/officeDocument/2006/math">
                     <m:oMathParaPr>
@@ -14737,7 +16115,7 @@
             </p:txBody>
           </p:sp>
         </mc:Choice>
-        <mc:Fallback>
+        <mc:Fallback xmlns="">
           <p:sp>
             <p:nvSpPr>
               <p:cNvPr id="21" name="Textfeld 20"/>
@@ -14755,7 +16133,7 @@
                 <a:avLst/>
               </a:prstGeom>
               <a:blipFill rotWithShape="1">
-                <a:blip r:embed="rId1"/>
+                <a:blip r:embed="rId2"/>
                 <a:stretch>
                   <a:fillRect l="-45" t="-116" r="44" b="70"/>
                 </a:stretch>
@@ -14819,8 +16197,8 @@
           </a:p>
         </p:txBody>
       </p:sp>
-      <mc:AlternateContent xmlns:mc="http://schemas.openxmlformats.org/markup-compatibility/2006">
-        <mc:Choice xmlns:a14="http://schemas.microsoft.com/office/drawing/2010/main" Requires="a14">
+      <mc:AlternateContent xmlns:mc="http://schemas.openxmlformats.org/markup-compatibility/2006" xmlns:a14="http://schemas.microsoft.com/office/drawing/2010/main">
+        <mc:Choice Requires="a14">
           <p:sp>
             <p:nvSpPr>
               <p:cNvPr id="25" name="Textfeld 24"/>
@@ -14986,7 +16364,7 @@
             </p:txBody>
           </p:sp>
         </mc:Choice>
-        <mc:Fallback>
+        <mc:Fallback xmlns="">
           <p:sp>
             <p:nvSpPr>
               <p:cNvPr id="25" name="Textfeld 24"/>
@@ -15004,7 +16382,7 @@
                 <a:avLst/>
               </a:prstGeom>
               <a:blipFill rotWithShape="1">
-                <a:blip r:embed="rId3"/>
+                <a:blip r:embed="rId4"/>
                 <a:stretch>
                   <a:fillRect l="-10" t="-120" r="17" b="99"/>
                 </a:stretch>
@@ -15059,7 +16437,6 @@
               <a:rPr lang="de-DE" dirty="0"/>
               <a:t> SP</a:t>
             </a:r>
-            <a:endParaRPr lang="de-DE" dirty="0"/>
           </a:p>
         </p:txBody>
       </p:sp>
@@ -15097,7 +16474,6 @@
               <a:rPr lang="de-DE" b="1" dirty="0"/>
               <a:t> </a:t>
             </a:r>
-            <a:endParaRPr lang="de-DE" b="1" dirty="0"/>
           </a:p>
         </p:txBody>
       </p:sp>
@@ -15135,7 +16511,6 @@
               <a:rPr lang="de-DE" b="1" dirty="0"/>
               <a:t> </a:t>
             </a:r>
-            <a:endParaRPr lang="de-DE" b="1" dirty="0"/>
           </a:p>
         </p:txBody>
       </p:sp>
@@ -16672,14 +18047,6 @@
               </a:rPr>
               <a:t>Concept Idea</a:t>
             </a:r>
-            <a:endParaRPr lang="de-DE" altLang="en-US" b="1" dirty="0">
-              <a:solidFill>
-                <a:srgbClr val="FFFFFF"/>
-              </a:solidFill>
-              <a:latin typeface="Open Sans" charset="0"/>
-              <a:ea typeface="Open Sans" charset="0"/>
-              <a:cs typeface="Open Sans" charset="0"/>
-            </a:endParaRPr>
           </a:p>
         </p:txBody>
       </p:sp>
@@ -17271,8 +18638,8 @@
           </a:fontRef>
         </p:style>
       </p:cxnSp>
-      <mc:AlternateContent xmlns:mc="http://schemas.openxmlformats.org/markup-compatibility/2006">
-        <mc:Choice xmlns:a14="http://schemas.microsoft.com/office/drawing/2010/main" Requires="a14">
+      <mc:AlternateContent xmlns:mc="http://schemas.openxmlformats.org/markup-compatibility/2006" xmlns:a14="http://schemas.microsoft.com/office/drawing/2010/main">
+        <mc:Choice Requires="a14">
           <p:sp>
             <p:nvSpPr>
               <p:cNvPr id="116" name="Textfeld 115"/>
@@ -17295,6 +18662,7 @@
               </a:bodyPr>
               <a:lstStyle/>
               <a:p>
+                <a:pPr/>
                 <a14:m>
                   <m:oMathPara xmlns:m="http://schemas.openxmlformats.org/officeDocument/2006/math">
                     <m:oMathParaPr>
@@ -17355,13 +18723,7 @@
                             <a:rPr lang="de-DE" b="0" i="1" smtClean="0">
                               <a:latin typeface="Cambria Math" panose="02040503050406030204" pitchFamily="18" charset="0"/>
                             </a:rPr>
-                            <m:t>=</m:t>
-                          </m:r>
-                          <m:r>
-                            <a:rPr lang="de-DE" b="0" i="1" smtClean="0">
-                              <a:latin typeface="Cambria Math" panose="02040503050406030204" pitchFamily="18" charset="0"/>
-                            </a:rPr>
-                            <m:t>0</m:t>
+                            <m:t>=0</m:t>
                           </m:r>
                         </m:sub>
                         <m:sup>
@@ -17560,7 +18922,7 @@
             </p:txBody>
           </p:sp>
         </mc:Choice>
-        <mc:Fallback>
+        <mc:Fallback xmlns="">
           <p:sp>
             <p:nvSpPr>
               <p:cNvPr id="116" name="Textfeld 115"/>
@@ -17578,7 +18940,7 @@
                 <a:avLst/>
               </a:prstGeom>
               <a:blipFill rotWithShape="1">
-                <a:blip r:embed="rId1"/>
+                <a:blip r:embed="rId2"/>
                 <a:stretch>
                   <a:fillRect l="-18" t="-9" r="-1013" b="-3509"/>
                 </a:stretch>
@@ -17772,14 +19134,6 @@
               </a:rPr>
               <a:t>Implementation </a:t>
             </a:r>
-            <a:endParaRPr lang="de-DE" altLang="en-US" b="1" dirty="0">
-              <a:solidFill>
-                <a:srgbClr val="FFFFFF"/>
-              </a:solidFill>
-              <a:latin typeface="Open Sans" charset="0"/>
-              <a:ea typeface="Open Sans" charset="0"/>
-              <a:cs typeface="Open Sans" charset="0"/>
-            </a:endParaRPr>
           </a:p>
         </p:txBody>
       </p:sp>
@@ -18356,8 +19710,8 @@
           </a:p>
         </p:txBody>
       </p:sp>
-      <mc:AlternateContent xmlns:mc="http://schemas.openxmlformats.org/markup-compatibility/2006">
-        <mc:Choice xmlns:a14="http://schemas.microsoft.com/office/drawing/2010/main" Requires="a14">
+      <mc:AlternateContent xmlns:mc="http://schemas.openxmlformats.org/markup-compatibility/2006" xmlns:a14="http://schemas.microsoft.com/office/drawing/2010/main">
+        <mc:Choice Requires="a14">
           <p:sp>
             <p:nvSpPr>
               <p:cNvPr id="121" name="Textfeld 120"/>
@@ -18380,6 +19734,7 @@
               </a:bodyPr>
               <a:lstStyle/>
               <a:p>
+                <a:pPr/>
                 <a14:m>
                   <m:oMathPara xmlns:m="http://schemas.openxmlformats.org/officeDocument/2006/math">
                     <m:oMathParaPr>
@@ -18511,7 +19866,7 @@
             </p:txBody>
           </p:sp>
         </mc:Choice>
-        <mc:Fallback>
+        <mc:Fallback xmlns="">
           <p:sp>
             <p:nvSpPr>
               <p:cNvPr id="121" name="Textfeld 120"/>
@@ -18529,7 +19884,7 @@
                 <a:avLst/>
               </a:prstGeom>
               <a:blipFill rotWithShape="1">
-                <a:blip r:embed="rId2"/>
+                <a:blip r:embed="rId3"/>
                 <a:stretch>
                   <a:fillRect l="-22" t="-212" r="12" b="200"/>
                 </a:stretch>
@@ -18550,8 +19905,8 @@
           </p:sp>
         </mc:Fallback>
       </mc:AlternateContent>
-      <mc:AlternateContent xmlns:mc="http://schemas.openxmlformats.org/markup-compatibility/2006">
-        <mc:Choice xmlns:a14="http://schemas.microsoft.com/office/drawing/2010/main" Requires="a14">
+      <mc:AlternateContent xmlns:mc="http://schemas.openxmlformats.org/markup-compatibility/2006" xmlns:a14="http://schemas.microsoft.com/office/drawing/2010/main">
+        <mc:Choice Requires="a14">
           <p:sp>
             <p:nvSpPr>
               <p:cNvPr id="4" name="Textfeld 3"/>
@@ -18615,12 +19970,11 @@
                   <a:rPr lang="de-DE" i="1" dirty="0"/>
                   <a:t> Loss</a:t>
                 </a:r>
-                <a:endParaRPr lang="de-DE" i="1" dirty="0"/>
               </a:p>
             </p:txBody>
           </p:sp>
         </mc:Choice>
-        <mc:Fallback>
+        <mc:Fallback xmlns="">
           <p:sp>
             <p:nvSpPr>
               <p:cNvPr id="4" name="Textfeld 3"/>
@@ -18638,7 +19992,7 @@
                 <a:avLst/>
               </a:prstGeom>
               <a:blipFill rotWithShape="1">
-                <a:blip r:embed="rId3"/>
+                <a:blip r:embed="rId4"/>
                 <a:stretch>
                   <a:fillRect l="-3" t="-105" r="8"/>
                 </a:stretch>
@@ -18659,8 +20013,8 @@
           </p:sp>
         </mc:Fallback>
       </mc:AlternateContent>
-      <mc:AlternateContent xmlns:mc="http://schemas.openxmlformats.org/markup-compatibility/2006">
-        <mc:Choice xmlns:a14="http://schemas.microsoft.com/office/drawing/2010/main" Requires="a14">
+      <mc:AlternateContent xmlns:mc="http://schemas.openxmlformats.org/markup-compatibility/2006" xmlns:a14="http://schemas.microsoft.com/office/drawing/2010/main">
+        <mc:Choice Requires="a14">
           <p:sp>
             <p:nvSpPr>
               <p:cNvPr id="32" name="Textfeld 31"/>
@@ -18724,12 +20078,11 @@
                   <a:rPr lang="de-DE" i="1" dirty="0"/>
                   <a:t> Loss</a:t>
                 </a:r>
-                <a:endParaRPr lang="de-DE" i="1" dirty="0"/>
               </a:p>
             </p:txBody>
           </p:sp>
         </mc:Choice>
-        <mc:Fallback>
+        <mc:Fallback xmlns="">
           <p:sp>
             <p:nvSpPr>
               <p:cNvPr id="32" name="Textfeld 31"/>
@@ -18747,7 +20100,7 @@
                 <a:avLst/>
               </a:prstGeom>
               <a:blipFill rotWithShape="1">
-                <a:blip r:embed="rId4"/>
+                <a:blip r:embed="rId5"/>
                 <a:stretch>
                   <a:fillRect l="-3" r="12" b="107"/>
                 </a:stretch>
@@ -18768,8 +20121,8 @@
           </p:sp>
         </mc:Fallback>
       </mc:AlternateContent>
-      <mc:AlternateContent xmlns:mc="http://schemas.openxmlformats.org/markup-compatibility/2006">
-        <mc:Choice xmlns:a14="http://schemas.microsoft.com/office/drawing/2010/main" Requires="a14">
+      <mc:AlternateContent xmlns:mc="http://schemas.openxmlformats.org/markup-compatibility/2006" xmlns:a14="http://schemas.microsoft.com/office/drawing/2010/main">
+        <mc:Choice Requires="a14">
           <p:sp>
             <p:nvSpPr>
               <p:cNvPr id="33" name="Textfeld 32"/>
@@ -18825,12 +20178,11 @@
                   <a:rPr lang="de-DE" i="1" dirty="0"/>
                   <a:t>: Normal Loss</a:t>
                 </a:r>
-                <a:endParaRPr lang="de-DE" i="1" dirty="0"/>
               </a:p>
             </p:txBody>
           </p:sp>
         </mc:Choice>
-        <mc:Fallback>
+        <mc:Fallback xmlns="">
           <p:sp>
             <p:nvSpPr>
               <p:cNvPr id="33" name="Textfeld 32"/>
@@ -18848,7 +20200,7 @@
                 <a:avLst/>
               </a:prstGeom>
               <a:blipFill rotWithShape="1">
-                <a:blip r:embed="rId5"/>
+                <a:blip r:embed="rId6"/>
                 <a:stretch>
                   <a:fillRect l="-4" t="-60" r="21" b="168"/>
                 </a:stretch>
@@ -20823,14 +22175,6 @@
               </a:rPr>
               <a:t> Implementation </a:t>
             </a:r>
-            <a:endParaRPr lang="de-DE" altLang="en-US" b="1" dirty="0">
-              <a:solidFill>
-                <a:srgbClr val="FFFFFF"/>
-              </a:solidFill>
-              <a:latin typeface="Open Sans" charset="0"/>
-              <a:ea typeface="Open Sans" charset="0"/>
-              <a:cs typeface="Open Sans" charset="0"/>
-            </a:endParaRPr>
           </a:p>
           <a:p>
             <a:r>
@@ -20844,14 +22188,6 @@
               </a:rPr>
               <a:t>Binary SP-Loss</a:t>
             </a:r>
-            <a:endParaRPr lang="de-DE" altLang="en-US" b="1" dirty="0">
-              <a:solidFill>
-                <a:srgbClr val="FFFFFF"/>
-              </a:solidFill>
-              <a:latin typeface="Open Sans" charset="0"/>
-              <a:ea typeface="Open Sans" charset="0"/>
-              <a:cs typeface="Open Sans" charset="0"/>
-            </a:endParaRPr>
           </a:p>
         </p:txBody>
       </p:sp>
@@ -20932,8 +22268,8 @@
           </a:p>
         </p:txBody>
       </p:sp>
-      <mc:AlternateContent xmlns:mc="http://schemas.openxmlformats.org/markup-compatibility/2006">
-        <mc:Choice xmlns:a14="http://schemas.microsoft.com/office/drawing/2010/main" Requires="a14">
+      <mc:AlternateContent xmlns:mc="http://schemas.openxmlformats.org/markup-compatibility/2006" xmlns:a14="http://schemas.microsoft.com/office/drawing/2010/main">
+        <mc:Choice Requires="a14">
           <p:sp>
             <p:nvSpPr>
               <p:cNvPr id="5" name="Text Box 4"/>
@@ -21431,7 +22767,7 @@
             </p:txBody>
           </p:sp>
         </mc:Choice>
-        <mc:Fallback>
+        <mc:Fallback xmlns="">
           <p:sp>
             <p:nvSpPr>
               <p:cNvPr id="5" name="Text Box 4"/>
@@ -21449,7 +22785,7 @@
                 <a:avLst/>
               </a:prstGeom>
               <a:blipFill rotWithShape="1">
-                <a:blip r:embed="rId1"/>
+                <a:blip r:embed="rId2"/>
                 <a:stretch>
                   <a:fillRect l="-7" t="-6" r="12" b="111"/>
                 </a:stretch>
@@ -22201,8 +23537,8 @@
           </p:txBody>
         </p:sp>
       </p:grpSp>
-      <mc:AlternateContent xmlns:mc="http://schemas.openxmlformats.org/markup-compatibility/2006">
-        <mc:Choice xmlns:a14="http://schemas.microsoft.com/office/drawing/2010/main" Requires="a14">
+      <mc:AlternateContent xmlns:mc="http://schemas.openxmlformats.org/markup-compatibility/2006" xmlns:a14="http://schemas.microsoft.com/office/drawing/2010/main">
+        <mc:Choice Requires="a14">
           <p:sp>
             <p:nvSpPr>
               <p:cNvPr id="3" name="Textfeld 2"/>
@@ -22225,6 +23561,7 @@
               </a:bodyPr>
               <a:lstStyle/>
               <a:p>
+                <a:pPr/>
                 <a14:m>
                   <m:oMathPara xmlns:m="http://schemas.openxmlformats.org/officeDocument/2006/math">
                     <m:oMathParaPr>
@@ -22297,7 +23634,7 @@
             </p:txBody>
           </p:sp>
         </mc:Choice>
-        <mc:Fallback>
+        <mc:Fallback xmlns="">
           <p:sp>
             <p:nvSpPr>
               <p:cNvPr id="3" name="Textfeld 2"/>
@@ -22315,7 +23652,7 @@
                 <a:avLst/>
               </a:prstGeom>
               <a:blipFill rotWithShape="1">
-                <a:blip r:embed="rId2"/>
+                <a:blip r:embed="rId3"/>
                 <a:stretch>
                   <a:fillRect l="-40" t="-16" r="40" b="131"/>
                 </a:stretch>
@@ -22447,12 +23784,11 @@
               <a:rPr lang="de-DE" dirty="0"/>
               <a:t> plane</a:t>
             </a:r>
-            <a:endParaRPr lang="de-DE" dirty="0"/>
           </a:p>
         </p:txBody>
       </p:sp>
-      <mc:AlternateContent xmlns:mc="http://schemas.openxmlformats.org/markup-compatibility/2006">
-        <mc:Choice xmlns:a14="http://schemas.microsoft.com/office/drawing/2010/main" Requires="a14">
+      <mc:AlternateContent xmlns:mc="http://schemas.openxmlformats.org/markup-compatibility/2006" xmlns:a14="http://schemas.microsoft.com/office/drawing/2010/main">
+        <mc:Choice Requires="a14">
           <p:sp>
             <p:nvSpPr>
               <p:cNvPr id="20" name="Text Box 4"/>
@@ -22863,7 +24199,7 @@
             </p:txBody>
           </p:sp>
         </mc:Choice>
-        <mc:Fallback>
+        <mc:Fallback xmlns="">
           <p:sp>
             <p:nvSpPr>
               <p:cNvPr id="20" name="Text Box 4"/>
@@ -22881,7 +24217,7 @@
                 <a:avLst/>
               </a:prstGeom>
               <a:blipFill rotWithShape="1">
-                <a:blip r:embed="rId3"/>
+                <a:blip r:embed="rId4"/>
                 <a:stretch>
                   <a:fillRect l="-9" t="-105" r="8" b="77"/>
                 </a:stretch>
@@ -22902,8 +24238,8 @@
           </p:sp>
         </mc:Fallback>
       </mc:AlternateContent>
-      <mc:AlternateContent xmlns:mc="http://schemas.openxmlformats.org/markup-compatibility/2006">
-        <mc:Choice xmlns:a14="http://schemas.microsoft.com/office/drawing/2010/main" Requires="a14">
+      <mc:AlternateContent xmlns:mc="http://schemas.openxmlformats.org/markup-compatibility/2006" xmlns:a14="http://schemas.microsoft.com/office/drawing/2010/main">
+        <mc:Choice Requires="a14">
           <p:sp>
             <p:nvSpPr>
               <p:cNvPr id="12" name="Textfeld 11"/>
@@ -22946,7 +24282,6 @@
                   <a:rPr lang="de-DE" b="1" dirty="0"/>
                   <a:t> SP-labels</a:t>
                 </a:r>
-                <a:endParaRPr lang="de-DE" b="1" dirty="0"/>
               </a:p>
               <a:p>
                 <a:pPr marL="742950" lvl="1" indent="-285750">
@@ -23087,12 +24422,11 @@
                   <a:rPr lang="de-DE" dirty="0"/>
                   <a:t> </a:t>
                 </a:r>
-                <a:endParaRPr lang="de-DE" dirty="0"/>
               </a:p>
             </p:txBody>
           </p:sp>
         </mc:Choice>
-        <mc:Fallback>
+        <mc:Fallback xmlns="">
           <p:sp>
             <p:nvSpPr>
               <p:cNvPr id="12" name="Textfeld 11"/>
@@ -23110,7 +24444,7 @@
                 <a:avLst/>
               </a:prstGeom>
               <a:blipFill rotWithShape="1">
-                <a:blip r:embed="rId4"/>
+                <a:blip r:embed="rId5"/>
                 <a:stretch>
                   <a:fillRect l="-10" t="-76" r="17" b="79"/>
                 </a:stretch>
@@ -23131,8 +24465,8 @@
           </p:sp>
         </mc:Fallback>
       </mc:AlternateContent>
-      <mc:AlternateContent xmlns:mc="http://schemas.openxmlformats.org/markup-compatibility/2006">
-        <mc:Choice xmlns:a14="http://schemas.microsoft.com/office/drawing/2010/main" Requires="a14">
+      <mc:AlternateContent xmlns:mc="http://schemas.openxmlformats.org/markup-compatibility/2006" xmlns:a14="http://schemas.microsoft.com/office/drawing/2010/main">
+        <mc:Choice Requires="a14">
           <p:sp>
             <p:nvSpPr>
               <p:cNvPr id="14" name="Textfeld 13"/>
@@ -23358,7 +24692,7 @@
                         <a:latin typeface="Cambria Math" panose="02040503050406030204" pitchFamily="18" charset="0"/>
                         <a:ea typeface="Cambria Math" panose="02040503050406030204" pitchFamily="18" charset="0"/>
                       </a:rPr>
-                      <m:t>𝑡ℎ𝑟𝑒𝑠ℎ𝑜𝑙𝑑</m:t>
+                      <m:t>𝑡h𝑟𝑒𝑠h𝑜𝑙𝑑</m:t>
                     </m:r>
                     <m:r>
                       <a:rPr lang="de-DE" b="0" i="1" smtClean="0">
@@ -23464,7 +24798,6 @@
                   <a:rPr lang="de-DE" dirty="0"/>
                   <a:t> = 0</a:t>
                 </a:r>
-                <a:endParaRPr lang="de-DE" dirty="0"/>
               </a:p>
               <a:p>
                 <a:r>
@@ -23487,13 +24820,6 @@
                   </a:rPr>
                   <a:t>:</a:t>
                 </a:r>
-                <a:endParaRPr lang="de-DE" dirty="0">
-                  <a:solidFill>
-                    <a:schemeClr val="accent1">
-                      <a:lumMod val="75000"/>
-                    </a:schemeClr>
-                  </a:solidFill>
-                </a:endParaRPr>
               </a:p>
               <a:p>
                 <a:endParaRPr lang="de-DE" dirty="0"/>
@@ -23584,12 +24910,11 @@
                   <a:rPr lang="de-DE" dirty="0"/>
                   <a:t> = 1</a:t>
                 </a:r>
-                <a:endParaRPr lang="de-DE" dirty="0"/>
               </a:p>
             </p:txBody>
           </p:sp>
         </mc:Choice>
-        <mc:Fallback>
+        <mc:Fallback xmlns="">
           <p:sp>
             <p:nvSpPr>
               <p:cNvPr id="14" name="Textfeld 13"/>
@@ -23607,7 +24932,7 @@
                 <a:avLst/>
               </a:prstGeom>
               <a:blipFill rotWithShape="1">
-                <a:blip r:embed="rId5"/>
+                <a:blip r:embed="rId6"/>
                 <a:stretch>
                   <a:fillRect l="-4" t="-29" r="1" b="5"/>
                 </a:stretch>
@@ -24202,14 +25527,6 @@
               </a:rPr>
               <a:t> Implementation </a:t>
             </a:r>
-            <a:endParaRPr lang="de-DE" altLang="en-US" b="1" dirty="0">
-              <a:solidFill>
-                <a:srgbClr val="FFFFFF"/>
-              </a:solidFill>
-              <a:latin typeface="Open Sans" charset="0"/>
-              <a:ea typeface="Open Sans" charset="0"/>
-              <a:cs typeface="Open Sans" charset="0"/>
-            </a:endParaRPr>
           </a:p>
           <a:p>
             <a:r>
@@ -24234,14 +25551,6 @@
               </a:rPr>
               <a:t> SP-Loss</a:t>
             </a:r>
-            <a:endParaRPr lang="de-DE" altLang="en-US" b="1" dirty="0">
-              <a:solidFill>
-                <a:srgbClr val="FFFFFF"/>
-              </a:solidFill>
-              <a:latin typeface="Open Sans" charset="0"/>
-              <a:ea typeface="Open Sans" charset="0"/>
-              <a:cs typeface="Open Sans" charset="0"/>
-            </a:endParaRPr>
           </a:p>
         </p:txBody>
       </p:sp>
@@ -24322,8 +25631,8 @@
           </a:p>
         </p:txBody>
       </p:sp>
-      <mc:AlternateContent xmlns:mc="http://schemas.openxmlformats.org/markup-compatibility/2006">
-        <mc:Choice xmlns:a14="http://schemas.microsoft.com/office/drawing/2010/main" Requires="a14">
+      <mc:AlternateContent xmlns:mc="http://schemas.openxmlformats.org/markup-compatibility/2006" xmlns:a14="http://schemas.microsoft.com/office/drawing/2010/main">
+        <mc:Choice Requires="a14">
           <p:sp>
             <p:nvSpPr>
               <p:cNvPr id="5" name="Text Box 4"/>
@@ -24821,7 +26130,7 @@
             </p:txBody>
           </p:sp>
         </mc:Choice>
-        <mc:Fallback>
+        <mc:Fallback xmlns="">
           <p:sp>
             <p:nvSpPr>
               <p:cNvPr id="5" name="Text Box 4"/>
@@ -24839,7 +26148,7 @@
                 <a:avLst/>
               </a:prstGeom>
               <a:blipFill rotWithShape="1">
-                <a:blip r:embed="rId1"/>
+                <a:blip r:embed="rId2"/>
                 <a:stretch>
                   <a:fillRect l="-7" t="-6" r="12" b="111"/>
                 </a:stretch>
@@ -25591,8 +26900,8 @@
           </p:txBody>
         </p:sp>
       </p:grpSp>
-      <mc:AlternateContent xmlns:mc="http://schemas.openxmlformats.org/markup-compatibility/2006">
-        <mc:Choice xmlns:a14="http://schemas.microsoft.com/office/drawing/2010/main" Requires="a14">
+      <mc:AlternateContent xmlns:mc="http://schemas.openxmlformats.org/markup-compatibility/2006" xmlns:a14="http://schemas.microsoft.com/office/drawing/2010/main">
+        <mc:Choice Requires="a14">
           <p:sp>
             <p:nvSpPr>
               <p:cNvPr id="3" name="Textfeld 2"/>
@@ -25615,6 +26924,7 @@
               </a:bodyPr>
               <a:lstStyle/>
               <a:p>
+                <a:pPr/>
                 <a14:m>
                   <m:oMathPara xmlns:m="http://schemas.openxmlformats.org/officeDocument/2006/math">
                     <m:oMathParaPr>
@@ -25690,7 +27000,7 @@
             </p:txBody>
           </p:sp>
         </mc:Choice>
-        <mc:Fallback>
+        <mc:Fallback xmlns="">
           <p:sp>
             <p:nvSpPr>
               <p:cNvPr id="3" name="Textfeld 2"/>
@@ -25708,7 +27018,7 @@
                 <a:avLst/>
               </a:prstGeom>
               <a:blipFill rotWithShape="1">
-                <a:blip r:embed="rId2"/>
+                <a:blip r:embed="rId3"/>
                 <a:stretch>
                   <a:fillRect l="-40" t="-16" r="40" b="131"/>
                 </a:stretch>
@@ -25772,8 +27082,8 @@
           </a:p>
         </p:txBody>
       </p:sp>
-      <mc:AlternateContent xmlns:mc="http://schemas.openxmlformats.org/markup-compatibility/2006">
-        <mc:Choice xmlns:a14="http://schemas.microsoft.com/office/drawing/2010/main" Requires="a14">
+      <mc:AlternateContent xmlns:mc="http://schemas.openxmlformats.org/markup-compatibility/2006" xmlns:a14="http://schemas.microsoft.com/office/drawing/2010/main">
+        <mc:Choice Requires="a14">
           <p:sp>
             <p:nvSpPr>
               <p:cNvPr id="8" name="Textfeld 7"/>
@@ -25939,7 +27249,7 @@
             </p:txBody>
           </p:sp>
         </mc:Choice>
-        <mc:Fallback>
+        <mc:Fallback xmlns="">
           <p:sp>
             <p:nvSpPr>
               <p:cNvPr id="8" name="Textfeld 7"/>
@@ -25957,7 +27267,7 @@
                 <a:avLst/>
               </a:prstGeom>
               <a:blipFill rotWithShape="1">
-                <a:blip r:embed="rId3"/>
+                <a:blip r:embed="rId4"/>
                 <a:stretch>
                   <a:fillRect l="-12" t="-100" r="11" b="79"/>
                 </a:stretch>
@@ -26012,12 +27322,11 @@
               <a:rPr lang="de-DE" dirty="0"/>
               <a:t> SP</a:t>
             </a:r>
-            <a:endParaRPr lang="de-DE" dirty="0"/>
           </a:p>
         </p:txBody>
       </p:sp>
-      <mc:AlternateContent xmlns:mc="http://schemas.openxmlformats.org/markup-compatibility/2006">
-        <mc:Choice xmlns:a14="http://schemas.microsoft.com/office/drawing/2010/main" Requires="a14">
+      <mc:AlternateContent xmlns:mc="http://schemas.openxmlformats.org/markup-compatibility/2006" xmlns:a14="http://schemas.microsoft.com/office/drawing/2010/main">
+        <mc:Choice Requires="a14">
           <p:sp>
             <p:nvSpPr>
               <p:cNvPr id="20" name="Text Box 4"/>
@@ -26428,7 +27737,7 @@
             </p:txBody>
           </p:sp>
         </mc:Choice>
-        <mc:Fallback>
+        <mc:Fallback xmlns="">
           <p:sp>
             <p:nvSpPr>
               <p:cNvPr id="20" name="Text Box 4"/>
@@ -26446,7 +27755,7 @@
                 <a:avLst/>
               </a:prstGeom>
               <a:blipFill rotWithShape="1">
-                <a:blip r:embed="rId4"/>
+                <a:blip r:embed="rId5"/>
                 <a:stretch>
                   <a:fillRect l="-9" t="-105" r="8" b="77"/>
                 </a:stretch>
@@ -26467,8 +27776,8 @@
           </p:sp>
         </mc:Fallback>
       </mc:AlternateContent>
-      <mc:AlternateContent xmlns:mc="http://schemas.openxmlformats.org/markup-compatibility/2006">
-        <mc:Choice xmlns:a14="http://schemas.microsoft.com/office/drawing/2010/main" Requires="a14">
+      <mc:AlternateContent xmlns:mc="http://schemas.openxmlformats.org/markup-compatibility/2006" xmlns:a14="http://schemas.microsoft.com/office/drawing/2010/main">
+        <mc:Choice Requires="a14">
           <p:sp>
             <p:nvSpPr>
               <p:cNvPr id="12" name="Textfeld 11"/>
@@ -26511,7 +27820,6 @@
                   <a:rPr lang="de-DE" b="1" dirty="0"/>
                   <a:t> SP-labels</a:t>
                 </a:r>
-                <a:endParaRPr lang="de-DE" b="1" dirty="0"/>
               </a:p>
               <a:p>
                 <a:pPr marL="742950" lvl="1" indent="-285750">
@@ -26652,12 +27960,11 @@
                   <a:rPr lang="de-DE" dirty="0"/>
                   <a:t> </a:t>
                 </a:r>
-                <a:endParaRPr lang="de-DE" dirty="0"/>
               </a:p>
             </p:txBody>
           </p:sp>
         </mc:Choice>
-        <mc:Fallback>
+        <mc:Fallback xmlns="">
           <p:sp>
             <p:nvSpPr>
               <p:cNvPr id="12" name="Textfeld 11"/>
@@ -26675,7 +27982,7 @@
                 <a:avLst/>
               </a:prstGeom>
               <a:blipFill rotWithShape="1">
-                <a:blip r:embed="rId5"/>
+                <a:blip r:embed="rId6"/>
                 <a:stretch>
                   <a:fillRect l="-10" t="-76" r="17" b="79"/>
                 </a:stretch>
@@ -26696,8 +28003,8 @@
           </p:sp>
         </mc:Fallback>
       </mc:AlternateContent>
-      <mc:AlternateContent xmlns:mc="http://schemas.openxmlformats.org/markup-compatibility/2006">
-        <mc:Choice xmlns:a14="http://schemas.microsoft.com/office/drawing/2010/main" Requires="a14">
+      <mc:AlternateContent xmlns:mc="http://schemas.openxmlformats.org/markup-compatibility/2006" xmlns:a14="http://schemas.microsoft.com/office/drawing/2010/main">
+        <mc:Choice Requires="a14">
           <p:sp>
             <p:nvSpPr>
               <p:cNvPr id="14" name="Textfeld 13"/>
@@ -27047,7 +28354,6 @@
                   <a:rPr lang="de-DE" dirty="0"/>
                   <a:t> </a:t>
                 </a:r>
-                <a:endParaRPr lang="de-DE" dirty="0"/>
               </a:p>
               <a:p>
                 <a:r>
@@ -27060,13 +28366,6 @@
                   </a:rPr>
                   <a:t>else:</a:t>
                 </a:r>
-                <a:endParaRPr lang="de-DE" dirty="0">
-                  <a:solidFill>
-                    <a:schemeClr val="accent1">
-                      <a:lumMod val="75000"/>
-                    </a:schemeClr>
-                  </a:solidFill>
-                </a:endParaRPr>
               </a:p>
               <a:p>
                 <a:endParaRPr lang="de-DE" dirty="0"/>
@@ -27157,12 +28456,11 @@
                   <a:rPr lang="de-DE" dirty="0"/>
                   <a:t> = 1</a:t>
                 </a:r>
-                <a:endParaRPr lang="de-DE" dirty="0"/>
               </a:p>
             </p:txBody>
           </p:sp>
         </mc:Choice>
-        <mc:Fallback>
+        <mc:Fallback xmlns="">
           <p:sp>
             <p:nvSpPr>
               <p:cNvPr id="14" name="Textfeld 13"/>
@@ -27180,7 +28478,7 @@
                 <a:avLst/>
               </a:prstGeom>
               <a:blipFill rotWithShape="1">
-                <a:blip r:embed="rId6"/>
+                <a:blip r:embed="rId7"/>
                 <a:stretch>
                   <a:fillRect l="-5" t="-29" r="10" b="13"/>
                 </a:stretch>
@@ -27391,7 +28689,6 @@
               <a:rPr lang="de-DE" altLang="en-US" sz="2000" dirty="0"/>
               <a:t> [1]</a:t>
             </a:r>
-            <a:endParaRPr lang="de-DE" altLang="en-US" sz="2000" dirty="0"/>
           </a:p>
         </p:txBody>
       </p:sp>
@@ -27548,8 +28845,8 @@
           </a:p>
         </p:txBody>
       </p:sp>
-      <mc:AlternateContent xmlns:mc="http://schemas.openxmlformats.org/markup-compatibility/2006">
-        <mc:Choice xmlns:a14="http://schemas.microsoft.com/office/drawing/2010/main" Requires="a14">
+      <mc:AlternateContent xmlns:mc="http://schemas.openxmlformats.org/markup-compatibility/2006" xmlns:a14="http://schemas.microsoft.com/office/drawing/2010/main">
+        <mc:Choice Requires="a14">
           <p:sp>
             <p:nvSpPr>
               <p:cNvPr id="3" name="Textfeld 2"/>
@@ -27572,6 +28869,7 @@
               </a:bodyPr>
               <a:lstStyle/>
               <a:p>
+                <a:pPr/>
                 <a14:m>
                   <m:oMathPara xmlns:m="http://schemas.openxmlformats.org/officeDocument/2006/math">
                     <m:oMathParaPr>
@@ -27667,13 +28965,7 @@
                                 <a:rPr lang="de-DE" sz="2000" b="0" i="1" smtClean="0">
                                   <a:latin typeface="Cambria Math" panose="02040503050406030204" pitchFamily="18" charset="0"/>
                                 </a:rPr>
-                                <m:t>1</m:t>
-                              </m:r>
-                              <m:r>
-                                <a:rPr lang="de-DE" sz="2000" b="0" i="1" smtClean="0">
-                                  <a:latin typeface="Cambria Math" panose="02040503050406030204" pitchFamily="18" charset="0"/>
-                                </a:rPr>
-                                <m:t> −</m:t>
+                                <m:t>1 −</m:t>
                               </m:r>
                               <m:r>
                                 <a:rPr lang="de-DE" sz="2000" b="0" i="1" smtClean="0">
@@ -27800,13 +29092,7 @@
                                 <a:rPr lang="de-DE" sz="2000" b="0" i="1" smtClean="0">
                                   <a:latin typeface="Cambria Math" panose="02040503050406030204" pitchFamily="18" charset="0"/>
                                 </a:rPr>
-                                <m:t>1</m:t>
-                              </m:r>
-                              <m:r>
-                                <a:rPr lang="de-DE" sz="2000" b="0" i="1" smtClean="0">
-                                  <a:latin typeface="Cambria Math" panose="02040503050406030204" pitchFamily="18" charset="0"/>
-                                </a:rPr>
-                                <m:t>−</m:t>
+                                <m:t>1−</m:t>
                               </m:r>
                               <m:r>
                                 <a:rPr lang="de-DE" sz="2000" b="0" i="1" smtClean="0">
@@ -28424,12 +29710,11 @@
                   <a:rPr lang="de-DE" sz="2000" dirty="0"/>
                   <a:t>)</a:t>
                 </a:r>
-                <a:endParaRPr lang="de-DE" sz="2000" dirty="0"/>
               </a:p>
             </p:txBody>
           </p:sp>
         </mc:Choice>
-        <mc:Fallback>
+        <mc:Fallback xmlns="">
           <p:sp>
             <p:nvSpPr>
               <p:cNvPr id="3" name="Textfeld 2"/>
@@ -28447,7 +29732,7 @@
                 <a:avLst/>
               </a:prstGeom>
               <a:blipFill rotWithShape="1">
-                <a:blip r:embed="rId1"/>
+                <a:blip r:embed="rId2"/>
                 <a:stretch>
                   <a:fillRect l="-1" t="-21" r="7" b="21"/>
                 </a:stretch>
@@ -28468,8 +29753,8 @@
           </p:sp>
         </mc:Fallback>
       </mc:AlternateContent>
-      <mc:AlternateContent xmlns:mc="http://schemas.openxmlformats.org/markup-compatibility/2006">
-        <mc:Choice xmlns:a14="http://schemas.microsoft.com/office/drawing/2010/main" Requires="a14">
+      <mc:AlternateContent xmlns:mc="http://schemas.openxmlformats.org/markup-compatibility/2006" xmlns:a14="http://schemas.microsoft.com/office/drawing/2010/main">
+        <mc:Choice Requires="a14">
           <p:sp>
             <p:nvSpPr>
               <p:cNvPr id="5" name="Textfeld 4"/>
@@ -28745,7 +30030,7 @@
             </p:txBody>
           </p:sp>
         </mc:Choice>
-        <mc:Fallback>
+        <mc:Fallback xmlns="">
           <p:sp>
             <p:nvSpPr>
               <p:cNvPr id="5" name="Textfeld 4"/>
@@ -28763,7 +30048,7 @@
                 <a:avLst/>
               </a:prstGeom>
               <a:blipFill rotWithShape="1">
-                <a:blip r:embed="rId2"/>
+                <a:blip r:embed="rId3"/>
                 <a:stretch>
                   <a:fillRect l="-19" t="-83" r="-1536" b="83"/>
                 </a:stretch>
@@ -28784,8 +30069,8 @@
           </p:sp>
         </mc:Fallback>
       </mc:AlternateContent>
-      <mc:AlternateContent xmlns:mc="http://schemas.openxmlformats.org/markup-compatibility/2006">
-        <mc:Choice xmlns:a14="http://schemas.microsoft.com/office/drawing/2010/main" Requires="a14">
+      <mc:AlternateContent xmlns:mc="http://schemas.openxmlformats.org/markup-compatibility/2006" xmlns:a14="http://schemas.microsoft.com/office/drawing/2010/main">
+        <mc:Choice Requires="a14">
           <p:sp>
             <p:nvSpPr>
               <p:cNvPr id="7" name="Textfeld 6"/>
@@ -28808,6 +30093,7 @@
               </a:bodyPr>
               <a:lstStyle/>
               <a:p>
+                <a:pPr/>
                 <a14:m>
                   <m:oMathPara xmlns:m="http://schemas.openxmlformats.org/officeDocument/2006/math">
                     <m:oMathParaPr>
@@ -28818,7 +30104,7 @@
                         <a:rPr lang="de-DE" b="0" i="1" smtClean="0">
                           <a:latin typeface="Cambria Math" panose="02040503050406030204" pitchFamily="18" charset="0"/>
                         </a:rPr>
-                        <m:t>𝑆𝑚𝑜𝑜𝑡ℎ𝑛𝑒𝑠𝑠</m:t>
+                        <m:t>𝑆𝑚𝑜𝑜𝑡h𝑛𝑒𝑠𝑠</m:t>
                       </m:r>
                       <m:r>
                         <a:rPr lang="de-DE" b="0" i="1" smtClean="0">
@@ -28978,7 +30264,7 @@
                         <a:latin typeface="Cambria Math" panose="02040503050406030204" pitchFamily="18" charset="0"/>
                         <a:ea typeface="Cambria Math" panose="02040503050406030204" pitchFamily="18" charset="0"/>
                       </a:rPr>
-                      <m:t>𝑠𝑚𝑜𝑜𝑡ℎ𝑛𝑒𝑠𝑠</m:t>
+                      <m:t>𝑠𝑚𝑜𝑜𝑡h𝑛𝑒𝑠𝑠</m:t>
                     </m:r>
                   </m:oMath>
                 </a14:m>
@@ -29147,7 +30433,7 @@
                         <a:latin typeface="Cambria Math" panose="02040503050406030204" pitchFamily="18" charset="0"/>
                         <a:ea typeface="Cambria Math" panose="02040503050406030204" pitchFamily="18" charset="0"/>
                       </a:rPr>
-                      <m:t>𝑠𝑚𝑜𝑜𝑡ℎ𝑛𝑒𝑠𝑠</m:t>
+                      <m:t>𝑠𝑚𝑜𝑜𝑡h𝑛𝑒𝑠𝑠</m:t>
                     </m:r>
                   </m:oMath>
                 </a14:m>
@@ -29156,7 +30442,7 @@
             </p:txBody>
           </p:sp>
         </mc:Choice>
-        <mc:Fallback>
+        <mc:Fallback xmlns="">
           <p:sp>
             <p:nvSpPr>
               <p:cNvPr id="7" name="Textfeld 6"/>
@@ -29174,7 +30460,7 @@
                 <a:avLst/>
               </a:prstGeom>
               <a:blipFill rotWithShape="1">
-                <a:blip r:embed="rId3"/>
+                <a:blip r:embed="rId4"/>
                 <a:stretch>
                   <a:fillRect l="-11" t="-55" r="-6756" b="55"/>
                 </a:stretch>
@@ -29195,8 +30481,8 @@
           </p:sp>
         </mc:Fallback>
       </mc:AlternateContent>
-      <mc:AlternateContent xmlns:mc="http://schemas.openxmlformats.org/markup-compatibility/2006">
-        <mc:Choice xmlns:a14="http://schemas.microsoft.com/office/drawing/2010/main" Requires="a14">
+      <mc:AlternateContent xmlns:mc="http://schemas.openxmlformats.org/markup-compatibility/2006" xmlns:a14="http://schemas.microsoft.com/office/drawing/2010/main">
+        <mc:Choice Requires="a14">
           <p:sp>
             <p:nvSpPr>
               <p:cNvPr id="8" name="Textfeld 7"/>
@@ -29219,6 +30505,7 @@
               </a:bodyPr>
               <a:lstStyle/>
               <a:p>
+                <a:pPr/>
                 <a14:m>
                   <m:oMathPara xmlns:m="http://schemas.openxmlformats.org/officeDocument/2006/math">
                     <m:oMathParaPr>
@@ -29229,7 +30516,7 @@
                         <a:rPr lang="de-DE" b="0" i="1" smtClean="0">
                           <a:latin typeface="Cambria Math" panose="02040503050406030204" pitchFamily="18" charset="0"/>
                         </a:rPr>
-                        <m:t>𝑃ℎ</m:t>
+                        <m:t>𝑃h</m:t>
                       </m:r>
                       <m:r>
                         <a:rPr lang="en-US" altLang="de-DE" b="0" i="1" smtClean="0">
@@ -29303,10 +30590,6 @@
                   </a:rPr>
                   <a:t>SSIM </a:t>
                 </a:r>
-                <a:endParaRPr lang="de-DE" b="0" dirty="0">
-                  <a:latin typeface="Cambria Math" panose="02040503050406030204" pitchFamily="18" charset="0"/>
-                  <a:ea typeface="Cambria Math" panose="02040503050406030204" pitchFamily="18" charset="0"/>
-                </a:endParaRPr>
               </a:p>
               <a:p>
                 <a:pPr marL="285750" indent="-285750">
@@ -29328,7 +30611,7 @@
             </p:txBody>
           </p:sp>
         </mc:Choice>
-        <mc:Fallback>
+        <mc:Fallback xmlns="">
           <p:sp>
             <p:nvSpPr>
               <p:cNvPr id="8" name="Textfeld 7"/>
@@ -29346,7 +30629,7 @@
                 <a:avLst/>
               </a:prstGeom>
               <a:blipFill rotWithShape="1">
-                <a:blip r:embed="rId4"/>
+                <a:blip r:embed="rId5"/>
                 <a:stretch>
                   <a:fillRect l="-4" t="-58" r="1" b="58"/>
                 </a:stretch>
@@ -29562,11 +30845,6 @@
               </a:rPr>
               <a:t>Pose</a:t>
             </a:r>
-            <a:endParaRPr lang="de-DE" sz="2000" i="1" dirty="0">
-              <a:solidFill>
-                <a:srgbClr val="312C8C"/>
-              </a:solidFill>
-            </a:endParaRPr>
           </a:p>
         </p:txBody>
       </p:sp>
@@ -30542,6 +31820,7 @@
       </a:bgFillStyleLst>
     </a:fmtScheme>
   </a:themeElements>
+  <a:objectDefaults/>
   <a:extraClrSchemeLst>
     <a:extraClrScheme>
       <a:clrScheme name="v1_TUD_Präsentation_rot 1">
@@ -31322,6 +32601,8 @@
       </a:bgFillStyleLst>
     </a:fmtScheme>
   </a:themeElements>
+  <a:objectDefaults/>
+  <a:extraClrSchemeLst/>
   <a:extLst>
     <a:ext uri="{05A4C25C-085E-4340-85A3-A5531E510DB2}">
       <thm15:themeFamily xmlns:thm15="http://schemas.microsoft.com/office/thememl/2012/main" name="Office Theme" id="{62F939B6-93AF-4DB8-9C6B-D6C7DFDC589F}" vid="{4A3C46E8-61CC-4603-A589-7422A47A8E4A}"/>
@@ -31608,6 +32889,8 @@
       </a:bgFillStyleLst>
     </a:fmtScheme>
   </a:themeElements>
+  <a:objectDefaults/>
+  <a:extraClrSchemeLst/>
   <a:extLst>
     <a:ext uri="{05A4C25C-085E-4340-85A3-A5531E510DB2}">
       <thm15:themeFamily xmlns:thm15="http://schemas.microsoft.com/office/thememl/2012/main" name="Office Theme" id="{62F939B6-93AF-4DB8-9C6B-D6C7DFDC589F}" vid="{4A3C46E8-61CC-4603-A589-7422A47A8E4A}"/>
